--- a/POETS - Code Palousa 2015.pptx
+++ b/POETS - Code Palousa 2015.pptx
@@ -303,7 +303,7 @@
           <a:p>
             <a:fld id="{C54A4886-B4AF-42F7-97BE-95CDF82A73E3}" type="datetimeFigureOut">
               <a:rPr lang="en-US" smtClean="0"/>
-              <a:t>4/28/2015</a:t>
+              <a:t>4/29/2015</a:t>
             </a:fld>
             <a:endParaRPr lang="en-US"/>
           </a:p>
@@ -819,19 +819,7 @@
             </a:pPr>
             <a:r>
               <a:rPr lang="en-US" baseline="0" dirty="0" smtClean="0"/>
-              <a:t>Not </a:t>
-            </a:r>
-            <a:r>
-              <a:rPr lang="en-US" baseline="0" dirty="0" smtClean="0"/>
-              <a:t>an isolated case – </a:t>
-            </a:r>
-            <a:r>
-              <a:rPr lang="en-US" baseline="0" dirty="0" smtClean="0"/>
-              <a:t>we had lots of tests like this, and I’m guessing that many of you do to</a:t>
-            </a:r>
-            <a:r>
-              <a:rPr lang="en-US" baseline="0" dirty="0" smtClean="0"/>
-              <a:t/>
+              <a:t>Not an isolated case – we had lots of tests like this, and I’m guessing that many of you do to</a:t>
             </a:r>
             <a:br>
               <a:rPr lang="en-US" baseline="0" dirty="0" smtClean="0"/>
@@ -841,11 +829,7 @@
           <a:p>
             <a:r>
               <a:rPr lang="en-US" b="1" i="0" baseline="0" dirty="0" smtClean="0"/>
-              <a:t>TRANSITION</a:t>
-            </a:r>
-            <a:r>
-              <a:rPr lang="en-US" b="1" i="0" baseline="0" dirty="0" smtClean="0"/>
-              <a:t>: </a:t>
+              <a:t>TRANSITION: </a:t>
             </a:r>
             <a:r>
               <a:rPr lang="en-US" b="0" i="0" baseline="0" dirty="0" smtClean="0"/>
@@ -884,19 +868,7 @@
                 <a:ea typeface="+mn-ea"/>
                 <a:cs typeface="+mn-cs"/>
               </a:rPr>
-              <a:t>The things I’m going to show you today are the </a:t>
-            </a:r>
-            <a:r>
-              <a:rPr lang="en-US" sz="1200" kern="1200" dirty="0" smtClean="0">
-                <a:solidFill>
-                  <a:schemeClr val="tx1"/>
-                </a:solidFill>
-                <a:effectLst/>
-                <a:latin typeface="+mn-lt"/>
-                <a:ea typeface="+mn-ea"/>
-                <a:cs typeface="+mn-cs"/>
-              </a:rPr>
-              <a:t>techniques that we developed</a:t>
+              <a:t>The things I’m going to show you today are the techniques that we developed</a:t>
             </a:r>
             <a:r>
               <a:rPr lang="en-US" sz="1200" kern="1200" baseline="0" dirty="0" smtClean="0">
@@ -922,15 +894,6 @@
               </a:rPr>
               <a:t> </a:t>
             </a:r>
-            <a:endParaRPr lang="en-US" sz="1200" kern="1200" dirty="0" smtClean="0">
-              <a:solidFill>
-                <a:schemeClr val="tx1"/>
-              </a:solidFill>
-              <a:effectLst/>
-              <a:latin typeface="+mn-lt"/>
-              <a:ea typeface="+mn-ea"/>
-              <a:cs typeface="+mn-cs"/>
-            </a:endParaRPr>
           </a:p>
           <a:p>
             <a:endParaRPr lang="en-US" b="1" i="0" baseline="0" dirty="0" smtClean="0"/>
@@ -2551,19 +2514,7 @@
                 <a:ea typeface="+mn-ea"/>
                 <a:cs typeface="+mn-cs"/>
               </a:rPr>
-              <a:t>Those are my </a:t>
-            </a:r>
-            <a:r>
-              <a:rPr lang="en-US" sz="1200" kern="1200" dirty="0" smtClean="0">
-                <a:solidFill>
-                  <a:schemeClr val="tx1"/>
-                </a:solidFill>
-                <a:effectLst/>
-                <a:latin typeface="+mn-lt"/>
-                <a:ea typeface="+mn-ea"/>
-                <a:cs typeface="+mn-cs"/>
-              </a:rPr>
-              <a:t>assertions,</a:t>
+              <a:t>Those are my assertions,</a:t>
             </a:r>
             <a:r>
               <a:rPr lang="en-US" sz="1200" kern="1200" baseline="0" dirty="0" smtClean="0">
@@ -2575,67 +2526,7 @@
                 <a:ea typeface="+mn-ea"/>
                 <a:cs typeface="+mn-cs"/>
               </a:rPr>
-              <a:t> based </a:t>
-            </a:r>
-            <a:r>
-              <a:rPr lang="en-US" sz="1200" kern="1200" baseline="0" dirty="0" smtClean="0">
-                <a:solidFill>
-                  <a:schemeClr val="tx1"/>
-                </a:solidFill>
-                <a:effectLst/>
-                <a:latin typeface="+mn-lt"/>
-                <a:ea typeface="+mn-ea"/>
-                <a:cs typeface="+mn-cs"/>
-              </a:rPr>
-              <a:t>on years of </a:t>
-            </a:r>
-            <a:r>
-              <a:rPr lang="en-US" sz="1200" kern="1200" baseline="0" dirty="0" smtClean="0">
-                <a:solidFill>
-                  <a:schemeClr val="tx1"/>
-                </a:solidFill>
-                <a:effectLst/>
-                <a:latin typeface="+mn-lt"/>
-                <a:ea typeface="+mn-ea"/>
-                <a:cs typeface="+mn-cs"/>
-              </a:rPr>
-              <a:t>experience </a:t>
-            </a:r>
-            <a:r>
-              <a:rPr lang="en-US" sz="1200" kern="1200" baseline="0" dirty="0" smtClean="0">
-                <a:solidFill>
-                  <a:schemeClr val="tx1"/>
-                </a:solidFill>
-                <a:effectLst/>
-                <a:latin typeface="+mn-lt"/>
-                <a:ea typeface="+mn-ea"/>
-                <a:cs typeface="+mn-cs"/>
-              </a:rPr>
-              <a:t>writing tests </a:t>
-            </a:r>
-            <a:r>
-              <a:rPr lang="en-US" sz="1200" kern="1200" baseline="0" dirty="0" smtClean="0">
-                <a:solidFill>
-                  <a:schemeClr val="tx1"/>
-                </a:solidFill>
-                <a:effectLst/>
-                <a:latin typeface="+mn-lt"/>
-                <a:ea typeface="+mn-ea"/>
-                <a:cs typeface="+mn-cs"/>
-              </a:rPr>
-              <a:t>in the trenches just </a:t>
-            </a:r>
-            <a:r>
-              <a:rPr lang="en-US" sz="1200" kern="1200" baseline="0" dirty="0" smtClean="0">
-                <a:solidFill>
-                  <a:schemeClr val="tx1"/>
-                </a:solidFill>
-                <a:effectLst/>
-                <a:latin typeface="+mn-lt"/>
-                <a:ea typeface="+mn-ea"/>
-                <a:cs typeface="+mn-cs"/>
-              </a:rPr>
-              <a:t>like you. </a:t>
+              <a:t> based on years of experience writing tests in the trenches just like you. </a:t>
             </a:r>
           </a:p>
           <a:p>
@@ -2671,31 +2562,7 @@
                 <a:ea typeface="+mn-ea"/>
                 <a:cs typeface="+mn-cs"/>
               </a:rPr>
-              <a:t>I have </a:t>
-            </a:r>
-            <a:r>
-              <a:rPr lang="en-US" sz="1200" kern="1200" baseline="0" dirty="0" smtClean="0">
-                <a:solidFill>
-                  <a:schemeClr val="tx1"/>
-                </a:solidFill>
-                <a:effectLst/>
-                <a:latin typeface="+mn-lt"/>
-                <a:ea typeface="+mn-ea"/>
-                <a:cs typeface="+mn-cs"/>
-              </a:rPr>
-              <a:t>overwhelmed by confusion </a:t>
-            </a:r>
-            <a:r>
-              <a:rPr lang="en-US" sz="1200" kern="1200" baseline="0" dirty="0" smtClean="0">
-                <a:solidFill>
-                  <a:schemeClr val="tx1"/>
-                </a:solidFill>
-                <a:effectLst/>
-                <a:latin typeface="+mn-lt"/>
-                <a:ea typeface="+mn-ea"/>
-                <a:cs typeface="+mn-cs"/>
-              </a:rPr>
-              <a:t>while trying to understand a test with three screens of setup logic. </a:t>
+              <a:t>I have overwhelmed by confusion while trying to understand a test with three screens of setup logic. </a:t>
             </a:r>
           </a:p>
           <a:p>
@@ -3145,25 +3012,24 @@
               <a:rPr lang="en-US" baseline="0" dirty="0" err="1" smtClean="0"/>
               <a:t>etc</a:t>
             </a:r>
+            <a:endParaRPr lang="en-US" baseline="0" dirty="0" smtClean="0"/>
+          </a:p>
+          <a:p>
+            <a:pPr marL="628650" lvl="1" indent="-171450">
+              <a:buFont typeface="Arial" panose="020B0604020202020204" pitchFamily="34" charset="0"/>
+              <a:buChar char="•"/>
+            </a:pPr>
             <a:r>
               <a:rPr lang="en-US" baseline="0" dirty="0" smtClean="0"/>
-              <a:t/>
-            </a:r>
-            <a:br>
-              <a:rPr lang="en-US" baseline="0" dirty="0" smtClean="0"/>
-            </a:br>
+              <a:t>Being forced to write unnecessary code like this can make it very difficult to set up tests for complex systems</a:t>
+            </a:r>
+          </a:p>
+          <a:p>
+            <a:pPr marL="628650" lvl="1" indent="-171450">
+              <a:buFont typeface="Arial" panose="020B0604020202020204" pitchFamily="34" charset="0"/>
+              <a:buChar char="•"/>
+            </a:pPr>
             <a:endParaRPr lang="en-US" baseline="0" dirty="0" smtClean="0"/>
-          </a:p>
-          <a:p>
-            <a:pPr marL="171450" lvl="0" indent="-171450">
-              <a:buFont typeface="Arial" panose="020B0604020202020204" pitchFamily="34" charset="0"/>
-              <a:buChar char="•"/>
-            </a:pPr>
-            <a:r>
-              <a:rPr lang="en-US" baseline="0" dirty="0" smtClean="0"/>
-              <a:t>Irrelevant dependencies and noise values are a huge problem in large systems like this</a:t>
-            </a:r>
-            <a:endParaRPr lang="en-US" i="0" baseline="0" dirty="0" smtClean="0"/>
           </a:p>
           <a:p>
             <a:endParaRPr lang="en-US" i="0" baseline="0" dirty="0" smtClean="0"/>
@@ -3214,12 +3080,6 @@
               <a:defRPr/>
             </a:pPr>
             <a:endParaRPr lang="en-US" b="0" i="0" baseline="0" dirty="0" smtClean="0"/>
-          </a:p>
-          <a:p>
-            <a:r>
-              <a:rPr lang="en-US" baseline="0" dirty="0" smtClean="0"/>
-              <a:t>TODO: red/green colorblind issue</a:t>
-            </a:r>
           </a:p>
         </p:txBody>
       </p:sp>
@@ -3913,7 +3773,6 @@
               <a:rPr lang="en-US" b="0" i="0" baseline="0" dirty="0" smtClean="0"/>
               <a:t>Dictionary defines “expressive” as “effectively conveying thought or meaning”. </a:t>
             </a:r>
-            <a:endParaRPr lang="en-US" b="0" i="0" baseline="0" dirty="0" smtClean="0"/>
           </a:p>
           <a:p>
             <a:pPr marL="171450" indent="-171450">
@@ -3931,7 +3790,6 @@
               <a:rPr lang="en-US" b="0" i="0" baseline="0" dirty="0" smtClean="0"/>
               <a:t>Means that other developers should be able to read and understand our setup code with as minimal effort as possible</a:t>
             </a:r>
-            <a:endParaRPr lang="en-US" b="0" i="0" baseline="0" dirty="0" smtClean="0"/>
           </a:p>
           <a:p>
             <a:pPr marL="171450" indent="-171450">
@@ -3952,10 +3810,6 @@
             <a:r>
               <a:rPr lang="en-US" b="0" i="0" baseline="0" dirty="0" smtClean="0"/>
               <a:t>This is a really important idea so we’re going to dig in and look at a bunch of ways to write expressive code.</a:t>
-            </a:r>
-            <a:r>
-              <a:rPr lang="en-US" b="0" i="0" baseline="0" dirty="0" smtClean="0"/>
-              <a:t/>
             </a:r>
             <a:br>
               <a:rPr lang="en-US" b="0" i="0" baseline="0" dirty="0" smtClean="0"/>
@@ -4056,18 +3910,32 @@
             <a:endParaRPr lang="en-US" b="0" i="0" baseline="0" dirty="0" smtClean="0"/>
           </a:p>
           <a:p>
+            <a:pPr marL="171450" indent="-171450">
+              <a:buFont typeface="Arial" panose="020B0604020202020204" pitchFamily="34" charset="0"/>
+              <a:buChar char="•"/>
+            </a:pPr>
             <a:r>
               <a:rPr lang="en-US" b="0" i="0" baseline="0" dirty="0" smtClean="0"/>
-              <a:t>This means that all unnecessary code has been removed and everything that’s left has been crafted to be as easy to read and scan as possible.</a:t>
-            </a:r>
-          </a:p>
-          <a:p>
+              <a:t>All </a:t>
+            </a:r>
+            <a:r>
+              <a:rPr lang="en-US" b="0" i="0" baseline="0" dirty="0" smtClean="0"/>
+              <a:t>unnecessary code </a:t>
+            </a:r>
             <a:endParaRPr lang="en-US" b="0" i="0" baseline="0" dirty="0" smtClean="0"/>
           </a:p>
           <a:p>
+            <a:pPr marL="171450" indent="-171450">
+              <a:buFont typeface="Arial" panose="020B0604020202020204" pitchFamily="34" charset="0"/>
+              <a:buChar char="•"/>
+            </a:pPr>
             <a:r>
               <a:rPr lang="en-US" b="0" i="0" baseline="0" dirty="0" smtClean="0"/>
-              <a:t>We can’t understand the assertions that our tests make unless we understand the context too.</a:t>
+              <a:t>What’s left is as easy read </a:t>
+            </a:r>
+            <a:r>
+              <a:rPr lang="en-US" b="0" i="0" baseline="0" dirty="0" smtClean="0"/>
+              <a:t>and scan as possible.</a:t>
             </a:r>
           </a:p>
           <a:p>
@@ -4076,11 +3944,51 @@
           <a:p>
             <a:r>
               <a:rPr lang="en-US" b="0" i="0" baseline="0" dirty="0" smtClean="0"/>
-              <a:t>We have thousands of tests and read them every day; we should work our butts off to make them as easy to read as possible.</a:t>
-            </a:r>
-          </a:p>
-          <a:p>
-            <a:pPr marL="171450" marR="0" indent="-171450" algn="l" defTabSz="914400" rtl="0" eaLnBrk="1" fontAlgn="auto" latinLnBrk="0" hangingPunct="1">
+              <a:t>We read tests every day;</a:t>
+            </a:r>
+          </a:p>
+          <a:p>
+            <a:pPr marL="171450" indent="-171450">
+              <a:buFont typeface="Arial" panose="020B0604020202020204" pitchFamily="34" charset="0"/>
+              <a:buChar char="•"/>
+            </a:pPr>
+            <a:r>
+              <a:rPr lang="en-US" b="0" i="0" baseline="0" dirty="0" smtClean="0"/>
+              <a:t>Can’t understand the </a:t>
+            </a:r>
+            <a:r>
+              <a:rPr lang="en-US" b="0" i="0" baseline="0" dirty="0" smtClean="0"/>
+              <a:t>assertions </a:t>
+            </a:r>
+            <a:r>
+              <a:rPr lang="en-US" b="0" i="0" baseline="0" dirty="0" smtClean="0"/>
+              <a:t>unless </a:t>
+            </a:r>
+            <a:r>
+              <a:rPr lang="en-US" b="0" i="0" baseline="0" dirty="0" smtClean="0"/>
+              <a:t>we understand the context </a:t>
+            </a:r>
+            <a:r>
+              <a:rPr lang="en-US" b="0" i="0" baseline="0" dirty="0" smtClean="0"/>
+              <a:t>too</a:t>
+            </a:r>
+          </a:p>
+          <a:p>
+            <a:pPr marL="171450" indent="-171450">
+              <a:buFont typeface="Arial" panose="020B0604020202020204" pitchFamily="34" charset="0"/>
+              <a:buChar char="•"/>
+            </a:pPr>
+            <a:r>
+              <a:rPr lang="en-US" b="0" i="0" baseline="0" dirty="0" smtClean="0"/>
+              <a:t>Make it as effortless as possible for someone to digest your setup code</a:t>
+            </a:r>
+            <a:endParaRPr lang="en-US" b="0" i="0" baseline="0" dirty="0" smtClean="0"/>
+          </a:p>
+          <a:p>
+            <a:endParaRPr lang="en-US" b="0" i="0" baseline="0" dirty="0" smtClean="0"/>
+          </a:p>
+          <a:p>
+            <a:pPr marL="0" marR="0" indent="0" algn="l" defTabSz="914400" rtl="0" eaLnBrk="1" fontAlgn="auto" latinLnBrk="0" hangingPunct="1">
               <a:lnSpc>
                 <a:spcPct val="100000"/>
               </a:lnSpc>
@@ -4093,7 +4001,7 @@
               <a:buClrTx/>
               <a:buSzTx/>
               <a:buFont typeface="Arial" panose="020B0604020202020204" pitchFamily="34" charset="0"/>
-              <a:buChar char="•"/>
+              <a:buNone/>
               <a:tabLst/>
               <a:defRPr/>
             </a:pPr>
@@ -4672,7 +4580,23 @@
             </a:pPr>
             <a:r>
               <a:rPr lang="en-US" i="0" baseline="0" dirty="0" smtClean="0"/>
-              <a:t>As your software gets more complex, and you add more and more business rules, you end up with a lot of similar tests that differ in subtle, but important, ways.</a:t>
+              <a:t>As </a:t>
+            </a:r>
+            <a:r>
+              <a:rPr lang="en-US" i="0" baseline="0" dirty="0" smtClean="0"/>
+              <a:t>software </a:t>
+            </a:r>
+            <a:r>
+              <a:rPr lang="en-US" i="0" baseline="0" dirty="0" smtClean="0"/>
+              <a:t>gets </a:t>
+            </a:r>
+            <a:r>
+              <a:rPr lang="en-US" i="0" baseline="0" dirty="0" smtClean="0"/>
+              <a:t>complex and you add more rules, </a:t>
+            </a:r>
+            <a:r>
+              <a:rPr lang="en-US" i="0" baseline="0" dirty="0" smtClean="0"/>
+              <a:t>you end up with a lot of similar tests that differ in subtle, but important, ways.</a:t>
             </a:r>
           </a:p>
           <a:p>
@@ -6704,31 +6628,7 @@
                 <a:ea typeface="+mn-ea"/>
                 <a:cs typeface="+mn-cs"/>
               </a:rPr>
-              <a:t>This story begins 6.5 years ago when I had just joined my current employer. We were in the middle of our agile transformation and everyone was super excited about having “user stories” instead of “requirements” and “story points” instead of “estimates”. </a:t>
-            </a:r>
-            <a:r>
-              <a:rPr lang="en-US" sz="1200" kern="1200" dirty="0" smtClean="0">
-                <a:solidFill>
-                  <a:schemeClr val="tx1"/>
-                </a:solidFill>
-                <a:effectLst/>
-                <a:latin typeface="+mn-lt"/>
-                <a:ea typeface="+mn-ea"/>
-                <a:cs typeface="+mn-cs"/>
-              </a:rPr>
-              <a:t>In </a:t>
-            </a:r>
-            <a:r>
-              <a:rPr lang="en-US" sz="1200" kern="1200" dirty="0" smtClean="0">
-                <a:solidFill>
-                  <a:schemeClr val="tx1"/>
-                </a:solidFill>
-                <a:effectLst/>
-                <a:latin typeface="+mn-lt"/>
-                <a:ea typeface="+mn-ea"/>
-                <a:cs typeface="+mn-cs"/>
-              </a:rPr>
-              <a:t>the midst of all that agile euphoria, we decided to require tests for 70% of the code in the new project we were starting.</a:t>
+              <a:t>This story begins 6.5 years ago when I had just joined my current employer. We were in the middle of our agile transformation and everyone was super excited about having “user stories” instead of “requirements” and “story points” instead of “estimates”. In the midst of all that agile euphoria, we decided to require tests for 70% of the code in the new project we were starting.</a:t>
             </a:r>
           </a:p>
           <a:p>
@@ -6915,55 +6815,7 @@
                 <a:ea typeface="+mn-ea"/>
                 <a:cs typeface="+mn-cs"/>
               </a:rPr>
-              <a:t>get written were a nightmare. In one </a:t>
-            </a:r>
-            <a:r>
-              <a:rPr lang="en-US" sz="1200" kern="1200" dirty="0" smtClean="0">
-                <a:solidFill>
-                  <a:schemeClr val="tx1"/>
-                </a:solidFill>
-                <a:effectLst/>
-                <a:latin typeface="+mn-lt"/>
-                <a:ea typeface="+mn-ea"/>
-                <a:cs typeface="+mn-cs"/>
-              </a:rPr>
-              <a:t>case </a:t>
-            </a:r>
-            <a:r>
-              <a:rPr lang="en-US" sz="1200" kern="1200" dirty="0" smtClean="0">
-                <a:solidFill>
-                  <a:schemeClr val="tx1"/>
-                </a:solidFill>
-                <a:effectLst/>
-                <a:latin typeface="+mn-lt"/>
-                <a:ea typeface="+mn-ea"/>
-                <a:cs typeface="+mn-cs"/>
-              </a:rPr>
-              <a:t>I needed to make a minor adjustment to a feature. </a:t>
-            </a:r>
-            <a:r>
-              <a:rPr lang="en-US" sz="1200" kern="1200" dirty="0" smtClean="0">
-                <a:solidFill>
-                  <a:schemeClr val="tx1"/>
-                </a:solidFill>
-                <a:effectLst/>
-                <a:latin typeface="+mn-lt"/>
-                <a:ea typeface="+mn-ea"/>
-                <a:cs typeface="+mn-cs"/>
-              </a:rPr>
-              <a:t>Before </a:t>
-            </a:r>
-            <a:r>
-              <a:rPr lang="en-US" sz="1200" kern="1200" dirty="0" smtClean="0">
-                <a:solidFill>
-                  <a:schemeClr val="tx1"/>
-                </a:solidFill>
-                <a:effectLst/>
-                <a:latin typeface="+mn-lt"/>
-                <a:ea typeface="+mn-ea"/>
-                <a:cs typeface="+mn-cs"/>
-              </a:rPr>
-              <a:t>writing any new code, however, I wanted to learn more about how the feature currently worked and I wanted to write a failing test. So I opened up the file containing the tests and my heart sank when I saw this:  </a:t>
+              <a:t>get written were a nightmare. In one case I needed to make a minor adjustment to a feature. Before writing any new code, however, I wanted to learn more about how the feature currently worked and I wanted to write a failing test. So I opened up the file containing the tests and my heart sank when I saw this:  </a:t>
             </a:r>
           </a:p>
           <a:p>
@@ -7877,57 +7729,7 @@
             </a:r>
           </a:p>
           <a:p>
-            <a:pPr marL="628650" lvl="1" indent="-171450">
-              <a:buFont typeface="Arial" panose="020B0604020202020204" pitchFamily="34" charset="0"/>
-              <a:buChar char="•"/>
-            </a:pPr>
-            <a:r>
-              <a:rPr lang="en-US" baseline="0" dirty="0" smtClean="0"/>
-              <a:t>Doesn’t take a lot of effort</a:t>
-            </a:r>
-          </a:p>
-          <a:p>
-            <a:pPr marL="628650" lvl="1" indent="-171450">
-              <a:buFont typeface="Arial" panose="020B0604020202020204" pitchFamily="34" charset="0"/>
-              <a:buChar char="•"/>
-            </a:pPr>
-            <a:r>
-              <a:rPr lang="en-US" baseline="0" dirty="0" smtClean="0"/>
-              <a:t>Makes a big difference</a:t>
-            </a:r>
-          </a:p>
-          <a:p>
             <a:endParaRPr lang="en-US" baseline="0" dirty="0" smtClean="0"/>
-          </a:p>
-          <a:p>
-            <a:r>
-              <a:rPr lang="en-US" b="1" baseline="0" dirty="0" smtClean="0"/>
-              <a:t>Transition: </a:t>
-            </a:r>
-            <a:br>
-              <a:rPr lang="en-US" b="1" baseline="0" dirty="0" smtClean="0"/>
-            </a:br>
-            <a:endParaRPr lang="en-US" b="1" baseline="0" dirty="0" smtClean="0"/>
-          </a:p>
-          <a:p>
-            <a:pPr marL="171450" indent="-171450">
-              <a:buFont typeface="Arial" panose="020B0604020202020204" pitchFamily="34" charset="0"/>
-              <a:buChar char="•"/>
-            </a:pPr>
-            <a:r>
-              <a:rPr lang="en-US" b="0" baseline="0" dirty="0" smtClean="0"/>
-              <a:t>Important that meaningful data stand out</a:t>
-            </a:r>
-          </a:p>
-          <a:p>
-            <a:pPr marL="171450" indent="-171450">
-              <a:buFont typeface="Arial" panose="020B0604020202020204" pitchFamily="34" charset="0"/>
-              <a:buChar char="•"/>
-            </a:pPr>
-            <a:r>
-              <a:rPr lang="en-US" b="0" baseline="0" dirty="0" smtClean="0"/>
-              <a:t>Also important to downplay data that aren’t as meaningful</a:t>
-            </a:r>
           </a:p>
           <a:p>
             <a:endParaRPr lang="en-US" b="1" baseline="0" dirty="0" smtClean="0"/>
@@ -9066,11 +8868,14 @@
             </a:pPr>
             <a:r>
               <a:rPr lang="en-US" b="0" baseline="0" dirty="0" smtClean="0"/>
-              <a:t>For example, one factory method might return a completed order with an unpaid balance, another might create an insurance policy object with a specific combination of coverages</a:t>
-            </a:r>
-            <a:br>
-              <a:rPr lang="en-US" b="0" baseline="0" dirty="0" smtClean="0"/>
-            </a:br>
+              <a:t>Examples</a:t>
+            </a:r>
+          </a:p>
+          <a:p>
+            <a:pPr marL="628650" lvl="1" indent="-171450">
+              <a:buFont typeface="Arial" panose="020B0604020202020204" pitchFamily="34" charset="0"/>
+              <a:buChar char="•"/>
+            </a:pPr>
             <a:endParaRPr lang="en-US" b="0" baseline="0" dirty="0" smtClean="0"/>
           </a:p>
           <a:p>
@@ -9090,7 +8895,15 @@
             </a:pPr>
             <a:r>
               <a:rPr lang="en-US" b="0" baseline="0" dirty="0" smtClean="0"/>
-              <a:t>As software gets more complex, you need more and more pre-built objects</a:t>
+              <a:t>As software </a:t>
+            </a:r>
+            <a:r>
+              <a:rPr lang="en-US" b="0" baseline="0" dirty="0" smtClean="0"/>
+              <a:t>grows = more </a:t>
+            </a:r>
+            <a:r>
+              <a:rPr lang="en-US" b="0" baseline="0" dirty="0" smtClean="0"/>
+              <a:t>and more pre-built objects</a:t>
             </a:r>
           </a:p>
           <a:p>
@@ -9100,8 +8913,21 @@
             </a:pPr>
             <a:r>
               <a:rPr lang="en-US" b="0" baseline="0" dirty="0" smtClean="0"/>
-              <a:t>As the number of pre-built objects grows it becomes harder to maintain them and harder for developers to choose between them</a:t>
-            </a:r>
+              <a:t>As the number of pre-built objects grows </a:t>
+            </a:r>
+            <a:r>
+              <a:rPr lang="en-US" b="0" baseline="0" dirty="0" smtClean="0"/>
+              <a:t>= harder </a:t>
+            </a:r>
+            <a:r>
+              <a:rPr lang="en-US" b="0" baseline="0" dirty="0" smtClean="0"/>
+              <a:t>to maintain them and </a:t>
+            </a:r>
+            <a:r>
+              <a:rPr lang="en-US" b="0" baseline="0" dirty="0" smtClean="0"/>
+              <a:t>choose</a:t>
+            </a:r>
+            <a:endParaRPr lang="en-US" b="0" baseline="0" dirty="0" smtClean="0"/>
           </a:p>
           <a:p>
             <a:pPr marL="0" lvl="0" indent="0">
@@ -9953,7 +9779,27 @@
             </a:pPr>
             <a:r>
               <a:rPr lang="en-US" baseline="0" dirty="0" smtClean="0"/>
-              <a:t>Rather than large number of factory methods, each returning an object in a different pre-defined state, Test Helpers are static classes that expose a SMALL number of generic factory methods.</a:t>
+              <a:t>Static </a:t>
+            </a:r>
+            <a:r>
+              <a:rPr lang="en-US" baseline="0" dirty="0" smtClean="0"/>
+              <a:t>classes that expose </a:t>
+            </a:r>
+            <a:r>
+              <a:rPr lang="en-US" baseline="0" dirty="0" smtClean="0"/>
+              <a:t>SMALL </a:t>
+            </a:r>
+            <a:r>
+              <a:rPr lang="en-US" baseline="0" dirty="0" smtClean="0"/>
+              <a:t>number of </a:t>
+            </a:r>
+            <a:r>
+              <a:rPr lang="en-US" baseline="0" dirty="0" smtClean="0"/>
+              <a:t>GENERIC factory </a:t>
+            </a:r>
+            <a:r>
+              <a:rPr lang="en-US" baseline="0" dirty="0" smtClean="0"/>
+              <a:t>methods.</a:t>
             </a:r>
           </a:p>
           <a:p>
@@ -10010,37 +9856,24 @@
             </a:r>
           </a:p>
           <a:p>
-            <a:pPr marL="628650" lvl="1" indent="-171450">
+            <a:pPr marL="171450" lvl="0" indent="-171450">
+              <a:buFont typeface="Arial" panose="020B0604020202020204" pitchFamily="34" charset="0"/>
+              <a:buChar char="•"/>
+            </a:pPr>
+            <a:endParaRPr lang="en-US" b="0" baseline="0" dirty="0" smtClean="0"/>
+          </a:p>
+          <a:p>
+            <a:pPr marL="171450" lvl="0" indent="-171450">
               <a:buFont typeface="Arial" panose="020B0604020202020204" pitchFamily="34" charset="0"/>
               <a:buChar char="•"/>
             </a:pPr>
             <a:r>
               <a:rPr lang="en-US" b="0" baseline="0" dirty="0" smtClean="0"/>
-              <a:t>In most cases, expose all major properties</a:t>
-            </a:r>
-          </a:p>
-          <a:p>
-            <a:pPr marL="628650" lvl="1" indent="-171450">
-              <a:buFont typeface="Arial" panose="020B0604020202020204" pitchFamily="34" charset="0"/>
-              <a:buChar char="•"/>
-            </a:pPr>
+              <a:t>Remember </a:t>
+            </a:r>
             <a:r>
               <a:rPr lang="en-US" b="0" baseline="0" dirty="0" smtClean="0"/>
-              <a:t>If class is large, I’ll sometimes only expose the properties I care about right now. It’s easy to add new properties later.</a:t>
-            </a:r>
-            <a:br>
-              <a:rPr lang="en-US" b="0" baseline="0" dirty="0" smtClean="0"/>
-            </a:br>
-            <a:endParaRPr lang="en-US" b="0" baseline="0" dirty="0" smtClean="0"/>
-          </a:p>
-          <a:p>
-            <a:pPr marL="171450" lvl="0" indent="-171450">
-              <a:buFont typeface="Arial" panose="020B0604020202020204" pitchFamily="34" charset="0"/>
-              <a:buChar char="•"/>
-            </a:pPr>
-            <a:r>
-              <a:rPr lang="en-US" b="0" baseline="0" dirty="0" smtClean="0"/>
-              <a:t>Remember – callers should only specify values that impact test outcome</a:t>
+              <a:t>– callers should only specify values that impact test outcome</a:t>
             </a:r>
           </a:p>
           <a:p>
@@ -10326,7 +10159,19 @@
                 <a:ea typeface="+mn-ea"/>
                 <a:cs typeface="+mn-cs"/>
               </a:rPr>
-              <a:t>For example, let’s say you create two different Customers from the helper, one called “target” and one called “distractor”. You then do whatever you’re trying to test, and finally you make an assertion that your method under test returned a result that’s equal to the target customer’s email.</a:t>
+              <a:t>For </a:t>
+            </a:r>
+            <a:r>
+              <a:rPr lang="en-US" sz="1200" kern="1200" dirty="0" smtClean="0">
+                <a:solidFill>
+                  <a:schemeClr val="tx1"/>
+                </a:solidFill>
+                <a:effectLst/>
+                <a:latin typeface="+mn-lt"/>
+                <a:ea typeface="+mn-ea"/>
+                <a:cs typeface="+mn-cs"/>
+              </a:rPr>
+              <a:t>example, let’s say you create two different Customers from the helper, one called “target” and one called “distractor”. You then do whatever you’re trying to test, and finally you make an assertion that your method under test returned a result that’s equal to the target customer’s email.</a:t>
             </a:r>
           </a:p>
           <a:p>
@@ -10992,16 +10837,6 @@
               <a:buChar char="•"/>
             </a:pPr>
             <a:endParaRPr lang="en-US" b="0" i="0" baseline="0" dirty="0" smtClean="0"/>
-          </a:p>
-          <a:p>
-            <a:pPr marL="171450" lvl="0" indent="-171450">
-              <a:buFont typeface="Arial" panose="020B0604020202020204" pitchFamily="34" charset="0"/>
-              <a:buChar char="•"/>
-            </a:pPr>
-            <a:r>
-              <a:rPr lang="en-US" b="0" i="0" baseline="0" dirty="0" smtClean="0"/>
-              <a:t>I may or may not assign unique integers to other fields, it depends on what they are and whether or not this issue of “unexpected equality” violates the principle of least surprise</a:t>
-            </a:r>
           </a:p>
           <a:p>
             <a:pPr marL="171450" lvl="0" indent="-171450">
@@ -16741,7 +16576,7 @@
           <a:p>
             <a:fld id="{75AA6396-395E-4ADA-8EE5-F328BC863A04}" type="datetimeFigureOut">
               <a:rPr lang="en-US" smtClean="0"/>
-              <a:t>4/28/2015</a:t>
+              <a:t>4/29/2015</a:t>
             </a:fld>
             <a:endParaRPr lang="en-US"/>
           </a:p>
@@ -16918,7 +16753,7 @@
           <a:p>
             <a:fld id="{75AA6396-395E-4ADA-8EE5-F328BC863A04}" type="datetimeFigureOut">
               <a:rPr lang="en-US" smtClean="0"/>
-              <a:t>4/28/2015</a:t>
+              <a:t>4/29/2015</a:t>
             </a:fld>
             <a:endParaRPr lang="en-US"/>
           </a:p>
@@ -17098,7 +16933,7 @@
           <a:p>
             <a:fld id="{75AA6396-395E-4ADA-8EE5-F328BC863A04}" type="datetimeFigureOut">
               <a:rPr lang="en-US" smtClean="0"/>
-              <a:t>4/28/2015</a:t>
+              <a:t>4/29/2015</a:t>
             </a:fld>
             <a:endParaRPr lang="en-US"/>
           </a:p>
@@ -17318,7 +17153,7 @@
           <a:p>
             <a:fld id="{75AA6396-395E-4ADA-8EE5-F328BC863A04}" type="datetimeFigureOut">
               <a:rPr lang="en-US" smtClean="0"/>
-              <a:t>4/28/2015</a:t>
+              <a:t>4/29/2015</a:t>
             </a:fld>
             <a:endParaRPr lang="en-US"/>
           </a:p>
@@ -17571,7 +17406,7 @@
           <a:p>
             <a:fld id="{75AA6396-395E-4ADA-8EE5-F328BC863A04}" type="datetimeFigureOut">
               <a:rPr lang="en-US" smtClean="0"/>
-              <a:t>4/28/2015</a:t>
+              <a:t>4/29/2015</a:t>
             </a:fld>
             <a:endParaRPr lang="en-US"/>
           </a:p>
@@ -17810,7 +17645,7 @@
           <a:p>
             <a:fld id="{75AA6396-395E-4ADA-8EE5-F328BC863A04}" type="datetimeFigureOut">
               <a:rPr lang="en-US" smtClean="0"/>
-              <a:t>4/28/2015</a:t>
+              <a:t>4/29/2015</a:t>
             </a:fld>
             <a:endParaRPr lang="en-US"/>
           </a:p>
@@ -18184,7 +18019,7 @@
           <a:p>
             <a:fld id="{75AA6396-395E-4ADA-8EE5-F328BC863A04}" type="datetimeFigureOut">
               <a:rPr lang="en-US" smtClean="0"/>
-              <a:t>4/28/2015</a:t>
+              <a:t>4/29/2015</a:t>
             </a:fld>
             <a:endParaRPr lang="en-US"/>
           </a:p>
@@ -18302,7 +18137,7 @@
           <a:p>
             <a:fld id="{75AA6396-395E-4ADA-8EE5-F328BC863A04}" type="datetimeFigureOut">
               <a:rPr lang="en-US" smtClean="0"/>
-              <a:t>4/28/2015</a:t>
+              <a:t>4/29/2015</a:t>
             </a:fld>
             <a:endParaRPr lang="en-US"/>
           </a:p>
@@ -18397,7 +18232,7 @@
           <a:p>
             <a:fld id="{75AA6396-395E-4ADA-8EE5-F328BC863A04}" type="datetimeFigureOut">
               <a:rPr lang="en-US" smtClean="0"/>
-              <a:t>4/28/2015</a:t>
+              <a:t>4/29/2015</a:t>
             </a:fld>
             <a:endParaRPr lang="en-US"/>
           </a:p>
@@ -18674,7 +18509,7 @@
           <a:p>
             <a:fld id="{75AA6396-395E-4ADA-8EE5-F328BC863A04}" type="datetimeFigureOut">
               <a:rPr lang="en-US" smtClean="0"/>
-              <a:t>4/28/2015</a:t>
+              <a:t>4/29/2015</a:t>
             </a:fld>
             <a:endParaRPr lang="en-US"/>
           </a:p>
@@ -18927,7 +18762,7 @@
           <a:p>
             <a:fld id="{75AA6396-395E-4ADA-8EE5-F328BC863A04}" type="datetimeFigureOut">
               <a:rPr lang="en-US" smtClean="0"/>
-              <a:t>4/28/2015</a:t>
+              <a:t>4/29/2015</a:t>
             </a:fld>
             <a:endParaRPr lang="en-US"/>
           </a:p>
@@ -19140,7 +18975,7 @@
           <a:p>
             <a:fld id="{75AA6396-395E-4ADA-8EE5-F328BC863A04}" type="datetimeFigureOut">
               <a:rPr lang="en-US" smtClean="0"/>
-              <a:t>4/28/2015</a:t>
+              <a:t>4/29/2015</a:t>
             </a:fld>
             <a:endParaRPr lang="en-US"/>
           </a:p>
@@ -23394,11 +23229,11 @@
   <p:clrMapOvr>
     <a:masterClrMapping/>
   </p:clrMapOvr>
-  <mc:AlternateContent xmlns:mc="http://schemas.openxmlformats.org/markup-compatibility/2006">
-    <mc:Choice xmlns:p14="http://schemas.microsoft.com/office/powerpoint/2010/main" Requires="p14">
+  <mc:AlternateContent xmlns:mc="http://schemas.openxmlformats.org/markup-compatibility/2006" xmlns:p14="http://schemas.microsoft.com/office/powerpoint/2010/main">
+    <mc:Choice Requires="p14">
       <p:transition spd="slow" p14:dur="2000"/>
     </mc:Choice>
-    <mc:Fallback>
+    <mc:Fallback xmlns="">
       <p:transition spd="slow"/>
     </mc:Fallback>
   </mc:AlternateContent>
@@ -23569,11 +23404,11 @@
   <p:clrMapOvr>
     <a:masterClrMapping/>
   </p:clrMapOvr>
-  <mc:AlternateContent xmlns:mc="http://schemas.openxmlformats.org/markup-compatibility/2006">
-    <mc:Choice xmlns:p14="http://schemas.microsoft.com/office/powerpoint/2010/main" Requires="p14">
+  <mc:AlternateContent xmlns:mc="http://schemas.openxmlformats.org/markup-compatibility/2006" xmlns:p14="http://schemas.microsoft.com/office/powerpoint/2010/main">
+    <mc:Choice Requires="p14">
       <p:transition spd="slow" p14:dur="2000"/>
     </mc:Choice>
-    <mc:Fallback>
+    <mc:Fallback xmlns="">
       <p:transition spd="slow"/>
     </mc:Fallback>
   </mc:AlternateContent>
@@ -23696,11 +23531,11 @@
   <p:clrMapOvr>
     <a:masterClrMapping/>
   </p:clrMapOvr>
-  <mc:AlternateContent xmlns:mc="http://schemas.openxmlformats.org/markup-compatibility/2006">
-    <mc:Choice xmlns:p14="http://schemas.microsoft.com/office/powerpoint/2010/main" Requires="p14">
+  <mc:AlternateContent xmlns:mc="http://schemas.openxmlformats.org/markup-compatibility/2006" xmlns:p14="http://schemas.microsoft.com/office/powerpoint/2010/main">
+    <mc:Choice Requires="p14">
       <p:transition spd="slow" p14:dur="2000"/>
     </mc:Choice>
-    <mc:Fallback>
+    <mc:Fallback xmlns="">
       <p:transition spd="slow"/>
     </mc:Fallback>
   </mc:AlternateContent>
@@ -23816,11 +23651,11 @@
   <p:clrMapOvr>
     <a:masterClrMapping/>
   </p:clrMapOvr>
-  <mc:AlternateContent xmlns:mc="http://schemas.openxmlformats.org/markup-compatibility/2006">
-    <mc:Choice xmlns:p14="http://schemas.microsoft.com/office/powerpoint/2010/main" Requires="p14">
+  <mc:AlternateContent xmlns:mc="http://schemas.openxmlformats.org/markup-compatibility/2006" xmlns:p14="http://schemas.microsoft.com/office/powerpoint/2010/main">
+    <mc:Choice Requires="p14">
       <p:transition spd="slow" p14:dur="2000"/>
     </mc:Choice>
-    <mc:Fallback>
+    <mc:Fallback xmlns="">
       <p:transition spd="slow"/>
     </mc:Fallback>
   </mc:AlternateContent>
@@ -23936,11 +23771,11 @@
   <p:clrMapOvr>
     <a:masterClrMapping/>
   </p:clrMapOvr>
-  <mc:AlternateContent xmlns:mc="http://schemas.openxmlformats.org/markup-compatibility/2006">
-    <mc:Choice xmlns:p14="http://schemas.microsoft.com/office/powerpoint/2010/main" Requires="p14">
+  <mc:AlternateContent xmlns:mc="http://schemas.openxmlformats.org/markup-compatibility/2006" xmlns:p14="http://schemas.microsoft.com/office/powerpoint/2010/main">
+    <mc:Choice Requires="p14">
       <p:transition spd="slow" p14:dur="2000"/>
     </mc:Choice>
-    <mc:Fallback>
+    <mc:Fallback xmlns="">
       <p:transition spd="slow"/>
     </mc:Fallback>
   </mc:AlternateContent>

--- a/POETS - Code Palousa 2015.pptx
+++ b/POETS - Code Palousa 2015.pptx
@@ -4838,8 +4838,26 @@
             </a:pPr>
             <a:r>
               <a:rPr lang="en-US" i="0" baseline="0" dirty="0" smtClean="0"/>
-              <a:t>As your features get more complicated, and you write more and more tests for them, you’ll see a big difference if you pay attention to this</a:t>
-            </a:r>
+              <a:t>Expressive code is easier to scan and compare. </a:t>
+            </a:r>
+          </a:p>
+          <a:p>
+            <a:pPr marL="171450" indent="-171450">
+              <a:buFont typeface="Arial" panose="020B0604020202020204" pitchFamily="34" charset="0"/>
+              <a:buChar char="•"/>
+            </a:pPr>
+            <a:endParaRPr lang="en-US" i="0" baseline="0" dirty="0" smtClean="0"/>
+          </a:p>
+          <a:p>
+            <a:pPr marL="171450" indent="-171450">
+              <a:buFont typeface="Arial" panose="020B0604020202020204" pitchFamily="34" charset="0"/>
+              <a:buChar char="•"/>
+            </a:pPr>
+            <a:r>
+              <a:rPr lang="en-US" i="0" baseline="0" dirty="0" smtClean="0"/>
+              <a:t>As you write more tests, or as your tests get more complex, this can make a huge difference</a:t>
+            </a:r>
+            <a:endParaRPr lang="en-US" i="0" baseline="0" dirty="0" smtClean="0"/>
           </a:p>
           <a:p>
             <a:endParaRPr lang="en-US" i="0" baseline="0" dirty="0" smtClean="0"/>
@@ -6938,7 +6956,32 @@
             </a:r>
             <a:r>
               <a:rPr lang="en-US" baseline="0" dirty="0" smtClean="0"/>
-              <a:t> identify the values or objects in the setup code that actually impact the test outcome</a:t>
+              <a:t> identify the values or objects in the setup code that actually impact the test </a:t>
+            </a:r>
+            <a:r>
+              <a:rPr lang="en-US" baseline="0" dirty="0" smtClean="0"/>
+              <a:t>outcome</a:t>
+            </a:r>
+          </a:p>
+          <a:p>
+            <a:pPr marL="171450" indent="-171450">
+              <a:buFont typeface="Arial" panose="020B0604020202020204" pitchFamily="34" charset="0"/>
+              <a:buChar char="•"/>
+            </a:pPr>
+            <a:endParaRPr lang="en-US" baseline="0" dirty="0" smtClean="0"/>
+          </a:p>
+          <a:p>
+            <a:pPr marL="171450" indent="-171450">
+              <a:buFont typeface="Arial" panose="020B0604020202020204" pitchFamily="34" charset="0"/>
+              <a:buChar char="•"/>
+            </a:pPr>
+            <a:r>
+              <a:rPr lang="en-US" baseline="0" dirty="0" smtClean="0"/>
+              <a:t>And clearly communicate HOW and WHY those values impact the test outcome</a:t>
+            </a:r>
+            <a:r>
+              <a:rPr lang="en-US" baseline="0" dirty="0" smtClean="0"/>
+              <a:t/>
             </a:r>
             <a:br>
               <a:rPr lang="en-US" baseline="0" dirty="0" smtClean="0"/>
@@ -7063,8 +7106,9 @@
             </a:pPr>
             <a:r>
               <a:rPr lang="en-US" b="0" baseline="0" dirty="0" smtClean="0"/>
-              <a:t>Instead of creating an object and specifying all of its data, specify only those values that are significant.</a:t>
-            </a:r>
+              <a:t>We saw this earlier when we talked about expressive code</a:t>
+            </a:r>
+            <a:endParaRPr lang="en-US" b="0" baseline="0" dirty="0" smtClean="0"/>
           </a:p>
           <a:p>
             <a:pPr marL="171450" indent="-171450">
@@ -7330,7 +7374,57 @@
             </a:pPr>
             <a:r>
               <a:rPr lang="en-US" b="0" baseline="0" dirty="0" smtClean="0"/>
-              <a:t>By being explicit in the setup code we more clearly capture our intent, which makes the test easier to comprehend, and we make it more resilient at the same time.</a:t>
+              <a:t>By being explicit in the setup code we more clearly capture our </a:t>
+            </a:r>
+            <a:r>
+              <a:rPr lang="en-US" b="0" baseline="0" dirty="0" smtClean="0"/>
+              <a:t>intent</a:t>
+            </a:r>
+          </a:p>
+          <a:p>
+            <a:pPr marL="171450" indent="-171450">
+              <a:buFont typeface="Arial" panose="020B0604020202020204" pitchFamily="34" charset="0"/>
+              <a:buChar char="•"/>
+            </a:pPr>
+            <a:endParaRPr lang="en-US" b="0" baseline="0" dirty="0" smtClean="0"/>
+          </a:p>
+          <a:p>
+            <a:pPr marL="171450" indent="-171450">
+              <a:buFont typeface="Arial" panose="020B0604020202020204" pitchFamily="34" charset="0"/>
+              <a:buChar char="•"/>
+            </a:pPr>
+            <a:r>
+              <a:rPr lang="en-US" b="0" baseline="0" dirty="0" smtClean="0"/>
+              <a:t>Easier </a:t>
+            </a:r>
+            <a:r>
+              <a:rPr lang="en-US" b="0" baseline="0" dirty="0" smtClean="0"/>
+              <a:t>to </a:t>
+            </a:r>
+            <a:r>
+              <a:rPr lang="en-US" b="0" baseline="0" dirty="0" smtClean="0"/>
+              <a:t>comprehend</a:t>
+            </a:r>
+          </a:p>
+          <a:p>
+            <a:pPr marL="171450" indent="-171450">
+              <a:buFont typeface="Arial" panose="020B0604020202020204" pitchFamily="34" charset="0"/>
+              <a:buChar char="•"/>
+            </a:pPr>
+            <a:endParaRPr lang="en-US" b="0" baseline="0" smtClean="0"/>
+          </a:p>
+          <a:p>
+            <a:pPr marL="171450" indent="-171450">
+              <a:buFont typeface="Arial" panose="020B0604020202020204" pitchFamily="34" charset="0"/>
+              <a:buChar char="•"/>
+            </a:pPr>
+            <a:r>
+              <a:rPr lang="en-US" b="0" baseline="0" smtClean="0"/>
+              <a:t>More </a:t>
+            </a:r>
+            <a:r>
+              <a:rPr lang="en-US" b="0" baseline="0" dirty="0" smtClean="0"/>
+              <a:t>resilient at the same time.</a:t>
             </a:r>
           </a:p>
           <a:p>
@@ -11190,8 +11284,17 @@
             </a:pPr>
             <a:r>
               <a:rPr lang="en-US" baseline="0" dirty="0" smtClean="0"/>
-              <a:t>Makes your code harder to understand – someone has to read the call to the helper AND your custom modifications to understand how that object is configured</a:t>
-            </a:r>
+              <a:t>Harder </a:t>
+            </a:r>
+            <a:r>
+              <a:rPr lang="en-US" baseline="0" dirty="0" smtClean="0"/>
+              <a:t>to understand – </a:t>
+            </a:r>
+            <a:r>
+              <a:rPr lang="en-US" baseline="0" dirty="0" smtClean="0"/>
+              <a:t>reader has to comprehend helper call AND tweaks</a:t>
+            </a:r>
+            <a:endParaRPr lang="en-US" baseline="0" dirty="0" smtClean="0"/>
           </a:p>
           <a:p>
             <a:pPr marL="628650" lvl="1" indent="-171450">
@@ -11200,7 +11303,23 @@
             </a:pPr>
             <a:r>
               <a:rPr lang="en-US" baseline="0" dirty="0" smtClean="0"/>
-              <a:t>Remember that we want object creation to be a one-liner; one code statement per logical operation</a:t>
+              <a:t>Hard </a:t>
+            </a:r>
+            <a:r>
+              <a:rPr lang="en-US" baseline="0" dirty="0" smtClean="0"/>
+              <a:t>to maintain – the test </a:t>
+            </a:r>
+            <a:r>
+              <a:rPr lang="en-US" baseline="0" dirty="0" smtClean="0"/>
+              <a:t>makes </a:t>
+            </a:r>
+            <a:r>
+              <a:rPr lang="en-US" baseline="0" dirty="0" smtClean="0"/>
+              <a:t>assumptions about what gets </a:t>
+            </a:r>
+            <a:r>
+              <a:rPr lang="en-US" baseline="0" dirty="0" smtClean="0"/>
+              <a:t>returned; </a:t>
             </a:r>
           </a:p>
           <a:p>
@@ -11210,7 +11329,11 @@
             </a:pPr>
             <a:r>
               <a:rPr lang="en-US" baseline="0" dirty="0" smtClean="0"/>
-              <a:t>Hard to maintain – the test has to make assumptions about what gets returned so that it can modify that return value. We said earlier that a test should depend ONLY on data it specifies itself.</a:t>
+              <a:t>Test </a:t>
+            </a:r>
+            <a:r>
+              <a:rPr lang="en-US" baseline="0" dirty="0" smtClean="0"/>
+              <a:t>should depend ONLY on data it specifies itself.</a:t>
             </a:r>
             <a:br>
               <a:rPr lang="en-US" baseline="0" dirty="0" smtClean="0"/>
@@ -22847,13 +22970,37 @@
             <a:endParaRPr lang="en-US" dirty="0" smtClean="0"/>
           </a:p>
           <a:p>
-            <a:r>
-              <a:rPr lang="en-US" dirty="0" smtClean="0"/>
-              <a:t>TODO: compare two ugly blocks</a:t>
-            </a:r>
-          </a:p>
-        </p:txBody>
-      </p:sp>
+            <a:pPr marL="0" indent="0">
+              <a:buNone/>
+            </a:pPr>
+            <a:endParaRPr lang="en-US" dirty="0" smtClean="0"/>
+          </a:p>
+        </p:txBody>
+      </p:sp>
+      <p:pic>
+        <p:nvPicPr>
+          <p:cNvPr id="4" name="Picture 3"/>
+          <p:cNvPicPr>
+            <a:picLocks noChangeAspect="1"/>
+          </p:cNvPicPr>
+          <p:nvPr/>
+        </p:nvPicPr>
+        <p:blipFill>
+          <a:blip r:embed="rId3"/>
+          <a:stretch>
+            <a:fillRect/>
+          </a:stretch>
+        </p:blipFill>
+        <p:spPr>
+          <a:xfrm>
+            <a:off x="838200" y="3344378"/>
+            <a:ext cx="10353675" cy="2209800"/>
+          </a:xfrm>
+          <a:prstGeom prst="rect">
+            <a:avLst/>
+          </a:prstGeom>
+        </p:spPr>
+      </p:pic>
     </p:spTree>
     <p:extLst>
       <p:ext uri="{BB962C8B-B14F-4D97-AF65-F5344CB8AC3E}">
@@ -22954,16 +23101,34 @@
             <a:endParaRPr lang="en-US" dirty="0" smtClean="0"/>
           </a:p>
           <a:p>
-            <a:r>
-              <a:rPr lang="en-US" dirty="0" smtClean="0"/>
-              <a:t>TODO: compare helper calls</a:t>
-            </a:r>
-          </a:p>
-          <a:p>
             <a:endParaRPr lang="en-US" dirty="0" smtClean="0"/>
           </a:p>
         </p:txBody>
       </p:sp>
+      <p:pic>
+        <p:nvPicPr>
+          <p:cNvPr id="6" name="Picture 5"/>
+          <p:cNvPicPr>
+            <a:picLocks noChangeAspect="1"/>
+          </p:cNvPicPr>
+          <p:nvPr/>
+        </p:nvPicPr>
+        <p:blipFill>
+          <a:blip r:embed="rId3"/>
+          <a:stretch>
+            <a:fillRect/>
+          </a:stretch>
+        </p:blipFill>
+        <p:spPr>
+          <a:xfrm>
+            <a:off x="809625" y="3585260"/>
+            <a:ext cx="11382375" cy="1343025"/>
+          </a:xfrm>
+          <a:prstGeom prst="rect">
+            <a:avLst/>
+          </a:prstGeom>
+        </p:spPr>
+      </p:pic>
     </p:spTree>
     <p:extLst>
       <p:ext uri="{BB962C8B-B14F-4D97-AF65-F5344CB8AC3E}">
@@ -24034,9 +24199,12 @@
             <a:endParaRPr lang="en-US" dirty="0"/>
           </a:p>
           <a:p>
+            <a:pPr marL="0" indent="0">
+              <a:buNone/>
+            </a:pPr>
             <a:r>
               <a:rPr lang="en-US" dirty="0" smtClean="0"/>
-              <a:t>TODO: IMAGE</a:t>
+              <a:t/>
             </a:r>
             <a:br>
               <a:rPr lang="en-US" dirty="0" smtClean="0"/>
@@ -24055,6 +24223,30 @@
           </a:p>
         </p:txBody>
       </p:sp>
+      <p:pic>
+        <p:nvPicPr>
+          <p:cNvPr id="4" name="Picture 3"/>
+          <p:cNvPicPr>
+            <a:picLocks noChangeAspect="1"/>
+          </p:cNvPicPr>
+          <p:nvPr/>
+        </p:nvPicPr>
+        <p:blipFill>
+          <a:blip r:embed="rId3"/>
+          <a:stretch>
+            <a:fillRect/>
+          </a:stretch>
+        </p:blipFill>
+        <p:spPr>
+          <a:xfrm>
+            <a:off x="838200" y="3239904"/>
+            <a:ext cx="10749496" cy="2737384"/>
+          </a:xfrm>
+          <a:prstGeom prst="rect">
+            <a:avLst/>
+          </a:prstGeom>
+        </p:spPr>
+      </p:pic>
     </p:spTree>
     <p:extLst>
       <p:ext uri="{BB962C8B-B14F-4D97-AF65-F5344CB8AC3E}">
@@ -24065,6 +24257,14 @@
   <p:clrMapOvr>
     <a:masterClrMapping/>
   </p:clrMapOvr>
+  <mc:AlternateContent xmlns:mc="http://schemas.openxmlformats.org/markup-compatibility/2006">
+    <mc:Choice xmlns:p14="http://schemas.microsoft.com/office/powerpoint/2010/main" Requires="p14">
+      <p:transition spd="slow" p14:dur="2000"/>
+    </mc:Choice>
+    <mc:Fallback>
+      <p:transition spd="slow"/>
+    </mc:Fallback>
+  </mc:AlternateContent>
   <p:timing>
     <p:tnLst>
       <p:par>
@@ -24144,9 +24344,12 @@
             <a:endParaRPr lang="en-US" dirty="0"/>
           </a:p>
           <a:p>
+            <a:pPr marL="0" indent="0">
+              <a:buNone/>
+            </a:pPr>
             <a:r>
               <a:rPr lang="en-US" dirty="0" smtClean="0"/>
-              <a:t>TODO: IMAGE</a:t>
+              <a:t/>
             </a:r>
             <a:br>
               <a:rPr lang="en-US" dirty="0" smtClean="0"/>
@@ -24165,6 +24368,30 @@
           </a:p>
         </p:txBody>
       </p:sp>
+      <p:pic>
+        <p:nvPicPr>
+          <p:cNvPr id="4" name="Picture 3"/>
+          <p:cNvPicPr>
+            <a:picLocks noChangeAspect="1"/>
+          </p:cNvPicPr>
+          <p:nvPr/>
+        </p:nvPicPr>
+        <p:blipFill>
+          <a:blip r:embed="rId3"/>
+          <a:stretch>
+            <a:fillRect/>
+          </a:stretch>
+        </p:blipFill>
+        <p:spPr>
+          <a:xfrm>
+            <a:off x="838200" y="3501841"/>
+            <a:ext cx="11192012" cy="2003810"/>
+          </a:xfrm>
+          <a:prstGeom prst="rect">
+            <a:avLst/>
+          </a:prstGeom>
+        </p:spPr>
+      </p:pic>
     </p:spTree>
     <p:extLst>
       <p:ext uri="{BB962C8B-B14F-4D97-AF65-F5344CB8AC3E}">
@@ -24254,9 +24481,12 @@
             <a:endParaRPr lang="en-US" dirty="0"/>
           </a:p>
           <a:p>
+            <a:pPr marL="0" indent="0">
+              <a:buNone/>
+            </a:pPr>
             <a:r>
               <a:rPr lang="en-US" dirty="0" smtClean="0"/>
-              <a:t>TODO: IMAGE</a:t>
+              <a:t/>
             </a:r>
             <a:br>
               <a:rPr lang="en-US" dirty="0" smtClean="0"/>
@@ -24275,6 +24505,30 @@
           </a:p>
         </p:txBody>
       </p:sp>
+      <p:pic>
+        <p:nvPicPr>
+          <p:cNvPr id="4" name="Picture 3"/>
+          <p:cNvPicPr>
+            <a:picLocks noChangeAspect="1"/>
+          </p:cNvPicPr>
+          <p:nvPr/>
+        </p:nvPicPr>
+        <p:blipFill>
+          <a:blip r:embed="rId3"/>
+          <a:stretch>
+            <a:fillRect/>
+          </a:stretch>
+        </p:blipFill>
+        <p:spPr>
+          <a:xfrm>
+            <a:off x="838200" y="3423183"/>
+            <a:ext cx="11120648" cy="2072842"/>
+          </a:xfrm>
+          <a:prstGeom prst="rect">
+            <a:avLst/>
+          </a:prstGeom>
+        </p:spPr>
+      </p:pic>
     </p:spTree>
     <p:extLst>
       <p:ext uri="{BB962C8B-B14F-4D97-AF65-F5344CB8AC3E}">
@@ -24351,7 +24605,11 @@
           <a:p>
             <a:r>
               <a:rPr lang="en-US" dirty="0" smtClean="0"/>
-              <a:t>Named constants for important values</a:t>
+              <a:t>Named constants to communicate purpose</a:t>
+            </a:r>
+            <a:r>
+              <a:rPr lang="en-US" dirty="0" smtClean="0"/>
+              <a:t/>
             </a:r>
             <a:br>
               <a:rPr lang="en-US" dirty="0" smtClean="0"/>
@@ -26953,14 +27211,32 @@
           <a:p>
             <a:endParaRPr lang="en-US" dirty="0"/>
           </a:p>
-          <a:p>
-            <a:r>
-              <a:rPr lang="en-US" dirty="0" smtClean="0"/>
-              <a:t>TODO: Image</a:t>
-            </a:r>
-          </a:p>
-        </p:txBody>
-      </p:sp>
+        </p:txBody>
+      </p:sp>
+      <p:pic>
+        <p:nvPicPr>
+          <p:cNvPr id="5" name="Picture 4"/>
+          <p:cNvPicPr>
+            <a:picLocks noChangeAspect="1"/>
+          </p:cNvPicPr>
+          <p:nvPr/>
+        </p:nvPicPr>
+        <p:blipFill>
+          <a:blip r:embed="rId3"/>
+          <a:stretch>
+            <a:fillRect/>
+          </a:stretch>
+        </p:blipFill>
+        <p:spPr>
+          <a:xfrm>
+            <a:off x="838200" y="3749490"/>
+            <a:ext cx="10656141" cy="1525154"/>
+          </a:xfrm>
+          <a:prstGeom prst="rect">
+            <a:avLst/>
+          </a:prstGeom>
+        </p:spPr>
+      </p:pic>
     </p:spTree>
     <p:extLst>
       <p:ext uri="{BB962C8B-B14F-4D97-AF65-F5344CB8AC3E}">

--- a/POETS - Code Palousa 2015.pptx
+++ b/POETS - Code Palousa 2015.pptx
@@ -5,7 +5,7 @@
     <p:sldMasterId id="2147483749" r:id="rId1"/>
   </p:sldMasterIdLst>
   <p:notesMasterIdLst>
-    <p:notesMasterId r:id="rId98"/>
+    <p:notesMasterId r:id="rId99"/>
   </p:notesMasterIdLst>
   <p:sldIdLst>
     <p:sldId id="256" r:id="rId2"/>
@@ -72,38 +72,39 @@
     <p:sldId id="373" r:id="rId63"/>
     <p:sldId id="342" r:id="rId64"/>
     <p:sldId id="437" r:id="rId65"/>
-    <p:sldId id="341" r:id="rId66"/>
-    <p:sldId id="405" r:id="rId67"/>
-    <p:sldId id="404" r:id="rId68"/>
-    <p:sldId id="288" r:id="rId69"/>
-    <p:sldId id="397" r:id="rId70"/>
-    <p:sldId id="364" r:id="rId71"/>
-    <p:sldId id="309" r:id="rId72"/>
-    <p:sldId id="399" r:id="rId73"/>
-    <p:sldId id="322" r:id="rId74"/>
-    <p:sldId id="323" r:id="rId75"/>
-    <p:sldId id="300" r:id="rId76"/>
-    <p:sldId id="365" r:id="rId77"/>
-    <p:sldId id="400" r:id="rId78"/>
-    <p:sldId id="406" r:id="rId79"/>
-    <p:sldId id="407" r:id="rId80"/>
-    <p:sldId id="408" r:id="rId81"/>
-    <p:sldId id="409" r:id="rId82"/>
-    <p:sldId id="410" r:id="rId83"/>
-    <p:sldId id="411" r:id="rId84"/>
-    <p:sldId id="412" r:id="rId85"/>
-    <p:sldId id="413" r:id="rId86"/>
-    <p:sldId id="414" r:id="rId87"/>
-    <p:sldId id="389" r:id="rId88"/>
-    <p:sldId id="390" r:id="rId89"/>
-    <p:sldId id="391" r:id="rId90"/>
-    <p:sldId id="273" r:id="rId91"/>
-    <p:sldId id="426" r:id="rId92"/>
-    <p:sldId id="419" r:id="rId93"/>
-    <p:sldId id="424" r:id="rId94"/>
-    <p:sldId id="425" r:id="rId95"/>
-    <p:sldId id="427" r:id="rId96"/>
-    <p:sldId id="423" r:id="rId97"/>
+    <p:sldId id="438" r:id="rId66"/>
+    <p:sldId id="341" r:id="rId67"/>
+    <p:sldId id="405" r:id="rId68"/>
+    <p:sldId id="404" r:id="rId69"/>
+    <p:sldId id="288" r:id="rId70"/>
+    <p:sldId id="397" r:id="rId71"/>
+    <p:sldId id="364" r:id="rId72"/>
+    <p:sldId id="309" r:id="rId73"/>
+    <p:sldId id="399" r:id="rId74"/>
+    <p:sldId id="322" r:id="rId75"/>
+    <p:sldId id="323" r:id="rId76"/>
+    <p:sldId id="300" r:id="rId77"/>
+    <p:sldId id="365" r:id="rId78"/>
+    <p:sldId id="400" r:id="rId79"/>
+    <p:sldId id="406" r:id="rId80"/>
+    <p:sldId id="407" r:id="rId81"/>
+    <p:sldId id="408" r:id="rId82"/>
+    <p:sldId id="409" r:id="rId83"/>
+    <p:sldId id="410" r:id="rId84"/>
+    <p:sldId id="411" r:id="rId85"/>
+    <p:sldId id="412" r:id="rId86"/>
+    <p:sldId id="413" r:id="rId87"/>
+    <p:sldId id="414" r:id="rId88"/>
+    <p:sldId id="389" r:id="rId89"/>
+    <p:sldId id="390" r:id="rId90"/>
+    <p:sldId id="391" r:id="rId91"/>
+    <p:sldId id="273" r:id="rId92"/>
+    <p:sldId id="426" r:id="rId93"/>
+    <p:sldId id="419" r:id="rId94"/>
+    <p:sldId id="424" r:id="rId95"/>
+    <p:sldId id="425" r:id="rId96"/>
+    <p:sldId id="427" r:id="rId97"/>
+    <p:sldId id="423" r:id="rId98"/>
   </p:sldIdLst>
   <p:sldSz cx="12192000" cy="6858000"/>
   <p:notesSz cx="6858000" cy="9144000"/>
@@ -868,7 +869,7 @@
                 <a:ea typeface="+mn-ea"/>
                 <a:cs typeface="+mn-cs"/>
               </a:rPr>
-              <a:t>The things I’m going to show you today are the techniques that we developed</a:t>
+              <a:t>Today I’m goin</a:t>
             </a:r>
             <a:r>
               <a:rPr lang="en-US" sz="1200" kern="1200" baseline="0" dirty="0" smtClean="0">
@@ -880,7 +881,67 @@
                 <a:ea typeface="+mn-ea"/>
                 <a:cs typeface="+mn-cs"/>
               </a:rPr>
-              <a:t> on that original team and have evolved since then to make our tests as easy to write and maintain as possible.</a:t>
+              <a:t>g to share </a:t>
+            </a:r>
+            <a:r>
+              <a:rPr lang="en-US" sz="1200" kern="1200" dirty="0" smtClean="0">
+                <a:solidFill>
+                  <a:schemeClr val="tx1"/>
+                </a:solidFill>
+                <a:effectLst/>
+                <a:latin typeface="+mn-lt"/>
+                <a:ea typeface="+mn-ea"/>
+                <a:cs typeface="+mn-cs"/>
+              </a:rPr>
+              <a:t>the </a:t>
+            </a:r>
+            <a:r>
+              <a:rPr lang="en-US" sz="1200" kern="1200" dirty="0" smtClean="0">
+                <a:solidFill>
+                  <a:schemeClr val="tx1"/>
+                </a:solidFill>
+                <a:effectLst/>
+                <a:latin typeface="+mn-lt"/>
+                <a:ea typeface="+mn-ea"/>
+                <a:cs typeface="+mn-cs"/>
+              </a:rPr>
+              <a:t>techniques that we developed</a:t>
+            </a:r>
+            <a:r>
+              <a:rPr lang="en-US" sz="1200" kern="1200" baseline="0" dirty="0" smtClean="0">
+                <a:solidFill>
+                  <a:schemeClr val="tx1"/>
+                </a:solidFill>
+                <a:effectLst/>
+                <a:latin typeface="+mn-lt"/>
+                <a:ea typeface="+mn-ea"/>
+                <a:cs typeface="+mn-cs"/>
+              </a:rPr>
+              <a:t> on that original team and </a:t>
+            </a:r>
+            <a:r>
+              <a:rPr lang="en-US" sz="1200" kern="1200" baseline="0" dirty="0" smtClean="0">
+                <a:solidFill>
+                  <a:schemeClr val="tx1"/>
+                </a:solidFill>
+                <a:effectLst/>
+                <a:latin typeface="+mn-lt"/>
+                <a:ea typeface="+mn-ea"/>
+                <a:cs typeface="+mn-cs"/>
+              </a:rPr>
+              <a:t>evolved </a:t>
+            </a:r>
+            <a:r>
+              <a:rPr lang="en-US" sz="1200" kern="1200" baseline="0" dirty="0" smtClean="0">
+                <a:solidFill>
+                  <a:schemeClr val="tx1"/>
+                </a:solidFill>
+                <a:effectLst/>
+                <a:latin typeface="+mn-lt"/>
+                <a:ea typeface="+mn-ea"/>
+                <a:cs typeface="+mn-cs"/>
+              </a:rPr>
+              <a:t>since then to make our tests as easy to write and maintain as possible.</a:t>
             </a:r>
             <a:r>
               <a:rPr lang="en-US" sz="1200" kern="1200" dirty="0" smtClean="0">
@@ -1262,7 +1323,11 @@
             </a:pPr>
             <a:r>
               <a:rPr lang="en-US" baseline="0" dirty="0" smtClean="0"/>
-              <a:t>Might be creating objects in memory</a:t>
+              <a:t>Objects </a:t>
+            </a:r>
+            <a:r>
+              <a:rPr lang="en-US" baseline="0" dirty="0" smtClean="0"/>
+              <a:t>in memory</a:t>
             </a:r>
           </a:p>
           <a:p>
@@ -1272,7 +1337,11 @@
             </a:pPr>
             <a:r>
               <a:rPr lang="en-US" baseline="0" dirty="0" smtClean="0"/>
-              <a:t>Might be creating data in a database, </a:t>
+              <a:t>Data </a:t>
+            </a:r>
+            <a:r>
+              <a:rPr lang="en-US" baseline="0" dirty="0" smtClean="0"/>
+              <a:t>in a database, </a:t>
             </a:r>
           </a:p>
           <a:p>
@@ -1282,7 +1351,11 @@
             </a:pPr>
             <a:r>
               <a:rPr lang="en-US" baseline="0" dirty="0" smtClean="0"/>
-              <a:t>Might be putting files on disk. </a:t>
+              <a:t>Files </a:t>
+            </a:r>
+            <a:r>
+              <a:rPr lang="en-US" baseline="0" dirty="0" smtClean="0"/>
+              <a:t>on disk. </a:t>
             </a:r>
           </a:p>
           <a:p>
@@ -1292,8 +1365,19 @@
             </a:pPr>
             <a:r>
               <a:rPr lang="en-US" baseline="0" dirty="0" smtClean="0"/>
-              <a:t>Might be doing this in some sort of shared setup code that impacts multiple tests, or you might be doing this in a single test method.</a:t>
-            </a:r>
+              <a:t>Shared setup code</a:t>
+            </a:r>
+          </a:p>
+          <a:p>
+            <a:pPr marL="171450" indent="-171450">
+              <a:buFont typeface="Arial" panose="020B0604020202020204" pitchFamily="34" charset="0"/>
+              <a:buChar char="•"/>
+            </a:pPr>
+            <a:r>
+              <a:rPr lang="en-US" baseline="0" dirty="0" smtClean="0"/>
+              <a:t>Setup in a single test</a:t>
+            </a:r>
+            <a:endParaRPr lang="en-US" baseline="0" dirty="0" smtClean="0"/>
           </a:p>
           <a:p>
             <a:endParaRPr lang="en-US" baseline="0" dirty="0" smtClean="0"/>
@@ -1941,11 +2025,27 @@
             </a:r>
             <a:r>
               <a:rPr lang="en-US" b="0" baseline="0" dirty="0" smtClean="0"/>
-              <a:t> setup code often suffers from “noise” values that obscure </a:t>
+              <a:t> setup code often suffers from “noise” </a:t>
+            </a:r>
+            <a:r>
+              <a:rPr lang="en-US" b="0" baseline="0" dirty="0" smtClean="0"/>
+              <a:t>values – OBSCURE </a:t>
             </a:r>
             <a:r>
               <a:rPr lang="en-US" b="0" dirty="0" smtClean="0"/>
-              <a:t>the data that actually impact the test outcome.</a:t>
+              <a:t>the </a:t>
+            </a:r>
+            <a:r>
+              <a:rPr lang="en-US" b="0" dirty="0" smtClean="0"/>
+              <a:t>data that actually </a:t>
+            </a:r>
+            <a:r>
+              <a:rPr lang="en-US" b="0" dirty="0" smtClean="0"/>
+              <a:t>IMPACT test </a:t>
+            </a:r>
+            <a:r>
+              <a:rPr lang="en-US" b="0" dirty="0" smtClean="0"/>
+              <a:t>outcome.</a:t>
             </a:r>
             <a:br>
               <a:rPr lang="en-US" b="0" dirty="0" smtClean="0"/>
@@ -1995,16 +2095,24 @@
             </a:r>
             <a:r>
               <a:rPr lang="en-US" b="0" baseline="0" dirty="0" smtClean="0"/>
-              <a:t> string literal containing the email address</a:t>
+              <a:t> </a:t>
+            </a:r>
+            <a:r>
+              <a:rPr lang="en-US" b="0" baseline="0" dirty="0" smtClean="0"/>
+              <a:t>email </a:t>
+            </a:r>
+            <a:r>
+              <a:rPr lang="en-US" b="0" baseline="0" dirty="0" smtClean="0"/>
+              <a:t>address</a:t>
             </a:r>
             <a:r>
               <a:rPr lang="en-US" b="0" dirty="0" smtClean="0"/>
-              <a:t>, which DOES NOT impact the test outcome, is hard to distinguish from other values that DO impact the test</a:t>
-            </a:r>
-            <a:br>
+              <a:t>, which DOES NOT impact the test outcome, is hard to distinguish from other values that DO impact the </a:t>
+            </a:r>
+            <a:r>
               <a:rPr lang="en-US" b="0" dirty="0" smtClean="0"/>
-            </a:br>
-            <a:endParaRPr lang="en-US" b="0" dirty="0" smtClean="0"/>
+              <a:t>test</a:t>
+            </a:r>
           </a:p>
           <a:p>
             <a:pPr marL="628650" lvl="1" indent="-171450">
@@ -2012,8 +2120,20 @@
               <a:buChar char="•"/>
             </a:pPr>
             <a:r>
+              <a:rPr lang="en-US" b="0" dirty="0" err="1" smtClean="0"/>
+              <a:t>Devs</a:t>
+            </a:r>
+            <a:r>
+              <a:rPr lang="en-US" b="0" baseline="0" dirty="0" smtClean="0"/>
+              <a:t> </a:t>
+            </a:r>
+            <a:r>
               <a:rPr lang="en-US" b="0" dirty="0" smtClean="0"/>
-              <a:t>Other programmers work harder to</a:t>
+              <a:t>work </a:t>
+            </a:r>
+            <a:r>
+              <a:rPr lang="en-US" b="0" dirty="0" smtClean="0"/>
+              <a:t>harder to</a:t>
             </a:r>
             <a:r>
               <a:rPr lang="en-US" b="0" baseline="0" dirty="0" smtClean="0"/>
@@ -2052,7 +2172,27 @@
             </a:pPr>
             <a:r>
               <a:rPr lang="en-US" b="0" baseline="0" dirty="0" smtClean="0"/>
-              <a:t>Have to clearly communicate the conditions under which their assertions hold true</a:t>
+              <a:t>Clearly </a:t>
+            </a:r>
+            <a:r>
+              <a:rPr lang="en-US" b="0" baseline="0" dirty="0" smtClean="0"/>
+              <a:t>communicate </a:t>
+            </a:r>
+            <a:r>
+              <a:rPr lang="en-US" b="0" baseline="0" dirty="0" smtClean="0"/>
+              <a:t>conditions </a:t>
+            </a:r>
+            <a:r>
+              <a:rPr lang="en-US" b="0" baseline="0" dirty="0" smtClean="0"/>
+              <a:t>under which </a:t>
+            </a:r>
+            <a:r>
+              <a:rPr lang="en-US" b="0" baseline="0" dirty="0" smtClean="0"/>
+              <a:t>assertions </a:t>
+            </a:r>
+            <a:r>
+              <a:rPr lang="en-US" b="0" baseline="0" dirty="0" smtClean="0"/>
+              <a:t>hold true</a:t>
             </a:r>
           </a:p>
           <a:p>
@@ -2062,7 +2202,11 @@
             </a:pPr>
             <a:r>
               <a:rPr lang="en-US" b="0" baseline="0" dirty="0" smtClean="0"/>
-              <a:t>Specifying values in your test that don’t impact the test makes it much harder for other programmers to read and maintain that test</a:t>
+              <a:t>Literal values in setup should be significant or removed</a:t>
+            </a:r>
+            <a:r>
+              <a:rPr lang="en-US" b="0" baseline="0" dirty="0" smtClean="0"/>
+              <a:t/>
             </a:r>
             <a:br>
               <a:rPr lang="en-US" b="0" baseline="0" dirty="0" smtClean="0"/>
@@ -2153,8 +2297,13 @@
           <a:p>
             <a:r>
               <a:rPr lang="en-US" b="0" i="0" baseline="0" dirty="0" smtClean="0"/>
-              <a:t>Finally, poor setup code is often full of duplication, OR it is full of awkwardly reused logic.</a:t>
-            </a:r>
+              <a:t>Finally, poor setup code is often full of duplication, OR it </a:t>
+            </a:r>
+            <a:r>
+              <a:rPr lang="en-US" b="0" i="0" baseline="0" dirty="0" smtClean="0"/>
+              <a:t>incorrectly reuses that logic</a:t>
+            </a:r>
+            <a:endParaRPr lang="en-US" b="0" i="0" baseline="0" dirty="0" smtClean="0"/>
           </a:p>
           <a:p>
             <a:endParaRPr lang="en-US" b="0" i="0" baseline="0" dirty="0" smtClean="0"/>
@@ -2171,7 +2320,15 @@
           <a:p>
             <a:r>
               <a:rPr lang="en-US" b="0" i="0" baseline="0" dirty="0" smtClean="0"/>
-              <a:t>When logic is incorrectly reused, such as through inheritance, it’s harder to maintain.</a:t>
+              <a:t>When logic is incorrectly reused, </a:t>
+            </a:r>
+            <a:r>
+              <a:rPr lang="en-US" b="0" i="0" baseline="0" dirty="0" smtClean="0"/>
+              <a:t>it’s </a:t>
+            </a:r>
+            <a:r>
+              <a:rPr lang="en-US" b="0" i="0" baseline="0" dirty="0" smtClean="0"/>
+              <a:t>harder to maintain.</a:t>
             </a:r>
             <a:br>
               <a:rPr lang="en-US" b="0" i="0" baseline="0" dirty="0" smtClean="0"/>
@@ -2199,15 +2356,13 @@
             <a:endParaRPr lang="en-US" b="0" i="0" baseline="0" dirty="0" smtClean="0"/>
           </a:p>
           <a:p>
-            <a:endParaRPr lang="en-US" b="1" dirty="0" smtClean="0"/>
-          </a:p>
-          <a:p>
-            <a:endParaRPr lang="en-US" b="1" dirty="0" smtClean="0"/>
-          </a:p>
-          <a:p>
             <a:r>
               <a:rPr lang="en-US" b="1" dirty="0" smtClean="0"/>
-              <a:t>Transition:</a:t>
+              <a:t>Transition</a:t>
+            </a:r>
+            <a:r>
+              <a:rPr lang="en-US" b="1" dirty="0" smtClean="0"/>
+              <a:t>:</a:t>
             </a:r>
             <a:r>
               <a:rPr lang="en-US" b="1" baseline="0" dirty="0" smtClean="0"/>
@@ -2453,14 +2608,8 @@
                 <a:ea typeface="+mn-ea"/>
                 <a:cs typeface="+mn-cs"/>
               </a:rPr>
-              <a:t>Suck up your TIME when too hard to READ or UNDERSTAND</a:t>
-            </a:r>
-          </a:p>
-          <a:p>
-            <a:pPr marL="171450" indent="-171450">
-              <a:buFont typeface="Arial" panose="020B0604020202020204" pitchFamily="34" charset="0"/>
-              <a:buChar char="•"/>
-            </a:pPr>
+              <a:t>Suck up </a:t>
+            </a:r>
             <a:r>
               <a:rPr lang="en-US" sz="1200" kern="1200" baseline="0" dirty="0" smtClean="0">
                 <a:solidFill>
@@ -2471,14 +2620,8 @@
                 <a:ea typeface="+mn-ea"/>
                 <a:cs typeface="+mn-cs"/>
               </a:rPr>
-              <a:t>Suck up your MONEY, or your company’s money, when they break for stupid reasons</a:t>
-            </a:r>
-          </a:p>
-          <a:p>
-            <a:pPr marL="171450" indent="-171450">
-              <a:buFont typeface="Arial" panose="020B0604020202020204" pitchFamily="34" charset="0"/>
-              <a:buChar char="•"/>
-            </a:pPr>
+              <a:t>TIME </a:t>
+            </a:r>
             <a:r>
               <a:rPr lang="en-US" sz="1200" kern="1200" baseline="0" dirty="0" smtClean="0">
                 <a:solidFill>
@@ -2489,7 +2632,184 @@
                 <a:ea typeface="+mn-ea"/>
                 <a:cs typeface="+mn-cs"/>
               </a:rPr>
-              <a:t>Cause you frustration when it’s harder than it should be to WRITE NEW tests</a:t>
+              <a:t>when too hard to READ or UNDERSTAND</a:t>
+            </a:r>
+          </a:p>
+          <a:p>
+            <a:pPr marL="171450" indent="-171450">
+              <a:buFont typeface="Arial" panose="020B0604020202020204" pitchFamily="34" charset="0"/>
+              <a:buChar char="•"/>
+            </a:pPr>
+            <a:r>
+              <a:rPr lang="en-US" sz="1200" kern="1200" baseline="0" dirty="0" smtClean="0">
+                <a:solidFill>
+                  <a:schemeClr val="tx1"/>
+                </a:solidFill>
+                <a:effectLst/>
+                <a:latin typeface="+mn-lt"/>
+                <a:ea typeface="+mn-ea"/>
+                <a:cs typeface="+mn-cs"/>
+              </a:rPr>
+              <a:t>Suck up </a:t>
+            </a:r>
+            <a:r>
+              <a:rPr lang="en-US" sz="1200" kern="1200" baseline="0" dirty="0" smtClean="0">
+                <a:solidFill>
+                  <a:schemeClr val="tx1"/>
+                </a:solidFill>
+                <a:effectLst/>
+                <a:latin typeface="+mn-lt"/>
+                <a:ea typeface="+mn-ea"/>
+                <a:cs typeface="+mn-cs"/>
+              </a:rPr>
+              <a:t>MONEY</a:t>
+            </a:r>
+            <a:r>
+              <a:rPr lang="en-US" sz="1200" kern="1200" baseline="0" dirty="0" smtClean="0">
+                <a:solidFill>
+                  <a:schemeClr val="tx1"/>
+                </a:solidFill>
+                <a:effectLst/>
+                <a:latin typeface="+mn-lt"/>
+                <a:ea typeface="+mn-ea"/>
+                <a:cs typeface="+mn-cs"/>
+              </a:rPr>
+              <a:t>, or </a:t>
+            </a:r>
+            <a:r>
+              <a:rPr lang="en-US" sz="1200" kern="1200" baseline="0" dirty="0" smtClean="0">
+                <a:solidFill>
+                  <a:schemeClr val="tx1"/>
+                </a:solidFill>
+                <a:effectLst/>
+                <a:latin typeface="+mn-lt"/>
+                <a:ea typeface="+mn-ea"/>
+                <a:cs typeface="+mn-cs"/>
+              </a:rPr>
+              <a:t>company’s </a:t>
+            </a:r>
+            <a:r>
+              <a:rPr lang="en-US" sz="1200" kern="1200" baseline="0" dirty="0" smtClean="0">
+                <a:solidFill>
+                  <a:schemeClr val="tx1"/>
+                </a:solidFill>
+                <a:effectLst/>
+                <a:latin typeface="+mn-lt"/>
+                <a:ea typeface="+mn-ea"/>
+                <a:cs typeface="+mn-cs"/>
+              </a:rPr>
+              <a:t>money, when </a:t>
+            </a:r>
+            <a:r>
+              <a:rPr lang="en-US" sz="1200" kern="1200" baseline="0" dirty="0" smtClean="0">
+                <a:solidFill>
+                  <a:schemeClr val="tx1"/>
+                </a:solidFill>
+                <a:effectLst/>
+                <a:latin typeface="+mn-lt"/>
+                <a:ea typeface="+mn-ea"/>
+                <a:cs typeface="+mn-cs"/>
+              </a:rPr>
+              <a:t>hard to maintain</a:t>
+            </a:r>
+            <a:endParaRPr lang="en-US" sz="1200" kern="1200" baseline="0" dirty="0" smtClean="0">
+              <a:solidFill>
+                <a:schemeClr val="tx1"/>
+              </a:solidFill>
+              <a:effectLst/>
+              <a:latin typeface="+mn-lt"/>
+              <a:ea typeface="+mn-ea"/>
+              <a:cs typeface="+mn-cs"/>
+            </a:endParaRPr>
+          </a:p>
+          <a:p>
+            <a:pPr marL="171450" indent="-171450">
+              <a:buFont typeface="Arial" panose="020B0604020202020204" pitchFamily="34" charset="0"/>
+              <a:buChar char="•"/>
+            </a:pPr>
+            <a:r>
+              <a:rPr lang="en-US" sz="1200" kern="1200" baseline="0" dirty="0" smtClean="0">
+                <a:solidFill>
+                  <a:schemeClr val="tx1"/>
+                </a:solidFill>
+                <a:effectLst/>
+                <a:latin typeface="+mn-lt"/>
+                <a:ea typeface="+mn-ea"/>
+                <a:cs typeface="+mn-cs"/>
+              </a:rPr>
+              <a:t>Cause </a:t>
+            </a:r>
+            <a:r>
+              <a:rPr lang="en-US" sz="1200" kern="1200" baseline="0" dirty="0" smtClean="0">
+                <a:solidFill>
+                  <a:schemeClr val="tx1"/>
+                </a:solidFill>
+                <a:effectLst/>
+                <a:latin typeface="+mn-lt"/>
+                <a:ea typeface="+mn-ea"/>
+                <a:cs typeface="+mn-cs"/>
+              </a:rPr>
+              <a:t>frustration </a:t>
+            </a:r>
+            <a:r>
+              <a:rPr lang="en-US" sz="1200" kern="1200" baseline="0" dirty="0" smtClean="0">
+                <a:solidFill>
+                  <a:schemeClr val="tx1"/>
+                </a:solidFill>
+                <a:effectLst/>
+                <a:latin typeface="+mn-lt"/>
+                <a:ea typeface="+mn-ea"/>
+                <a:cs typeface="+mn-cs"/>
+              </a:rPr>
+              <a:t>when </a:t>
+            </a:r>
+            <a:r>
+              <a:rPr lang="en-US" sz="1200" kern="1200" baseline="0" dirty="0" smtClean="0">
+                <a:solidFill>
+                  <a:schemeClr val="tx1"/>
+                </a:solidFill>
+                <a:effectLst/>
+                <a:latin typeface="+mn-lt"/>
+                <a:ea typeface="+mn-ea"/>
+                <a:cs typeface="+mn-cs"/>
+              </a:rPr>
+              <a:t>harder </a:t>
+            </a:r>
+            <a:r>
+              <a:rPr lang="en-US" sz="1200" kern="1200" baseline="0" dirty="0" smtClean="0">
+                <a:solidFill>
+                  <a:schemeClr val="tx1"/>
+                </a:solidFill>
+                <a:effectLst/>
+                <a:latin typeface="+mn-lt"/>
+                <a:ea typeface="+mn-ea"/>
+                <a:cs typeface="+mn-cs"/>
+              </a:rPr>
+              <a:t>than </a:t>
+            </a:r>
+            <a:r>
+              <a:rPr lang="en-US" sz="1200" kern="1200" baseline="0" dirty="0" smtClean="0">
+                <a:solidFill>
+                  <a:schemeClr val="tx1"/>
+                </a:solidFill>
+                <a:effectLst/>
+                <a:latin typeface="+mn-lt"/>
+                <a:ea typeface="+mn-ea"/>
+                <a:cs typeface="+mn-cs"/>
+              </a:rPr>
+              <a:t>should </a:t>
+            </a:r>
+            <a:r>
+              <a:rPr lang="en-US" sz="1200" kern="1200" baseline="0" dirty="0" smtClean="0">
+                <a:solidFill>
+                  <a:schemeClr val="tx1"/>
+                </a:solidFill>
+                <a:effectLst/>
+                <a:latin typeface="+mn-lt"/>
+                <a:ea typeface="+mn-ea"/>
+                <a:cs typeface="+mn-cs"/>
+              </a:rPr>
+              <a:t>be to WRITE NEW tests</a:t>
             </a:r>
           </a:p>
           <a:p>
@@ -2526,14 +2846,8 @@
                 <a:ea typeface="+mn-ea"/>
                 <a:cs typeface="+mn-cs"/>
               </a:rPr>
-              <a:t> based on years of experience writing tests in the trenches just like you. </a:t>
-            </a:r>
-          </a:p>
-          <a:p>
-            <a:pPr marL="171450" indent="-171450">
-              <a:buFont typeface="Arial" panose="020B0604020202020204" pitchFamily="34" charset="0"/>
-              <a:buChar char="•"/>
-            </a:pPr>
+              <a:t> based on years of experience </a:t>
+            </a:r>
             <a:r>
               <a:rPr lang="en-US" sz="1200" kern="1200" baseline="0" dirty="0" smtClean="0">
                 <a:solidFill>
@@ -2544,14 +2858,8 @@
                 <a:ea typeface="+mn-ea"/>
                 <a:cs typeface="+mn-cs"/>
               </a:rPr>
-              <a:t>Gritted my teeth while spending more time setting up a test than it took to implement the feature. </a:t>
-            </a:r>
-          </a:p>
-          <a:p>
-            <a:pPr marL="171450" indent="-171450">
-              <a:buFont typeface="Arial" panose="020B0604020202020204" pitchFamily="34" charset="0"/>
-              <a:buChar char="•"/>
-            </a:pPr>
+              <a:t>in </a:t>
+            </a:r>
             <a:r>
               <a:rPr lang="en-US" sz="1200" kern="1200" baseline="0" dirty="0" smtClean="0">
                 <a:solidFill>
@@ -2562,14 +2870,8 @@
                 <a:ea typeface="+mn-ea"/>
                 <a:cs typeface="+mn-cs"/>
               </a:rPr>
-              <a:t>I have overwhelmed by confusion while trying to understand a test with three screens of setup logic. </a:t>
-            </a:r>
-          </a:p>
-          <a:p>
-            <a:pPr marL="171450" indent="-171450">
-              <a:buFont typeface="Arial" panose="020B0604020202020204" pitchFamily="34" charset="0"/>
-              <a:buChar char="•"/>
-            </a:pPr>
+              <a:t>the </a:t>
+            </a:r>
             <a:r>
               <a:rPr lang="en-US" sz="1200" kern="1200" baseline="0" dirty="0" smtClean="0">
                 <a:solidFill>
@@ -2580,8 +2882,212 @@
                 <a:ea typeface="+mn-ea"/>
                 <a:cs typeface="+mn-cs"/>
               </a:rPr>
-              <a:t>And more times than I’d like to admit, I have skipped writing a valuable test because it would have been too costly to write. </a:t>
-            </a:r>
+              <a:t>trenches</a:t>
+            </a:r>
+            <a:endParaRPr lang="en-US" sz="1200" kern="1200" baseline="0" dirty="0" smtClean="0">
+              <a:solidFill>
+                <a:schemeClr val="tx1"/>
+              </a:solidFill>
+              <a:effectLst/>
+              <a:latin typeface="+mn-lt"/>
+              <a:ea typeface="+mn-ea"/>
+              <a:cs typeface="+mn-cs"/>
+            </a:endParaRPr>
+          </a:p>
+          <a:p>
+            <a:pPr marL="171450" indent="-171450">
+              <a:buFont typeface="Arial" panose="020B0604020202020204" pitchFamily="34" charset="0"/>
+              <a:buChar char="•"/>
+            </a:pPr>
+            <a:r>
+              <a:rPr lang="en-US" sz="1200" kern="1200" baseline="0" dirty="0" smtClean="0">
+                <a:solidFill>
+                  <a:schemeClr val="tx1"/>
+                </a:solidFill>
+                <a:effectLst/>
+                <a:latin typeface="+mn-lt"/>
+                <a:ea typeface="+mn-ea"/>
+                <a:cs typeface="+mn-cs"/>
+              </a:rPr>
+              <a:t>Gritted my teeth </a:t>
+            </a:r>
+            <a:r>
+              <a:rPr lang="en-US" sz="1200" kern="1200" baseline="0" dirty="0" smtClean="0">
+                <a:solidFill>
+                  <a:schemeClr val="tx1"/>
+                </a:solidFill>
+                <a:effectLst/>
+                <a:latin typeface="+mn-lt"/>
+                <a:ea typeface="+mn-ea"/>
+                <a:cs typeface="+mn-cs"/>
+              </a:rPr>
+              <a:t>- took longer to WRITE SINGLE TEST than to </a:t>
+            </a:r>
+            <a:r>
+              <a:rPr lang="en-US" sz="1200" kern="1200" baseline="0" dirty="0" smtClean="0">
+                <a:solidFill>
+                  <a:schemeClr val="tx1"/>
+                </a:solidFill>
+                <a:effectLst/>
+                <a:latin typeface="+mn-lt"/>
+                <a:ea typeface="+mn-ea"/>
+                <a:cs typeface="+mn-cs"/>
+              </a:rPr>
+              <a:t>implement </a:t>
+            </a:r>
+            <a:r>
+              <a:rPr lang="en-US" sz="1200" kern="1200" baseline="0" dirty="0" smtClean="0">
+                <a:solidFill>
+                  <a:schemeClr val="tx1"/>
+                </a:solidFill>
+                <a:effectLst/>
+                <a:latin typeface="+mn-lt"/>
+                <a:ea typeface="+mn-ea"/>
+                <a:cs typeface="+mn-cs"/>
+              </a:rPr>
+              <a:t>feature</a:t>
+            </a:r>
+            <a:r>
+              <a:rPr lang="en-US" sz="1200" kern="1200" baseline="0" dirty="0" smtClean="0">
+                <a:solidFill>
+                  <a:schemeClr val="tx1"/>
+                </a:solidFill>
+                <a:effectLst/>
+                <a:latin typeface="+mn-lt"/>
+                <a:ea typeface="+mn-ea"/>
+                <a:cs typeface="+mn-cs"/>
+              </a:rPr>
+              <a:t>. </a:t>
+            </a:r>
+          </a:p>
+          <a:p>
+            <a:pPr marL="171450" indent="-171450">
+              <a:buFont typeface="Arial" panose="020B0604020202020204" pitchFamily="34" charset="0"/>
+              <a:buChar char="•"/>
+            </a:pPr>
+            <a:r>
+              <a:rPr lang="en-US" sz="1200" kern="1200" baseline="0" dirty="0" smtClean="0">
+                <a:solidFill>
+                  <a:schemeClr val="tx1"/>
+                </a:solidFill>
+                <a:effectLst/>
+                <a:latin typeface="+mn-lt"/>
+                <a:ea typeface="+mn-ea"/>
+                <a:cs typeface="+mn-cs"/>
+              </a:rPr>
+              <a:t>Overwhelmed </a:t>
+            </a:r>
+            <a:r>
+              <a:rPr lang="en-US" sz="1200" kern="1200" baseline="0" dirty="0" smtClean="0">
+                <a:solidFill>
+                  <a:schemeClr val="tx1"/>
+                </a:solidFill>
+                <a:effectLst/>
+                <a:latin typeface="+mn-lt"/>
+                <a:ea typeface="+mn-ea"/>
+                <a:cs typeface="+mn-cs"/>
+              </a:rPr>
+              <a:t>by confusion </a:t>
+            </a:r>
+            <a:r>
+              <a:rPr lang="en-US" sz="1200" kern="1200" baseline="0" dirty="0" smtClean="0">
+                <a:solidFill>
+                  <a:schemeClr val="tx1"/>
+                </a:solidFill>
+                <a:effectLst/>
+                <a:latin typeface="+mn-lt"/>
+                <a:ea typeface="+mn-ea"/>
+                <a:cs typeface="+mn-cs"/>
+              </a:rPr>
+              <a:t>trying </a:t>
+            </a:r>
+            <a:r>
+              <a:rPr lang="en-US" sz="1200" kern="1200" baseline="0" dirty="0" smtClean="0">
+                <a:solidFill>
+                  <a:schemeClr val="tx1"/>
+                </a:solidFill>
+                <a:effectLst/>
+                <a:latin typeface="+mn-lt"/>
+                <a:ea typeface="+mn-ea"/>
+                <a:cs typeface="+mn-cs"/>
+              </a:rPr>
+              <a:t>to </a:t>
+            </a:r>
+            <a:r>
+              <a:rPr lang="en-US" sz="1200" kern="1200" baseline="0" dirty="0" smtClean="0">
+                <a:solidFill>
+                  <a:schemeClr val="tx1"/>
+                </a:solidFill>
+                <a:effectLst/>
+                <a:latin typeface="+mn-lt"/>
+                <a:ea typeface="+mn-ea"/>
+                <a:cs typeface="+mn-cs"/>
+              </a:rPr>
+              <a:t>UNDERSTAND 3 screens </a:t>
+            </a:r>
+            <a:r>
+              <a:rPr lang="en-US" sz="1200" kern="1200" baseline="0" dirty="0" smtClean="0">
+                <a:solidFill>
+                  <a:schemeClr val="tx1"/>
+                </a:solidFill>
+                <a:effectLst/>
+                <a:latin typeface="+mn-lt"/>
+                <a:ea typeface="+mn-ea"/>
+                <a:cs typeface="+mn-cs"/>
+              </a:rPr>
+              <a:t>of setup logic. </a:t>
+            </a:r>
+          </a:p>
+          <a:p>
+            <a:pPr marL="171450" indent="-171450">
+              <a:buFont typeface="Arial" panose="020B0604020202020204" pitchFamily="34" charset="0"/>
+              <a:buChar char="•"/>
+            </a:pPr>
+            <a:r>
+              <a:rPr lang="en-US" sz="1200" kern="1200" baseline="0" dirty="0" smtClean="0">
+                <a:solidFill>
+                  <a:schemeClr val="tx1"/>
+                </a:solidFill>
+                <a:effectLst/>
+                <a:latin typeface="+mn-lt"/>
+                <a:ea typeface="+mn-ea"/>
+                <a:cs typeface="+mn-cs"/>
+              </a:rPr>
+              <a:t>SKIPPED writing valuable </a:t>
+            </a:r>
+            <a:r>
+              <a:rPr lang="en-US" sz="1200" kern="1200" baseline="0" dirty="0" smtClean="0">
+                <a:solidFill>
+                  <a:schemeClr val="tx1"/>
+                </a:solidFill>
+                <a:effectLst/>
+                <a:latin typeface="+mn-lt"/>
+                <a:ea typeface="+mn-ea"/>
+                <a:cs typeface="+mn-cs"/>
+              </a:rPr>
+              <a:t>test because it would have been too </a:t>
+            </a:r>
+            <a:r>
+              <a:rPr lang="en-US" sz="1200" kern="1200" baseline="0" dirty="0" smtClean="0">
+                <a:solidFill>
+                  <a:schemeClr val="tx1"/>
+                </a:solidFill>
+                <a:effectLst/>
+                <a:latin typeface="+mn-lt"/>
+                <a:ea typeface="+mn-ea"/>
+                <a:cs typeface="+mn-cs"/>
+              </a:rPr>
+              <a:t>costly</a:t>
+            </a:r>
+            <a:endParaRPr lang="en-US" sz="1200" kern="1200" baseline="0" dirty="0" smtClean="0">
+              <a:solidFill>
+                <a:schemeClr val="tx1"/>
+              </a:solidFill>
+              <a:effectLst/>
+              <a:latin typeface="+mn-lt"/>
+              <a:ea typeface="+mn-ea"/>
+              <a:cs typeface="+mn-cs"/>
+            </a:endParaRPr>
           </a:p>
           <a:p>
             <a:endParaRPr lang="en-US" sz="1200" kern="1200" baseline="0" dirty="0" smtClean="0">
@@ -3788,7 +4294,15 @@
             </a:pPr>
             <a:r>
               <a:rPr lang="en-US" b="0" i="0" baseline="0" dirty="0" smtClean="0"/>
-              <a:t>Means that other developers should be able to read and understand our setup code with as minimal effort as possible</a:t>
+              <a:t>Means that other developers should be able to read and understand our setup code with as </a:t>
+            </a:r>
+            <a:r>
+              <a:rPr lang="en-US" b="0" i="0" baseline="0" dirty="0" smtClean="0"/>
+              <a:t>MINIMAL EFFORT as </a:t>
+            </a:r>
+            <a:r>
+              <a:rPr lang="en-US" b="0" i="0" baseline="0" dirty="0" smtClean="0"/>
+              <a:t>possible</a:t>
             </a:r>
           </a:p>
           <a:p>
@@ -3916,13 +4430,12 @@
             </a:pPr>
             <a:r>
               <a:rPr lang="en-US" b="0" i="0" baseline="0" dirty="0" smtClean="0"/>
-              <a:t>All </a:t>
+              <a:t>Removed unnecessary </a:t>
             </a:r>
             <a:r>
               <a:rPr lang="en-US" b="0" i="0" baseline="0" dirty="0" smtClean="0"/>
-              <a:t>unnecessary code </a:t>
-            </a:r>
-            <a:endParaRPr lang="en-US" b="0" i="0" baseline="0" dirty="0" smtClean="0"/>
+              <a:t>code </a:t>
+            </a:r>
           </a:p>
           <a:p>
             <a:pPr marL="171450" indent="-171450">
@@ -3931,11 +4444,7 @@
             </a:pPr>
             <a:r>
               <a:rPr lang="en-US" b="0" i="0" baseline="0" dirty="0" smtClean="0"/>
-              <a:t>What’s left is as easy read </a:t>
-            </a:r>
-            <a:r>
-              <a:rPr lang="en-US" b="0" i="0" baseline="0" dirty="0" smtClean="0"/>
-              <a:t>and scan as possible.</a:t>
+              <a:t>What’s left is as easy read and scan as possible.</a:t>
             </a:r>
           </a:p>
           <a:p>
@@ -3954,7 +4463,7 @@
             </a:pPr>
             <a:r>
               <a:rPr lang="en-US" b="0" i="0" baseline="0" dirty="0" smtClean="0"/>
-              <a:t>Can’t understand the </a:t>
+              <a:t>Can’t understand </a:t>
             </a:r>
             <a:r>
               <a:rPr lang="en-US" b="0" i="0" baseline="0" dirty="0" smtClean="0"/>
@@ -3962,25 +4471,30 @@
             </a:r>
             <a:r>
               <a:rPr lang="en-US" b="0" i="0" baseline="0" dirty="0" smtClean="0"/>
-              <a:t>unless </a:t>
+              <a:t>unless we understand </a:t>
             </a:r>
             <a:r>
               <a:rPr lang="en-US" b="0" i="0" baseline="0" dirty="0" smtClean="0"/>
-              <a:t>we understand the context </a:t>
-            </a:r>
+              <a:t>context</a:t>
+            </a:r>
+            <a:endParaRPr lang="en-US" b="0" i="0" baseline="0" dirty="0" smtClean="0"/>
+          </a:p>
+          <a:p>
+            <a:pPr marL="171450" indent="-171450">
+              <a:buFont typeface="Arial" panose="020B0604020202020204" pitchFamily="34" charset="0"/>
+              <a:buChar char="•"/>
+            </a:pPr>
             <a:r>
               <a:rPr lang="en-US" b="0" i="0" baseline="0" dirty="0" smtClean="0"/>
-              <a:t>too</a:t>
-            </a:r>
-          </a:p>
-          <a:p>
-            <a:pPr marL="171450" indent="-171450">
-              <a:buFont typeface="Arial" panose="020B0604020202020204" pitchFamily="34" charset="0"/>
-              <a:buChar char="•"/>
-            </a:pPr>
+              <a:t>Effortless </a:t>
+            </a:r>
             <a:r>
               <a:rPr lang="en-US" b="0" i="0" baseline="0" dirty="0" smtClean="0"/>
-              <a:t>Make it as effortless as possible for someone to digest your setup code</a:t>
+              <a:t>as possible </a:t>
+            </a:r>
+            <a:r>
+              <a:rPr lang="en-US" b="0" i="0" baseline="0" dirty="0" smtClean="0"/>
+              <a:t>to digest</a:t>
             </a:r>
             <a:endParaRPr lang="en-US" b="0" i="0" baseline="0" dirty="0" smtClean="0"/>
           </a:p>
@@ -4227,7 +4741,19 @@
                 <a:ea typeface="+mn-ea"/>
                 <a:cs typeface="+mn-cs"/>
               </a:rPr>
-              <a:t>And I don’t like feeling ashamed when I let my team down skipping the tests that will help them maintain my code in the future</a:t>
+              <a:t>And I don’t like feeling ashamed when I let my team </a:t>
+            </a:r>
+            <a:r>
+              <a:rPr lang="en-US" sz="1200" kern="1200" baseline="0" dirty="0" smtClean="0">
+                <a:solidFill>
+                  <a:schemeClr val="tx1"/>
+                </a:solidFill>
+                <a:effectLst/>
+                <a:latin typeface="+mn-lt"/>
+                <a:ea typeface="+mn-ea"/>
+                <a:cs typeface="+mn-cs"/>
+              </a:rPr>
+              <a:t>down</a:t>
             </a:r>
             <a:endParaRPr lang="en-US" sz="1200" kern="1200" dirty="0" smtClean="0">
               <a:solidFill>
@@ -4286,7 +4812,19 @@
                 <a:ea typeface="+mn-ea"/>
                 <a:cs typeface="+mn-cs"/>
               </a:rPr>
-              <a:t>In this session I’m going to lead you out of the darkness and into the land of milk, honey and unicorns where tests are easy to write, easy to read, and easy to maintain. </a:t>
+              <a:t>OUT OF THE DARKNESS and </a:t>
+            </a:r>
+            <a:r>
+              <a:rPr lang="en-US" sz="1200" kern="1200" baseline="0" dirty="0" smtClean="0">
+                <a:solidFill>
+                  <a:schemeClr val="tx1"/>
+                </a:solidFill>
+                <a:effectLst/>
+                <a:latin typeface="+mn-lt"/>
+                <a:ea typeface="+mn-ea"/>
+                <a:cs typeface="+mn-cs"/>
+              </a:rPr>
+              <a:t>into the land of milk, honey and unicorns where tests are easy to write, easy to read, and easy to maintain. </a:t>
             </a:r>
           </a:p>
           <a:p>
@@ -4580,40 +5118,56 @@
             </a:pPr>
             <a:r>
               <a:rPr lang="en-US" i="0" baseline="0" dirty="0" smtClean="0"/>
-              <a:t>As </a:t>
+              <a:t>Software </a:t>
             </a:r>
             <a:r>
               <a:rPr lang="en-US" i="0" baseline="0" dirty="0" smtClean="0"/>
-              <a:t>software </a:t>
+              <a:t>gets complex and you add more </a:t>
             </a:r>
             <a:r>
               <a:rPr lang="en-US" i="0" baseline="0" dirty="0" smtClean="0"/>
-              <a:t>gets </a:t>
+              <a:t>rules = lot </a:t>
             </a:r>
             <a:r>
               <a:rPr lang="en-US" i="0" baseline="0" dirty="0" smtClean="0"/>
-              <a:t>complex and you add more rules, </a:t>
-            </a:r>
+              <a:t>of similar tests that differ in subtle, but important, ways.</a:t>
+            </a:r>
+          </a:p>
+          <a:p>
+            <a:pPr marL="171450" indent="-171450">
+              <a:buFont typeface="Arial" panose="020B0604020202020204" pitchFamily="34" charset="0"/>
+              <a:buChar char="•"/>
+            </a:pPr>
+            <a:endParaRPr lang="en-US" i="0" baseline="0" dirty="0" smtClean="0"/>
+          </a:p>
+          <a:p>
+            <a:pPr marL="171450" indent="-171450">
+              <a:buFont typeface="Arial" panose="020B0604020202020204" pitchFamily="34" charset="0"/>
+              <a:buChar char="•"/>
+            </a:pPr>
             <a:r>
               <a:rPr lang="en-US" i="0" baseline="0" dirty="0" smtClean="0"/>
-              <a:t>you end up with a lot of similar tests that differ in subtle, but important, ways.</a:t>
-            </a:r>
-          </a:p>
-          <a:p>
-            <a:pPr marL="171450" indent="-171450">
-              <a:buFont typeface="Arial" panose="020B0604020202020204" pitchFamily="34" charset="0"/>
-              <a:buChar char="•"/>
-            </a:pPr>
-            <a:endParaRPr lang="en-US" i="0" baseline="0" dirty="0" smtClean="0"/>
-          </a:p>
-          <a:p>
-            <a:pPr marL="171450" indent="-171450">
-              <a:buFont typeface="Arial" panose="020B0604020202020204" pitchFamily="34" charset="0"/>
-              <a:buChar char="•"/>
-            </a:pPr>
+              <a:t>Easier </a:t>
+            </a:r>
             <a:r>
               <a:rPr lang="en-US" i="0" baseline="0" dirty="0" smtClean="0"/>
-              <a:t>It is much easier to understand and maintain those tests when you can quickly and visually compare them to see what’s different.</a:t>
+              <a:t>to </a:t>
+            </a:r>
+            <a:r>
+              <a:rPr lang="en-US" i="0" baseline="0" dirty="0" smtClean="0"/>
+              <a:t>UNDERSTAND AND MAINTAIN when you </a:t>
+            </a:r>
+            <a:r>
+              <a:rPr lang="en-US" i="0" baseline="0" dirty="0" smtClean="0"/>
+              <a:t>can quickly and </a:t>
+            </a:r>
+            <a:r>
+              <a:rPr lang="en-US" i="0" baseline="0" dirty="0" smtClean="0"/>
+              <a:t>VISUALLY COMPARE them </a:t>
+            </a:r>
+            <a:r>
+              <a:rPr lang="en-US" i="0" baseline="0" dirty="0" smtClean="0"/>
+              <a:t>to see what’s different.</a:t>
             </a:r>
           </a:p>
           <a:p>
@@ -4857,7 +5411,6 @@
               <a:rPr lang="en-US" i="0" baseline="0" dirty="0" smtClean="0"/>
               <a:t>As you write more tests, or as your tests get more complex, this can make a huge difference</a:t>
             </a:r>
-            <a:endParaRPr lang="en-US" i="0" baseline="0" dirty="0" smtClean="0"/>
           </a:p>
           <a:p>
             <a:endParaRPr lang="en-US" i="0" baseline="0" dirty="0" smtClean="0"/>
@@ -4964,24 +5517,11 @@
             </a:pPr>
             <a:r>
               <a:rPr lang="en-US" b="0" baseline="0" dirty="0" smtClean="0"/>
-              <a:t>General rule of thumb, </a:t>
-            </a:r>
-          </a:p>
-          <a:p>
-            <a:pPr marL="171450" indent="-171450">
-              <a:buFont typeface="Arial" panose="020B0604020202020204" pitchFamily="34" charset="0"/>
-              <a:buChar char="•"/>
-            </a:pPr>
+              <a:t>Purpose </a:t>
+            </a:r>
             <a:r>
               <a:rPr lang="en-US" b="0" baseline="0" dirty="0" smtClean="0"/>
-              <a:t/>
-            </a:r>
-            <a:br>
-              <a:rPr lang="en-US" b="0" baseline="0" dirty="0" smtClean="0"/>
-            </a:br>
-            <a:r>
-              <a:rPr lang="en-US" b="0" baseline="0" dirty="0" smtClean="0"/>
-              <a:t>Purpose of this constraint - hyper-focused on the clarity of my setup code. </a:t>
+              <a:t>of this constraint - hyper-focused on the clarity of my setup code. </a:t>
             </a:r>
             <a:br>
               <a:rPr lang="en-US" b="0" baseline="0" dirty="0" smtClean="0"/>
@@ -5016,7 +5556,85 @@
                 <a:ea typeface="+mn-ea"/>
                 <a:cs typeface="+mn-cs"/>
               </a:rPr>
-              <a:t>This is not a hard and fast rule, but I’ll show you some techniques in a few minutes that help me meet this goal the majority of the time.</a:t>
+              <a:t>Not </a:t>
+            </a:r>
+            <a:r>
+              <a:rPr lang="en-US" sz="1200" kern="1200" dirty="0" smtClean="0">
+                <a:solidFill>
+                  <a:schemeClr val="tx1"/>
+                </a:solidFill>
+                <a:effectLst/>
+                <a:latin typeface="+mn-lt"/>
+                <a:ea typeface="+mn-ea"/>
+                <a:cs typeface="+mn-cs"/>
+              </a:rPr>
+              <a:t>a hard and fast </a:t>
+            </a:r>
+            <a:r>
+              <a:rPr lang="en-US" sz="1200" kern="1200" dirty="0" smtClean="0">
+                <a:solidFill>
+                  <a:schemeClr val="tx1"/>
+                </a:solidFill>
+                <a:effectLst/>
+                <a:latin typeface="+mn-lt"/>
+                <a:ea typeface="+mn-ea"/>
+                <a:cs typeface="+mn-cs"/>
+              </a:rPr>
+              <a:t>rule</a:t>
+            </a:r>
+          </a:p>
+          <a:p>
+            <a:pPr marL="171450" indent="-171450">
+              <a:buFont typeface="Arial" panose="020B0604020202020204" pitchFamily="34" charset="0"/>
+              <a:buChar char="•"/>
+            </a:pPr>
+            <a:r>
+              <a:rPr lang="en-US" sz="1200" kern="1200" dirty="0" smtClean="0">
+                <a:solidFill>
+                  <a:schemeClr val="tx1"/>
+                </a:solidFill>
+                <a:effectLst/>
+                <a:latin typeface="+mn-lt"/>
+                <a:ea typeface="+mn-ea"/>
+                <a:cs typeface="+mn-cs"/>
+              </a:rPr>
+              <a:t>Meet this </a:t>
+            </a:r>
+            <a:r>
+              <a:rPr lang="en-US" sz="1200" kern="1200" dirty="0" smtClean="0">
+                <a:solidFill>
+                  <a:schemeClr val="tx1"/>
+                </a:solidFill>
+                <a:effectLst/>
+                <a:latin typeface="+mn-lt"/>
+                <a:ea typeface="+mn-ea"/>
+                <a:cs typeface="+mn-cs"/>
+              </a:rPr>
+              <a:t>goal </a:t>
+            </a:r>
+            <a:r>
+              <a:rPr lang="en-US" sz="1200" kern="1200" dirty="0" smtClean="0">
+                <a:solidFill>
+                  <a:schemeClr val="tx1"/>
+                </a:solidFill>
+                <a:effectLst/>
+                <a:latin typeface="+mn-lt"/>
+                <a:ea typeface="+mn-ea"/>
+                <a:cs typeface="+mn-cs"/>
+              </a:rPr>
+              <a:t>majority </a:t>
+            </a:r>
+            <a:r>
+              <a:rPr lang="en-US" sz="1200" kern="1200" dirty="0" smtClean="0">
+                <a:solidFill>
+                  <a:schemeClr val="tx1"/>
+                </a:solidFill>
+                <a:effectLst/>
+                <a:latin typeface="+mn-lt"/>
+                <a:ea typeface="+mn-ea"/>
+                <a:cs typeface="+mn-cs"/>
+              </a:rPr>
+              <a:t>of the time.</a:t>
             </a:r>
           </a:p>
           <a:p>
@@ -6952,15 +7570,23 @@
             </a:pPr>
             <a:r>
               <a:rPr lang="en-US" dirty="0" smtClean="0"/>
-              <a:t>Goal is to clearly</a:t>
+              <a:t>Clearly</a:t>
             </a:r>
             <a:r>
               <a:rPr lang="en-US" baseline="0" dirty="0" smtClean="0"/>
-              <a:t> identify the values or objects in the setup code that actually impact the test </a:t>
+              <a:t> </a:t>
             </a:r>
             <a:r>
               <a:rPr lang="en-US" baseline="0" dirty="0" smtClean="0"/>
-              <a:t>outcome</a:t>
+              <a:t>identify the values or objects in the setup code that </a:t>
+            </a:r>
+            <a:r>
+              <a:rPr lang="en-US" baseline="0" dirty="0" smtClean="0"/>
+              <a:t>ACTUALLY IMPACT the </a:t>
+            </a:r>
+            <a:r>
+              <a:rPr lang="en-US" baseline="0" dirty="0" smtClean="0"/>
+              <a:t>test outcome</a:t>
             </a:r>
           </a:p>
           <a:p>
@@ -6977,11 +7603,11 @@
             </a:pPr>
             <a:r>
               <a:rPr lang="en-US" baseline="0" dirty="0" smtClean="0"/>
-              <a:t>And clearly communicate HOW and WHY those values impact the test outcome</a:t>
+              <a:t>Clearly </a:t>
             </a:r>
             <a:r>
               <a:rPr lang="en-US" baseline="0" dirty="0" smtClean="0"/>
-              <a:t/>
+              <a:t>communicate HOW and WHY those values impact the test outcome</a:t>
             </a:r>
             <a:br>
               <a:rPr lang="en-US" baseline="0" dirty="0" smtClean="0"/>
@@ -7089,7 +7715,15 @@
             </a:pPr>
             <a:r>
               <a:rPr lang="en-US" b="0" baseline="0" dirty="0" smtClean="0"/>
-              <a:t>The first way to do this is to remove from your setup code all of those intermediate objects and values that don’t impact the test outcome.</a:t>
+              <a:t>The first way to do this is to remove </a:t>
+            </a:r>
+            <a:r>
+              <a:rPr lang="en-US" b="0" baseline="0" dirty="0" smtClean="0"/>
+              <a:t>intermediate </a:t>
+            </a:r>
+            <a:r>
+              <a:rPr lang="en-US" b="0" baseline="0" dirty="0" smtClean="0"/>
+              <a:t>objects and values that don’t impact the test outcome.</a:t>
             </a:r>
           </a:p>
           <a:p>
@@ -7108,7 +7742,6 @@
               <a:rPr lang="en-US" b="0" baseline="0" dirty="0" smtClean="0"/>
               <a:t>We saw this earlier when we talked about expressive code</a:t>
             </a:r>
-            <a:endParaRPr lang="en-US" b="0" baseline="0" dirty="0" smtClean="0"/>
           </a:p>
           <a:p>
             <a:pPr marL="171450" indent="-171450">
@@ -7242,7 +7875,15 @@
             </a:pPr>
             <a:r>
               <a:rPr lang="en-US" b="0" baseline="0" dirty="0" smtClean="0"/>
-              <a:t>Hard to understand by someone that isn’t intimately familiar with those details</a:t>
+              <a:t>Hard to understand </a:t>
+            </a:r>
+            <a:r>
+              <a:rPr lang="en-US" b="0" baseline="0" dirty="0" smtClean="0"/>
+              <a:t>when not familiar </a:t>
+            </a:r>
+            <a:r>
+              <a:rPr lang="en-US" b="0" baseline="0" dirty="0" smtClean="0"/>
+              <a:t>with those details</a:t>
             </a:r>
           </a:p>
           <a:p>
@@ -7252,8 +7893,13 @@
             </a:pPr>
             <a:r>
               <a:rPr lang="en-US" b="0" baseline="0" dirty="0" smtClean="0"/>
-              <a:t>Hard to figure out if something changes and the test breaks, </a:t>
-            </a:r>
+              <a:t>Hard to figure out </a:t>
+            </a:r>
+            <a:r>
+              <a:rPr lang="en-US" b="0" baseline="0" dirty="0" smtClean="0"/>
+              <a:t>why test started breaking</a:t>
+            </a:r>
+            <a:endParaRPr lang="en-US" b="0" baseline="0" dirty="0" smtClean="0"/>
           </a:p>
           <a:p>
             <a:pPr marL="171450" lvl="0" indent="-171450">
@@ -7374,36 +8020,24 @@
             </a:pPr>
             <a:r>
               <a:rPr lang="en-US" b="0" baseline="0" dirty="0" smtClean="0"/>
-              <a:t>By being explicit in the setup code we more clearly capture our </a:t>
-            </a:r>
+              <a:t>By being explicit in the setup code we more clearly capture our intent</a:t>
+            </a:r>
+          </a:p>
+          <a:p>
+            <a:pPr marL="171450" indent="-171450">
+              <a:buFont typeface="Arial" panose="020B0604020202020204" pitchFamily="34" charset="0"/>
+              <a:buChar char="•"/>
+            </a:pPr>
+            <a:endParaRPr lang="en-US" b="0" baseline="0" dirty="0" smtClean="0"/>
+          </a:p>
+          <a:p>
+            <a:pPr marL="171450" indent="-171450">
+              <a:buFont typeface="Arial" panose="020B0604020202020204" pitchFamily="34" charset="0"/>
+              <a:buChar char="•"/>
+            </a:pPr>
             <a:r>
               <a:rPr lang="en-US" b="0" baseline="0" dirty="0" smtClean="0"/>
-              <a:t>intent</a:t>
-            </a:r>
-          </a:p>
-          <a:p>
-            <a:pPr marL="171450" indent="-171450">
-              <a:buFont typeface="Arial" panose="020B0604020202020204" pitchFamily="34" charset="0"/>
-              <a:buChar char="•"/>
-            </a:pPr>
-            <a:endParaRPr lang="en-US" b="0" baseline="0" dirty="0" smtClean="0"/>
-          </a:p>
-          <a:p>
-            <a:pPr marL="171450" indent="-171450">
-              <a:buFont typeface="Arial" panose="020B0604020202020204" pitchFamily="34" charset="0"/>
-              <a:buChar char="•"/>
-            </a:pPr>
-            <a:r>
-              <a:rPr lang="en-US" b="0" baseline="0" dirty="0" smtClean="0"/>
-              <a:t>Easier </a:t>
-            </a:r>
-            <a:r>
-              <a:rPr lang="en-US" b="0" baseline="0" dirty="0" smtClean="0"/>
-              <a:t>to </a:t>
-            </a:r>
-            <a:r>
-              <a:rPr lang="en-US" b="0" baseline="0" dirty="0" smtClean="0"/>
-              <a:t>comprehend</a:t>
+              <a:t>Easier to comprehend</a:t>
             </a:r>
           </a:p>
           <a:p>
@@ -7922,12 +8556,21 @@
             </a:pPr>
             <a:r>
               <a:rPr lang="en-US" dirty="0" smtClean="0"/>
-              <a:t>The</a:t>
+              <a:t>Final suggestion</a:t>
             </a:r>
             <a:r>
               <a:rPr lang="en-US" baseline="0" dirty="0" smtClean="0"/>
-              <a:t> last suggestion I have for highlighting significant data is to use common naming patterns in your setup code.</a:t>
-            </a:r>
+              <a:t> for </a:t>
+            </a:r>
+            <a:r>
+              <a:rPr lang="en-US" baseline="0" dirty="0" smtClean="0"/>
+              <a:t>highlighting significant data is to use common naming </a:t>
+            </a:r>
+            <a:r>
+              <a:rPr lang="en-US" baseline="0" dirty="0" smtClean="0"/>
+              <a:t>patterns</a:t>
+            </a:r>
+            <a:endParaRPr lang="en-US" baseline="0" dirty="0" smtClean="0"/>
           </a:p>
           <a:p>
             <a:pPr marL="171450" indent="-171450">
@@ -7943,7 +8586,15 @@
             </a:pPr>
             <a:r>
               <a:rPr lang="en-US" baseline="0" dirty="0" smtClean="0"/>
-              <a:t>EX: When writing tests for search or filter, important to do positive AND negative test</a:t>
+              <a:t>EX: </a:t>
+            </a:r>
+            <a:r>
+              <a:rPr lang="en-US" baseline="0" dirty="0" smtClean="0"/>
+              <a:t>Tests </a:t>
+            </a:r>
+            <a:r>
+              <a:rPr lang="en-US" baseline="0" dirty="0" smtClean="0"/>
+              <a:t>for search or filter, important to do positive AND negative test</a:t>
             </a:r>
           </a:p>
           <a:p>
@@ -7953,7 +8604,15 @@
             </a:pPr>
             <a:r>
               <a:rPr lang="en-US" baseline="0" dirty="0" smtClean="0"/>
-              <a:t>Just as important that code returns the things it should as does NOT return what it shouldn’t</a:t>
+              <a:t>Just as important </a:t>
+            </a:r>
+            <a:r>
+              <a:rPr lang="en-US" baseline="0" dirty="0" smtClean="0"/>
+              <a:t>code </a:t>
+            </a:r>
+            <a:r>
+              <a:rPr lang="en-US" baseline="0" dirty="0" smtClean="0"/>
+              <a:t>returns the things it should as does NOT return what it shouldn’t</a:t>
             </a:r>
             <a:endParaRPr lang="en-US" dirty="0" smtClean="0"/>
           </a:p>
@@ -7967,16 +8626,17 @@
             </a:pPr>
             <a:r>
               <a:rPr lang="en-US" baseline="0" dirty="0" smtClean="0"/>
-              <a:t>My convention is to use the term “distractor” when naming the objects that </a:t>
-            </a:r>
-            <a:r>
-              <a:rPr lang="en-US" i="1" baseline="0" dirty="0" smtClean="0"/>
-              <a:t>shouldn’t </a:t>
-            </a:r>
-            <a:r>
-              <a:rPr lang="en-US" i="0" baseline="0" dirty="0" smtClean="0"/>
-              <a:t>get returned</a:t>
-            </a:r>
+              <a:t>Convention </a:t>
+            </a:r>
+            <a:r>
+              <a:rPr lang="en-US" baseline="0" dirty="0" smtClean="0"/>
+              <a:t>is to use the term “distractor</a:t>
+            </a:r>
+            <a:r>
+              <a:rPr lang="en-US" baseline="0" dirty="0" smtClean="0"/>
+              <a:t>”</a:t>
+            </a:r>
+            <a:endParaRPr lang="en-US" i="0" baseline="0" dirty="0" smtClean="0"/>
           </a:p>
           <a:p>
             <a:pPr marL="628650" lvl="1" indent="-171450">
@@ -7985,8 +8645,13 @@
             </a:pPr>
             <a:r>
               <a:rPr lang="en-US" baseline="0" dirty="0" smtClean="0"/>
-              <a:t>Communicates object is not important, as long as its different from the target</a:t>
-            </a:r>
+              <a:t>Communicates object is not </a:t>
+            </a:r>
+            <a:r>
+              <a:rPr lang="en-US" baseline="0" dirty="0" smtClean="0"/>
+              <a:t>important</a:t>
+            </a:r>
+            <a:endParaRPr lang="en-US" baseline="0" dirty="0" smtClean="0"/>
           </a:p>
           <a:p>
             <a:pPr marL="628650" lvl="1" indent="-171450">
@@ -7995,8 +8660,13 @@
             </a:pPr>
             <a:r>
               <a:rPr lang="en-US" baseline="0" dirty="0" smtClean="0"/>
-              <a:t>Use that name consistently, co-workers immediately recognize the point of these objects</a:t>
-            </a:r>
+              <a:t>Use that name consistently, co-workers immediately </a:t>
+            </a:r>
+            <a:r>
+              <a:rPr lang="en-US" baseline="0" dirty="0" smtClean="0"/>
+              <a:t>recognize</a:t>
+            </a:r>
+            <a:endParaRPr lang="en-US" baseline="0" dirty="0" smtClean="0"/>
           </a:p>
           <a:p>
             <a:endParaRPr lang="en-US" baseline="0" dirty="0" smtClean="0"/>
@@ -8989,39 +9659,18 @@
             </a:pPr>
             <a:r>
               <a:rPr lang="en-US" b="0" baseline="0" dirty="0" smtClean="0"/>
-              <a:t>As software </a:t>
-            </a:r>
+              <a:t>As software grows = more and more pre-built objects</a:t>
+            </a:r>
+          </a:p>
+          <a:p>
+            <a:pPr marL="628650" lvl="1" indent="-171450">
+              <a:buFont typeface="Arial" panose="020B0604020202020204" pitchFamily="34" charset="0"/>
+              <a:buChar char="•"/>
+            </a:pPr>
             <a:r>
               <a:rPr lang="en-US" b="0" baseline="0" dirty="0" smtClean="0"/>
-              <a:t>grows = more </a:t>
-            </a:r>
-            <a:r>
-              <a:rPr lang="en-US" b="0" baseline="0" dirty="0" smtClean="0"/>
-              <a:t>and more pre-built objects</a:t>
-            </a:r>
-          </a:p>
-          <a:p>
-            <a:pPr marL="628650" lvl="1" indent="-171450">
-              <a:buFont typeface="Arial" panose="020B0604020202020204" pitchFamily="34" charset="0"/>
-              <a:buChar char="•"/>
-            </a:pPr>
-            <a:r>
-              <a:rPr lang="en-US" b="0" baseline="0" dirty="0" smtClean="0"/>
-              <a:t>As the number of pre-built objects grows </a:t>
-            </a:r>
-            <a:r>
-              <a:rPr lang="en-US" b="0" baseline="0" dirty="0" smtClean="0"/>
-              <a:t>= harder </a:t>
-            </a:r>
-            <a:r>
-              <a:rPr lang="en-US" b="0" baseline="0" dirty="0" smtClean="0"/>
-              <a:t>to maintain them and </a:t>
-            </a:r>
-            <a:r>
-              <a:rPr lang="en-US" b="0" baseline="0" dirty="0" smtClean="0"/>
-              <a:t>choose</a:t>
-            </a:r>
-            <a:endParaRPr lang="en-US" b="0" baseline="0" dirty="0" smtClean="0"/>
+              <a:t>As the number of pre-built objects grows = harder to maintain them and choose</a:t>
+            </a:r>
           </a:p>
           <a:p>
             <a:pPr marL="0" lvl="0" indent="0">
@@ -9349,7 +9998,7 @@
                 <a:ea typeface="+mn-ea"/>
                 <a:cs typeface="+mn-cs"/>
               </a:rPr>
-              <a:t>My main problem with </a:t>
+              <a:t>As software grows, defining important objects up front gets difficult – want to be able to craft data on a per-test basis</a:t>
             </a:r>
             <a:r>
               <a:rPr lang="en-US" sz="1200" kern="1200" baseline="0" dirty="0" smtClean="0">
@@ -9361,8 +10010,17 @@
                 <a:ea typeface="+mn-ea"/>
                 <a:cs typeface="+mn-cs"/>
               </a:rPr>
-              <a:t>Object Mother is that it requires that all significant object states be created up front. In my software, however, there are tons of significant states and I really want the ability to more precisely control my test data in each test. </a:t>
-            </a:r>
+              <a:t> </a:t>
+            </a:r>
+            <a:endParaRPr lang="en-US" sz="1200" kern="1200" baseline="0" dirty="0" smtClean="0">
+              <a:solidFill>
+                <a:schemeClr val="tx1"/>
+              </a:solidFill>
+              <a:effectLst/>
+              <a:latin typeface="+mn-lt"/>
+              <a:ea typeface="+mn-ea"/>
+              <a:cs typeface="+mn-cs"/>
+            </a:endParaRPr>
           </a:p>
           <a:p>
             <a:endParaRPr lang="en-US" sz="1200" kern="1200" dirty="0" smtClean="0">
@@ -9628,7 +10286,43 @@
                 <a:ea typeface="+mn-ea"/>
                 <a:cs typeface="+mn-cs"/>
               </a:rPr>
-              <a:t>However, I’m really not a big fan of the Fluent API because it’s very verbose. </a:t>
+              <a:t>Not </a:t>
+            </a:r>
+            <a:r>
+              <a:rPr lang="en-US" sz="1200" kern="1200" dirty="0" smtClean="0">
+                <a:solidFill>
+                  <a:schemeClr val="tx1"/>
+                </a:solidFill>
+                <a:effectLst/>
+                <a:latin typeface="+mn-lt"/>
+                <a:ea typeface="+mn-ea"/>
+                <a:cs typeface="+mn-cs"/>
+              </a:rPr>
+              <a:t>a </a:t>
+            </a:r>
+            <a:r>
+              <a:rPr lang="en-US" sz="1200" kern="1200" dirty="0" smtClean="0">
+                <a:solidFill>
+                  <a:schemeClr val="tx1"/>
+                </a:solidFill>
+                <a:effectLst/>
+                <a:latin typeface="+mn-lt"/>
+                <a:ea typeface="+mn-ea"/>
+                <a:cs typeface="+mn-cs"/>
+              </a:rPr>
+              <a:t>fan </a:t>
+            </a:r>
+            <a:r>
+              <a:rPr lang="en-US" sz="1200" kern="1200" dirty="0" smtClean="0">
+                <a:solidFill>
+                  <a:schemeClr val="tx1"/>
+                </a:solidFill>
+                <a:effectLst/>
+                <a:latin typeface="+mn-lt"/>
+                <a:ea typeface="+mn-ea"/>
+                <a:cs typeface="+mn-cs"/>
+              </a:rPr>
+              <a:t>of the Fluent API because it’s very verbose. </a:t>
             </a:r>
           </a:p>
           <a:p>
@@ -9705,8 +10399,9 @@
             </a:pPr>
             <a:r>
               <a:rPr lang="en-US" b="0" baseline="0" dirty="0" smtClean="0"/>
-              <a:t>I haven’t been very happy with the results of using this pattern in any large scale.</a:t>
-            </a:r>
+              <a:t>Not happy with results</a:t>
+            </a:r>
+            <a:endParaRPr lang="en-US" b="0" baseline="0" dirty="0" smtClean="0"/>
           </a:p>
           <a:p>
             <a:pPr marL="0" lvl="0" indent="0">
@@ -9739,11 +10434,51 @@
             </a:r>
             <a:r>
               <a:rPr lang="en-US" b="0" dirty="0" smtClean="0"/>
-              <a:t> After some experimentation, we decided that we wanted something that</a:t>
+              <a:t> </a:t>
+            </a:r>
+            <a:r>
+              <a:rPr lang="en-US" b="0" dirty="0" smtClean="0"/>
+              <a:t>We </a:t>
+            </a:r>
+            <a:r>
+              <a:rPr lang="en-US" b="0" dirty="0" smtClean="0"/>
+              <a:t>decided </a:t>
+            </a:r>
+            <a:r>
+              <a:rPr lang="en-US" b="0" dirty="0" smtClean="0"/>
+              <a:t>we </a:t>
+            </a:r>
+            <a:r>
+              <a:rPr lang="en-US" b="0" dirty="0" smtClean="0"/>
+              <a:t>wanted something </a:t>
+            </a:r>
+            <a:r>
+              <a:rPr lang="en-US" b="0" dirty="0" smtClean="0"/>
+              <a:t>CONCISE </a:t>
             </a:r>
             <a:r>
               <a:rPr lang="en-US" b="0" baseline="0" dirty="0" smtClean="0"/>
-              <a:t> was concise like Object Mother but flexible like Data Builder. We eventually created a hybrid pattern that takes the best aspects of each.</a:t>
+              <a:t>like </a:t>
+            </a:r>
+            <a:r>
+              <a:rPr lang="en-US" b="0" baseline="0" dirty="0" smtClean="0"/>
+              <a:t>Object Mother but </a:t>
+            </a:r>
+            <a:r>
+              <a:rPr lang="en-US" b="0" baseline="0" dirty="0" smtClean="0"/>
+              <a:t>FLEXIBLE like </a:t>
+            </a:r>
+            <a:r>
+              <a:rPr lang="en-US" b="0" baseline="0" dirty="0" smtClean="0"/>
+              <a:t>Data Builder. </a:t>
+            </a:r>
+            <a:r>
+              <a:rPr lang="en-US" b="0" baseline="0" dirty="0" smtClean="0"/>
+              <a:t>Created </a:t>
+            </a:r>
+            <a:r>
+              <a:rPr lang="en-US" b="0" baseline="0" dirty="0" smtClean="0"/>
+              <a:t>a hybrid pattern that takes the best aspects of each.</a:t>
             </a:r>
             <a:endParaRPr lang="en-US" b="1" dirty="0" smtClean="0"/>
           </a:p>
@@ -9757,23 +10492,12 @@
           <a:p>
             <a:r>
               <a:rPr lang="en-US" baseline="0" dirty="0" smtClean="0"/>
-              <a:t>We have internally referred to this pattern as “Test Helper”. I admit that’s a pretty lame and generic name, we just never took the time to find something better. </a:t>
-            </a:r>
-          </a:p>
-          <a:p>
-            <a:endParaRPr lang="en-US" baseline="0" dirty="0" smtClean="0"/>
-          </a:p>
-          <a:p>
+              <a:t>We have internally referred to this pattern as “Test Helper”. </a:t>
+            </a:r>
             <a:r>
               <a:rPr lang="en-US" baseline="0" dirty="0" smtClean="0"/>
-              <a:t>Rather than dwell on the name, however, I want to focus on the details of the pattern itself.</a:t>
-            </a:r>
-          </a:p>
-          <a:p>
-            <a:pPr marL="0" lvl="0" indent="0">
-              <a:buFont typeface="Arial" panose="020B0604020202020204" pitchFamily="34" charset="0"/>
-              <a:buNone/>
-            </a:pPr>
+              <a:t>Name sucks – focus on details of the pattern itself</a:t>
+            </a:r>
             <a:endParaRPr lang="en-US" b="0" dirty="0" smtClean="0"/>
           </a:p>
         </p:txBody>
@@ -9860,40 +10584,53 @@
           <a:p>
             <a:r>
               <a:rPr lang="en-US" baseline="0" dirty="0" smtClean="0"/>
-              <a:t>Basically, a “Test Helper” combines the static factory class of Object Mother with the customizable nature of a Data Builder. </a:t>
-            </a:r>
-          </a:p>
-          <a:p>
+              <a:t>“</a:t>
+            </a:r>
+            <a:r>
+              <a:rPr lang="en-US" baseline="0" dirty="0" smtClean="0"/>
+              <a:t>Test Helper” combines </a:t>
+            </a:r>
+            <a:r>
+              <a:rPr lang="en-US" baseline="0" dirty="0" smtClean="0"/>
+              <a:t>static </a:t>
+            </a:r>
+            <a:r>
+              <a:rPr lang="en-US" baseline="0" dirty="0" smtClean="0"/>
+              <a:t>factory class of Object Mother </a:t>
+            </a:r>
+            <a:r>
+              <a:rPr lang="en-US" baseline="0" dirty="0" smtClean="0"/>
+              <a:t>w/ customizable </a:t>
+            </a:r>
+            <a:r>
+              <a:rPr lang="en-US" baseline="0" dirty="0" smtClean="0"/>
+              <a:t>nature of </a:t>
+            </a:r>
+            <a:r>
+              <a:rPr lang="en-US" baseline="0" dirty="0" smtClean="0"/>
+              <a:t>Data Builder </a:t>
+            </a:r>
             <a:endParaRPr lang="en-US" baseline="0" dirty="0" smtClean="0"/>
           </a:p>
           <a:p>
+            <a:endParaRPr lang="en-US" baseline="0" dirty="0" smtClean="0"/>
+          </a:p>
+          <a:p>
             <a:pPr marL="171450" indent="-171450">
               <a:buFont typeface="Arial" panose="020B0604020202020204" pitchFamily="34" charset="0"/>
               <a:buChar char="•"/>
             </a:pPr>
             <a:r>
               <a:rPr lang="en-US" baseline="0" dirty="0" smtClean="0"/>
-              <a:t>Static </a:t>
+              <a:t>Static classes </a:t>
             </a:r>
             <a:r>
               <a:rPr lang="en-US" baseline="0" dirty="0" smtClean="0"/>
-              <a:t>classes that expose </a:t>
+              <a:t>expose </a:t>
             </a:r>
             <a:r>
               <a:rPr lang="en-US" baseline="0" dirty="0" smtClean="0"/>
-              <a:t>SMALL </a:t>
-            </a:r>
-            <a:r>
-              <a:rPr lang="en-US" baseline="0" dirty="0" smtClean="0"/>
-              <a:t>number of </a:t>
-            </a:r>
-            <a:r>
-              <a:rPr lang="en-US" baseline="0" dirty="0" smtClean="0"/>
-              <a:t>GENERIC factory </a:t>
-            </a:r>
-            <a:r>
-              <a:rPr lang="en-US" baseline="0" dirty="0" smtClean="0"/>
-              <a:t>methods.</a:t>
+              <a:t>SMALL number of GENERIC factory methods.</a:t>
             </a:r>
           </a:p>
           <a:p>
@@ -9921,22 +10658,51 @@
             </a:pPr>
             <a:r>
               <a:rPr lang="en-US" b="0" baseline="0" dirty="0" smtClean="0"/>
-              <a:t>I start by creating a static class, one for each type of object that I’ll create. By convention I name these like “</a:t>
+              <a:t>Create static </a:t>
+            </a:r>
+            <a:r>
+              <a:rPr lang="en-US" b="0" baseline="0" dirty="0" smtClean="0"/>
+              <a:t>class, one for each </a:t>
+            </a:r>
+            <a:r>
+              <a:rPr lang="en-US" b="0" baseline="0" dirty="0" smtClean="0"/>
+              <a:t>type</a:t>
+            </a:r>
+            <a:endParaRPr lang="en-US" b="0" baseline="0" dirty="0" smtClean="0"/>
+          </a:p>
+          <a:p>
+            <a:pPr marL="628650" lvl="1" indent="-171450">
+              <a:buFont typeface="Arial" panose="020B0604020202020204" pitchFamily="34" charset="0"/>
+              <a:buChar char="•"/>
+            </a:pPr>
+            <a:r>
+              <a:rPr lang="en-US" b="0" baseline="0" dirty="0" smtClean="0"/>
+              <a:t>Create </a:t>
             </a:r>
             <a:r>
               <a:rPr lang="en-US" b="0" baseline="0" dirty="0" err="1" smtClean="0"/>
-              <a:t>FooHelper</a:t>
+              <a:t>tatic</a:t>
             </a:r>
             <a:r>
               <a:rPr lang="en-US" b="0" baseline="0" dirty="0" smtClean="0"/>
-              <a:t>”</a:t>
-            </a:r>
-          </a:p>
-          <a:p>
-            <a:pPr marL="171450" indent="-171450">
-              <a:buFont typeface="Arial" panose="020B0604020202020204" pitchFamily="34" charset="0"/>
-              <a:buChar char="•"/>
-            </a:pPr>
+              <a:t> </a:t>
+            </a:r>
+            <a:r>
+              <a:rPr lang="en-US" b="0" baseline="0" dirty="0" smtClean="0"/>
+              <a:t>method called Create and </a:t>
+            </a:r>
+            <a:r>
+              <a:rPr lang="en-US" b="0" baseline="0" dirty="0" smtClean="0"/>
+              <a:t>expose </a:t>
+            </a:r>
+            <a:r>
+              <a:rPr lang="en-US" b="0" baseline="0" dirty="0" smtClean="0"/>
+              <a:t>each customizable property as </a:t>
+            </a:r>
+            <a:r>
+              <a:rPr lang="en-US" b="0" baseline="0" dirty="0" smtClean="0"/>
+              <a:t>method parameter</a:t>
+            </a:r>
             <a:endParaRPr lang="en-US" b="0" baseline="0" dirty="0" smtClean="0"/>
           </a:p>
           <a:p>
@@ -9944,30 +10710,16 @@
               <a:buFont typeface="Arial" panose="020B0604020202020204" pitchFamily="34" charset="0"/>
               <a:buChar char="•"/>
             </a:pPr>
+            <a:endParaRPr lang="en-US" b="0" baseline="0" dirty="0" smtClean="0"/>
+          </a:p>
+          <a:p>
+            <a:pPr marL="171450" lvl="0" indent="-171450">
+              <a:buFont typeface="Arial" panose="020B0604020202020204" pitchFamily="34" charset="0"/>
+              <a:buChar char="•"/>
+            </a:pPr>
             <a:r>
               <a:rPr lang="en-US" b="0" baseline="0" dirty="0" smtClean="0"/>
-              <a:t>I then create a static method called Create and I expose each customizable property as a method parameter.</a:t>
-            </a:r>
-          </a:p>
-          <a:p>
-            <a:pPr marL="171450" lvl="0" indent="-171450">
-              <a:buFont typeface="Arial" panose="020B0604020202020204" pitchFamily="34" charset="0"/>
-              <a:buChar char="•"/>
-            </a:pPr>
-            <a:endParaRPr lang="en-US" b="0" baseline="0" dirty="0" smtClean="0"/>
-          </a:p>
-          <a:p>
-            <a:pPr marL="171450" lvl="0" indent="-171450">
-              <a:buFont typeface="Arial" panose="020B0604020202020204" pitchFamily="34" charset="0"/>
-              <a:buChar char="•"/>
-            </a:pPr>
-            <a:r>
-              <a:rPr lang="en-US" b="0" baseline="0" dirty="0" smtClean="0"/>
-              <a:t>Remember </a:t>
-            </a:r>
-            <a:r>
-              <a:rPr lang="en-US" b="0" baseline="0" dirty="0" smtClean="0"/>
-              <a:t>– callers should only specify values that impact test outcome</a:t>
+              <a:t>Remember – callers should only specify values that impact test outcome</a:t>
             </a:r>
           </a:p>
           <a:p>
@@ -10253,19 +11005,7 @@
                 <a:ea typeface="+mn-ea"/>
                 <a:cs typeface="+mn-cs"/>
               </a:rPr>
-              <a:t>For </a:t>
-            </a:r>
-            <a:r>
-              <a:rPr lang="en-US" sz="1200" kern="1200" dirty="0" smtClean="0">
-                <a:solidFill>
-                  <a:schemeClr val="tx1"/>
-                </a:solidFill>
-                <a:effectLst/>
-                <a:latin typeface="+mn-lt"/>
-                <a:ea typeface="+mn-ea"/>
-                <a:cs typeface="+mn-cs"/>
-              </a:rPr>
-              <a:t>example, let’s say you create two different Customers from the helper, one called “target” and one called “distractor”. You then do whatever you’re trying to test, and finally you make an assertion that your method under test returned a result that’s equal to the target customer’s email.</a:t>
+              <a:t>For example, let’s say you create two different Customers from the helper, one called “target” and one called “distractor”. You then do whatever you’re trying to test, and finally you make an assertion that your method under test returned a result that’s equal to the target customer’s email.</a:t>
             </a:r>
           </a:p>
           <a:p>
@@ -11227,7 +11967,31 @@
             </a:r>
             <a:r>
               <a:rPr lang="en-US" baseline="0" dirty="0" smtClean="0"/>
-              <a:t> you’re going to need to customize an object in a way the helper wasn’t built to support</a:t>
+              <a:t> </a:t>
+            </a:r>
+            <a:r>
+              <a:rPr lang="en-US" baseline="0" dirty="0" smtClean="0"/>
+              <a:t>need </a:t>
+            </a:r>
+            <a:r>
+              <a:rPr lang="en-US" baseline="0" dirty="0" smtClean="0"/>
+              <a:t>to customize </a:t>
+            </a:r>
+            <a:r>
+              <a:rPr lang="en-US" baseline="0" dirty="0" smtClean="0"/>
+              <a:t>object </a:t>
+            </a:r>
+            <a:r>
+              <a:rPr lang="en-US" baseline="0" dirty="0" smtClean="0"/>
+              <a:t>in a way </a:t>
+            </a:r>
+            <a:r>
+              <a:rPr lang="en-US" baseline="0" dirty="0" smtClean="0"/>
+              <a:t>helper </a:t>
+            </a:r>
+            <a:r>
+              <a:rPr lang="en-US" baseline="0" dirty="0" smtClean="0"/>
+              <a:t>wasn’t built to support</a:t>
             </a:r>
           </a:p>
           <a:p>
@@ -11237,8 +12001,17 @@
             </a:pPr>
             <a:r>
               <a:rPr lang="en-US" baseline="0" dirty="0" smtClean="0"/>
-              <a:t>Maybe you need to modify some properties that weren’t exposed as customizable</a:t>
-            </a:r>
+              <a:t>Modify properties not exposed </a:t>
+            </a:r>
+            <a:r>
+              <a:rPr lang="en-US" baseline="0" dirty="0" smtClean="0"/>
+              <a:t>as </a:t>
+            </a:r>
+            <a:r>
+              <a:rPr lang="en-US" baseline="0" dirty="0" err="1" smtClean="0"/>
+              <a:t>args</a:t>
+            </a:r>
+            <a:endParaRPr lang="en-US" baseline="0" dirty="0" smtClean="0"/>
           </a:p>
           <a:p>
             <a:pPr marL="628650" lvl="1" indent="-171450">
@@ -11247,8 +12020,9 @@
             </a:pPr>
             <a:r>
               <a:rPr lang="en-US" baseline="0" dirty="0" smtClean="0"/>
-              <a:t>Maybe you need to do something more complex than setting a few properties</a:t>
-            </a:r>
+              <a:t>Something more complex</a:t>
+            </a:r>
+            <a:endParaRPr lang="en-US" baseline="0" dirty="0" smtClean="0"/>
           </a:p>
           <a:p>
             <a:pPr marL="628650" lvl="1" indent="-171450">
@@ -11266,93 +12040,6 @@
               <a:rPr lang="en-US" baseline="0" dirty="0" smtClean="0"/>
               <a:t>You might be tempted to call the helper, do what you can, and then further modify the object that gets returned</a:t>
             </a:r>
-          </a:p>
-          <a:p>
-            <a:pPr marL="628650" lvl="1" indent="-171450">
-              <a:buFont typeface="Arial" panose="020B0604020202020204" pitchFamily="34" charset="0"/>
-              <a:buChar char="•"/>
-            </a:pPr>
-            <a:r>
-              <a:rPr lang="en-US" baseline="0" dirty="0" smtClean="0"/>
-              <a:t>AVOID this if you can</a:t>
-            </a:r>
-          </a:p>
-          <a:p>
-            <a:pPr marL="628650" lvl="1" indent="-171450">
-              <a:buFont typeface="Arial" panose="020B0604020202020204" pitchFamily="34" charset="0"/>
-              <a:buChar char="•"/>
-            </a:pPr>
-            <a:r>
-              <a:rPr lang="en-US" baseline="0" dirty="0" smtClean="0"/>
-              <a:t>Harder </a:t>
-            </a:r>
-            <a:r>
-              <a:rPr lang="en-US" baseline="0" dirty="0" smtClean="0"/>
-              <a:t>to understand – </a:t>
-            </a:r>
-            <a:r>
-              <a:rPr lang="en-US" baseline="0" dirty="0" smtClean="0"/>
-              <a:t>reader has to comprehend helper call AND tweaks</a:t>
-            </a:r>
-            <a:endParaRPr lang="en-US" baseline="0" dirty="0" smtClean="0"/>
-          </a:p>
-          <a:p>
-            <a:pPr marL="628650" lvl="1" indent="-171450">
-              <a:buFont typeface="Arial" panose="020B0604020202020204" pitchFamily="34" charset="0"/>
-              <a:buChar char="•"/>
-            </a:pPr>
-            <a:r>
-              <a:rPr lang="en-US" baseline="0" dirty="0" smtClean="0"/>
-              <a:t>Hard </a:t>
-            </a:r>
-            <a:r>
-              <a:rPr lang="en-US" baseline="0" dirty="0" smtClean="0"/>
-              <a:t>to maintain – the test </a:t>
-            </a:r>
-            <a:r>
-              <a:rPr lang="en-US" baseline="0" dirty="0" smtClean="0"/>
-              <a:t>makes </a:t>
-            </a:r>
-            <a:r>
-              <a:rPr lang="en-US" baseline="0" dirty="0" smtClean="0"/>
-              <a:t>assumptions about what gets </a:t>
-            </a:r>
-            <a:r>
-              <a:rPr lang="en-US" baseline="0" dirty="0" smtClean="0"/>
-              <a:t>returned; </a:t>
-            </a:r>
-          </a:p>
-          <a:p>
-            <a:pPr marL="628650" lvl="1" indent="-171450">
-              <a:buFont typeface="Arial" panose="020B0604020202020204" pitchFamily="34" charset="0"/>
-              <a:buChar char="•"/>
-            </a:pPr>
-            <a:r>
-              <a:rPr lang="en-US" baseline="0" dirty="0" smtClean="0"/>
-              <a:t>Test </a:t>
-            </a:r>
-            <a:r>
-              <a:rPr lang="en-US" baseline="0" dirty="0" smtClean="0"/>
-              <a:t>should depend ONLY on data it specifies itself.</a:t>
-            </a:r>
-            <a:br>
-              <a:rPr lang="en-US" baseline="0" dirty="0" smtClean="0"/>
-            </a:br>
-            <a:endParaRPr lang="en-US" baseline="0" dirty="0" smtClean="0"/>
-          </a:p>
-          <a:p>
-            <a:pPr marL="171450" lvl="0" indent="-171450">
-              <a:buFont typeface="Arial" panose="020B0604020202020204" pitchFamily="34" charset="0"/>
-              <a:buChar char="•"/>
-            </a:pPr>
-            <a:r>
-              <a:rPr lang="en-US" baseline="0" dirty="0" smtClean="0"/>
-              <a:t>It isn’t always possible to avoid, but always try to extend the helper before you do anything in a one-off test</a:t>
-            </a:r>
-            <a:br>
-              <a:rPr lang="en-US" baseline="0" dirty="0" smtClean="0"/>
-            </a:br>
-            <a:endParaRPr lang="en-US" baseline="0" dirty="0" smtClean="0"/>
           </a:p>
           <a:p>
             <a:endParaRPr lang="en-US" baseline="0" dirty="0" smtClean="0"/>
@@ -11442,17 +12129,17 @@
           <a:bodyPr/>
           <a:lstStyle/>
           <a:p>
-            <a:pPr marL="171450" indent="-171450">
-              <a:buFont typeface="Arial" panose="020B0604020202020204" pitchFamily="34" charset="0"/>
-              <a:buChar char="•"/>
-            </a:pPr>
-            <a:r>
-              <a:rPr lang="en-US" dirty="0" smtClean="0"/>
-              <a:t>Generally</a:t>
-            </a:r>
+            <a:pPr marL="0" lvl="0" indent="0">
+              <a:buFont typeface="Arial" panose="020B0604020202020204" pitchFamily="34" charset="0"/>
+              <a:buNone/>
+            </a:pPr>
             <a:r>
               <a:rPr lang="en-US" baseline="0" dirty="0" smtClean="0"/>
-              <a:t> speaking, helpers have a single generic factory method called Create()</a:t>
+              <a:t>AVOID </a:t>
+            </a:r>
+            <a:r>
+              <a:rPr lang="en-US" baseline="0" dirty="0" smtClean="0"/>
+              <a:t>this if you can</a:t>
             </a:r>
           </a:p>
           <a:p>
@@ -11462,25 +12149,17 @@
             </a:pPr>
             <a:r>
               <a:rPr lang="en-US" baseline="0" dirty="0" smtClean="0"/>
-              <a:t>Whole point is that caller specifies what it cares about</a:t>
-            </a:r>
-            <a:endParaRPr lang="en-US" dirty="0" smtClean="0"/>
-          </a:p>
-          <a:p>
-            <a:endParaRPr lang="en-US" dirty="0" smtClean="0"/>
-          </a:p>
-          <a:p>
-            <a:pPr marL="171450" indent="-171450">
-              <a:buFont typeface="Arial" panose="020B0604020202020204" pitchFamily="34" charset="0"/>
-              <a:buChar char="•"/>
-            </a:pPr>
-            <a:r>
-              <a:rPr lang="en-US" dirty="0" smtClean="0"/>
-              <a:t>Sometimes</a:t>
-            </a:r>
+              <a:t>Harder to understand – reader has to comprehend helper call AND tweaks</a:t>
+            </a:r>
+          </a:p>
+          <a:p>
+            <a:pPr marL="628650" lvl="1" indent="-171450">
+              <a:buFont typeface="Arial" panose="020B0604020202020204" pitchFamily="34" charset="0"/>
+              <a:buChar char="•"/>
+            </a:pPr>
             <a:r>
               <a:rPr lang="en-US" baseline="0" dirty="0" smtClean="0"/>
-              <a:t> you’ll start to see logic develop inside that generic method</a:t>
+              <a:t>Hard to maintain – the test makes assumptions about what gets returned; </a:t>
             </a:r>
           </a:p>
           <a:p>
@@ -11488,6 +12167,13 @@
               <a:buFont typeface="Arial" panose="020B0604020202020204" pitchFamily="34" charset="0"/>
               <a:buChar char="•"/>
             </a:pPr>
+            <a:r>
+              <a:rPr lang="en-US" baseline="0" dirty="0" smtClean="0"/>
+              <a:t>Test should depend ONLY on data it specifies itself.</a:t>
+            </a:r>
+            <a:br>
+              <a:rPr lang="en-US" baseline="0" dirty="0" smtClean="0"/>
+            </a:br>
             <a:endParaRPr lang="en-US" baseline="0" dirty="0" smtClean="0"/>
           </a:p>
           <a:p>
@@ -11497,132 +12183,18 @@
             </a:pPr>
             <a:r>
               <a:rPr lang="en-US" baseline="0" dirty="0" smtClean="0"/>
-              <a:t>For example:</a:t>
-            </a:r>
-          </a:p>
-          <a:p>
-            <a:pPr marL="628650" lvl="1" indent="-171450">
-              <a:buFont typeface="Arial" panose="020B0604020202020204" pitchFamily="34" charset="0"/>
-              <a:buChar char="•"/>
-            </a:pPr>
-            <a:r>
+              <a:t>It isn’t always possible to avoid, but always try to extend the helper before you do anything in a one-off test</a:t>
+            </a:r>
+            <a:br>
               <a:rPr lang="en-US" baseline="0" dirty="0" smtClean="0"/>
-              <a:t>Let’s say that you have an e-commerce app and you often need to create a Shipped order in your tests</a:t>
-            </a:r>
-          </a:p>
-          <a:p>
-            <a:pPr marL="628650" lvl="1" indent="-171450">
-              <a:buFont typeface="Arial" panose="020B0604020202020204" pitchFamily="34" charset="0"/>
-              <a:buChar char="•"/>
-            </a:pPr>
-            <a:r>
-              <a:rPr lang="en-US" baseline="0" dirty="0" smtClean="0"/>
-              <a:t>Let’s also assume that one business rule is that you can’t set the status to Shipped without also specifying a </a:t>
-            </a:r>
-            <a:r>
-              <a:rPr lang="en-US" baseline="0" dirty="0" err="1" smtClean="0"/>
-              <a:t>ShippingMethod</a:t>
-            </a:r>
-            <a:r>
-              <a:rPr lang="en-US" baseline="0" dirty="0" smtClean="0"/>
-              <a:t> and </a:t>
-            </a:r>
-            <a:r>
-              <a:rPr lang="en-US" baseline="0" dirty="0" err="1" smtClean="0"/>
-              <a:t>ShippedDate</a:t>
-            </a:r>
+            </a:br>
             <a:endParaRPr lang="en-US" baseline="0" dirty="0" smtClean="0"/>
           </a:p>
           <a:p>
-            <a:pPr marL="628650" lvl="1" indent="-171450">
-              <a:buFont typeface="Arial" panose="020B0604020202020204" pitchFamily="34" charset="0"/>
-              <a:buChar char="•"/>
-            </a:pPr>
-            <a:r>
-              <a:rPr lang="en-US" baseline="0" dirty="0" smtClean="0"/>
-              <a:t>However, if the shipping method and date don’t matter to the test, we don’t want to specify them in our tests</a:t>
-            </a:r>
-          </a:p>
-          <a:p>
-            <a:pPr marL="628650" lvl="1" indent="-171450">
-              <a:buFont typeface="Arial" panose="020B0604020202020204" pitchFamily="34" charset="0"/>
-              <a:buChar char="•"/>
-            </a:pPr>
-            <a:r>
-              <a:rPr lang="en-US" baseline="0" dirty="0" smtClean="0"/>
-              <a:t>One way to handle this is to write logic that conditionally sets default values. For instance, we can set different defaults for </a:t>
-            </a:r>
-            <a:r>
-              <a:rPr lang="en-US" baseline="0" dirty="0" err="1" smtClean="0"/>
-              <a:t>ShippingMethod</a:t>
-            </a:r>
-            <a:r>
-              <a:rPr lang="en-US" baseline="0" dirty="0" smtClean="0"/>
-              <a:t> and </a:t>
-            </a:r>
-            <a:r>
-              <a:rPr lang="en-US" baseline="0" dirty="0" err="1" smtClean="0"/>
-              <a:t>ShippedDate</a:t>
-            </a:r>
-            <a:r>
-              <a:rPr lang="en-US" baseline="0" dirty="0" smtClean="0"/>
-              <a:t> based on whether or not the caller told us the order was SHIPPED.</a:t>
-            </a:r>
-          </a:p>
-          <a:p>
-            <a:pPr marL="628650" lvl="1" indent="-171450">
-              <a:buFont typeface="Arial" panose="020B0604020202020204" pitchFamily="34" charset="0"/>
-              <a:buChar char="•"/>
-            </a:pPr>
-            <a:r>
-              <a:rPr lang="en-US" baseline="0" dirty="0" smtClean="0"/>
-              <a:t>This works well, but it has two drawbacks:</a:t>
-            </a:r>
-          </a:p>
-          <a:p>
-            <a:pPr marL="1085850" lvl="2" indent="-171450">
-              <a:buFont typeface="Arial" panose="020B0604020202020204" pitchFamily="34" charset="0"/>
-              <a:buChar char="•"/>
-            </a:pPr>
-            <a:r>
-              <a:rPr lang="en-US" baseline="0" dirty="0" smtClean="0"/>
-              <a:t>1) If you have a complicated domain then your helpers can sometimes get a bit messy or complicated when you do it this way</a:t>
-            </a:r>
-          </a:p>
-          <a:p>
-            <a:pPr marL="1085850" lvl="2" indent="-171450">
-              <a:buFont typeface="Arial" panose="020B0604020202020204" pitchFamily="34" charset="0"/>
-              <a:buChar char="•"/>
-            </a:pPr>
-            <a:r>
-              <a:rPr lang="en-US" baseline="0" dirty="0" smtClean="0"/>
-              <a:t>2) There’s no easy way to search your test code for all places that are creating a Shipped order</a:t>
-            </a:r>
-          </a:p>
-          <a:p>
-            <a:pPr marL="628650" lvl="1" indent="-171450">
-              <a:buFont typeface="Arial" panose="020B0604020202020204" pitchFamily="34" charset="0"/>
-              <a:buChar char="•"/>
-            </a:pPr>
             <a:endParaRPr lang="en-US" baseline="0" dirty="0" smtClean="0"/>
           </a:p>
           <a:p>
-            <a:pPr marL="171450" lvl="0" indent="-171450">
-              <a:buFont typeface="Arial" panose="020B0604020202020204" pitchFamily="34" charset="0"/>
-              <a:buChar char="•"/>
-            </a:pPr>
-            <a:r>
-              <a:rPr lang="en-US" b="1" baseline="0" dirty="0" smtClean="0"/>
-              <a:t>CLICK:</a:t>
-            </a:r>
-            <a:r>
-              <a:rPr lang="en-US" b="0" baseline="0" dirty="0" smtClean="0"/>
-              <a:t> Another way to handle this is to create a new factory method very similar to Object Mother</a:t>
-            </a:r>
-            <a:endParaRPr lang="en-US" b="1" baseline="0" dirty="0" smtClean="0"/>
-          </a:p>
-          <a:p>
-            <a:endParaRPr lang="en-US" baseline="0" dirty="0" smtClean="0"/>
+            <a:endParaRPr lang="en-US" dirty="0"/>
           </a:p>
         </p:txBody>
       </p:sp>
@@ -11652,7 +12224,7 @@
     </p:spTree>
     <p:extLst>
       <p:ext uri="{BB962C8B-B14F-4D97-AF65-F5344CB8AC3E}">
-        <p14:creationId xmlns:p14="http://schemas.microsoft.com/office/powerpoint/2010/main" val="1612281400"/>
+        <p14:creationId xmlns:p14="http://schemas.microsoft.com/office/powerpoint/2010/main" val="608028451"/>
       </p:ext>
     </p:extLst>
   </p:cSld>
@@ -11706,60 +12278,142 @@
           <a:bodyPr/>
           <a:lstStyle/>
           <a:p>
+            <a:pPr marL="171450" indent="-171450">
+              <a:buFont typeface="Arial" panose="020B0604020202020204" pitchFamily="34" charset="0"/>
+              <a:buChar char="•"/>
+            </a:pPr>
+            <a:r>
+              <a:rPr lang="en-US" dirty="0" smtClean="0"/>
+              <a:t>Generally</a:t>
+            </a:r>
+            <a:r>
+              <a:rPr lang="en-US" baseline="0" dirty="0" smtClean="0"/>
+              <a:t> speaking, helpers have a single generic factory method called Create()</a:t>
+            </a:r>
+          </a:p>
+          <a:p>
+            <a:pPr marL="628650" lvl="1" indent="-171450">
+              <a:buFont typeface="Arial" panose="020B0604020202020204" pitchFamily="34" charset="0"/>
+              <a:buChar char="•"/>
+            </a:pPr>
+            <a:r>
+              <a:rPr lang="en-US" baseline="0" dirty="0" smtClean="0"/>
+              <a:t>Whole point is that caller specifies what it cares about</a:t>
+            </a:r>
+            <a:endParaRPr lang="en-US" dirty="0" smtClean="0"/>
+          </a:p>
+          <a:p>
+            <a:endParaRPr lang="en-US" dirty="0" smtClean="0"/>
+          </a:p>
+          <a:p>
+            <a:pPr marL="171450" indent="-171450">
+              <a:buFont typeface="Arial" panose="020B0604020202020204" pitchFamily="34" charset="0"/>
+              <a:buChar char="•"/>
+            </a:pPr>
+            <a:r>
+              <a:rPr lang="en-US" dirty="0" smtClean="0"/>
+              <a:t>Sometimes</a:t>
+            </a:r>
+            <a:r>
+              <a:rPr lang="en-US" baseline="0" dirty="0" smtClean="0"/>
+              <a:t> you’ll start to see logic develop inside that generic method</a:t>
+            </a:r>
+          </a:p>
+          <a:p>
+            <a:pPr marL="628650" lvl="1" indent="-171450">
+              <a:buFont typeface="Arial" panose="020B0604020202020204" pitchFamily="34" charset="0"/>
+              <a:buChar char="•"/>
+            </a:pPr>
+            <a:endParaRPr lang="en-US" baseline="0" dirty="0" smtClean="0"/>
+          </a:p>
+          <a:p>
+            <a:pPr marL="171450" lvl="0" indent="-171450">
+              <a:buFont typeface="Arial" panose="020B0604020202020204" pitchFamily="34" charset="0"/>
+              <a:buChar char="•"/>
+            </a:pPr>
+            <a:r>
+              <a:rPr lang="en-US" baseline="0" dirty="0" smtClean="0"/>
+              <a:t>For example:</a:t>
+            </a:r>
+          </a:p>
+          <a:p>
+            <a:pPr marL="628650" lvl="1" indent="-171450">
+              <a:buFont typeface="Arial" panose="020B0604020202020204" pitchFamily="34" charset="0"/>
+              <a:buChar char="•"/>
+            </a:pPr>
+            <a:r>
+              <a:rPr lang="en-US" baseline="0" dirty="0" smtClean="0"/>
+              <a:t>(explain)</a:t>
+            </a:r>
+            <a:endParaRPr lang="en-US" baseline="0" dirty="0" smtClean="0"/>
+          </a:p>
+          <a:p>
+            <a:pPr marL="628650" lvl="1" indent="-171450">
+              <a:buFont typeface="Arial" panose="020B0604020202020204" pitchFamily="34" charset="0"/>
+              <a:buChar char="•"/>
+            </a:pPr>
+            <a:r>
+              <a:rPr lang="en-US" baseline="0" dirty="0" smtClean="0"/>
+              <a:t>This works well, but it has two drawbacks:</a:t>
+            </a:r>
+          </a:p>
+          <a:p>
+            <a:pPr marL="1085850" lvl="2" indent="-171450">
+              <a:buFont typeface="Arial" panose="020B0604020202020204" pitchFamily="34" charset="0"/>
+              <a:buChar char="•"/>
+            </a:pPr>
+            <a:r>
+              <a:rPr lang="en-US" baseline="0" dirty="0" smtClean="0"/>
+              <a:t>1) </a:t>
+            </a:r>
+            <a:r>
+              <a:rPr lang="en-US" baseline="0" dirty="0" smtClean="0"/>
+              <a:t>Gets messy or complicated if you have lots of logic</a:t>
+            </a:r>
+            <a:endParaRPr lang="en-US" baseline="0" dirty="0" smtClean="0"/>
+          </a:p>
+          <a:p>
+            <a:pPr marL="1085850" lvl="2" indent="-171450">
+              <a:buFont typeface="Arial" panose="020B0604020202020204" pitchFamily="34" charset="0"/>
+              <a:buChar char="•"/>
+            </a:pPr>
+            <a:r>
+              <a:rPr lang="en-US" baseline="0" dirty="0" smtClean="0"/>
+              <a:t>2) </a:t>
+            </a:r>
+            <a:r>
+              <a:rPr lang="en-US" baseline="0" dirty="0" smtClean="0"/>
+              <a:t>No </a:t>
+            </a:r>
+            <a:r>
+              <a:rPr lang="en-US" baseline="0" dirty="0" smtClean="0"/>
+              <a:t>easy way to search your test code for all places that are creating a Shipped order</a:t>
+            </a:r>
+          </a:p>
+          <a:p>
+            <a:pPr marL="628650" lvl="1" indent="-171450">
+              <a:buFont typeface="Arial" panose="020B0604020202020204" pitchFamily="34" charset="0"/>
+              <a:buChar char="•"/>
+            </a:pPr>
+            <a:endParaRPr lang="en-US" baseline="0" dirty="0" smtClean="0"/>
+          </a:p>
+          <a:p>
+            <a:pPr marL="171450" lvl="0" indent="-171450">
+              <a:buFont typeface="Arial" panose="020B0604020202020204" pitchFamily="34" charset="0"/>
+              <a:buChar char="•"/>
+            </a:pPr>
+            <a:r>
+              <a:rPr lang="en-US" b="1" baseline="0" dirty="0" smtClean="0"/>
+              <a:t>CLICK:</a:t>
+            </a:r>
             <a:r>
               <a:rPr lang="en-US" b="0" baseline="0" dirty="0" smtClean="0"/>
-              <a:t>In this case I’ve created a factory method that is purpose built for creating shipped orders.</a:t>
-            </a:r>
-          </a:p>
-          <a:p>
-            <a:endParaRPr lang="en-US" b="0" baseline="0" dirty="0" smtClean="0"/>
-          </a:p>
-          <a:p>
-            <a:r>
-              <a:rPr lang="en-US" b="0" baseline="0" dirty="0" smtClean="0"/>
-              <a:t>By doing that, I no longer need to expose the shipping status as a parameter, and I no longer need the shipping method and ship date to default to null. </a:t>
-            </a:r>
-          </a:p>
-          <a:p>
-            <a:endParaRPr lang="en-US" b="0" baseline="0" dirty="0" smtClean="0"/>
-          </a:p>
-          <a:p>
-            <a:r>
-              <a:rPr lang="en-US" b="0" baseline="0" dirty="0" smtClean="0"/>
-              <a:t>We know that in order to call this method we </a:t>
-            </a:r>
-            <a:r>
-              <a:rPr lang="en-US" b="0" i="1" baseline="0" dirty="0" smtClean="0"/>
-              <a:t>have </a:t>
-            </a:r>
-            <a:r>
-              <a:rPr lang="en-US" b="0" i="0" baseline="0" dirty="0" smtClean="0"/>
-              <a:t>to have a ship method and date, so I can specify those defaults directly in the argument declaration.</a:t>
-            </a:r>
-          </a:p>
-          <a:p>
-            <a:endParaRPr lang="en-US" b="0" i="0" baseline="0" dirty="0" smtClean="0"/>
-          </a:p>
-          <a:p>
-            <a:r>
-              <a:rPr lang="en-US" b="0" i="0" baseline="0" dirty="0" smtClean="0"/>
-              <a:t>As a result, the body of the helper is much simplified.</a:t>
-            </a:r>
-            <a:endParaRPr lang="en-US" b="0" baseline="0" dirty="0" smtClean="0"/>
-          </a:p>
-          <a:p>
-            <a:endParaRPr lang="en-US" b="0" baseline="0" dirty="0" smtClean="0"/>
-          </a:p>
-          <a:p>
-            <a:r>
-              <a:rPr lang="en-US" b="1" baseline="0" dirty="0" smtClean="0"/>
-              <a:t>Transition:</a:t>
-            </a:r>
-            <a:r>
-              <a:rPr lang="en-US" b="0" baseline="0" dirty="0" smtClean="0"/>
-              <a:t> My advice is to do this sparingly because it has the same drawbacks as the Object Mother pattern. If you’re not careful, you’ll end up with a ton of overlapping methods to choose from. I tend to have a small number of factory methods for very common and coarse grained specification, and then rely on parameters to specialize the data further.</a:t>
+              <a:t> Another way to handle this is to create a new factory method very similar to Object Mother</a:t>
             </a:r>
             <a:endParaRPr lang="en-US" b="1" baseline="0" dirty="0" smtClean="0"/>
+          </a:p>
+          <a:p>
+            <a:endParaRPr lang="en-US" baseline="0" dirty="0" smtClean="0"/>
           </a:p>
         </p:txBody>
       </p:sp>
@@ -11789,7 +12443,7 @@
     </p:spTree>
     <p:extLst>
       <p:ext uri="{BB962C8B-B14F-4D97-AF65-F5344CB8AC3E}">
-        <p14:creationId xmlns:p14="http://schemas.microsoft.com/office/powerpoint/2010/main" val="2898718067"/>
+        <p14:creationId xmlns:p14="http://schemas.microsoft.com/office/powerpoint/2010/main" val="1612281400"/>
       </p:ext>
     </p:extLst>
   </p:cSld>
@@ -11844,84 +12498,113 @@
           <a:lstStyle/>
           <a:p>
             <a:r>
-              <a:rPr lang="en-US" baseline="0" dirty="0" smtClean="0"/>
-              <a:t>Another key point to keep in mind is that the API exposed by your helpers should be declarative in nature. </a:t>
-            </a:r>
-          </a:p>
-          <a:p>
-            <a:endParaRPr lang="en-US" baseline="0" dirty="0" smtClean="0"/>
-          </a:p>
-          <a:p>
-            <a:r>
-              <a:rPr lang="en-US" baseline="0" dirty="0" smtClean="0"/>
-              <a:t>As much as possible, describe </a:t>
-            </a:r>
-            <a:r>
-              <a:rPr lang="en-US" i="1" baseline="0" dirty="0" smtClean="0"/>
-              <a:t>what </a:t>
-            </a:r>
-            <a:r>
-              <a:rPr lang="en-US" i="0" baseline="0" dirty="0" smtClean="0"/>
-              <a:t>is being created and not </a:t>
-            </a:r>
-            <a:r>
-              <a:rPr lang="en-US" i="1" baseline="0" dirty="0" smtClean="0"/>
-              <a:t>how </a:t>
-            </a:r>
-            <a:r>
-              <a:rPr lang="en-US" i="0" baseline="0" dirty="0" smtClean="0"/>
-              <a:t>it’s being created.</a:t>
-            </a:r>
-          </a:p>
-          <a:p>
-            <a:pPr marL="628650" lvl="1" indent="-171450">
-              <a:buFont typeface="Arial" panose="020B0604020202020204" pitchFamily="34" charset="0"/>
-              <a:buChar char="•"/>
-            </a:pPr>
-            <a:endParaRPr lang="en-US" baseline="0" dirty="0" smtClean="0"/>
-          </a:p>
-          <a:p>
-            <a:pPr marL="171450" lvl="0" indent="-171450">
-              <a:buFont typeface="Arial" panose="020B0604020202020204" pitchFamily="34" charset="0"/>
-              <a:buChar char="•"/>
-            </a:pPr>
-            <a:r>
-              <a:rPr lang="en-US" baseline="0" dirty="0" smtClean="0"/>
-              <a:t>In this example I show a helper that can create an order with multiple payment types</a:t>
-            </a:r>
-          </a:p>
-          <a:p>
-            <a:pPr marL="628650" lvl="1" indent="-171450">
-              <a:buFont typeface="Arial" panose="020B0604020202020204" pitchFamily="34" charset="0"/>
-              <a:buChar char="•"/>
-            </a:pPr>
-            <a:r>
-              <a:rPr lang="en-US" baseline="0" dirty="0" smtClean="0"/>
-              <a:t>This could be modeled lots of different ways in the application. Maybe the Order object has a collection of Payment objects that need to be inserted, or maybe the Order exposes properties called “Payment1” and “Payment2” and so on</a:t>
-            </a:r>
-          </a:p>
-          <a:p>
-            <a:pPr marL="628650" lvl="1" indent="-171450">
-              <a:buFont typeface="Arial" panose="020B0604020202020204" pitchFamily="34" charset="0"/>
-              <a:buChar char="•"/>
-            </a:pPr>
-            <a:r>
-              <a:rPr lang="en-US" baseline="0" dirty="0" smtClean="0"/>
-              <a:t>You can abstract those details away from your setup code by doing something like this</a:t>
-            </a:r>
-          </a:p>
-          <a:p>
-            <a:pPr marL="628650" lvl="1" indent="-171450">
-              <a:buFont typeface="Arial" panose="020B0604020202020204" pitchFamily="34" charset="0"/>
-              <a:buChar char="•"/>
-            </a:pPr>
-            <a:r>
-              <a:rPr lang="en-US" baseline="0" dirty="0" smtClean="0"/>
-              <a:t>Let the helper worry about how to build the domain object from those parameters; keep the tests themselves clean and expressive</a:t>
-            </a:r>
-          </a:p>
-          <a:p>
-            <a:endParaRPr lang="en-US" baseline="0" dirty="0" smtClean="0"/>
+              <a:rPr lang="en-US" b="0" baseline="0" dirty="0" smtClean="0"/>
+              <a:t>This helper method is </a:t>
+            </a:r>
+            <a:r>
+              <a:rPr lang="en-US" b="0" baseline="0" dirty="0" smtClean="0"/>
+              <a:t>purpose built for creating shipped orders.</a:t>
+            </a:r>
+          </a:p>
+          <a:p>
+            <a:endParaRPr lang="en-US" b="0" baseline="0" dirty="0" smtClean="0"/>
+          </a:p>
+          <a:p>
+            <a:pPr marL="171450" indent="-171450">
+              <a:buFont typeface="Arial" panose="020B0604020202020204" pitchFamily="34" charset="0"/>
+              <a:buChar char="•"/>
+            </a:pPr>
+            <a:r>
+              <a:rPr lang="en-US" b="0" baseline="0" dirty="0" smtClean="0"/>
+              <a:t>no </a:t>
+            </a:r>
+            <a:r>
+              <a:rPr lang="en-US" b="0" baseline="0" dirty="0" smtClean="0"/>
+              <a:t>longer need to expose the shipping status as a </a:t>
+            </a:r>
+            <a:r>
+              <a:rPr lang="en-US" b="0" baseline="0" dirty="0" smtClean="0"/>
+              <a:t>parameter</a:t>
+            </a:r>
+          </a:p>
+          <a:p>
+            <a:pPr marL="171450" indent="-171450">
+              <a:buFont typeface="Arial" panose="020B0604020202020204" pitchFamily="34" charset="0"/>
+              <a:buChar char="•"/>
+            </a:pPr>
+            <a:r>
+              <a:rPr lang="en-US" b="0" baseline="0" dirty="0" smtClean="0"/>
+              <a:t>no </a:t>
+            </a:r>
+            <a:r>
+              <a:rPr lang="en-US" b="0" baseline="0" dirty="0" smtClean="0"/>
+              <a:t>longer need </a:t>
+            </a:r>
+            <a:r>
+              <a:rPr lang="en-US" b="0" baseline="0" dirty="0" smtClean="0"/>
+              <a:t>shipping </a:t>
+            </a:r>
+            <a:r>
+              <a:rPr lang="en-US" b="0" baseline="0" dirty="0" smtClean="0"/>
+              <a:t>method and ship date to default to null. </a:t>
+            </a:r>
+          </a:p>
+          <a:p>
+            <a:endParaRPr lang="en-US" b="0" baseline="0" dirty="0" smtClean="0"/>
+          </a:p>
+          <a:p>
+            <a:r>
+              <a:rPr lang="en-US" b="0" i="0" baseline="0" dirty="0" smtClean="0"/>
+              <a:t>This helper can delegate to the generic Create, which can be left very simple</a:t>
+            </a:r>
+          </a:p>
+          <a:p>
+            <a:endParaRPr lang="en-US" b="0" i="0" baseline="0" dirty="0" smtClean="0"/>
+          </a:p>
+          <a:p>
+            <a:r>
+              <a:rPr lang="en-US" b="0" i="0" baseline="0" dirty="0" smtClean="0"/>
+              <a:t>Can also Find Refs to find all tests creating shipped order</a:t>
+            </a:r>
+            <a:endParaRPr lang="en-US" b="0" baseline="0" dirty="0" smtClean="0"/>
+          </a:p>
+          <a:p>
+            <a:endParaRPr lang="en-US" b="0" baseline="0" dirty="0" smtClean="0"/>
+          </a:p>
+          <a:p>
+            <a:r>
+              <a:rPr lang="en-US" b="1" baseline="0" dirty="0" smtClean="0"/>
+              <a:t>Transition:</a:t>
+            </a:r>
+            <a:r>
+              <a:rPr lang="en-US" b="0" baseline="0" dirty="0" smtClean="0"/>
+              <a:t> </a:t>
+            </a:r>
+            <a:r>
+              <a:rPr lang="en-US" b="0" baseline="0" dirty="0" smtClean="0"/>
+              <a:t>Do sparingly </a:t>
+            </a:r>
+            <a:r>
+              <a:rPr lang="en-US" b="0" baseline="0" dirty="0" smtClean="0"/>
+              <a:t>because </a:t>
+            </a:r>
+            <a:r>
+              <a:rPr lang="en-US" b="0" baseline="0" dirty="0" smtClean="0"/>
+              <a:t>same </a:t>
+            </a:r>
+            <a:r>
+              <a:rPr lang="en-US" b="0" baseline="0" dirty="0" smtClean="0"/>
+              <a:t>drawbacks as </a:t>
+            </a:r>
+            <a:r>
+              <a:rPr lang="en-US" b="0" baseline="0" dirty="0" smtClean="0"/>
+              <a:t>Object Mother. I </a:t>
+            </a:r>
+            <a:r>
+              <a:rPr lang="en-US" b="0" baseline="0" dirty="0" smtClean="0"/>
+              <a:t>tend to have a small number of factory methods for very common and coarse grained specification, and then rely on parameters to specialize the data further.</a:t>
+            </a:r>
+            <a:endParaRPr lang="en-US" b="1" baseline="0" dirty="0" smtClean="0"/>
           </a:p>
         </p:txBody>
       </p:sp>
@@ -11951,7 +12634,7 @@
     </p:spTree>
     <p:extLst>
       <p:ext uri="{BB962C8B-B14F-4D97-AF65-F5344CB8AC3E}">
-        <p14:creationId xmlns:p14="http://schemas.microsoft.com/office/powerpoint/2010/main" val="2925812315"/>
+        <p14:creationId xmlns:p14="http://schemas.microsoft.com/office/powerpoint/2010/main" val="2898718067"/>
       </p:ext>
     </p:extLst>
   </p:cSld>
@@ -12005,148 +12688,118 @@
           <a:bodyPr/>
           <a:lstStyle/>
           <a:p>
-            <a:pPr marL="171450" indent="-171450">
-              <a:buFont typeface="Arial" panose="020B0604020202020204" pitchFamily="34" charset="0"/>
-              <a:buChar char="•"/>
-            </a:pPr>
             <a:r>
               <a:rPr lang="en-US" baseline="0" dirty="0" smtClean="0"/>
-              <a:t>Test Helpers are great at returning single object - track of multiple objects AND their relationships? </a:t>
-            </a:r>
-            <a:br>
+              <a:t>Another key point </a:t>
+            </a:r>
+            <a:r>
               <a:rPr lang="en-US" baseline="0" dirty="0" smtClean="0"/>
-            </a:br>
+              <a:t>is </a:t>
+            </a:r>
+            <a:r>
+              <a:rPr lang="en-US" baseline="0" dirty="0" smtClean="0"/>
+              <a:t>that </a:t>
+            </a:r>
+            <a:r>
+              <a:rPr lang="en-US" baseline="0" dirty="0" smtClean="0"/>
+              <a:t>helpers </a:t>
+            </a:r>
+            <a:r>
+              <a:rPr lang="en-US" baseline="0" dirty="0" smtClean="0"/>
+              <a:t>should be declarative in nature. </a:t>
+            </a:r>
+          </a:p>
+          <a:p>
             <a:endParaRPr lang="en-US" baseline="0" dirty="0" smtClean="0"/>
           </a:p>
           <a:p>
+            <a:r>
+              <a:rPr lang="en-US" baseline="0" dirty="0" smtClean="0"/>
+              <a:t>Describe </a:t>
+            </a:r>
+            <a:r>
+              <a:rPr lang="en-US" i="1" baseline="0" dirty="0" smtClean="0"/>
+              <a:t>what </a:t>
+            </a:r>
+            <a:r>
+              <a:rPr lang="en-US" i="0" baseline="0" dirty="0" smtClean="0"/>
+              <a:t>is being created </a:t>
+            </a:r>
+            <a:r>
+              <a:rPr lang="en-US" i="0" baseline="0" dirty="0" smtClean="0"/>
+              <a:t>not </a:t>
+            </a:r>
+            <a:r>
+              <a:rPr lang="en-US" i="1" baseline="0" dirty="0" smtClean="0"/>
+              <a:t>how</a:t>
+            </a:r>
+          </a:p>
+          <a:p>
+            <a:endParaRPr lang="en-US" i="1" baseline="0" dirty="0" smtClean="0"/>
+          </a:p>
+          <a:p>
+            <a:r>
+              <a:rPr lang="en-US" i="0" baseline="0" dirty="0" smtClean="0"/>
+              <a:t>Let the helper deal with the ACTUAL domain model – keep tests clean and expressive</a:t>
+            </a:r>
+            <a:endParaRPr lang="en-US" i="0" baseline="0" dirty="0" smtClean="0"/>
+          </a:p>
+          <a:p>
             <a:pPr marL="628650" lvl="1" indent="-171450">
               <a:buFont typeface="Arial" panose="020B0604020202020204" pitchFamily="34" charset="0"/>
               <a:buChar char="•"/>
             </a:pPr>
+            <a:endParaRPr lang="en-US" baseline="0" dirty="0" smtClean="0"/>
+          </a:p>
+          <a:p>
+            <a:pPr marL="171450" lvl="0" indent="-171450">
+              <a:buFont typeface="Arial" panose="020B0604020202020204" pitchFamily="34" charset="0"/>
+              <a:buChar char="•"/>
+            </a:pPr>
             <a:r>
               <a:rPr lang="en-US" baseline="0" dirty="0" smtClean="0"/>
-              <a:t>Example: product review feature</a:t>
-            </a:r>
-          </a:p>
-          <a:p>
-            <a:pPr marL="1085850" lvl="2" indent="-171450">
+              <a:t>Example: multiple payments</a:t>
+            </a:r>
+            <a:endParaRPr lang="en-US" baseline="0" dirty="0" smtClean="0"/>
+          </a:p>
+          <a:p>
+            <a:pPr marL="628650" lvl="1" indent="-171450">
               <a:buFont typeface="Arial" panose="020B0604020202020204" pitchFamily="34" charset="0"/>
               <a:buChar char="•"/>
             </a:pPr>
             <a:r>
               <a:rPr lang="en-US" baseline="0" dirty="0" smtClean="0"/>
-              <a:t>Create a product</a:t>
-            </a:r>
-          </a:p>
-          <a:p>
-            <a:pPr marL="1085850" lvl="2" indent="-171450">
+              <a:t>Order has Payments collection – multiple statements to add multiple pays</a:t>
+            </a:r>
+            <a:endParaRPr lang="en-US" baseline="0" dirty="0" smtClean="0"/>
+          </a:p>
+          <a:p>
+            <a:pPr marL="628650" lvl="1" indent="-171450">
               <a:buFont typeface="Arial" panose="020B0604020202020204" pitchFamily="34" charset="0"/>
               <a:buChar char="•"/>
             </a:pPr>
             <a:r>
               <a:rPr lang="en-US" baseline="0" dirty="0" smtClean="0"/>
-              <a:t>Create a customer</a:t>
-            </a:r>
-          </a:p>
-          <a:p>
-            <a:pPr marL="1085850" lvl="2" indent="-171450">
+              <a:t>Abstract details away – tests stay nice and clean</a:t>
+            </a:r>
+          </a:p>
+          <a:p>
+            <a:pPr marL="628650" lvl="1" indent="-171450">
+              <a:buFont typeface="Arial" panose="020B0604020202020204" pitchFamily="34" charset="0"/>
+              <a:buChar char="•"/>
+            </a:pPr>
+            <a:endParaRPr lang="en-US" baseline="0" dirty="0" smtClean="0"/>
+          </a:p>
+          <a:p>
+            <a:pPr marL="171450" lvl="0" indent="-171450">
               <a:buFont typeface="Arial" panose="020B0604020202020204" pitchFamily="34" charset="0"/>
               <a:buChar char="•"/>
             </a:pPr>
             <a:r>
               <a:rPr lang="en-US" baseline="0" dirty="0" smtClean="0"/>
-              <a:t>Create objectionable reviews linking them together</a:t>
-            </a:r>
-          </a:p>
-          <a:p>
-            <a:pPr marL="1085850" lvl="2" indent="-171450">
-              <a:buFont typeface="Arial" panose="020B0604020202020204" pitchFamily="34" charset="0"/>
-              <a:buChar char="•"/>
-            </a:pPr>
-            <a:r>
-              <a:rPr lang="en-US" baseline="0" dirty="0" smtClean="0"/>
-              <a:t>Assert that new reviews are rejected</a:t>
-            </a:r>
-            <a:br>
-              <a:rPr lang="en-US" baseline="0" dirty="0" smtClean="0"/>
-            </a:br>
+              <a:t>Resilient – domain model can change, tests may not</a:t>
+            </a:r>
             <a:endParaRPr lang="en-US" baseline="0" dirty="0" smtClean="0"/>
-          </a:p>
-          <a:p>
-            <a:pPr marL="171450" lvl="0" indent="-171450">
-              <a:buFont typeface="Arial" panose="020B0604020202020204" pitchFamily="34" charset="0"/>
-              <a:buChar char="•"/>
-            </a:pPr>
-            <a:r>
-              <a:rPr lang="en-US" baseline="0" dirty="0" smtClean="0"/>
-              <a:t>Not a </a:t>
-            </a:r>
-            <a:r>
-              <a:rPr lang="en-US" i="1" baseline="0" dirty="0" smtClean="0"/>
-              <a:t>bad </a:t>
-            </a:r>
-            <a:r>
-              <a:rPr lang="en-US" i="0" baseline="0" dirty="0" smtClean="0"/>
-              <a:t>test, but could be better</a:t>
-            </a:r>
-          </a:p>
-          <a:p>
-            <a:pPr marL="628650" lvl="1" indent="-171450">
-              <a:buFont typeface="Arial" panose="020B0604020202020204" pitchFamily="34" charset="0"/>
-              <a:buChar char="•"/>
-            </a:pPr>
-            <a:r>
-              <a:rPr lang="en-US" baseline="0" dirty="0" smtClean="0"/>
-              <a:t>Wiring up by hand is tedious &amp; sacrifices expressiveness</a:t>
-            </a:r>
-          </a:p>
-          <a:p>
-            <a:pPr marL="628650" lvl="1" indent="-171450">
-              <a:buFont typeface="Arial" panose="020B0604020202020204" pitchFamily="34" charset="0"/>
-              <a:buChar char="•"/>
-            </a:pPr>
-            <a:r>
-              <a:rPr lang="en-US" baseline="0" dirty="0" smtClean="0"/>
-              <a:t>Copy/paste reuse</a:t>
-            </a:r>
-          </a:p>
-          <a:p>
-            <a:pPr marL="628650" lvl="1" indent="-171450">
-              <a:buFont typeface="Arial" panose="020B0604020202020204" pitchFamily="34" charset="0"/>
-              <a:buChar char="•"/>
-            </a:pPr>
-            <a:endParaRPr lang="en-US" baseline="0" dirty="0" smtClean="0"/>
-          </a:p>
-          <a:p>
-            <a:endParaRPr lang="en-US" baseline="0" dirty="0" smtClean="0"/>
-          </a:p>
-          <a:p>
-            <a:pPr marL="171450" indent="-171450">
-              <a:buFont typeface="Arial" panose="020B0604020202020204" pitchFamily="34" charset="0"/>
-              <a:buChar char="•"/>
-            </a:pPr>
-            <a:endParaRPr lang="en-US" baseline="0" dirty="0" smtClean="0"/>
-          </a:p>
-          <a:p>
-            <a:endParaRPr lang="en-US" b="0" baseline="0" dirty="0" smtClean="0"/>
-          </a:p>
-          <a:p>
-            <a:endParaRPr lang="en-US" baseline="0" dirty="0" smtClean="0"/>
-          </a:p>
-          <a:p>
-            <a:endParaRPr lang="en-US" baseline="0" dirty="0" smtClean="0"/>
-          </a:p>
-          <a:p>
-            <a:endParaRPr lang="en-US" baseline="0" dirty="0" smtClean="0"/>
-          </a:p>
-          <a:p>
-            <a:endParaRPr lang="en-US" baseline="0" dirty="0" smtClean="0"/>
-          </a:p>
-          <a:p>
-            <a:endParaRPr lang="en-US" baseline="0" dirty="0" smtClean="0"/>
-          </a:p>
-          <a:p>
-            <a:endParaRPr lang="en-US" dirty="0"/>
           </a:p>
         </p:txBody>
       </p:sp>
@@ -12176,7 +12829,7 @@
     </p:spTree>
     <p:extLst>
       <p:ext uri="{BB962C8B-B14F-4D97-AF65-F5344CB8AC3E}">
-        <p14:creationId xmlns:p14="http://schemas.microsoft.com/office/powerpoint/2010/main" val="2540634104"/>
+        <p14:creationId xmlns:p14="http://schemas.microsoft.com/office/powerpoint/2010/main" val="2925812315"/>
       </p:ext>
     </p:extLst>
   </p:cSld>
@@ -12230,98 +12883,117 @@
           <a:bodyPr/>
           <a:lstStyle/>
           <a:p>
-            <a:pPr marL="171450" marR="0" indent="-171450" algn="l" defTabSz="914400" rtl="0" eaLnBrk="1" fontAlgn="auto" latinLnBrk="0" hangingPunct="1">
-              <a:lnSpc>
-                <a:spcPct val="100000"/>
-              </a:lnSpc>
-              <a:spcBef>
-                <a:spcPts val="0"/>
-              </a:spcBef>
-              <a:spcAft>
-                <a:spcPts val="0"/>
-              </a:spcAft>
-              <a:buClrTx/>
-              <a:buSzTx/>
-              <a:buFont typeface="Arial" panose="020B0604020202020204" pitchFamily="34" charset="0"/>
-              <a:buChar char="•"/>
-              <a:tabLst/>
-              <a:defRPr/>
-            </a:pPr>
-            <a:endParaRPr lang="en-US" dirty="0" smtClean="0"/>
-          </a:p>
-          <a:p>
-            <a:pPr marL="171450" marR="0" indent="-171450" algn="l" defTabSz="914400" rtl="0" eaLnBrk="1" fontAlgn="auto" latinLnBrk="0" hangingPunct="1">
-              <a:lnSpc>
-                <a:spcPct val="100000"/>
-              </a:lnSpc>
-              <a:spcBef>
-                <a:spcPts val="0"/>
-              </a:spcBef>
-              <a:spcAft>
-                <a:spcPts val="0"/>
-              </a:spcAft>
-              <a:buClrTx/>
-              <a:buSzTx/>
-              <a:buFont typeface="Arial" panose="020B0604020202020204" pitchFamily="34" charset="0"/>
-              <a:buChar char="•"/>
-              <a:tabLst/>
-              <a:defRPr/>
-            </a:pPr>
-            <a:r>
-              <a:rPr lang="en-US" dirty="0" smtClean="0"/>
-              <a:t>In these situations we use a </a:t>
-            </a:r>
+            <a:pPr marL="171450" indent="-171450">
+              <a:buFont typeface="Arial" panose="020B0604020202020204" pitchFamily="34" charset="0"/>
+              <a:buChar char="•"/>
+            </a:pPr>
             <a:r>
               <a:rPr lang="en-US" baseline="0" dirty="0" smtClean="0"/>
-              <a:t>pattern we call a “Scenario”</a:t>
-            </a:r>
-          </a:p>
-          <a:p>
-            <a:pPr marL="628650" marR="0" lvl="1" indent="-171450" algn="l" defTabSz="914400" rtl="0" eaLnBrk="1" fontAlgn="auto" latinLnBrk="0" hangingPunct="1">
-              <a:lnSpc>
-                <a:spcPct val="100000"/>
-              </a:lnSpc>
-              <a:spcBef>
-                <a:spcPts val="0"/>
-              </a:spcBef>
-              <a:spcAft>
-                <a:spcPts val="0"/>
-              </a:spcAft>
-              <a:buClrTx/>
-              <a:buSzTx/>
-              <a:buFont typeface="Arial" panose="020B0604020202020204" pitchFamily="34" charset="0"/>
-              <a:buChar char="•"/>
-              <a:tabLst/>
-              <a:defRPr/>
-            </a:pPr>
-            <a:r>
+              <a:t>Test Helpers are great at returning single object - track of multiple objects AND their relationships? </a:t>
+            </a:r>
+            <a:br>
               <a:rPr lang="en-US" baseline="0" dirty="0" smtClean="0"/>
-              <a:t>Essentially a façade that simplifies the usage of multiple Test Helpers towards a common goal</a:t>
-            </a:r>
-          </a:p>
-          <a:p>
-            <a:pPr marL="628650" marR="0" lvl="1" indent="-171450" algn="l" defTabSz="914400" rtl="0" eaLnBrk="1" fontAlgn="auto" latinLnBrk="0" hangingPunct="1">
-              <a:lnSpc>
-                <a:spcPct val="100000"/>
-              </a:lnSpc>
-              <a:spcBef>
-                <a:spcPts val="0"/>
-              </a:spcBef>
-              <a:spcAft>
-                <a:spcPts val="0"/>
-              </a:spcAft>
-              <a:buClrTx/>
-              <a:buSzTx/>
-              <a:buFont typeface="Arial" panose="020B0604020202020204" pitchFamily="34" charset="0"/>
-              <a:buChar char="•"/>
-              <a:tabLst/>
-              <a:defRPr/>
+            </a:br>
+            <a:endParaRPr lang="en-US" baseline="0" dirty="0" smtClean="0"/>
+          </a:p>
+          <a:p>
+            <a:pPr marL="628650" lvl="1" indent="-171450">
+              <a:buFont typeface="Arial" panose="020B0604020202020204" pitchFamily="34" charset="0"/>
+              <a:buChar char="•"/>
             </a:pPr>
             <a:r>
               <a:rPr lang="en-US" baseline="0" dirty="0" smtClean="0"/>
-              <a:t>Provides a convenient way of tracking relationships between test data</a:t>
-            </a:r>
-            <a:endParaRPr lang="en-US" dirty="0" smtClean="0"/>
+              <a:t>Example: product review feature</a:t>
+            </a:r>
+          </a:p>
+          <a:p>
+            <a:pPr marL="1085850" lvl="2" indent="-171450">
+              <a:buFont typeface="Arial" panose="020B0604020202020204" pitchFamily="34" charset="0"/>
+              <a:buChar char="•"/>
+            </a:pPr>
+            <a:r>
+              <a:rPr lang="en-US" baseline="0" dirty="0" smtClean="0"/>
+              <a:t>Create a product</a:t>
+            </a:r>
+          </a:p>
+          <a:p>
+            <a:pPr marL="1085850" lvl="2" indent="-171450">
+              <a:buFont typeface="Arial" panose="020B0604020202020204" pitchFamily="34" charset="0"/>
+              <a:buChar char="•"/>
+            </a:pPr>
+            <a:r>
+              <a:rPr lang="en-US" baseline="0" dirty="0" smtClean="0"/>
+              <a:t>Create a customer</a:t>
+            </a:r>
+          </a:p>
+          <a:p>
+            <a:pPr marL="1085850" lvl="2" indent="-171450">
+              <a:buFont typeface="Arial" panose="020B0604020202020204" pitchFamily="34" charset="0"/>
+              <a:buChar char="•"/>
+            </a:pPr>
+            <a:r>
+              <a:rPr lang="en-US" baseline="0" dirty="0" smtClean="0"/>
+              <a:t>Create objectionable reviews linking them together</a:t>
+            </a:r>
+          </a:p>
+          <a:p>
+            <a:pPr marL="1085850" lvl="2" indent="-171450">
+              <a:buFont typeface="Arial" panose="020B0604020202020204" pitchFamily="34" charset="0"/>
+              <a:buChar char="•"/>
+            </a:pPr>
+            <a:r>
+              <a:rPr lang="en-US" baseline="0" dirty="0" smtClean="0"/>
+              <a:t>Assert that new reviews are rejected</a:t>
+            </a:r>
+            <a:br>
+              <a:rPr lang="en-US" baseline="0" dirty="0" smtClean="0"/>
+            </a:br>
+            <a:endParaRPr lang="en-US" baseline="0" dirty="0" smtClean="0"/>
+          </a:p>
+          <a:p>
+            <a:pPr marL="171450" lvl="0" indent="-171450">
+              <a:buFont typeface="Arial" panose="020B0604020202020204" pitchFamily="34" charset="0"/>
+              <a:buChar char="•"/>
+            </a:pPr>
+            <a:r>
+              <a:rPr lang="en-US" baseline="0" dirty="0" smtClean="0"/>
+              <a:t>Not a </a:t>
+            </a:r>
+            <a:r>
+              <a:rPr lang="en-US" i="1" baseline="0" dirty="0" smtClean="0"/>
+              <a:t>bad </a:t>
+            </a:r>
+            <a:r>
+              <a:rPr lang="en-US" i="0" baseline="0" dirty="0" smtClean="0"/>
+              <a:t>test, but could be better</a:t>
+            </a:r>
+          </a:p>
+          <a:p>
+            <a:pPr marL="628650" lvl="1" indent="-171450">
+              <a:buFont typeface="Arial" panose="020B0604020202020204" pitchFamily="34" charset="0"/>
+              <a:buChar char="•"/>
+            </a:pPr>
+            <a:r>
+              <a:rPr lang="en-US" baseline="0" dirty="0" smtClean="0"/>
+              <a:t>Wiring up by hand is tedious &amp; sacrifices expressiveness</a:t>
+            </a:r>
+          </a:p>
+          <a:p>
+            <a:pPr marL="628650" lvl="1" indent="-171450">
+              <a:buFont typeface="Arial" panose="020B0604020202020204" pitchFamily="34" charset="0"/>
+              <a:buChar char="•"/>
+            </a:pPr>
+            <a:r>
+              <a:rPr lang="en-US" baseline="0" dirty="0" smtClean="0"/>
+              <a:t>Copy/paste reuse</a:t>
+            </a:r>
+          </a:p>
+          <a:p>
+            <a:pPr marL="628650" lvl="1" indent="-171450">
+              <a:buFont typeface="Arial" panose="020B0604020202020204" pitchFamily="34" charset="0"/>
+              <a:buChar char="•"/>
+            </a:pPr>
+            <a:endParaRPr lang="en-US" baseline="0" dirty="0" smtClean="0"/>
           </a:p>
           <a:p>
             <a:endParaRPr lang="en-US" baseline="0" dirty="0" smtClean="0"/>
@@ -12382,7 +13054,7 @@
     </p:spTree>
     <p:extLst>
       <p:ext uri="{BB962C8B-B14F-4D97-AF65-F5344CB8AC3E}">
-        <p14:creationId xmlns:p14="http://schemas.microsoft.com/office/powerpoint/2010/main" val="1002481616"/>
+        <p14:creationId xmlns:p14="http://schemas.microsoft.com/office/powerpoint/2010/main" val="2540634104"/>
       </p:ext>
     </p:extLst>
   </p:cSld>
@@ -12526,30 +13198,107 @@
           <a:bodyPr/>
           <a:lstStyle/>
           <a:p>
+            <a:pPr marL="171450" marR="0" indent="-171450" algn="l" defTabSz="914400" rtl="0" eaLnBrk="1" fontAlgn="auto" latinLnBrk="0" hangingPunct="1">
+              <a:lnSpc>
+                <a:spcPct val="100000"/>
+              </a:lnSpc>
+              <a:spcBef>
+                <a:spcPts val="0"/>
+              </a:spcBef>
+              <a:spcAft>
+                <a:spcPts val="0"/>
+              </a:spcAft>
+              <a:buClrTx/>
+              <a:buSzTx/>
+              <a:buFont typeface="Arial" panose="020B0604020202020204" pitchFamily="34" charset="0"/>
+              <a:buChar char="•"/>
+              <a:tabLst/>
+              <a:defRPr/>
+            </a:pPr>
+            <a:endParaRPr lang="en-US" dirty="0" smtClean="0"/>
+          </a:p>
+          <a:p>
+            <a:pPr marL="171450" marR="0" indent="-171450" algn="l" defTabSz="914400" rtl="0" eaLnBrk="1" fontAlgn="auto" latinLnBrk="0" hangingPunct="1">
+              <a:lnSpc>
+                <a:spcPct val="100000"/>
+              </a:lnSpc>
+              <a:spcBef>
+                <a:spcPts val="0"/>
+              </a:spcBef>
+              <a:spcAft>
+                <a:spcPts val="0"/>
+              </a:spcAft>
+              <a:buClrTx/>
+              <a:buSzTx/>
+              <a:buFont typeface="Arial" panose="020B0604020202020204" pitchFamily="34" charset="0"/>
+              <a:buChar char="•"/>
+              <a:tabLst/>
+              <a:defRPr/>
+            </a:pPr>
+            <a:r>
+              <a:rPr lang="en-US" dirty="0" smtClean="0"/>
+              <a:t>In these situations we use a </a:t>
+            </a:r>
+            <a:r>
+              <a:rPr lang="en-US" baseline="0" dirty="0" smtClean="0"/>
+              <a:t>pattern we call a “Scenario”</a:t>
+            </a:r>
+          </a:p>
+          <a:p>
+            <a:pPr marL="628650" marR="0" lvl="1" indent="-171450" algn="l" defTabSz="914400" rtl="0" eaLnBrk="1" fontAlgn="auto" latinLnBrk="0" hangingPunct="1">
+              <a:lnSpc>
+                <a:spcPct val="100000"/>
+              </a:lnSpc>
+              <a:spcBef>
+                <a:spcPts val="0"/>
+              </a:spcBef>
+              <a:spcAft>
+                <a:spcPts val="0"/>
+              </a:spcAft>
+              <a:buClrTx/>
+              <a:buSzTx/>
+              <a:buFont typeface="Arial" panose="020B0604020202020204" pitchFamily="34" charset="0"/>
+              <a:buChar char="•"/>
+              <a:tabLst/>
+              <a:defRPr/>
+            </a:pPr>
+            <a:r>
+              <a:rPr lang="en-US" baseline="0" dirty="0" smtClean="0"/>
+              <a:t>Essentially a façade that simplifies the usage of multiple Test Helpers towards a common goal</a:t>
+            </a:r>
+          </a:p>
+          <a:p>
+            <a:pPr marL="628650" marR="0" lvl="1" indent="-171450" algn="l" defTabSz="914400" rtl="0" eaLnBrk="1" fontAlgn="auto" latinLnBrk="0" hangingPunct="1">
+              <a:lnSpc>
+                <a:spcPct val="100000"/>
+              </a:lnSpc>
+              <a:spcBef>
+                <a:spcPts val="0"/>
+              </a:spcBef>
+              <a:spcAft>
+                <a:spcPts val="0"/>
+              </a:spcAft>
+              <a:buClrTx/>
+              <a:buSzTx/>
+              <a:buFont typeface="Arial" panose="020B0604020202020204" pitchFamily="34" charset="0"/>
+              <a:buChar char="•"/>
+              <a:tabLst/>
+              <a:defRPr/>
+            </a:pPr>
+            <a:r>
+              <a:rPr lang="en-US" baseline="0" dirty="0" smtClean="0"/>
+              <a:t>Provides a convenient way of tracking relationships between test data</a:t>
+            </a:r>
+            <a:endParaRPr lang="en-US" dirty="0" smtClean="0"/>
+          </a:p>
+          <a:p>
+            <a:endParaRPr lang="en-US" baseline="0" dirty="0" smtClean="0"/>
+          </a:p>
+          <a:p>
             <a:pPr marL="171450" indent="-171450">
               <a:buFont typeface="Arial" panose="020B0604020202020204" pitchFamily="34" charset="0"/>
               <a:buChar char="•"/>
             </a:pPr>
-            <a:r>
-              <a:rPr lang="en-US" baseline="0" dirty="0" smtClean="0"/>
-              <a:t>Scenarios are specifically designed for reuse</a:t>
-            </a:r>
-          </a:p>
-          <a:p>
-            <a:endParaRPr lang="en-US" baseline="0" dirty="0" smtClean="0"/>
-          </a:p>
-          <a:p>
-            <a:r>
-              <a:rPr lang="en-US" b="1" baseline="0" dirty="0" smtClean="0"/>
-              <a:t>Transition: </a:t>
-            </a:r>
-            <a:r>
-              <a:rPr lang="en-US" b="0" baseline="0" dirty="0" smtClean="0"/>
-              <a:t>So what does a Scenario object look like?</a:t>
-            </a:r>
-            <a:endParaRPr lang="en-US" b="1" baseline="0" dirty="0" smtClean="0"/>
-          </a:p>
-          <a:p>
             <a:endParaRPr lang="en-US" baseline="0" dirty="0" smtClean="0"/>
           </a:p>
           <a:p>
@@ -12601,7 +13350,7 @@
     </p:spTree>
     <p:extLst>
       <p:ext uri="{BB962C8B-B14F-4D97-AF65-F5344CB8AC3E}">
-        <p14:creationId xmlns:p14="http://schemas.microsoft.com/office/powerpoint/2010/main" val="3169493424"/>
+        <p14:creationId xmlns:p14="http://schemas.microsoft.com/office/powerpoint/2010/main" val="1002481616"/>
       </p:ext>
     </p:extLst>
   </p:cSld>
@@ -12660,32 +13409,43 @@
               <a:buChar char="•"/>
             </a:pPr>
             <a:r>
-              <a:rPr lang="en-US" dirty="0" smtClean="0"/>
-              <a:t>Biggest difference</a:t>
-            </a:r>
-            <a:r>
               <a:rPr lang="en-US" baseline="0" dirty="0" smtClean="0"/>
-              <a:t> between Scenario &amp; Test Helper – static factory vs instance</a:t>
+              <a:t>Scenarios are specifically designed for reuse</a:t>
             </a:r>
           </a:p>
           <a:p>
             <a:endParaRPr lang="en-US" baseline="0" dirty="0" smtClean="0"/>
           </a:p>
           <a:p>
-            <a:pPr marL="171450" indent="-171450">
-              <a:buFont typeface="Arial" panose="020B0604020202020204" pitchFamily="34" charset="0"/>
-              <a:buChar char="•"/>
-            </a:pPr>
-            <a:r>
-              <a:rPr lang="en-US" baseline="0" dirty="0" smtClean="0"/>
-              <a:t>The scenario is customized by passing in constructor arguments</a:t>
-            </a:r>
-          </a:p>
-          <a:p>
-            <a:pPr marL="171450" indent="-171450">
-              <a:buFont typeface="Arial" panose="020B0604020202020204" pitchFamily="34" charset="0"/>
-              <a:buChar char="•"/>
-            </a:pPr>
+            <a:r>
+              <a:rPr lang="en-US" b="1" baseline="0" dirty="0" smtClean="0"/>
+              <a:t>Transition: </a:t>
+            </a:r>
+            <a:r>
+              <a:rPr lang="en-US" b="0" baseline="0" dirty="0" smtClean="0"/>
+              <a:t>So what does a Scenario object look like?</a:t>
+            </a:r>
+            <a:endParaRPr lang="en-US" b="1" baseline="0" dirty="0" smtClean="0"/>
+          </a:p>
+          <a:p>
+            <a:endParaRPr lang="en-US" baseline="0" dirty="0" smtClean="0"/>
+          </a:p>
+          <a:p>
+            <a:endParaRPr lang="en-US" b="0" baseline="0" dirty="0" smtClean="0"/>
+          </a:p>
+          <a:p>
+            <a:endParaRPr lang="en-US" baseline="0" dirty="0" smtClean="0"/>
+          </a:p>
+          <a:p>
+            <a:endParaRPr lang="en-US" baseline="0" dirty="0" smtClean="0"/>
+          </a:p>
+          <a:p>
+            <a:endParaRPr lang="en-US" baseline="0" dirty="0" smtClean="0"/>
+          </a:p>
+          <a:p>
+            <a:endParaRPr lang="en-US" baseline="0" dirty="0" smtClean="0"/>
+          </a:p>
+          <a:p>
             <a:endParaRPr lang="en-US" baseline="0" dirty="0" smtClean="0"/>
           </a:p>
           <a:p>
@@ -12719,7 +13479,7 @@
     </p:spTree>
     <p:extLst>
       <p:ext uri="{BB962C8B-B14F-4D97-AF65-F5344CB8AC3E}">
-        <p14:creationId xmlns:p14="http://schemas.microsoft.com/office/powerpoint/2010/main" val="1497239507"/>
+        <p14:creationId xmlns:p14="http://schemas.microsoft.com/office/powerpoint/2010/main" val="3169493424"/>
       </p:ext>
     </p:extLst>
   </p:cSld>
@@ -12778,51 +13538,26 @@
               <a:buChar char="•"/>
             </a:pPr>
             <a:r>
+              <a:rPr lang="en-US" dirty="0" smtClean="0"/>
+              <a:t>Biggest difference</a:t>
+            </a:r>
+            <a:r>
               <a:rPr lang="en-US" baseline="0" dirty="0" smtClean="0"/>
-              <a:t>After you instantiate it, the Scenario exposes its key data as instance properties. </a:t>
-            </a:r>
+              <a:t> between Scenario &amp; Test Helper – static factory vs instance</a:t>
+            </a:r>
+          </a:p>
+          <a:p>
+            <a:endParaRPr lang="en-US" baseline="0" dirty="0" smtClean="0"/>
           </a:p>
           <a:p>
             <a:pPr marL="171450" indent="-171450">
               <a:buFont typeface="Arial" panose="020B0604020202020204" pitchFamily="34" charset="0"/>
               <a:buChar char="•"/>
             </a:pPr>
-            <a:endParaRPr lang="en-US" baseline="0" dirty="0" smtClean="0"/>
-          </a:p>
-          <a:p>
-            <a:pPr marL="171450" indent="-171450">
-              <a:buFont typeface="Arial" panose="020B0604020202020204" pitchFamily="34" charset="0"/>
-              <a:buChar char="•"/>
-            </a:pPr>
             <a:r>
               <a:rPr lang="en-US" baseline="0" dirty="0" smtClean="0"/>
-              <a:t>In this case, the scenario contains a Product and three different types of Reviewers</a:t>
-            </a:r>
-            <a:br>
-              <a:rPr lang="en-US" baseline="0" dirty="0" smtClean="0"/>
-            </a:br>
-            <a:endParaRPr lang="en-US" baseline="0" dirty="0" smtClean="0"/>
-          </a:p>
-          <a:p>
-            <a:pPr marL="171450" indent="-171450">
-              <a:buFont typeface="Arial" panose="020B0604020202020204" pitchFamily="34" charset="0"/>
-              <a:buChar char="•"/>
-            </a:pPr>
-            <a:r>
-              <a:rPr lang="en-US" baseline="0" dirty="0" smtClean="0"/>
-              <a:t>Properties should be well-named and, if complex enough, commented</a:t>
-            </a:r>
-            <a:br>
-              <a:rPr lang="en-US" baseline="0" dirty="0" smtClean="0"/>
-            </a:br>
-            <a:endParaRPr lang="en-US" baseline="0" dirty="0" smtClean="0"/>
-          </a:p>
-          <a:p>
-            <a:pPr marL="171450" indent="-171450">
-              <a:buFont typeface="Arial" panose="020B0604020202020204" pitchFamily="34" charset="0"/>
-              <a:buChar char="•"/>
-            </a:pPr>
-            <a:endParaRPr lang="en-US" baseline="0" dirty="0" smtClean="0"/>
+              <a:t>The scenario is customized by passing in constructor arguments</a:t>
+            </a:r>
           </a:p>
           <a:p>
             <a:pPr marL="171450" indent="-171450">
@@ -12862,7 +13597,7 @@
     </p:spTree>
     <p:extLst>
       <p:ext uri="{BB962C8B-B14F-4D97-AF65-F5344CB8AC3E}">
-        <p14:creationId xmlns:p14="http://schemas.microsoft.com/office/powerpoint/2010/main" val="398911380"/>
+        <p14:creationId xmlns:p14="http://schemas.microsoft.com/office/powerpoint/2010/main" val="1497239507"/>
       </p:ext>
     </p:extLst>
   </p:cSld>
@@ -12916,20 +13651,20 @@
           <a:bodyPr/>
           <a:lstStyle/>
           <a:p>
-            <a:r>
-              <a:rPr lang="en-US" dirty="0" smtClean="0"/>
-              <a:t>Here’s that example again of the Product Review test that is NOT</a:t>
-            </a:r>
+            <a:pPr marL="171450" indent="-171450">
+              <a:buFont typeface="Arial" panose="020B0604020202020204" pitchFamily="34" charset="0"/>
+              <a:buChar char="•"/>
+            </a:pPr>
             <a:r>
               <a:rPr lang="en-US" baseline="0" dirty="0" smtClean="0"/>
-              <a:t> using a Scenario</a:t>
-            </a:r>
-            <a:endParaRPr lang="en-US" dirty="0" smtClean="0"/>
-          </a:p>
-          <a:p>
-            <a:endParaRPr lang="en-US" dirty="0" smtClean="0"/>
-          </a:p>
-          <a:p>
+              <a:t>After you instantiate it, the Scenario exposes its key data as instance properties. </a:t>
+            </a:r>
+          </a:p>
+          <a:p>
+            <a:pPr marL="171450" indent="-171450">
+              <a:buFont typeface="Arial" panose="020B0604020202020204" pitchFamily="34" charset="0"/>
+              <a:buChar char="•"/>
+            </a:pPr>
             <a:endParaRPr lang="en-US" baseline="0" dirty="0" smtClean="0"/>
           </a:p>
           <a:p>
@@ -12939,20 +13674,12 @@
             </a:pPr>
             <a:r>
               <a:rPr lang="en-US" baseline="0" dirty="0" smtClean="0"/>
-              <a:t>Certainly not a </a:t>
-            </a:r>
-            <a:r>
-              <a:rPr lang="en-US" i="1" baseline="0" dirty="0" smtClean="0"/>
-              <a:t>terrible </a:t>
-            </a:r>
-            <a:r>
-              <a:rPr lang="en-US" i="0" baseline="0" dirty="0" smtClean="0"/>
-              <a:t>test - could be better</a:t>
+              <a:t>In this case, the scenario contains a Product and three different types of Reviewers</a:t>
             </a:r>
             <a:br>
-              <a:rPr lang="en-US" i="0" baseline="0" dirty="0" smtClean="0"/>
+              <a:rPr lang="en-US" baseline="0" dirty="0" smtClean="0"/>
             </a:br>
-            <a:endParaRPr lang="en-US" i="0" baseline="0" dirty="0" smtClean="0"/>
+            <a:endParaRPr lang="en-US" baseline="0" dirty="0" smtClean="0"/>
           </a:p>
           <a:p>
             <a:pPr marL="171450" indent="-171450">
@@ -12960,38 +13687,30 @@
               <a:buChar char="•"/>
             </a:pPr>
             <a:r>
-              <a:rPr lang="en-US" b="1" i="0" baseline="0" dirty="0" smtClean="0"/>
-              <a:t>TRANSITION:</a:t>
-            </a:r>
-            <a:r>
-              <a:rPr lang="en-US" b="0" i="0" baseline="0" dirty="0" smtClean="0"/>
-              <a:t> Look what happens when we re-write it using a scenario</a:t>
-            </a:r>
-            <a:r>
-              <a:rPr lang="en-US" i="0" baseline="0" dirty="0" smtClean="0"/>
-              <a:t/>
+              <a:rPr lang="en-US" baseline="0" dirty="0" smtClean="0"/>
+              <a:t>Properties should be well-named and, if complex enough, commented</a:t>
             </a:r>
             <a:br>
-              <a:rPr lang="en-US" i="0" baseline="0" dirty="0" smtClean="0"/>
+              <a:rPr lang="en-US" baseline="0" dirty="0" smtClean="0"/>
             </a:br>
-            <a:endParaRPr lang="en-US" i="0" baseline="0" dirty="0" smtClean="0"/>
+            <a:endParaRPr lang="en-US" baseline="0" dirty="0" smtClean="0"/>
           </a:p>
           <a:p>
             <a:pPr marL="171450" indent="-171450">
               <a:buFont typeface="Arial" panose="020B0604020202020204" pitchFamily="34" charset="0"/>
               <a:buChar char="•"/>
             </a:pPr>
-            <a:endParaRPr lang="en-US" i="0" baseline="0" dirty="0" smtClean="0"/>
+            <a:endParaRPr lang="en-US" baseline="0" dirty="0" smtClean="0"/>
           </a:p>
           <a:p>
             <a:pPr marL="171450" indent="-171450">
               <a:buFont typeface="Arial" panose="020B0604020202020204" pitchFamily="34" charset="0"/>
               <a:buChar char="•"/>
             </a:pPr>
-            <a:endParaRPr lang="en-US" i="0" baseline="0" dirty="0" smtClean="0"/>
-          </a:p>
-          <a:p>
-            <a:endParaRPr lang="en-US" i="0" baseline="0" dirty="0" smtClean="0"/>
+            <a:endParaRPr lang="en-US" baseline="0" dirty="0" smtClean="0"/>
+          </a:p>
+          <a:p>
+            <a:endParaRPr lang="en-US" dirty="0"/>
           </a:p>
         </p:txBody>
       </p:sp>
@@ -13021,7 +13740,7 @@
     </p:spTree>
     <p:extLst>
       <p:ext uri="{BB962C8B-B14F-4D97-AF65-F5344CB8AC3E}">
-        <p14:creationId xmlns:p14="http://schemas.microsoft.com/office/powerpoint/2010/main" val="468836394"/>
+        <p14:creationId xmlns:p14="http://schemas.microsoft.com/office/powerpoint/2010/main" val="398911380"/>
       </p:ext>
     </p:extLst>
   </p:cSld>
@@ -13075,70 +13794,82 @@
           <a:bodyPr/>
           <a:lstStyle/>
           <a:p>
+            <a:r>
+              <a:rPr lang="en-US" dirty="0" smtClean="0"/>
+              <a:t>Here’s that example again of the Product Review test that is NOT</a:t>
+            </a:r>
+            <a:r>
+              <a:rPr lang="en-US" baseline="0" dirty="0" smtClean="0"/>
+              <a:t> using a Scenario</a:t>
+            </a:r>
+            <a:endParaRPr lang="en-US" dirty="0" smtClean="0"/>
+          </a:p>
+          <a:p>
+            <a:endParaRPr lang="en-US" dirty="0" smtClean="0"/>
+          </a:p>
+          <a:p>
+            <a:endParaRPr lang="en-US" baseline="0" dirty="0" smtClean="0"/>
+          </a:p>
+          <a:p>
             <a:pPr marL="171450" indent="-171450">
               <a:buFont typeface="Arial" panose="020B0604020202020204" pitchFamily="34" charset="0"/>
               <a:buChar char="•"/>
             </a:pPr>
             <a:r>
               <a:rPr lang="en-US" baseline="0" dirty="0" smtClean="0"/>
-              <a:t>Replaced the explicit creation of two flagged reviews with a single declarative argument</a:t>
-            </a:r>
+              <a:t>Certainly not a </a:t>
+            </a:r>
+            <a:r>
+              <a:rPr lang="en-US" i="1" baseline="0" dirty="0" smtClean="0"/>
+              <a:t>terrible </a:t>
+            </a:r>
+            <a:r>
+              <a:rPr lang="en-US" i="0" baseline="0" dirty="0" smtClean="0"/>
+              <a:t>test - could be better</a:t>
+            </a:r>
+            <a:br>
+              <a:rPr lang="en-US" i="0" baseline="0" dirty="0" smtClean="0"/>
+            </a:br>
+            <a:endParaRPr lang="en-US" i="0" baseline="0" dirty="0" smtClean="0"/>
           </a:p>
           <a:p>
             <a:pPr marL="171450" indent="-171450">
               <a:buFont typeface="Arial" panose="020B0604020202020204" pitchFamily="34" charset="0"/>
               <a:buChar char="•"/>
             </a:pPr>
-            <a:endParaRPr lang="en-US" dirty="0" smtClean="0"/>
-          </a:p>
-          <a:p>
-            <a:pPr marL="171450" lvl="0" indent="-171450">
-              <a:buFont typeface="Arial" panose="020B0604020202020204" pitchFamily="34" charset="0"/>
-              <a:buChar char="•"/>
-            </a:pPr>
-            <a:r>
-              <a:rPr lang="en-US" dirty="0" smtClean="0"/>
-              <a:t>Notice </a:t>
-            </a:r>
-            <a:r>
-              <a:rPr lang="en-US" baseline="0" dirty="0" smtClean="0"/>
-              <a:t>how much less noisy it is, without the customer and product objects</a:t>
+            <a:r>
+              <a:rPr lang="en-US" b="1" i="0" baseline="0" dirty="0" smtClean="0"/>
+              <a:t>TRANSITION:</a:t>
+            </a:r>
+            <a:r>
+              <a:rPr lang="en-US" b="0" i="0" baseline="0" dirty="0" smtClean="0"/>
+              <a:t> Look what happens when we re-write it using a scenario</a:t>
+            </a:r>
+            <a:r>
+              <a:rPr lang="en-US" i="0" baseline="0" dirty="0" smtClean="0"/>
+              <a:t/>
             </a:r>
             <a:br>
-              <a:rPr lang="en-US" baseline="0" dirty="0" smtClean="0"/>
+              <a:rPr lang="en-US" i="0" baseline="0" dirty="0" smtClean="0"/>
             </a:br>
-            <a:endParaRPr lang="en-US" baseline="0" dirty="0" smtClean="0"/>
-          </a:p>
-          <a:p>
-            <a:endParaRPr lang="en-US" baseline="0" dirty="0" smtClean="0"/>
+            <a:endParaRPr lang="en-US" i="0" baseline="0" dirty="0" smtClean="0"/>
           </a:p>
           <a:p>
             <a:pPr marL="171450" indent="-171450">
               <a:buFont typeface="Arial" panose="020B0604020202020204" pitchFamily="34" charset="0"/>
               <a:buChar char="•"/>
             </a:pPr>
-            <a:r>
-              <a:rPr lang="en-US" baseline="0" dirty="0" smtClean="0"/>
-              <a:t>To repeat this test with a different # of flagged reviews, copy 1 line of code &amp; change 1 argument</a:t>
-            </a:r>
+            <a:endParaRPr lang="en-US" i="0" baseline="0" dirty="0" smtClean="0"/>
           </a:p>
           <a:p>
             <a:pPr marL="171450" indent="-171450">
               <a:buFont typeface="Arial" panose="020B0604020202020204" pitchFamily="34" charset="0"/>
               <a:buChar char="•"/>
             </a:pPr>
-            <a:endParaRPr lang="en-US" baseline="0" dirty="0" smtClean="0"/>
-          </a:p>
-          <a:p>
-            <a:pPr marL="171450" indent="-171450">
-              <a:buFont typeface="Arial" panose="020B0604020202020204" pitchFamily="34" charset="0"/>
-              <a:buChar char="•"/>
-            </a:pPr>
-            <a:r>
-              <a:rPr lang="en-US" baseline="0" dirty="0" smtClean="0"/>
-              <a:t>Excellent example of how expressive setup code makes it easy to add new tests</a:t>
-            </a:r>
-            <a:endParaRPr lang="en-US" dirty="0"/>
+            <a:endParaRPr lang="en-US" i="0" baseline="0" dirty="0" smtClean="0"/>
+          </a:p>
+          <a:p>
+            <a:endParaRPr lang="en-US" i="0" baseline="0" dirty="0" smtClean="0"/>
           </a:p>
         </p:txBody>
       </p:sp>
@@ -13168,7 +13899,7 @@
     </p:spTree>
     <p:extLst>
       <p:ext uri="{BB962C8B-B14F-4D97-AF65-F5344CB8AC3E}">
-        <p14:creationId xmlns:p14="http://schemas.microsoft.com/office/powerpoint/2010/main" val="4221125315"/>
+        <p14:creationId xmlns:p14="http://schemas.microsoft.com/office/powerpoint/2010/main" val="468836394"/>
       </p:ext>
     </p:extLst>
   </p:cSld>
@@ -13227,31 +13958,65 @@
               <a:buChar char="•"/>
             </a:pPr>
             <a:r>
+              <a:rPr lang="en-US" baseline="0" dirty="0" smtClean="0"/>
+              <a:t>Replaced the explicit creation of two flagged reviews with a single declarative argument</a:t>
+            </a:r>
+          </a:p>
+          <a:p>
+            <a:pPr marL="171450" indent="-171450">
+              <a:buFont typeface="Arial" panose="020B0604020202020204" pitchFamily="34" charset="0"/>
+              <a:buChar char="•"/>
+            </a:pPr>
+            <a:endParaRPr lang="en-US" dirty="0" smtClean="0"/>
+          </a:p>
+          <a:p>
+            <a:pPr marL="171450" lvl="0" indent="-171450">
+              <a:buFont typeface="Arial" panose="020B0604020202020204" pitchFamily="34" charset="0"/>
+              <a:buChar char="•"/>
+            </a:pPr>
+            <a:r>
               <a:rPr lang="en-US" dirty="0" smtClean="0"/>
-              <a:t>Not perfect</a:t>
+              <a:t>Notice </a:t>
+            </a:r>
+            <a:r>
+              <a:rPr lang="en-US" baseline="0" dirty="0" smtClean="0"/>
+              <a:t>how much less noisy it is, without the customer and product objects</a:t>
             </a:r>
             <a:br>
-              <a:rPr lang="en-US" dirty="0" smtClean="0"/>
+              <a:rPr lang="en-US" baseline="0" dirty="0" smtClean="0"/>
             </a:br>
-            <a:endParaRPr lang="en-US" dirty="0" smtClean="0"/>
-          </a:p>
-          <a:p>
-            <a:pPr marL="171450" lvl="0" indent="-171450">
-              <a:buFont typeface="Arial" panose="020B0604020202020204" pitchFamily="34" charset="0"/>
-              <a:buChar char="•"/>
-            </a:pPr>
-            <a:r>
-              <a:rPr lang="en-US" dirty="0" smtClean="0"/>
-              <a:t>Same drawbacks as Object Mother – Scenario</a:t>
-            </a:r>
+            <a:endParaRPr lang="en-US" baseline="0" dirty="0" smtClean="0"/>
+          </a:p>
+          <a:p>
+            <a:endParaRPr lang="en-US" baseline="0" dirty="0" smtClean="0"/>
+          </a:p>
+          <a:p>
+            <a:pPr marL="171450" indent="-171450">
+              <a:buFont typeface="Arial" panose="020B0604020202020204" pitchFamily="34" charset="0"/>
+              <a:buChar char="•"/>
+            </a:pPr>
             <a:r>
               <a:rPr lang="en-US" baseline="0" dirty="0" smtClean="0"/>
-              <a:t> is basically a Mother for a group of objects</a:t>
-            </a:r>
-            <a:endParaRPr lang="en-US" dirty="0" smtClean="0"/>
-          </a:p>
-          <a:p>
+              <a:t>To repeat this test with a different # of flagged reviews, copy 1 line of code &amp; change 1 argument</a:t>
+            </a:r>
+          </a:p>
+          <a:p>
+            <a:pPr marL="171450" indent="-171450">
+              <a:buFont typeface="Arial" panose="020B0604020202020204" pitchFamily="34" charset="0"/>
+              <a:buChar char="•"/>
+            </a:pPr>
             <a:endParaRPr lang="en-US" baseline="0" dirty="0" smtClean="0"/>
+          </a:p>
+          <a:p>
+            <a:pPr marL="171450" indent="-171450">
+              <a:buFont typeface="Arial" panose="020B0604020202020204" pitchFamily="34" charset="0"/>
+              <a:buChar char="•"/>
+            </a:pPr>
+            <a:r>
+              <a:rPr lang="en-US" baseline="0" dirty="0" smtClean="0"/>
+              <a:t>Excellent example of how expressive setup code makes it easy to add new tests</a:t>
+            </a:r>
+            <a:endParaRPr lang="en-US" dirty="0"/>
           </a:p>
         </p:txBody>
       </p:sp>
@@ -13281,7 +14046,7 @@
     </p:spTree>
     <p:extLst>
       <p:ext uri="{BB962C8B-B14F-4D97-AF65-F5344CB8AC3E}">
-        <p14:creationId xmlns:p14="http://schemas.microsoft.com/office/powerpoint/2010/main" val="1691950364"/>
+        <p14:creationId xmlns:p14="http://schemas.microsoft.com/office/powerpoint/2010/main" val="4221125315"/>
       </p:ext>
     </p:extLst>
   </p:cSld>
@@ -13340,46 +14105,30 @@
               <a:buChar char="•"/>
             </a:pPr>
             <a:r>
+              <a:rPr lang="en-US" dirty="0" smtClean="0"/>
+              <a:t>Not perfect</a:t>
+            </a:r>
+            <a:br>
+              <a:rPr lang="en-US" dirty="0" smtClean="0"/>
+            </a:br>
+            <a:endParaRPr lang="en-US" dirty="0" smtClean="0"/>
+          </a:p>
+          <a:p>
+            <a:pPr marL="171450" lvl="0" indent="-171450">
+              <a:buFont typeface="Arial" panose="020B0604020202020204" pitchFamily="34" charset="0"/>
+              <a:buChar char="•"/>
+            </a:pPr>
+            <a:r>
+              <a:rPr lang="en-US" dirty="0" smtClean="0"/>
+              <a:t>Same drawbacks as Object Mother – Scenario</a:t>
+            </a:r>
+            <a:r>
               <a:rPr lang="en-US" baseline="0" dirty="0" smtClean="0"/>
-              <a:t>Mitigated somewhat by the fact that Scenarios are rarely reusable in any broad terms</a:t>
-            </a:r>
-          </a:p>
-          <a:p>
-            <a:pPr marL="171450" indent="-171450">
-              <a:buFont typeface="Arial" panose="020B0604020202020204" pitchFamily="34" charset="0"/>
-              <a:buChar char="•"/>
-            </a:pPr>
-            <a:endParaRPr lang="en-US" baseline="0" dirty="0" smtClean="0"/>
-          </a:p>
-          <a:p>
-            <a:pPr marL="171450" indent="-171450">
-              <a:buFont typeface="Arial" panose="020B0604020202020204" pitchFamily="34" charset="0"/>
-              <a:buChar char="•"/>
-            </a:pPr>
-            <a:r>
-              <a:rPr lang="en-US" baseline="0" dirty="0" smtClean="0"/>
-              <a:t>By their nature, represent tight coupling between multiple objects</a:t>
-            </a:r>
-            <a:br>
-              <a:rPr lang="en-US" baseline="0" dirty="0" smtClean="0"/>
-            </a:br>
-            <a:endParaRPr lang="en-US" baseline="0" dirty="0" smtClean="0"/>
-          </a:p>
-          <a:p>
-            <a:pPr marL="628650" lvl="1" indent="-171450">
-              <a:buFont typeface="Arial" panose="020B0604020202020204" pitchFamily="34" charset="0"/>
-              <a:buChar char="•"/>
-            </a:pPr>
-            <a:r>
-              <a:rPr lang="en-US" baseline="0" dirty="0" smtClean="0"/>
-              <a:t>Coupling reduces their ability to be reused in different contexts</a:t>
-            </a:r>
-          </a:p>
-          <a:p>
-            <a:pPr marL="628650" lvl="1" indent="-171450">
-              <a:buFont typeface="Arial" panose="020B0604020202020204" pitchFamily="34" charset="0"/>
-              <a:buChar char="•"/>
-            </a:pPr>
+              <a:t> is basically a Mother for a group of objects</a:t>
+            </a:r>
+            <a:endParaRPr lang="en-US" dirty="0" smtClean="0"/>
+          </a:p>
+          <a:p>
             <a:endParaRPr lang="en-US" baseline="0" dirty="0" smtClean="0"/>
           </a:p>
         </p:txBody>
@@ -13410,7 +14159,7 @@
     </p:spTree>
     <p:extLst>
       <p:ext uri="{BB962C8B-B14F-4D97-AF65-F5344CB8AC3E}">
-        <p14:creationId xmlns:p14="http://schemas.microsoft.com/office/powerpoint/2010/main" val="1724604859"/>
+        <p14:creationId xmlns:p14="http://schemas.microsoft.com/office/powerpoint/2010/main" val="1691950364"/>
       </p:ext>
     </p:extLst>
   </p:cSld>
@@ -13464,31 +14213,52 @@
           <a:bodyPr/>
           <a:lstStyle/>
           <a:p>
+            <a:pPr marL="171450" indent="-171450">
+              <a:buFont typeface="Arial" panose="020B0604020202020204" pitchFamily="34" charset="0"/>
+              <a:buChar char="•"/>
+            </a:pPr>
+            <a:r>
+              <a:rPr lang="en-US" baseline="0" dirty="0" smtClean="0"/>
+              <a:t>Mitigated somewhat by the fact that Scenarios are rarely reusable in any broad terms</a:t>
+            </a:r>
+          </a:p>
+          <a:p>
+            <a:pPr marL="171450" indent="-171450">
+              <a:buFont typeface="Arial" panose="020B0604020202020204" pitchFamily="34" charset="0"/>
+              <a:buChar char="•"/>
+            </a:pPr>
+            <a:endParaRPr lang="en-US" baseline="0" dirty="0" smtClean="0"/>
+          </a:p>
+          <a:p>
+            <a:pPr marL="171450" indent="-171450">
+              <a:buFont typeface="Arial" panose="020B0604020202020204" pitchFamily="34" charset="0"/>
+              <a:buChar char="•"/>
+            </a:pPr>
+            <a:r>
+              <a:rPr lang="en-US" baseline="0" dirty="0" smtClean="0"/>
+              <a:t>By their nature, represent tight coupling between multiple objects</a:t>
+            </a:r>
+            <a:br>
+              <a:rPr lang="en-US" baseline="0" dirty="0" smtClean="0"/>
+            </a:br>
+            <a:endParaRPr lang="en-US" baseline="0" dirty="0" smtClean="0"/>
+          </a:p>
+          <a:p>
             <a:pPr marL="628650" lvl="1" indent="-171450">
               <a:buFont typeface="Arial" panose="020B0604020202020204" pitchFamily="34" charset="0"/>
               <a:buChar char="•"/>
             </a:pPr>
+            <a:r>
+              <a:rPr lang="en-US" baseline="0" dirty="0" smtClean="0"/>
+              <a:t>Coupling reduces their ability to be reused in different contexts</a:t>
+            </a:r>
+          </a:p>
+          <a:p>
+            <a:pPr marL="628650" lvl="1" indent="-171450">
+              <a:buFont typeface="Arial" panose="020B0604020202020204" pitchFamily="34" charset="0"/>
+              <a:buChar char="•"/>
+            </a:pPr>
             <a:endParaRPr lang="en-US" baseline="0" dirty="0" smtClean="0"/>
-          </a:p>
-          <a:p>
-            <a:pPr marL="171450" indent="-171450">
-              <a:buFont typeface="Arial" panose="020B0604020202020204" pitchFamily="34" charset="0"/>
-              <a:buChar char="•"/>
-            </a:pPr>
-            <a:r>
-              <a:rPr lang="en-US" baseline="0" dirty="0" smtClean="0"/>
-              <a:t>I use Scenarios when a group of related tests share complex setup &amp; core objects don’t impact outcomes</a:t>
-            </a:r>
-          </a:p>
-          <a:p>
-            <a:pPr marL="628650" lvl="1" indent="-171450">
-              <a:buFont typeface="Arial" panose="020B0604020202020204" pitchFamily="34" charset="0"/>
-              <a:buChar char="•"/>
-            </a:pPr>
-            <a:r>
-              <a:rPr lang="en-US" baseline="0" dirty="0" smtClean="0"/>
-              <a:t>I rarely use them in a wider context</a:t>
-            </a:r>
           </a:p>
         </p:txBody>
       </p:sp>
@@ -13518,7 +14288,7 @@
     </p:spTree>
     <p:extLst>
       <p:ext uri="{BB962C8B-B14F-4D97-AF65-F5344CB8AC3E}">
-        <p14:creationId xmlns:p14="http://schemas.microsoft.com/office/powerpoint/2010/main" val="3130228231"/>
+        <p14:creationId xmlns:p14="http://schemas.microsoft.com/office/powerpoint/2010/main" val="1724604859"/>
       </p:ext>
     </p:extLst>
   </p:cSld>
@@ -13572,55 +14342,30 @@
           <a:bodyPr/>
           <a:lstStyle/>
           <a:p>
+            <a:pPr marL="628650" lvl="1" indent="-171450">
+              <a:buFont typeface="Arial" panose="020B0604020202020204" pitchFamily="34" charset="0"/>
+              <a:buChar char="•"/>
+            </a:pPr>
+            <a:endParaRPr lang="en-US" baseline="0" dirty="0" smtClean="0"/>
+          </a:p>
+          <a:p>
             <a:pPr marL="171450" indent="-171450">
               <a:buFont typeface="Arial" panose="020B0604020202020204" pitchFamily="34" charset="0"/>
               <a:buChar char="•"/>
             </a:pPr>
             <a:r>
-              <a:rPr lang="en-US" dirty="0" smtClean="0"/>
-              <a:t>Until now,</a:t>
-            </a:r>
-            <a:r>
               <a:rPr lang="en-US" baseline="0" dirty="0" smtClean="0"/>
-              <a:t> in-memory objects only</a:t>
-            </a:r>
-          </a:p>
-          <a:p>
-            <a:pPr marL="171450" indent="-171450">
-              <a:buFont typeface="Arial" panose="020B0604020202020204" pitchFamily="34" charset="0"/>
-              <a:buChar char="•"/>
-            </a:pPr>
-            <a:endParaRPr lang="en-US" baseline="0" dirty="0" smtClean="0"/>
-          </a:p>
-          <a:p>
-            <a:pPr marL="171450" indent="-171450">
-              <a:buFont typeface="Arial" panose="020B0604020202020204" pitchFamily="34" charset="0"/>
-              <a:buChar char="•"/>
-            </a:pPr>
-            <a:r>
-              <a:rPr lang="en-US" dirty="0" smtClean="0"/>
-              <a:t>Eventually,</a:t>
-            </a:r>
+              <a:t>I use Scenarios when a group of related tests share complex setup &amp; core objects don’t impact outcomes</a:t>
+            </a:r>
+          </a:p>
+          <a:p>
+            <a:pPr marL="628650" lvl="1" indent="-171450">
+              <a:buFont typeface="Arial" panose="020B0604020202020204" pitchFamily="34" charset="0"/>
+              <a:buChar char="•"/>
+            </a:pPr>
             <a:r>
               <a:rPr lang="en-US" baseline="0" dirty="0" smtClean="0"/>
-              <a:t> you’re going to want to save your test data to a database so that you can test your data access code, or so that you can automate some of your full-stack system tests.</a:t>
-            </a:r>
-          </a:p>
-          <a:p>
-            <a:pPr marL="171450" indent="-171450">
-              <a:buFont typeface="Arial" panose="020B0604020202020204" pitchFamily="34" charset="0"/>
-              <a:buChar char="•"/>
-            </a:pPr>
-            <a:endParaRPr lang="en-US" baseline="0" dirty="0" smtClean="0"/>
-          </a:p>
-          <a:p>
-            <a:pPr marL="171450" indent="-171450">
-              <a:buFont typeface="Arial" panose="020B0604020202020204" pitchFamily="34" charset="0"/>
-              <a:buChar char="•"/>
-            </a:pPr>
-            <a:r>
-              <a:rPr lang="en-US" baseline="0" dirty="0" smtClean="0"/>
-              <a:t>In this final section, I’ll show you some advanced tips for making your integration tests as easy to set up as possible</a:t>
+              <a:t>I rarely use them in a wider context</a:t>
             </a:r>
           </a:p>
         </p:txBody>
@@ -13651,7 +14396,7 @@
     </p:spTree>
     <p:extLst>
       <p:ext uri="{BB962C8B-B14F-4D97-AF65-F5344CB8AC3E}">
-        <p14:creationId xmlns:p14="http://schemas.microsoft.com/office/powerpoint/2010/main" val="3633775892"/>
+        <p14:creationId xmlns:p14="http://schemas.microsoft.com/office/powerpoint/2010/main" val="3130228231"/>
       </p:ext>
     </p:extLst>
   </p:cSld>
@@ -13709,6 +14454,20 @@
               <a:buFont typeface="Arial" panose="020B0604020202020204" pitchFamily="34" charset="0"/>
               <a:buChar char="•"/>
             </a:pPr>
+            <a:r>
+              <a:rPr lang="en-US" dirty="0" smtClean="0"/>
+              <a:t>Until now,</a:t>
+            </a:r>
+            <a:r>
+              <a:rPr lang="en-US" baseline="0" dirty="0" smtClean="0"/>
+              <a:t> in-memory objects only</a:t>
+            </a:r>
+          </a:p>
+          <a:p>
+            <a:pPr marL="171450" indent="-171450">
+              <a:buFont typeface="Arial" panose="020B0604020202020204" pitchFamily="34" charset="0"/>
+              <a:buChar char="•"/>
+            </a:pPr>
             <a:endParaRPr lang="en-US" baseline="0" dirty="0" smtClean="0"/>
           </a:p>
           <a:p>
@@ -13717,13 +14476,30 @@
               <a:buChar char="•"/>
             </a:pPr>
             <a:r>
+              <a:rPr lang="en-US" dirty="0" smtClean="0"/>
+              <a:t>Eventually,</a:t>
+            </a:r>
+            <a:r>
               <a:rPr lang="en-US" baseline="0" dirty="0" smtClean="0"/>
-              <a:t>Goal is to use the same Test Helpers to create real data as in-memory data</a:t>
-            </a:r>
-            <a:endParaRPr lang="en-US" dirty="0" smtClean="0"/>
-          </a:p>
-          <a:p>
+              <a:t> you’re going to want to save your test data to a database so that you can test your data access code, or so that you can automate some of your full-stack system tests.</a:t>
+            </a:r>
+          </a:p>
+          <a:p>
+            <a:pPr marL="171450" indent="-171450">
+              <a:buFont typeface="Arial" panose="020B0604020202020204" pitchFamily="34" charset="0"/>
+              <a:buChar char="•"/>
+            </a:pPr>
             <a:endParaRPr lang="en-US" baseline="0" dirty="0" smtClean="0"/>
+          </a:p>
+          <a:p>
+            <a:pPr marL="171450" indent="-171450">
+              <a:buFont typeface="Arial" panose="020B0604020202020204" pitchFamily="34" charset="0"/>
+              <a:buChar char="•"/>
+            </a:pPr>
+            <a:r>
+              <a:rPr lang="en-US" baseline="0" dirty="0" smtClean="0"/>
+              <a:t>In this final section, I’ll show you some advanced tips for making your integration tests as easy to set up as possible</a:t>
+            </a:r>
           </a:p>
         </p:txBody>
       </p:sp>
@@ -13753,7 +14529,7 @@
     </p:spTree>
     <p:extLst>
       <p:ext uri="{BB962C8B-B14F-4D97-AF65-F5344CB8AC3E}">
-        <p14:creationId xmlns:p14="http://schemas.microsoft.com/office/powerpoint/2010/main" val="784753541"/>
+        <p14:creationId xmlns:p14="http://schemas.microsoft.com/office/powerpoint/2010/main" val="3633775892"/>
       </p:ext>
     </p:extLst>
   </p:cSld>
@@ -13911,131 +14687,21 @@
               <a:buFont typeface="Arial" panose="020B0604020202020204" pitchFamily="34" charset="0"/>
               <a:buChar char="•"/>
             </a:pPr>
+            <a:endParaRPr lang="en-US" baseline="0" dirty="0" smtClean="0"/>
+          </a:p>
+          <a:p>
+            <a:pPr marL="171450" indent="-171450">
+              <a:buFont typeface="Arial" panose="020B0604020202020204" pitchFamily="34" charset="0"/>
+              <a:buChar char="•"/>
+            </a:pPr>
             <a:r>
               <a:rPr lang="en-US" baseline="0" dirty="0" smtClean="0"/>
-              <a:t>Easier said than done. </a:t>
-            </a:r>
-            <a:br>
-              <a:rPr lang="en-US" baseline="0" dirty="0" smtClean="0"/>
-            </a:br>
+              <a:t>Goal is to use the same Test Helpers to create real data as in-memory data</a:t>
+            </a:r>
+            <a:endParaRPr lang="en-US" dirty="0" smtClean="0"/>
+          </a:p>
+          <a:p>
             <a:endParaRPr lang="en-US" baseline="0" dirty="0" smtClean="0"/>
-          </a:p>
-          <a:p>
-            <a:pPr marL="171450" lvl="0" indent="-171450">
-              <a:buFont typeface="Arial" panose="020B0604020202020204" pitchFamily="34" charset="0"/>
-              <a:buChar char="•"/>
-            </a:pPr>
-            <a:r>
-              <a:rPr lang="en-US" baseline="0" dirty="0" smtClean="0"/>
-              <a:t>First, you have to deal with foreign keys. </a:t>
-            </a:r>
-          </a:p>
-          <a:p>
-            <a:pPr marL="628650" lvl="1" indent="-171450">
-              <a:buFont typeface="Arial" panose="020B0604020202020204" pitchFamily="34" charset="0"/>
-              <a:buChar char="•"/>
-            </a:pPr>
-            <a:r>
-              <a:rPr lang="en-US" baseline="0" dirty="0" smtClean="0"/>
-              <a:t>Can’t just new up a Customer and an Order in-memory &amp; then save them </a:t>
-            </a:r>
-          </a:p>
-          <a:p>
-            <a:pPr marL="628650" lvl="1" indent="-171450">
-              <a:buFont typeface="Arial" panose="020B0604020202020204" pitchFamily="34" charset="0"/>
-              <a:buChar char="•"/>
-            </a:pPr>
-            <a:r>
-              <a:rPr lang="en-US" baseline="0" dirty="0" smtClean="0"/>
-              <a:t>Have to new up entire object graph, save objects to the database in the correct sequence, and then update all the IDs</a:t>
-            </a:r>
-          </a:p>
-          <a:p>
-            <a:pPr marL="628650" lvl="1" indent="-171450">
-              <a:buFont typeface="Arial" panose="020B0604020202020204" pitchFamily="34" charset="0"/>
-              <a:buChar char="•"/>
-            </a:pPr>
-            <a:r>
-              <a:rPr lang="en-US" baseline="0" dirty="0" smtClean="0"/>
-              <a:t>(This is a little bit easier if you assign primary keys in your application code, but my project uses good old-fashioned </a:t>
-            </a:r>
-            <a:r>
-              <a:rPr lang="en-US" baseline="0" dirty="0" err="1" smtClean="0"/>
-              <a:t>autonumber</a:t>
-            </a:r>
-            <a:r>
-              <a:rPr lang="en-US" baseline="0" dirty="0" smtClean="0"/>
-              <a:t> keys)</a:t>
-            </a:r>
-          </a:p>
-          <a:p>
-            <a:endParaRPr lang="en-US" baseline="0" dirty="0" smtClean="0"/>
-          </a:p>
-          <a:p>
-            <a:pPr marL="171450" indent="-171450">
-              <a:buFont typeface="Arial" panose="020B0604020202020204" pitchFamily="34" charset="0"/>
-              <a:buChar char="•"/>
-            </a:pPr>
-            <a:r>
-              <a:rPr lang="en-US" baseline="0" dirty="0" smtClean="0"/>
-              <a:t>Second, you have to deal with column constraints. </a:t>
-            </a:r>
-          </a:p>
-          <a:p>
-            <a:pPr marL="628650" lvl="1" indent="-171450">
-              <a:buFont typeface="Arial" panose="020B0604020202020204" pitchFamily="34" charset="0"/>
-              <a:buChar char="•"/>
-            </a:pPr>
-            <a:r>
-              <a:rPr lang="en-US" baseline="0" dirty="0" smtClean="0"/>
-              <a:t>Non-null columns</a:t>
-            </a:r>
-          </a:p>
-          <a:p>
-            <a:pPr marL="628650" lvl="1" indent="-171450">
-              <a:buFont typeface="Arial" panose="020B0604020202020204" pitchFamily="34" charset="0"/>
-              <a:buChar char="•"/>
-            </a:pPr>
-            <a:r>
-              <a:rPr lang="en-US" baseline="0" dirty="0" smtClean="0"/>
-              <a:t>Max length</a:t>
-            </a:r>
-            <a:br>
-              <a:rPr lang="en-US" baseline="0" dirty="0" smtClean="0"/>
-            </a:br>
-            <a:endParaRPr lang="en-US" baseline="0" dirty="0" smtClean="0"/>
-          </a:p>
-          <a:p>
-            <a:r>
-              <a:rPr lang="en-US" baseline="0" dirty="0" smtClean="0"/>
-              <a:t>* Lastly, clean up test data when the test run is over. </a:t>
-            </a:r>
-          </a:p>
-          <a:p>
-            <a:pPr marL="0" marR="0" indent="0" algn="l" defTabSz="914400" rtl="0" eaLnBrk="1" fontAlgn="auto" latinLnBrk="0" hangingPunct="1">
-              <a:lnSpc>
-                <a:spcPct val="100000"/>
-              </a:lnSpc>
-              <a:spcBef>
-                <a:spcPts val="0"/>
-              </a:spcBef>
-              <a:spcAft>
-                <a:spcPts val="0"/>
-              </a:spcAft>
-              <a:buClrTx/>
-              <a:buSzTx/>
-              <a:buFontTx/>
-              <a:buNone/>
-              <a:tabLst/>
-              <a:defRPr/>
-            </a:pPr>
-            <a:endParaRPr lang="en-US" b="0" baseline="0" dirty="0" smtClean="0"/>
-          </a:p>
-          <a:p>
-            <a:endParaRPr lang="en-US" baseline="0" dirty="0" smtClean="0"/>
-          </a:p>
-          <a:p>
-            <a:endParaRPr lang="en-US" dirty="0"/>
           </a:p>
         </p:txBody>
       </p:sp>
@@ -14065,7 +14731,7 @@
     </p:spTree>
     <p:extLst>
       <p:ext uri="{BB962C8B-B14F-4D97-AF65-F5344CB8AC3E}">
-        <p14:creationId xmlns:p14="http://schemas.microsoft.com/office/powerpoint/2010/main" val="1674991001"/>
+        <p14:creationId xmlns:p14="http://schemas.microsoft.com/office/powerpoint/2010/main" val="784753541"/>
       </p:ext>
     </p:extLst>
   </p:cSld>
@@ -14119,7 +14785,108 @@
           <a:bodyPr/>
           <a:lstStyle/>
           <a:p>
-            <a:pPr marL="171450" marR="0" indent="-171450" algn="l" defTabSz="914400" rtl="0" eaLnBrk="1" fontAlgn="auto" latinLnBrk="0" hangingPunct="1">
+            <a:pPr marL="171450" indent="-171450">
+              <a:buFont typeface="Arial" panose="020B0604020202020204" pitchFamily="34" charset="0"/>
+              <a:buChar char="•"/>
+            </a:pPr>
+            <a:r>
+              <a:rPr lang="en-US" baseline="0" dirty="0" smtClean="0"/>
+              <a:t>Easier said than done. </a:t>
+            </a:r>
+            <a:br>
+              <a:rPr lang="en-US" baseline="0" dirty="0" smtClean="0"/>
+            </a:br>
+            <a:endParaRPr lang="en-US" baseline="0" dirty="0" smtClean="0"/>
+          </a:p>
+          <a:p>
+            <a:pPr marL="171450" lvl="0" indent="-171450">
+              <a:buFont typeface="Arial" panose="020B0604020202020204" pitchFamily="34" charset="0"/>
+              <a:buChar char="•"/>
+            </a:pPr>
+            <a:r>
+              <a:rPr lang="en-US" baseline="0" dirty="0" smtClean="0"/>
+              <a:t>First, you have to deal with foreign keys. </a:t>
+            </a:r>
+          </a:p>
+          <a:p>
+            <a:pPr marL="628650" lvl="1" indent="-171450">
+              <a:buFont typeface="Arial" panose="020B0604020202020204" pitchFamily="34" charset="0"/>
+              <a:buChar char="•"/>
+            </a:pPr>
+            <a:r>
+              <a:rPr lang="en-US" baseline="0" dirty="0" smtClean="0"/>
+              <a:t>Can’t just new up </a:t>
+            </a:r>
+            <a:r>
+              <a:rPr lang="en-US" baseline="0" dirty="0" smtClean="0"/>
+              <a:t>things and save them</a:t>
+            </a:r>
+            <a:endParaRPr lang="en-US" baseline="0" dirty="0" smtClean="0"/>
+          </a:p>
+          <a:p>
+            <a:pPr marL="628650" lvl="1" indent="-171450">
+              <a:buFont typeface="Arial" panose="020B0604020202020204" pitchFamily="34" charset="0"/>
+              <a:buChar char="•"/>
+            </a:pPr>
+            <a:r>
+              <a:rPr lang="en-US" baseline="0" dirty="0" smtClean="0"/>
+              <a:t>New </a:t>
+            </a:r>
+            <a:r>
+              <a:rPr lang="en-US" baseline="0" dirty="0" smtClean="0"/>
+              <a:t>up entire object </a:t>
+            </a:r>
+            <a:r>
+              <a:rPr lang="en-US" baseline="0" dirty="0" smtClean="0"/>
+              <a:t>graph – save in correct sequence – update all ids</a:t>
+            </a:r>
+            <a:endParaRPr lang="en-US" baseline="0" dirty="0" smtClean="0"/>
+          </a:p>
+          <a:p>
+            <a:endParaRPr lang="en-US" baseline="0" dirty="0" smtClean="0"/>
+          </a:p>
+          <a:p>
+            <a:pPr marL="171450" indent="-171450">
+              <a:buFont typeface="Arial" panose="020B0604020202020204" pitchFamily="34" charset="0"/>
+              <a:buChar char="•"/>
+            </a:pPr>
+            <a:r>
+              <a:rPr lang="en-US" baseline="0" dirty="0" smtClean="0"/>
+              <a:t>Second, you have to deal with column constraints. </a:t>
+            </a:r>
+          </a:p>
+          <a:p>
+            <a:pPr marL="628650" lvl="1" indent="-171450">
+              <a:buFont typeface="Arial" panose="020B0604020202020204" pitchFamily="34" charset="0"/>
+              <a:buChar char="•"/>
+            </a:pPr>
+            <a:r>
+              <a:rPr lang="en-US" baseline="0" dirty="0" smtClean="0"/>
+              <a:t>Non-null columns</a:t>
+            </a:r>
+          </a:p>
+          <a:p>
+            <a:pPr marL="628650" lvl="1" indent="-171450">
+              <a:buFont typeface="Arial" panose="020B0604020202020204" pitchFamily="34" charset="0"/>
+              <a:buChar char="•"/>
+            </a:pPr>
+            <a:r>
+              <a:rPr lang="en-US" baseline="0" dirty="0" smtClean="0"/>
+              <a:t>Max length</a:t>
+            </a:r>
+            <a:br>
+              <a:rPr lang="en-US" baseline="0" dirty="0" smtClean="0"/>
+            </a:br>
+            <a:endParaRPr lang="en-US" baseline="0" dirty="0" smtClean="0"/>
+          </a:p>
+          <a:p>
+            <a:r>
+              <a:rPr lang="en-US" baseline="0" dirty="0" smtClean="0"/>
+              <a:t>* Lastly, clean up test data when the test run is over. </a:t>
+            </a:r>
+          </a:p>
+          <a:p>
+            <a:pPr marL="0" marR="0" indent="0" algn="l" defTabSz="914400" rtl="0" eaLnBrk="1" fontAlgn="auto" latinLnBrk="0" hangingPunct="1">
               <a:lnSpc>
                 <a:spcPct val="100000"/>
               </a:lnSpc>
@@ -14131,159 +14898,18 @@
               </a:spcAft>
               <a:buClrTx/>
               <a:buSzTx/>
-              <a:buFont typeface="Arial" panose="020B0604020202020204" pitchFamily="34" charset="0"/>
-              <a:buChar char="•"/>
+              <a:buFontTx/>
+              <a:buNone/>
               <a:tabLst/>
               <a:defRPr/>
             </a:pPr>
-            <a:r>
-              <a:rPr lang="en-US" b="0" baseline="0" dirty="0" smtClean="0"/>
-              <a:t>These challenges are a pain, but they are manageable with a few extra additions to your Test Helper classes. </a:t>
-            </a:r>
-            <a:br>
-              <a:rPr lang="en-US" b="0" baseline="0" dirty="0" smtClean="0"/>
-            </a:br>
             <a:endParaRPr lang="en-US" b="0" baseline="0" dirty="0" smtClean="0"/>
           </a:p>
           <a:p>
-            <a:pPr marL="171450" marR="0" indent="-171450" algn="l" defTabSz="914400" rtl="0" eaLnBrk="1" fontAlgn="auto" latinLnBrk="0" hangingPunct="1">
-              <a:lnSpc>
-                <a:spcPct val="100000"/>
-              </a:lnSpc>
-              <a:spcBef>
-                <a:spcPts val="0"/>
-              </a:spcBef>
-              <a:spcAft>
-                <a:spcPts val="0"/>
-              </a:spcAft>
-              <a:buClrTx/>
-              <a:buSzTx/>
-              <a:buFont typeface="Arial" panose="020B0604020202020204" pitchFamily="34" charset="0"/>
-              <a:buChar char="•"/>
-              <a:tabLst/>
-              <a:defRPr/>
-            </a:pPr>
-            <a:r>
-              <a:rPr lang="en-US" b="0" baseline="0" dirty="0" smtClean="0"/>
-              <a:t>The solution we use is to add a </a:t>
-            </a:r>
-            <a:r>
-              <a:rPr lang="en-US" b="0" i="1" baseline="0" dirty="0" smtClean="0"/>
-              <a:t>Save</a:t>
-            </a:r>
-            <a:r>
-              <a:rPr lang="en-US" b="0" i="0" baseline="0" dirty="0" smtClean="0"/>
-              <a:t>() method to your Test Helpers</a:t>
-            </a:r>
-            <a:br>
-              <a:rPr lang="en-US" b="0" i="0" baseline="0" dirty="0" smtClean="0"/>
-            </a:br>
-            <a:endParaRPr lang="en-US" b="0" i="0" baseline="0" dirty="0" smtClean="0"/>
-          </a:p>
-          <a:p>
-            <a:pPr marL="171450" marR="0" indent="-171450" algn="l" defTabSz="914400" rtl="0" eaLnBrk="1" fontAlgn="auto" latinLnBrk="0" hangingPunct="1">
-              <a:lnSpc>
-                <a:spcPct val="100000"/>
-              </a:lnSpc>
-              <a:spcBef>
-                <a:spcPts val="0"/>
-              </a:spcBef>
-              <a:spcAft>
-                <a:spcPts val="0"/>
-              </a:spcAft>
-              <a:buClrTx/>
-              <a:buSzTx/>
-              <a:buFont typeface="Arial" panose="020B0604020202020204" pitchFamily="34" charset="0"/>
-              <a:buChar char="•"/>
-              <a:tabLst/>
-              <a:defRPr/>
-            </a:pPr>
-            <a:r>
-              <a:rPr lang="en-US" b="0" i="0" baseline="0" dirty="0" smtClean="0"/>
-              <a:t>Before I show you how that works, I want to mention a few things</a:t>
-            </a:r>
-          </a:p>
-          <a:p>
-            <a:pPr marL="628650" marR="0" lvl="1" indent="-171450" algn="l" defTabSz="914400" rtl="0" eaLnBrk="1" fontAlgn="auto" latinLnBrk="0" hangingPunct="1">
-              <a:lnSpc>
-                <a:spcPct val="100000"/>
-              </a:lnSpc>
-              <a:spcBef>
-                <a:spcPts val="0"/>
-              </a:spcBef>
-              <a:spcAft>
-                <a:spcPts val="0"/>
-              </a:spcAft>
-              <a:buClrTx/>
-              <a:buSzTx/>
-              <a:buFont typeface="Arial" panose="020B0604020202020204" pitchFamily="34" charset="0"/>
-              <a:buChar char="•"/>
-              <a:tabLst/>
-              <a:defRPr/>
-            </a:pPr>
-            <a:r>
-              <a:rPr lang="en-US" b="0" i="0" baseline="0" dirty="0" smtClean="0"/>
-              <a:t>First, this feature assumes you’re using an ORM of some sort. If you’re NOT using an ORM then the concept still applies, but you’ll need to find a different implementation</a:t>
-            </a:r>
-          </a:p>
-          <a:p>
-            <a:pPr marL="628650" marR="0" lvl="1" indent="-171450" algn="l" defTabSz="914400" rtl="0" eaLnBrk="1" fontAlgn="auto" latinLnBrk="0" hangingPunct="1">
-              <a:lnSpc>
-                <a:spcPct val="100000"/>
-              </a:lnSpc>
-              <a:spcBef>
-                <a:spcPts val="0"/>
-              </a:spcBef>
-              <a:spcAft>
-                <a:spcPts val="0"/>
-              </a:spcAft>
-              <a:buClrTx/>
-              <a:buSzTx/>
-              <a:buFont typeface="Arial" panose="020B0604020202020204" pitchFamily="34" charset="0"/>
-              <a:buChar char="•"/>
-              <a:tabLst/>
-              <a:defRPr/>
-            </a:pPr>
-            <a:r>
-              <a:rPr lang="en-US" b="0" i="0" baseline="0" dirty="0" smtClean="0"/>
-              <a:t>Second, these code samples are for </a:t>
-            </a:r>
-            <a:r>
-              <a:rPr lang="en-US" b="0" i="0" baseline="0" dirty="0" err="1" smtClean="0"/>
-              <a:t>Nhibernate</a:t>
-            </a:r>
-            <a:r>
-              <a:rPr lang="en-US" b="0" i="0" baseline="0" dirty="0" smtClean="0"/>
-              <a:t>. You’ll obviously need to modify them to work with Entity Framework or Active Record or whatever you’re using</a:t>
-            </a:r>
-            <a:br>
-              <a:rPr lang="en-US" b="0" i="0" baseline="0" dirty="0" smtClean="0"/>
-            </a:br>
-            <a:endParaRPr lang="en-US" b="0" i="0" baseline="0" dirty="0" smtClean="0"/>
-          </a:p>
-          <a:p>
-            <a:pPr marL="171450" marR="0" lvl="0" indent="-171450" algn="l" defTabSz="914400" rtl="0" eaLnBrk="1" fontAlgn="auto" latinLnBrk="0" hangingPunct="1">
-              <a:lnSpc>
-                <a:spcPct val="100000"/>
-              </a:lnSpc>
-              <a:spcBef>
-                <a:spcPts val="0"/>
-              </a:spcBef>
-              <a:spcAft>
-                <a:spcPts val="0"/>
-              </a:spcAft>
-              <a:buClrTx/>
-              <a:buSzTx/>
-              <a:buFont typeface="Arial" panose="020B0604020202020204" pitchFamily="34" charset="0"/>
-              <a:buChar char="•"/>
-              <a:tabLst/>
-              <a:defRPr/>
-            </a:pPr>
-            <a:r>
-              <a:rPr lang="en-US" b="0" i="0" baseline="0" dirty="0" smtClean="0"/>
-              <a:t>Let’s look at how the Save method is implemented in my helpers</a:t>
-            </a:r>
-            <a:endParaRPr lang="en-US" b="0" baseline="0" dirty="0" smtClean="0"/>
+            <a:endParaRPr lang="en-US" baseline="0" dirty="0" smtClean="0"/>
+          </a:p>
+          <a:p>
+            <a:endParaRPr lang="en-US" dirty="0"/>
           </a:p>
         </p:txBody>
       </p:sp>
@@ -14313,7 +14939,7 @@
     </p:spTree>
     <p:extLst>
       <p:ext uri="{BB962C8B-B14F-4D97-AF65-F5344CB8AC3E}">
-        <p14:creationId xmlns:p14="http://schemas.microsoft.com/office/powerpoint/2010/main" val="4163571947"/>
+        <p14:creationId xmlns:p14="http://schemas.microsoft.com/office/powerpoint/2010/main" val="1674991001"/>
       </p:ext>
     </p:extLst>
   </p:cSld>
@@ -14367,46 +14993,147 @@
           <a:bodyPr/>
           <a:lstStyle/>
           <a:p>
-            <a:pPr marL="171450" indent="-171450">
-              <a:buFont typeface="Arial" panose="020B0604020202020204" pitchFamily="34" charset="0"/>
-              <a:buChar char="•"/>
+            <a:pPr marL="171450" marR="0" indent="-171450" algn="l" defTabSz="914400" rtl="0" eaLnBrk="1" fontAlgn="auto" latinLnBrk="0" hangingPunct="1">
+              <a:lnSpc>
+                <a:spcPct val="100000"/>
+              </a:lnSpc>
+              <a:spcBef>
+                <a:spcPts val="0"/>
+              </a:spcBef>
+              <a:spcAft>
+                <a:spcPts val="0"/>
+              </a:spcAft>
+              <a:buClrTx/>
+              <a:buSzTx/>
+              <a:buFont typeface="Arial" panose="020B0604020202020204" pitchFamily="34" charset="0"/>
+              <a:buChar char="•"/>
+              <a:tabLst/>
+              <a:defRPr/>
             </a:pPr>
             <a:r>
               <a:rPr lang="en-US" b="0" baseline="0" dirty="0" smtClean="0"/>
-              <a:t>1</a:t>
-            </a:r>
-            <a:r>
-              <a:rPr lang="en-US" b="0" baseline="30000" dirty="0" smtClean="0"/>
-              <a:t>st</a:t>
-            </a:r>
-            <a:r>
+              <a:t>These challenges are a pain, but they are manageable with a few extra additions to your Test Helper classes. </a:t>
+            </a:r>
+            <a:br>
               <a:rPr lang="en-US" b="0" baseline="0" dirty="0" smtClean="0"/>
-              <a:t>, Save() is static &amp; takes ORM interface as an argument. </a:t>
-            </a:r>
-          </a:p>
-          <a:p>
-            <a:pPr marL="171450" indent="-171450">
-              <a:buFont typeface="Arial" panose="020B0604020202020204" pitchFamily="34" charset="0"/>
-              <a:buChar char="•"/>
-            </a:pPr>
+            </a:br>
             <a:endParaRPr lang="en-US" b="0" baseline="0" dirty="0" smtClean="0"/>
           </a:p>
           <a:p>
-            <a:pPr marL="171450" indent="-171450">
-              <a:buFont typeface="Arial" panose="020B0604020202020204" pitchFamily="34" charset="0"/>
-              <a:buChar char="•"/>
+            <a:pPr marL="171450" marR="0" indent="-171450" algn="l" defTabSz="914400" rtl="0" eaLnBrk="1" fontAlgn="auto" latinLnBrk="0" hangingPunct="1">
+              <a:lnSpc>
+                <a:spcPct val="100000"/>
+              </a:lnSpc>
+              <a:spcBef>
+                <a:spcPts val="0"/>
+              </a:spcBef>
+              <a:spcAft>
+                <a:spcPts val="0"/>
+              </a:spcAft>
+              <a:buClrTx/>
+              <a:buSzTx/>
+              <a:buFont typeface="Arial" panose="020B0604020202020204" pitchFamily="34" charset="0"/>
+              <a:buChar char="•"/>
+              <a:tabLst/>
+              <a:defRPr/>
             </a:pPr>
             <a:r>
               <a:rPr lang="en-US" b="0" baseline="0" dirty="0" smtClean="0"/>
-              <a:t>It’s certainly possible to use Dependency Injection</a:t>
-            </a:r>
-          </a:p>
-          <a:p>
-            <a:pPr marL="171450" indent="-171450">
-              <a:buFont typeface="Arial" panose="020B0604020202020204" pitchFamily="34" charset="0"/>
-              <a:buChar char="•"/>
-            </a:pPr>
-            <a:endParaRPr lang="en-US" b="0" baseline="0" dirty="0" smtClean="0"/>
+              <a:t>The solution we use is to add a </a:t>
+            </a:r>
+            <a:r>
+              <a:rPr lang="en-US" b="0" i="1" baseline="0" dirty="0" smtClean="0"/>
+              <a:t>Save</a:t>
+            </a:r>
+            <a:r>
+              <a:rPr lang="en-US" b="0" i="0" baseline="0" dirty="0" smtClean="0"/>
+              <a:t>() method to your Test Helpers</a:t>
+            </a:r>
+            <a:br>
+              <a:rPr lang="en-US" b="0" i="0" baseline="0" dirty="0" smtClean="0"/>
+            </a:br>
+            <a:endParaRPr lang="en-US" b="0" i="0" baseline="0" dirty="0" smtClean="0"/>
+          </a:p>
+          <a:p>
+            <a:pPr marL="171450" marR="0" indent="-171450" algn="l" defTabSz="914400" rtl="0" eaLnBrk="1" fontAlgn="auto" latinLnBrk="0" hangingPunct="1">
+              <a:lnSpc>
+                <a:spcPct val="100000"/>
+              </a:lnSpc>
+              <a:spcBef>
+                <a:spcPts val="0"/>
+              </a:spcBef>
+              <a:spcAft>
+                <a:spcPts val="0"/>
+              </a:spcAft>
+              <a:buClrTx/>
+              <a:buSzTx/>
+              <a:buFont typeface="Arial" panose="020B0604020202020204" pitchFamily="34" charset="0"/>
+              <a:buChar char="•"/>
+              <a:tabLst/>
+              <a:defRPr/>
+            </a:pPr>
+            <a:r>
+              <a:rPr lang="en-US" b="0" i="0" baseline="0" dirty="0" smtClean="0"/>
+              <a:t>Before I show you how that works, I want to mention a few things</a:t>
+            </a:r>
+          </a:p>
+          <a:p>
+            <a:pPr marL="628650" marR="0" lvl="1" indent="-171450" algn="l" defTabSz="914400" rtl="0" eaLnBrk="1" fontAlgn="auto" latinLnBrk="0" hangingPunct="1">
+              <a:lnSpc>
+                <a:spcPct val="100000"/>
+              </a:lnSpc>
+              <a:spcBef>
+                <a:spcPts val="0"/>
+              </a:spcBef>
+              <a:spcAft>
+                <a:spcPts val="0"/>
+              </a:spcAft>
+              <a:buClrTx/>
+              <a:buSzTx/>
+              <a:buFont typeface="Arial" panose="020B0604020202020204" pitchFamily="34" charset="0"/>
+              <a:buChar char="•"/>
+              <a:tabLst/>
+              <a:defRPr/>
+            </a:pPr>
+            <a:r>
+              <a:rPr lang="en-US" b="0" i="0" baseline="0" dirty="0" smtClean="0"/>
+              <a:t>First, this feature assumes you’re using an ORM of some sort. If you’re NOT using an ORM then the concept still applies, but you’ll need to find a different implementation</a:t>
+            </a:r>
+          </a:p>
+          <a:p>
+            <a:pPr marL="628650" marR="0" lvl="1" indent="-171450" algn="l" defTabSz="914400" rtl="0" eaLnBrk="1" fontAlgn="auto" latinLnBrk="0" hangingPunct="1">
+              <a:lnSpc>
+                <a:spcPct val="100000"/>
+              </a:lnSpc>
+              <a:spcBef>
+                <a:spcPts val="0"/>
+              </a:spcBef>
+              <a:spcAft>
+                <a:spcPts val="0"/>
+              </a:spcAft>
+              <a:buClrTx/>
+              <a:buSzTx/>
+              <a:buFont typeface="Arial" panose="020B0604020202020204" pitchFamily="34" charset="0"/>
+              <a:buChar char="•"/>
+              <a:tabLst/>
+              <a:defRPr/>
+            </a:pPr>
+            <a:r>
+              <a:rPr lang="en-US" b="0" i="0" baseline="0" dirty="0" smtClean="0"/>
+              <a:t>Second, these code samples are for </a:t>
+            </a:r>
+            <a:r>
+              <a:rPr lang="en-US" b="0" i="0" baseline="0" dirty="0" err="1" smtClean="0"/>
+              <a:t>Nhibernate</a:t>
+            </a:r>
+            <a:r>
+              <a:rPr lang="en-US" b="0" i="0" baseline="0" dirty="0" smtClean="0"/>
+              <a:t>. You’ll obviously need to modify them to work with Entity Framework or Active Record or whatever you’re using</a:t>
+            </a:r>
+            <a:br>
+              <a:rPr lang="en-US" b="0" i="0" baseline="0" dirty="0" smtClean="0"/>
+            </a:br>
+            <a:endParaRPr lang="en-US" b="0" i="0" baseline="0" dirty="0" smtClean="0"/>
           </a:p>
           <a:p>
             <a:pPr marL="171450" marR="0" lvl="0" indent="-171450" algn="l" defTabSz="914400" rtl="0" eaLnBrk="1" fontAlgn="auto" latinLnBrk="0" hangingPunct="1">
@@ -14427,33 +15154,10 @@
               <a:defRPr/>
             </a:pPr>
             <a:r>
-              <a:rPr lang="en-US" b="0" baseline="0" dirty="0" smtClean="0"/>
-              <a:t>All the other helper methods are static – not worth effort for my team</a:t>
-            </a:r>
-          </a:p>
-          <a:p>
-            <a:pPr marL="171450" lvl="0" indent="-171450">
-              <a:buFont typeface="Arial" panose="020B0604020202020204" pitchFamily="34" charset="0"/>
-              <a:buChar char="•"/>
-            </a:pPr>
+              <a:rPr lang="en-US" b="0" i="0" baseline="0" dirty="0" smtClean="0"/>
+              <a:t>Let’s look at how the Save method is implemented in my helpers</a:t>
+            </a:r>
             <a:endParaRPr lang="en-US" b="0" baseline="0" dirty="0" smtClean="0"/>
-          </a:p>
-          <a:p>
-            <a:pPr marL="628650" lvl="1" indent="-171450">
-              <a:buFont typeface="Arial" panose="020B0604020202020204" pitchFamily="34" charset="0"/>
-              <a:buChar char="•"/>
-            </a:pPr>
-            <a:endParaRPr lang="en-US" b="0" baseline="0" dirty="0" smtClean="0"/>
-          </a:p>
-          <a:p>
-            <a:pPr marL="0" indent="0">
-              <a:buFont typeface="Arial" panose="020B0604020202020204" pitchFamily="34" charset="0"/>
-              <a:buNone/>
-            </a:pPr>
-            <a:r>
-              <a:rPr lang="en-US" b="0" baseline="0" dirty="0" smtClean="0"/>
-              <a:t>	</a:t>
-            </a:r>
           </a:p>
         </p:txBody>
       </p:sp>
@@ -14483,7 +15187,7 @@
     </p:spTree>
     <p:extLst>
       <p:ext uri="{BB962C8B-B14F-4D97-AF65-F5344CB8AC3E}">
-        <p14:creationId xmlns:p14="http://schemas.microsoft.com/office/powerpoint/2010/main" val="1923816218"/>
+        <p14:creationId xmlns:p14="http://schemas.microsoft.com/office/powerpoint/2010/main" val="4163571947"/>
       </p:ext>
     </p:extLst>
   </p:cSld>
@@ -14543,7 +15247,15 @@
             </a:pPr>
             <a:r>
               <a:rPr lang="en-US" b="0" baseline="0" dirty="0" smtClean="0"/>
-              <a:t>Next, note that we delegate to other helpers to save any of our dependent objects</a:t>
+              <a:t>1</a:t>
+            </a:r>
+            <a:r>
+              <a:rPr lang="en-US" b="0" baseline="30000" dirty="0" smtClean="0"/>
+              <a:t>st</a:t>
+            </a:r>
+            <a:r>
+              <a:rPr lang="en-US" b="0" baseline="0" dirty="0" smtClean="0"/>
+              <a:t>, Save() is static &amp; takes ORM interface as an argument. </a:t>
             </a:r>
           </a:p>
           <a:p>
@@ -14554,13 +15266,13 @@
             <a:endParaRPr lang="en-US" b="0" baseline="0" dirty="0" smtClean="0"/>
           </a:p>
           <a:p>
-            <a:pPr marL="628650" lvl="1" indent="-171450">
+            <a:pPr marL="171450" indent="-171450">
               <a:buFont typeface="Arial" panose="020B0604020202020204" pitchFamily="34" charset="0"/>
               <a:buChar char="•"/>
             </a:pPr>
             <a:r>
               <a:rPr lang="en-US" b="0" baseline="0" dirty="0" smtClean="0"/>
-              <a:t>Can’t save an Order unless it refers to a valid customer – save the Customer first</a:t>
+              <a:t>It’s certainly possible to use Dependency Injection</a:t>
             </a:r>
           </a:p>
           <a:p>
@@ -14571,17 +15283,30 @@
             <a:endParaRPr lang="en-US" b="0" baseline="0" dirty="0" smtClean="0"/>
           </a:p>
           <a:p>
-            <a:pPr marL="628650" lvl="1" indent="-171450">
-              <a:buFont typeface="Arial" panose="020B0604020202020204" pitchFamily="34" charset="0"/>
-              <a:buChar char="•"/>
+            <a:pPr marL="171450" marR="0" lvl="0" indent="-171450" algn="l" defTabSz="914400" rtl="0" eaLnBrk="1" fontAlgn="auto" latinLnBrk="0" hangingPunct="1">
+              <a:lnSpc>
+                <a:spcPct val="100000"/>
+              </a:lnSpc>
+              <a:spcBef>
+                <a:spcPts val="0"/>
+              </a:spcBef>
+              <a:spcAft>
+                <a:spcPts val="0"/>
+              </a:spcAft>
+              <a:buClrTx/>
+              <a:buSzTx/>
+              <a:buFont typeface="Arial" panose="020B0604020202020204" pitchFamily="34" charset="0"/>
+              <a:buChar char="•"/>
+              <a:tabLst/>
+              <a:defRPr/>
             </a:pPr>
             <a:r>
               <a:rPr lang="en-US" b="0" baseline="0" dirty="0" smtClean="0"/>
-              <a:t>Remember, each Test Helper deals w/ one object type only</a:t>
-            </a:r>
-          </a:p>
-          <a:p>
-            <a:pPr marL="171450" indent="-171450">
+              <a:t>All the other helper methods are static – not worth effort for my team</a:t>
+            </a:r>
+          </a:p>
+          <a:p>
+            <a:pPr marL="171450" lvl="0" indent="-171450">
               <a:buFont typeface="Arial" panose="020B0604020202020204" pitchFamily="34" charset="0"/>
               <a:buChar char="•"/>
             </a:pPr>
@@ -14632,7 +15357,7 @@
     </p:spTree>
     <p:extLst>
       <p:ext uri="{BB962C8B-B14F-4D97-AF65-F5344CB8AC3E}">
-        <p14:creationId xmlns:p14="http://schemas.microsoft.com/office/powerpoint/2010/main" val="33226849"/>
+        <p14:creationId xmlns:p14="http://schemas.microsoft.com/office/powerpoint/2010/main" val="1923816218"/>
       </p:ext>
     </p:extLst>
   </p:cSld>
@@ -14692,15 +15417,24 @@
             </a:pPr>
             <a:r>
               <a:rPr lang="en-US" b="0" baseline="0" dirty="0" smtClean="0"/>
-              <a:t>Third, Save method is responsible for resetting any Id values that were assigned by the </a:t>
-            </a:r>
-            <a:r>
-              <a:rPr lang="en-US" b="0" baseline="0" dirty="0" err="1" smtClean="0"/>
-              <a:t>IdSequencer</a:t>
-            </a:r>
+              <a:t>Next, note that we delegate to other helpers to save any of our dependent objects</a:t>
+            </a:r>
+          </a:p>
+          <a:p>
+            <a:pPr marL="171450" indent="-171450">
+              <a:buFont typeface="Arial" panose="020B0604020202020204" pitchFamily="34" charset="0"/>
+              <a:buChar char="•"/>
+            </a:pPr>
+            <a:endParaRPr lang="en-US" b="0" baseline="0" dirty="0" smtClean="0"/>
+          </a:p>
+          <a:p>
+            <a:pPr marL="628650" lvl="1" indent="-171450">
+              <a:buFont typeface="Arial" panose="020B0604020202020204" pitchFamily="34" charset="0"/>
+              <a:buChar char="•"/>
+            </a:pPr>
             <a:r>
               <a:rPr lang="en-US" b="0" baseline="0" dirty="0" smtClean="0"/>
-              <a:t> to 0</a:t>
+              <a:t>Can’t save an Order unless it refers to a valid customer – save the Customer first</a:t>
             </a:r>
           </a:p>
           <a:p>
@@ -14711,74 +15445,17 @@
             <a:endParaRPr lang="en-US" b="0" baseline="0" dirty="0" smtClean="0"/>
           </a:p>
           <a:p>
+            <a:pPr marL="628650" lvl="1" indent="-171450">
+              <a:buFont typeface="Arial" panose="020B0604020202020204" pitchFamily="34" charset="0"/>
+              <a:buChar char="•"/>
+            </a:pPr>
+            <a:r>
+              <a:rPr lang="en-US" b="0" baseline="0" dirty="0" smtClean="0"/>
+              <a:t>Remember, each Test Helper deals w/ one object type only</a:t>
+            </a:r>
+          </a:p>
+          <a:p>
             <a:pPr marL="171450" indent="-171450">
-              <a:buFont typeface="Arial" panose="020B0604020202020204" pitchFamily="34" charset="0"/>
-              <a:buChar char="•"/>
-            </a:pPr>
-            <a:r>
-              <a:rPr lang="en-US" b="0" baseline="0" dirty="0" smtClean="0"/>
-              <a:t>We’re using </a:t>
-            </a:r>
-            <a:r>
-              <a:rPr lang="en-US" b="0" baseline="0" dirty="0" err="1" smtClean="0"/>
-              <a:t>Nhibernate</a:t>
-            </a:r>
-            <a:r>
-              <a:rPr lang="en-US" b="0" baseline="0" dirty="0" smtClean="0"/>
-              <a:t> in this example, and if we tell it to save an object that has a non-zero ID, it will issue an update</a:t>
-            </a:r>
-          </a:p>
-          <a:p>
-            <a:pPr marL="171450" indent="-171450">
-              <a:buFont typeface="Arial" panose="020B0604020202020204" pitchFamily="34" charset="0"/>
-              <a:buChar char="•"/>
-            </a:pPr>
-            <a:endParaRPr lang="en-US" b="0" baseline="0" dirty="0" smtClean="0"/>
-          </a:p>
-          <a:p>
-            <a:pPr marL="628650" lvl="1" indent="-171450">
-              <a:buFont typeface="Arial" panose="020B0604020202020204" pitchFamily="34" charset="0"/>
-              <a:buChar char="•"/>
-            </a:pPr>
-            <a:r>
-              <a:rPr lang="en-US" b="0" baseline="0" dirty="0" smtClean="0"/>
-              <a:t>If the object is something new, resetting the Id to zero forces it to do an insert, which is what we want</a:t>
-            </a:r>
-          </a:p>
-          <a:p>
-            <a:pPr marL="628650" lvl="1" indent="-171450">
-              <a:buFont typeface="Arial" panose="020B0604020202020204" pitchFamily="34" charset="0"/>
-              <a:buChar char="•"/>
-            </a:pPr>
-            <a:endParaRPr lang="en-US" b="0" baseline="0" dirty="0" smtClean="0"/>
-          </a:p>
-          <a:p>
-            <a:pPr marL="171450" lvl="0" indent="-171450">
-              <a:buFont typeface="Arial" panose="020B0604020202020204" pitchFamily="34" charset="0"/>
-              <a:buChar char="•"/>
-            </a:pPr>
-            <a:endParaRPr lang="en-US" b="0" baseline="0" dirty="0" smtClean="0"/>
-          </a:p>
-          <a:p>
-            <a:pPr marL="171450" lvl="0" indent="-171450">
-              <a:buFont typeface="Arial" panose="020B0604020202020204" pitchFamily="34" charset="0"/>
-              <a:buChar char="•"/>
-            </a:pPr>
-            <a:r>
-              <a:rPr lang="en-US" b="0" baseline="0" dirty="0" smtClean="0"/>
-              <a:t>Note that we don’t need to reset ALL values that were assigned by the </a:t>
-            </a:r>
-            <a:r>
-              <a:rPr lang="en-US" b="0" baseline="0" dirty="0" err="1" smtClean="0"/>
-              <a:t>IdSequencer</a:t>
-            </a:r>
-            <a:r>
-              <a:rPr lang="en-US" b="0" baseline="0" dirty="0" smtClean="0"/>
-              <a:t>, only entity IDs</a:t>
-            </a:r>
-          </a:p>
-          <a:p>
-            <a:pPr marL="171450" lvl="0" indent="-171450">
               <a:buFont typeface="Arial" panose="020B0604020202020204" pitchFamily="34" charset="0"/>
               <a:buChar char="•"/>
             </a:pPr>
@@ -14829,7 +15506,7 @@
     </p:spTree>
     <p:extLst>
       <p:ext uri="{BB962C8B-B14F-4D97-AF65-F5344CB8AC3E}">
-        <p14:creationId xmlns:p14="http://schemas.microsoft.com/office/powerpoint/2010/main" val="2173015117"/>
+        <p14:creationId xmlns:p14="http://schemas.microsoft.com/office/powerpoint/2010/main" val="33226849"/>
       </p:ext>
     </p:extLst>
   </p:cSld>
@@ -14889,35 +15566,48 @@
             </a:pPr>
             <a:r>
               <a:rPr lang="en-US" b="0" baseline="0" dirty="0" smtClean="0"/>
-              <a:t>Finally, we delegate to the ORM to insert or update the object</a:t>
-            </a:r>
-            <a:br>
+              <a:t>Third, Save method is responsible for resetting any Id values that were assigned by the </a:t>
+            </a:r>
+            <a:r>
+              <a:rPr lang="en-US" b="0" baseline="0" dirty="0" err="1" smtClean="0"/>
+              <a:t>IdSequencer</a:t>
+            </a:r>
+            <a:r>
               <a:rPr lang="en-US" b="0" baseline="0" dirty="0" smtClean="0"/>
-            </a:br>
+              <a:t> to 0</a:t>
+            </a:r>
+          </a:p>
+          <a:p>
+            <a:pPr marL="171450" indent="-171450">
+              <a:buFont typeface="Arial" panose="020B0604020202020204" pitchFamily="34" charset="0"/>
+              <a:buChar char="•"/>
+            </a:pPr>
             <a:endParaRPr lang="en-US" b="0" baseline="0" dirty="0" smtClean="0"/>
           </a:p>
           <a:p>
-            <a:pPr marL="171450" marR="0" indent="-171450" algn="l" defTabSz="914400" rtl="0" eaLnBrk="1" fontAlgn="auto" latinLnBrk="0" hangingPunct="1">
-              <a:lnSpc>
-                <a:spcPct val="100000"/>
-              </a:lnSpc>
-              <a:spcBef>
-                <a:spcPts val="0"/>
-              </a:spcBef>
-              <a:spcAft>
-                <a:spcPts val="0"/>
-              </a:spcAft>
-              <a:buClrTx/>
-              <a:buSzTx/>
-              <a:buFont typeface="Arial" panose="020B0604020202020204" pitchFamily="34" charset="0"/>
-              <a:buChar char="•"/>
-              <a:tabLst/>
-              <a:defRPr/>
+            <a:pPr marL="171450" indent="-171450">
+              <a:buFont typeface="Arial" panose="020B0604020202020204" pitchFamily="34" charset="0"/>
+              <a:buChar char="•"/>
             </a:pPr>
             <a:r>
               <a:rPr lang="en-US" b="0" baseline="0" dirty="0" smtClean="0"/>
-              <a:t>Each helper should know how to save the objects that it creates</a:t>
-            </a:r>
+              <a:t>We’re using </a:t>
+            </a:r>
+            <a:r>
+              <a:rPr lang="en-US" b="0" baseline="0" dirty="0" err="1" smtClean="0"/>
+              <a:t>Nhibernate</a:t>
+            </a:r>
+            <a:r>
+              <a:rPr lang="en-US" b="0" baseline="0" dirty="0" smtClean="0"/>
+              <a:t> in this example, and if we tell it to save an object that has a non-zero ID, it will issue an update</a:t>
+            </a:r>
+          </a:p>
+          <a:p>
+            <a:pPr marL="171450" indent="-171450">
+              <a:buFont typeface="Arial" panose="020B0604020202020204" pitchFamily="34" charset="0"/>
+              <a:buChar char="•"/>
+            </a:pPr>
+            <a:endParaRPr lang="en-US" b="0" baseline="0" dirty="0" smtClean="0"/>
           </a:p>
           <a:p>
             <a:pPr marL="628650" lvl="1" indent="-171450">
@@ -14926,7 +15616,7 @@
             </a:pPr>
             <a:r>
               <a:rPr lang="en-US" b="0" baseline="0" dirty="0" smtClean="0"/>
-              <a:t>The implementation of your Save methods will be driven by your Create methods – </a:t>
+              <a:t>If the object is something new, resetting the Id to zero forces it to do an insert, which is what we want</a:t>
             </a:r>
           </a:p>
           <a:p>
@@ -14934,9 +15624,31 @@
               <a:buFont typeface="Arial" panose="020B0604020202020204" pitchFamily="34" charset="0"/>
               <a:buChar char="•"/>
             </a:pPr>
+            <a:endParaRPr lang="en-US" b="0" baseline="0" dirty="0" smtClean="0"/>
+          </a:p>
+          <a:p>
+            <a:pPr marL="171450" lvl="0" indent="-171450">
+              <a:buFont typeface="Arial" panose="020B0604020202020204" pitchFamily="34" charset="0"/>
+              <a:buChar char="•"/>
+            </a:pPr>
+            <a:endParaRPr lang="en-US" b="0" baseline="0" dirty="0" smtClean="0"/>
+          </a:p>
+          <a:p>
+            <a:pPr marL="171450" lvl="0" indent="-171450">
+              <a:buFont typeface="Arial" panose="020B0604020202020204" pitchFamily="34" charset="0"/>
+              <a:buChar char="•"/>
+            </a:pPr>
             <a:r>
               <a:rPr lang="en-US" b="0" baseline="0" dirty="0" smtClean="0"/>
-              <a:t>Does NOT need to handle any arbitrary object, only those configurations created by the helper</a:t>
+              <a:t>Note that we don’t need to reset ALL values that were assigned by the </a:t>
+            </a:r>
+            <a:r>
+              <a:rPr lang="en-US" b="0" baseline="0" dirty="0" err="1" smtClean="0"/>
+              <a:t>IdSequencer</a:t>
+            </a:r>
+            <a:r>
+              <a:rPr lang="en-US" b="0" baseline="0" dirty="0" smtClean="0"/>
+              <a:t>, only entity IDs</a:t>
             </a:r>
           </a:p>
           <a:p>
@@ -14947,79 +15659,21 @@
             <a:endParaRPr lang="en-US" b="0" baseline="0" dirty="0" smtClean="0"/>
           </a:p>
           <a:p>
-            <a:pPr marL="0" lvl="0" indent="0">
+            <a:pPr marL="628650" lvl="1" indent="-171450">
+              <a:buFont typeface="Arial" panose="020B0604020202020204" pitchFamily="34" charset="0"/>
+              <a:buChar char="•"/>
+            </a:pPr>
+            <a:endParaRPr lang="en-US" b="0" baseline="0" dirty="0" smtClean="0"/>
+          </a:p>
+          <a:p>
+            <a:pPr marL="0" indent="0">
               <a:buFont typeface="Arial" panose="020B0604020202020204" pitchFamily="34" charset="0"/>
               <a:buNone/>
             </a:pPr>
             <a:r>
-              <a:rPr lang="en-US" b="1" baseline="0" dirty="0" smtClean="0"/>
-              <a:t>Transition</a:t>
-            </a:r>
-          </a:p>
-          <a:p>
-            <a:pPr marL="171450" lvl="0" indent="-171450">
-              <a:buFont typeface="Arial" panose="020B0604020202020204" pitchFamily="34" charset="0"/>
-              <a:buChar char="•"/>
-            </a:pPr>
-            <a:endParaRPr lang="en-US" b="0" baseline="0" dirty="0" smtClean="0"/>
-          </a:p>
-          <a:p>
-            <a:pPr marL="171450" indent="-171450">
-              <a:buFont typeface="Arial" panose="020B0604020202020204" pitchFamily="34" charset="0"/>
-              <a:buChar char="•"/>
-            </a:pPr>
-            <a:r>
-              <a:rPr lang="en-US" dirty="0" smtClean="0"/>
-              <a:t>Finally, we need to prevent this test data from lingering around when our test run is over</a:t>
-            </a:r>
-          </a:p>
-          <a:p>
-            <a:pPr marL="171450" indent="-171450">
-              <a:buFont typeface="Arial" panose="020B0604020202020204" pitchFamily="34" charset="0"/>
-              <a:buChar char="•"/>
-            </a:pPr>
-            <a:endParaRPr lang="en-US" dirty="0" smtClean="0"/>
-          </a:p>
-          <a:p>
-            <a:pPr marL="171450" indent="-171450">
-              <a:buFont typeface="Arial" panose="020B0604020202020204" pitchFamily="34" charset="0"/>
-              <a:buChar char="•"/>
-            </a:pPr>
-            <a:r>
-              <a:rPr lang="en-US" dirty="0" smtClean="0"/>
-              <a:t>One possibility is to reset the database to a known state at the start of each test run. This works, but I tend to run my unit tests against the same DB I use for local testing</a:t>
-            </a:r>
-          </a:p>
-          <a:p>
-            <a:pPr marL="628650" lvl="1" indent="-171450">
-              <a:buFont typeface="Arial" panose="020B0604020202020204" pitchFamily="34" charset="0"/>
-              <a:buChar char="•"/>
-            </a:pPr>
-            <a:r>
-              <a:rPr lang="en-US" dirty="0" smtClean="0"/>
-              <a:t>Don’t want data</a:t>
-            </a:r>
-            <a:r>
-              <a:rPr lang="en-US" baseline="0" dirty="0" smtClean="0"/>
-              <a:t> I’ve crafted by hand from being blown away by tests</a:t>
-            </a:r>
-          </a:p>
-          <a:p>
-            <a:pPr marL="628650" lvl="1" indent="-171450">
-              <a:buFont typeface="Arial" panose="020B0604020202020204" pitchFamily="34" charset="0"/>
-              <a:buChar char="•"/>
-            </a:pPr>
-            <a:r>
-              <a:rPr lang="en-US" baseline="0" dirty="0" smtClean="0"/>
-              <a:t>Don’t want to lose any schema changes I’ve made</a:t>
-            </a:r>
-          </a:p>
-          <a:p>
-            <a:pPr marL="171450" lvl="0" indent="-171450">
-              <a:buFont typeface="Arial" panose="020B0604020202020204" pitchFamily="34" charset="0"/>
-              <a:buChar char="•"/>
-            </a:pPr>
-            <a:endParaRPr lang="en-US" b="0" baseline="0" dirty="0" smtClean="0"/>
+              <a:rPr lang="en-US" b="0" baseline="0" dirty="0" smtClean="0"/>
+              <a:t>	</a:t>
+            </a:r>
           </a:p>
         </p:txBody>
       </p:sp>
@@ -15049,7 +15703,7 @@
     </p:spTree>
     <p:extLst>
       <p:ext uri="{BB962C8B-B14F-4D97-AF65-F5344CB8AC3E}">
-        <p14:creationId xmlns:p14="http://schemas.microsoft.com/office/powerpoint/2010/main" val="1858278208"/>
+        <p14:creationId xmlns:p14="http://schemas.microsoft.com/office/powerpoint/2010/main" val="2173015117"/>
       </p:ext>
     </p:extLst>
   </p:cSld>
@@ -15103,42 +15757,122 @@
           <a:bodyPr/>
           <a:lstStyle/>
           <a:p>
-            <a:pPr marL="171450" lvl="0" indent="-171450">
-              <a:buFont typeface="Arial" panose="020B0604020202020204" pitchFamily="34" charset="0"/>
-              <a:buChar char="•"/>
-            </a:pPr>
+            <a:pPr marL="171450" indent="-171450">
+              <a:buFont typeface="Arial" panose="020B0604020202020204" pitchFamily="34" charset="0"/>
+              <a:buChar char="•"/>
+            </a:pPr>
+            <a:r>
+              <a:rPr lang="en-US" b="0" baseline="0" dirty="0" smtClean="0"/>
+              <a:t>Finally, we delegate to the ORM to insert or update the object</a:t>
+            </a:r>
+            <a:br>
+              <a:rPr lang="en-US" b="0" baseline="0" dirty="0" smtClean="0"/>
+            </a:br>
+            <a:endParaRPr lang="en-US" b="0" baseline="0" dirty="0" smtClean="0"/>
+          </a:p>
+          <a:p>
+            <a:pPr marL="171450" marR="0" indent="-171450" algn="l" defTabSz="914400" rtl="0" eaLnBrk="1" fontAlgn="auto" latinLnBrk="0" hangingPunct="1">
+              <a:lnSpc>
+                <a:spcPct val="100000"/>
+              </a:lnSpc>
+              <a:spcBef>
+                <a:spcPts val="0"/>
+              </a:spcBef>
+              <a:spcAft>
+                <a:spcPts val="0"/>
+              </a:spcAft>
+              <a:buClrTx/>
+              <a:buSzTx/>
+              <a:buFont typeface="Arial" panose="020B0604020202020204" pitchFamily="34" charset="0"/>
+              <a:buChar char="•"/>
+              <a:tabLst/>
+              <a:defRPr/>
+            </a:pPr>
+            <a:r>
+              <a:rPr lang="en-US" b="0" baseline="0" dirty="0" smtClean="0"/>
+              <a:t>Each helper should know how to save the objects that it creates</a:t>
+            </a:r>
+          </a:p>
+          <a:p>
+            <a:pPr marL="628650" lvl="1" indent="-171450">
+              <a:buFont typeface="Arial" panose="020B0604020202020204" pitchFamily="34" charset="0"/>
+              <a:buChar char="•"/>
+            </a:pPr>
+            <a:r>
+              <a:rPr lang="en-US" b="0" baseline="0" dirty="0" smtClean="0"/>
+              <a:t>Any shortcuts you take in Create need handled in Save</a:t>
+            </a:r>
+          </a:p>
+          <a:p>
+            <a:pPr marL="628650" lvl="1" indent="-171450">
+              <a:buFont typeface="Arial" panose="020B0604020202020204" pitchFamily="34" charset="0"/>
+              <a:buChar char="•"/>
+            </a:pPr>
+            <a:endParaRPr lang="en-US" b="0" baseline="0" dirty="0" smtClean="0"/>
+          </a:p>
+          <a:p>
+            <a:pPr marL="0" lvl="0" indent="0">
+              <a:buFont typeface="Arial" panose="020B0604020202020204" pitchFamily="34" charset="0"/>
+              <a:buNone/>
+            </a:pPr>
+            <a:r>
+              <a:rPr lang="en-US" b="1" baseline="0" dirty="0" smtClean="0"/>
+              <a:t>Transition: </a:t>
+            </a:r>
+            <a:r>
+              <a:rPr lang="en-US" dirty="0" smtClean="0"/>
+              <a:t>Finally</a:t>
+            </a:r>
+            <a:r>
+              <a:rPr lang="en-US" dirty="0" smtClean="0"/>
+              <a:t>, </a:t>
+            </a:r>
+            <a:r>
+              <a:rPr lang="en-US" dirty="0" smtClean="0"/>
+              <a:t>prevent test </a:t>
+            </a:r>
+            <a:r>
+              <a:rPr lang="en-US" dirty="0" smtClean="0"/>
+              <a:t>data from lingering around when our test run is over</a:t>
+            </a:r>
+          </a:p>
+          <a:p>
+            <a:pPr marL="171450" indent="-171450">
+              <a:buFont typeface="Arial" panose="020B0604020202020204" pitchFamily="34" charset="0"/>
+              <a:buChar char="•"/>
+            </a:pPr>
+            <a:endParaRPr lang="en-US" dirty="0" smtClean="0"/>
+          </a:p>
+          <a:p>
+            <a:pPr marL="171450" indent="-171450">
+              <a:buFont typeface="Arial" panose="020B0604020202020204" pitchFamily="34" charset="0"/>
+              <a:buChar char="•"/>
+            </a:pPr>
+            <a:r>
+              <a:rPr lang="en-US" dirty="0" smtClean="0"/>
+              <a:t>Could reset database </a:t>
+            </a:r>
+            <a:r>
+              <a:rPr lang="en-US" dirty="0" smtClean="0"/>
+              <a:t>to </a:t>
+            </a:r>
+            <a:r>
+              <a:rPr lang="en-US" dirty="0" smtClean="0"/>
+              <a:t>known </a:t>
+            </a:r>
+            <a:r>
+              <a:rPr lang="en-US" dirty="0" smtClean="0"/>
+              <a:t>state </a:t>
+            </a:r>
+            <a:r>
+              <a:rPr lang="en-US" dirty="0" smtClean="0"/>
+              <a:t>– blows away</a:t>
+            </a:r>
             <a:r>
               <a:rPr lang="en-US" baseline="0" dirty="0" smtClean="0"/>
-              <a:t>Another option is to wrap each test run in a database transaction, and then roll back that transaction when the test run is over</a:t>
-            </a:r>
-            <a:br>
-              <a:rPr lang="en-US" baseline="0" dirty="0" smtClean="0"/>
-            </a:br>
-            <a:endParaRPr lang="en-US" baseline="0" dirty="0" smtClean="0"/>
-          </a:p>
-          <a:p>
-            <a:pPr marL="171450" lvl="0" indent="-171450">
-              <a:buFont typeface="Arial" panose="020B0604020202020204" pitchFamily="34" charset="0"/>
-              <a:buChar char="•"/>
-            </a:pPr>
-            <a:r>
-              <a:rPr lang="en-US" baseline="0" dirty="0" smtClean="0"/>
-              <a:t>This is easy to do by adding an attribute to our data tests. The presence of this attribute automatically executes the test inside of a transaction, and then discards the transaction at the end.</a:t>
-            </a:r>
-          </a:p>
-          <a:p>
-            <a:pPr marL="171450" lvl="0" indent="-171450">
-              <a:buFont typeface="Arial" panose="020B0604020202020204" pitchFamily="34" charset="0"/>
-              <a:buChar char="•"/>
-            </a:pPr>
-            <a:endParaRPr lang="en-US" dirty="0" smtClean="0"/>
-          </a:p>
-          <a:p>
-            <a:pPr marL="171450" lvl="0" indent="-171450">
-              <a:buFont typeface="Arial" panose="020B0604020202020204" pitchFamily="34" charset="0"/>
-              <a:buChar char="•"/>
-            </a:pPr>
-            <a:endParaRPr lang="en-US" dirty="0"/>
+              <a:t> local changes</a:t>
+            </a:r>
+            <a:endParaRPr lang="en-US" b="0" baseline="0" dirty="0" smtClean="0"/>
           </a:p>
         </p:txBody>
       </p:sp>
@@ -15168,7 +15902,7 @@
     </p:spTree>
     <p:extLst>
       <p:ext uri="{BB962C8B-B14F-4D97-AF65-F5344CB8AC3E}">
-        <p14:creationId xmlns:p14="http://schemas.microsoft.com/office/powerpoint/2010/main" val="3714522675"/>
+        <p14:creationId xmlns:p14="http://schemas.microsoft.com/office/powerpoint/2010/main" val="1858278208"/>
       </p:ext>
     </p:extLst>
   </p:cSld>
@@ -15222,20 +15956,41 @@
           <a:bodyPr/>
           <a:lstStyle/>
           <a:p>
-            <a:pPr marL="171450" indent="-171450">
-              <a:buFont typeface="Arial" panose="020B0604020202020204" pitchFamily="34" charset="0"/>
-              <a:buChar char="•"/>
-            </a:pPr>
-            <a:r>
-              <a:rPr lang="en-US" b="0" dirty="0" smtClean="0"/>
-              <a:t>Here’s that nasty chunk of setup code I showed at the start</a:t>
-            </a:r>
-            <a:endParaRPr lang="en-US" b="0" baseline="0" dirty="0" smtClean="0"/>
-          </a:p>
-          <a:p>
-            <a:endParaRPr lang="en-US" b="1" dirty="0" smtClean="0"/>
-          </a:p>
-          <a:p>
+            <a:pPr marL="171450" lvl="0" indent="-171450">
+              <a:buFont typeface="Arial" panose="020B0604020202020204" pitchFamily="34" charset="0"/>
+              <a:buChar char="•"/>
+            </a:pPr>
+            <a:r>
+              <a:rPr lang="en-US" baseline="0" dirty="0" smtClean="0"/>
+              <a:t>Another option is to wrap each test run in a database transaction, and then roll back that transaction when the test run is over</a:t>
+            </a:r>
+            <a:br>
+              <a:rPr lang="en-US" baseline="0" dirty="0" smtClean="0"/>
+            </a:br>
+            <a:endParaRPr lang="en-US" baseline="0" dirty="0" smtClean="0"/>
+          </a:p>
+          <a:p>
+            <a:pPr marL="171450" lvl="0" indent="-171450">
+              <a:buFont typeface="Arial" panose="020B0604020202020204" pitchFamily="34" charset="0"/>
+              <a:buChar char="•"/>
+            </a:pPr>
+            <a:r>
+              <a:rPr lang="en-US" baseline="0" dirty="0" smtClean="0"/>
+              <a:t>This is easy to do by adding an attribute to our data tests. The presence of this attribute automatically executes the test inside of a transaction, and then discards the transaction at the end.</a:t>
+            </a:r>
+          </a:p>
+          <a:p>
+            <a:pPr marL="171450" lvl="0" indent="-171450">
+              <a:buFont typeface="Arial" panose="020B0604020202020204" pitchFamily="34" charset="0"/>
+              <a:buChar char="•"/>
+            </a:pPr>
+            <a:endParaRPr lang="en-US" dirty="0" smtClean="0"/>
+          </a:p>
+          <a:p>
+            <a:pPr marL="171450" lvl="0" indent="-171450">
+              <a:buFont typeface="Arial" panose="020B0604020202020204" pitchFamily="34" charset="0"/>
+              <a:buChar char="•"/>
+            </a:pPr>
             <a:endParaRPr lang="en-US" dirty="0"/>
           </a:p>
         </p:txBody>
@@ -15266,7 +16021,7 @@
     </p:spTree>
     <p:extLst>
       <p:ext uri="{BB962C8B-B14F-4D97-AF65-F5344CB8AC3E}">
-        <p14:creationId xmlns:p14="http://schemas.microsoft.com/office/powerpoint/2010/main" val="621233375"/>
+        <p14:creationId xmlns:p14="http://schemas.microsoft.com/office/powerpoint/2010/main" val="3714522675"/>
       </p:ext>
     </p:extLst>
   </p:cSld>
@@ -15320,6 +16075,20 @@
           <a:bodyPr/>
           <a:lstStyle/>
           <a:p>
+            <a:pPr marL="171450" indent="-171450">
+              <a:buFont typeface="Arial" panose="020B0604020202020204" pitchFamily="34" charset="0"/>
+              <a:buChar char="•"/>
+            </a:pPr>
+            <a:r>
+              <a:rPr lang="en-US" b="0" dirty="0" smtClean="0"/>
+              <a:t>Here’s that nasty chunk of setup code I showed at the start</a:t>
+            </a:r>
+            <a:endParaRPr lang="en-US" b="0" baseline="0" dirty="0" smtClean="0"/>
+          </a:p>
+          <a:p>
+            <a:endParaRPr lang="en-US" b="1" dirty="0" smtClean="0"/>
+          </a:p>
+          <a:p>
             <a:endParaRPr lang="en-US" dirty="0"/>
           </a:p>
         </p:txBody>
@@ -15350,7 +16119,7 @@
     </p:spTree>
     <p:extLst>
       <p:ext uri="{BB962C8B-B14F-4D97-AF65-F5344CB8AC3E}">
-        <p14:creationId xmlns:p14="http://schemas.microsoft.com/office/powerpoint/2010/main" val="871096793"/>
+        <p14:creationId xmlns:p14="http://schemas.microsoft.com/office/powerpoint/2010/main" val="621233375"/>
       </p:ext>
     </p:extLst>
   </p:cSld>
@@ -15404,7 +16173,7 @@
           <a:bodyPr/>
           <a:lstStyle/>
           <a:p>
-            <a:endParaRPr lang="en-US" dirty="0" smtClean="0"/>
+            <a:endParaRPr lang="en-US" dirty="0"/>
           </a:p>
         </p:txBody>
       </p:sp>
@@ -15434,7 +16203,7 @@
     </p:spTree>
     <p:extLst>
       <p:ext uri="{BB962C8B-B14F-4D97-AF65-F5344CB8AC3E}">
-        <p14:creationId xmlns:p14="http://schemas.microsoft.com/office/powerpoint/2010/main" val="2885101328"/>
+        <p14:creationId xmlns:p14="http://schemas.microsoft.com/office/powerpoint/2010/main" val="871096793"/>
       </p:ext>
     </p:extLst>
   </p:cSld>
@@ -15576,110 +16345,7 @@
           <a:bodyPr/>
           <a:lstStyle/>
           <a:p>
-            <a:pPr marL="171450" marR="0" indent="-171450" algn="l" defTabSz="914400" rtl="0" eaLnBrk="1" fontAlgn="auto" latinLnBrk="0" hangingPunct="1">
-              <a:lnSpc>
-                <a:spcPct val="100000"/>
-              </a:lnSpc>
-              <a:spcBef>
-                <a:spcPts val="0"/>
-              </a:spcBef>
-              <a:spcAft>
-                <a:spcPts val="0"/>
-              </a:spcAft>
-              <a:buClrTx/>
-              <a:buSzTx/>
-              <a:buFont typeface="Arial" panose="020B0604020202020204" pitchFamily="34" charset="0"/>
-              <a:buChar char="•"/>
-              <a:tabLst/>
-              <a:defRPr/>
-            </a:pPr>
-            <a:r>
-              <a:rPr lang="en-US" b="0" i="0" baseline="0" dirty="0" smtClean="0"/>
-              <a:t>Here’s that same chunk of code, cleaned up and using Helpers</a:t>
-            </a:r>
-          </a:p>
-          <a:p>
-            <a:pPr marL="628650" marR="0" lvl="1" indent="-171450" algn="l" defTabSz="914400" rtl="0" eaLnBrk="1" fontAlgn="auto" latinLnBrk="0" hangingPunct="1">
-              <a:lnSpc>
-                <a:spcPct val="100000"/>
-              </a:lnSpc>
-              <a:spcBef>
-                <a:spcPts val="0"/>
-              </a:spcBef>
-              <a:spcAft>
-                <a:spcPts val="0"/>
-              </a:spcAft>
-              <a:buClrTx/>
-              <a:buSzTx/>
-              <a:buFont typeface="Arial" panose="020B0604020202020204" pitchFamily="34" charset="0"/>
-              <a:buChar char="•"/>
-              <a:tabLst/>
-              <a:defRPr/>
-            </a:pPr>
-            <a:r>
-              <a:rPr lang="en-US" b="0" i="0" baseline="0" dirty="0" smtClean="0"/>
-              <a:t>Determined many objects were irrelevant – pushed into helpers &amp; used defaults</a:t>
-            </a:r>
-          </a:p>
-          <a:p>
-            <a:pPr marL="628650" marR="0" lvl="1" indent="-171450" algn="l" defTabSz="914400" rtl="0" eaLnBrk="1" fontAlgn="auto" latinLnBrk="0" hangingPunct="1">
-              <a:lnSpc>
-                <a:spcPct val="100000"/>
-              </a:lnSpc>
-              <a:spcBef>
-                <a:spcPts val="0"/>
-              </a:spcBef>
-              <a:spcAft>
-                <a:spcPts val="0"/>
-              </a:spcAft>
-              <a:buClrTx/>
-              <a:buSzTx/>
-              <a:buFont typeface="Arial" panose="020B0604020202020204" pitchFamily="34" charset="0"/>
-              <a:buChar char="•"/>
-              <a:tabLst/>
-              <a:defRPr/>
-            </a:pPr>
-            <a:r>
-              <a:rPr lang="en-US" b="0" i="0" baseline="0" dirty="0" smtClean="0"/>
-              <a:t>Still creating a lot of objects, but something that’s manageable</a:t>
-            </a:r>
-          </a:p>
-          <a:p>
-            <a:pPr marL="171450" marR="0" indent="-171450" algn="l" defTabSz="914400" rtl="0" eaLnBrk="1" fontAlgn="auto" latinLnBrk="0" hangingPunct="1">
-              <a:lnSpc>
-                <a:spcPct val="100000"/>
-              </a:lnSpc>
-              <a:spcBef>
-                <a:spcPts val="0"/>
-              </a:spcBef>
-              <a:spcAft>
-                <a:spcPts val="0"/>
-              </a:spcAft>
-              <a:buClrTx/>
-              <a:buSzTx/>
-              <a:buFont typeface="Arial" panose="020B0604020202020204" pitchFamily="34" charset="0"/>
-              <a:buChar char="•"/>
-              <a:tabLst/>
-              <a:defRPr/>
-            </a:pPr>
-            <a:endParaRPr lang="en-US" b="0" i="0" baseline="0" dirty="0" smtClean="0"/>
-          </a:p>
-          <a:p>
-            <a:pPr marL="171450" indent="-171450">
-              <a:buFont typeface="Arial" panose="020B0604020202020204" pitchFamily="34" charset="0"/>
-              <a:buChar char="•"/>
-            </a:pPr>
-            <a:r>
-              <a:rPr lang="en-US" baseline="0" dirty="0" smtClean="0"/>
-              <a:t>Said it before and I’ll say it again; single most important thing you can do to improve your test setup is to build a good helper library.</a:t>
-            </a:r>
-          </a:p>
-          <a:p>
-            <a:pPr marL="171450" indent="-171450">
-              <a:buFont typeface="Arial" panose="020B0604020202020204" pitchFamily="34" charset="0"/>
-              <a:buChar char="•"/>
-            </a:pPr>
-            <a:endParaRPr lang="en-US" baseline="0" dirty="0" smtClean="0"/>
+            <a:endParaRPr lang="en-US" dirty="0" smtClean="0"/>
           </a:p>
         </p:txBody>
       </p:sp>
@@ -15709,7 +16375,7 @@
     </p:spTree>
     <p:extLst>
       <p:ext uri="{BB962C8B-B14F-4D97-AF65-F5344CB8AC3E}">
-        <p14:creationId xmlns:p14="http://schemas.microsoft.com/office/powerpoint/2010/main" val="2408674174"/>
+        <p14:creationId xmlns:p14="http://schemas.microsoft.com/office/powerpoint/2010/main" val="2885101328"/>
       </p:ext>
     </p:extLst>
   </p:cSld>
@@ -15763,58 +16429,110 @@
           <a:bodyPr/>
           <a:lstStyle/>
           <a:p>
-            <a:pPr marL="0" indent="0">
-              <a:buFont typeface="Arial" panose="020B0604020202020204" pitchFamily="34" charset="0"/>
-              <a:buNone/>
-            </a:pPr>
-            <a:r>
-              <a:rPr lang="en-US" dirty="0" smtClean="0"/>
-              <a:t>Let’s recap</a:t>
-            </a:r>
+            <a:pPr marL="171450" marR="0" indent="-171450" algn="l" defTabSz="914400" rtl="0" eaLnBrk="1" fontAlgn="auto" latinLnBrk="0" hangingPunct="1">
+              <a:lnSpc>
+                <a:spcPct val="100000"/>
+              </a:lnSpc>
+              <a:spcBef>
+                <a:spcPts val="0"/>
+              </a:spcBef>
+              <a:spcAft>
+                <a:spcPts val="0"/>
+              </a:spcAft>
+              <a:buClrTx/>
+              <a:buSzTx/>
+              <a:buFont typeface="Arial" panose="020B0604020202020204" pitchFamily="34" charset="0"/>
+              <a:buChar char="•"/>
+              <a:tabLst/>
+              <a:defRPr/>
+            </a:pPr>
+            <a:r>
+              <a:rPr lang="en-US" b="0" i="0" baseline="0" dirty="0" smtClean="0"/>
+              <a:t>Here’s that same chunk of code, cleaned up and using Helpers</a:t>
+            </a:r>
+          </a:p>
+          <a:p>
+            <a:pPr marL="628650" marR="0" lvl="1" indent="-171450" algn="l" defTabSz="914400" rtl="0" eaLnBrk="1" fontAlgn="auto" latinLnBrk="0" hangingPunct="1">
+              <a:lnSpc>
+                <a:spcPct val="100000"/>
+              </a:lnSpc>
+              <a:spcBef>
+                <a:spcPts val="0"/>
+              </a:spcBef>
+              <a:spcAft>
+                <a:spcPts val="0"/>
+              </a:spcAft>
+              <a:buClrTx/>
+              <a:buSzTx/>
+              <a:buFont typeface="Arial" panose="020B0604020202020204" pitchFamily="34" charset="0"/>
+              <a:buChar char="•"/>
+              <a:tabLst/>
+              <a:defRPr/>
+            </a:pPr>
+            <a:r>
+              <a:rPr lang="en-US" b="0" i="0" baseline="0" dirty="0" smtClean="0"/>
+              <a:t>Determined many objects were irrelevant – pushed into helpers &amp; used defaults</a:t>
+            </a:r>
+          </a:p>
+          <a:p>
+            <a:pPr marL="628650" marR="0" lvl="1" indent="-171450" algn="l" defTabSz="914400" rtl="0" eaLnBrk="1" fontAlgn="auto" latinLnBrk="0" hangingPunct="1">
+              <a:lnSpc>
+                <a:spcPct val="100000"/>
+              </a:lnSpc>
+              <a:spcBef>
+                <a:spcPts val="0"/>
+              </a:spcBef>
+              <a:spcAft>
+                <a:spcPts val="0"/>
+              </a:spcAft>
+              <a:buClrTx/>
+              <a:buSzTx/>
+              <a:buFont typeface="Arial" panose="020B0604020202020204" pitchFamily="34" charset="0"/>
+              <a:buChar char="•"/>
+              <a:tabLst/>
+              <a:defRPr/>
+            </a:pPr>
+            <a:r>
+              <a:rPr lang="en-US" b="0" i="0" baseline="0" dirty="0" smtClean="0"/>
+              <a:t>Still creating a lot of objects, but something that’s manageable</a:t>
+            </a:r>
+          </a:p>
+          <a:p>
+            <a:pPr marL="171450" marR="0" indent="-171450" algn="l" defTabSz="914400" rtl="0" eaLnBrk="1" fontAlgn="auto" latinLnBrk="0" hangingPunct="1">
+              <a:lnSpc>
+                <a:spcPct val="100000"/>
+              </a:lnSpc>
+              <a:spcBef>
+                <a:spcPts val="0"/>
+              </a:spcBef>
+              <a:spcAft>
+                <a:spcPts val="0"/>
+              </a:spcAft>
+              <a:buClrTx/>
+              <a:buSzTx/>
+              <a:buFont typeface="Arial" panose="020B0604020202020204" pitchFamily="34" charset="0"/>
+              <a:buChar char="•"/>
+              <a:tabLst/>
+              <a:defRPr/>
+            </a:pPr>
+            <a:endParaRPr lang="en-US" b="0" i="0" baseline="0" dirty="0" smtClean="0"/>
+          </a:p>
+          <a:p>
+            <a:pPr marL="171450" indent="-171450">
+              <a:buFont typeface="Arial" panose="020B0604020202020204" pitchFamily="34" charset="0"/>
+              <a:buChar char="•"/>
+            </a:pPr>
             <a:r>
               <a:rPr lang="en-US" baseline="0" dirty="0" smtClean="0"/>
-              <a:t> and talk about how you’re going to make a difference in your tests.</a:t>
-            </a:r>
-            <a:endParaRPr lang="en-US" dirty="0" smtClean="0"/>
-          </a:p>
-          <a:p>
-            <a:pPr marL="0" indent="0">
-              <a:buFont typeface="Arial" panose="020B0604020202020204" pitchFamily="34" charset="0"/>
-              <a:buNone/>
-            </a:pPr>
-            <a:endParaRPr lang="en-US" dirty="0" smtClean="0"/>
-          </a:p>
-          <a:p>
-            <a:pPr marL="0" indent="0">
-              <a:buFont typeface="Arial" panose="020B0604020202020204" pitchFamily="34" charset="0"/>
-              <a:buNone/>
-            </a:pPr>
-            <a:r>
-              <a:rPr lang="en-US" dirty="0" smtClean="0"/>
-              <a:t>First,</a:t>
-            </a:r>
-            <a:r>
-              <a:rPr lang="en-US" baseline="0" dirty="0" smtClean="0"/>
-              <a:t> remember the principles of good setup code: it’s clean, expressive and resilient.</a:t>
-            </a:r>
-          </a:p>
-          <a:p>
-            <a:pPr marL="0" indent="0">
-              <a:buFont typeface="Arial" panose="020B0604020202020204" pitchFamily="34" charset="0"/>
-              <a:buNone/>
+              <a:t>Said it before and I’ll say it again; single most important thing you can do to improve your test setup is to build a good helper library.</a:t>
+            </a:r>
+          </a:p>
+          <a:p>
+            <a:pPr marL="171450" indent="-171450">
+              <a:buFont typeface="Arial" panose="020B0604020202020204" pitchFamily="34" charset="0"/>
+              <a:buChar char="•"/>
             </a:pPr>
             <a:endParaRPr lang="en-US" baseline="0" dirty="0" smtClean="0"/>
-          </a:p>
-          <a:p>
-            <a:pPr marL="0" indent="0">
-              <a:buFont typeface="Arial" panose="020B0604020202020204" pitchFamily="34" charset="0"/>
-              <a:buNone/>
-            </a:pPr>
-            <a:r>
-              <a:rPr lang="en-US" baseline="0" dirty="0" smtClean="0"/>
-              <a:t>Strive to make your intent as clearly evident as possible. Make it easy for people to understand your test setup, and keep your maintenance costs in check.</a:t>
-            </a:r>
-            <a:endParaRPr lang="en-US" dirty="0" smtClean="0"/>
           </a:p>
         </p:txBody>
       </p:sp>
@@ -15844,7 +16562,7 @@
     </p:spTree>
     <p:extLst>
       <p:ext uri="{BB962C8B-B14F-4D97-AF65-F5344CB8AC3E}">
-        <p14:creationId xmlns:p14="http://schemas.microsoft.com/office/powerpoint/2010/main" val="3391454480"/>
+        <p14:creationId xmlns:p14="http://schemas.microsoft.com/office/powerpoint/2010/main" val="2408674174"/>
       </p:ext>
     </p:extLst>
   </p:cSld>
@@ -15904,59 +16622,51 @@
             </a:pPr>
             <a:r>
               <a:rPr lang="en-US" dirty="0" smtClean="0"/>
-              <a:t>How do we do that? Stop creating data</a:t>
+              <a:t>Let’s recap</a:t>
             </a:r>
             <a:r>
               <a:rPr lang="en-US" baseline="0" dirty="0" smtClean="0"/>
-              <a:t> by hand! Create a library of test helpers to do it for you.</a:t>
-            </a:r>
-          </a:p>
-          <a:p>
-            <a:pPr marL="171450" indent="-171450">
-              <a:buFont typeface="Arial" panose="020B0604020202020204" pitchFamily="34" charset="0"/>
-              <a:buChar char="•"/>
+              <a:t> and talk about how you’re going to make a difference in your tests.</a:t>
+            </a:r>
+            <a:endParaRPr lang="en-US" dirty="0" smtClean="0"/>
+          </a:p>
+          <a:p>
+            <a:pPr marL="0" indent="0">
+              <a:buFont typeface="Arial" panose="020B0604020202020204" pitchFamily="34" charset="0"/>
+              <a:buNone/>
+            </a:pPr>
+            <a:endParaRPr lang="en-US" dirty="0" smtClean="0"/>
+          </a:p>
+          <a:p>
+            <a:pPr marL="0" indent="0">
+              <a:buFont typeface="Arial" panose="020B0604020202020204" pitchFamily="34" charset="0"/>
+              <a:buNone/>
+            </a:pPr>
+            <a:r>
+              <a:rPr lang="en-US" dirty="0" smtClean="0"/>
+              <a:t>First,</a:t>
+            </a:r>
+            <a:r>
+              <a:rPr lang="en-US" baseline="0" dirty="0" smtClean="0"/>
+              <a:t> remember the principles of good setup code: it’s clean, expressive and resilient.</a:t>
+            </a:r>
+          </a:p>
+          <a:p>
+            <a:pPr marL="0" indent="0">
+              <a:buFont typeface="Arial" panose="020B0604020202020204" pitchFamily="34" charset="0"/>
+              <a:buNone/>
             </a:pPr>
             <a:endParaRPr lang="en-US" baseline="0" dirty="0" smtClean="0"/>
           </a:p>
           <a:p>
-            <a:pPr marL="171450" indent="-171450">
-              <a:buFont typeface="Arial" panose="020B0604020202020204" pitchFamily="34" charset="0"/>
-              <a:buChar char="•"/>
+            <a:pPr marL="0" indent="0">
+              <a:buFont typeface="Arial" panose="020B0604020202020204" pitchFamily="34" charset="0"/>
+              <a:buNone/>
             </a:pPr>
             <a:r>
               <a:rPr lang="en-US" baseline="0" dirty="0" smtClean="0"/>
-              <a:t>Also, when you’re creating objects using those helpers, only specify the values that impact the test outcome; use defaults for everything else. </a:t>
-            </a:r>
-          </a:p>
-          <a:p>
-            <a:pPr marL="171450" indent="-171450">
-              <a:buFont typeface="Arial" panose="020B0604020202020204" pitchFamily="34" charset="0"/>
-              <a:buChar char="•"/>
-            </a:pPr>
-            <a:endParaRPr lang="en-US" baseline="0" dirty="0" smtClean="0"/>
-          </a:p>
-          <a:p>
-            <a:pPr marL="171450" indent="-171450">
-              <a:buFont typeface="Arial" panose="020B0604020202020204" pitchFamily="34" charset="0"/>
-              <a:buChar char="•"/>
-            </a:pPr>
-            <a:r>
-              <a:rPr lang="en-US" baseline="0" dirty="0" smtClean="0"/>
-              <a:t>If you use a literal value in your test setup, it should be significant.</a:t>
-            </a:r>
-          </a:p>
-          <a:p>
-            <a:pPr marL="228600" indent="-228600">
-              <a:buFont typeface="Arial" panose="020B0604020202020204" pitchFamily="34" charset="0"/>
-              <a:buAutoNum type="arabicParenR"/>
-            </a:pPr>
-            <a:endParaRPr lang="en-US" baseline="0" dirty="0" smtClean="0"/>
-          </a:p>
-          <a:p>
-            <a:pPr marL="228600" indent="-228600">
-              <a:buFont typeface="Arial" panose="020B0604020202020204" pitchFamily="34" charset="0"/>
-              <a:buAutoNum type="arabicParenR"/>
-            </a:pPr>
+              <a:t>Strive to make your intent as clearly evident as possible. Make it easy for people to understand your test setup, and keep your maintenance costs in check.</a:t>
+            </a:r>
             <a:endParaRPr lang="en-US" dirty="0" smtClean="0"/>
           </a:p>
         </p:txBody>
@@ -15987,7 +16697,7 @@
     </p:spTree>
     <p:extLst>
       <p:ext uri="{BB962C8B-B14F-4D97-AF65-F5344CB8AC3E}">
-        <p14:creationId xmlns:p14="http://schemas.microsoft.com/office/powerpoint/2010/main" val="2735080675"/>
+        <p14:creationId xmlns:p14="http://schemas.microsoft.com/office/powerpoint/2010/main" val="3391454480"/>
       </p:ext>
     </p:extLst>
   </p:cSld>
@@ -16041,31 +16751,51 @@
           <a:bodyPr/>
           <a:lstStyle/>
           <a:p>
+            <a:pPr marL="0" indent="0">
+              <a:buFont typeface="Arial" panose="020B0604020202020204" pitchFamily="34" charset="0"/>
+              <a:buNone/>
+            </a:pPr>
             <a:r>
               <a:rPr lang="en-US" dirty="0" smtClean="0"/>
-              <a:t>Third:</a:t>
+              <a:t>How do we do that? Stop creating data</a:t>
             </a:r>
             <a:r>
               <a:rPr lang="en-US" baseline="0" dirty="0" smtClean="0"/>
-              <a:t> if something is hard to test, or it’s hard to write a test helper for something, then it’s probably too complex.</a:t>
-            </a:r>
-          </a:p>
-          <a:p>
+              <a:t> by hand! Create a library of test helpers to do it for you.</a:t>
+            </a:r>
+          </a:p>
+          <a:p>
+            <a:pPr marL="171450" indent="-171450">
+              <a:buFont typeface="Arial" panose="020B0604020202020204" pitchFamily="34" charset="0"/>
+              <a:buChar char="•"/>
+            </a:pPr>
             <a:endParaRPr lang="en-US" baseline="0" dirty="0" smtClean="0"/>
           </a:p>
           <a:p>
+            <a:pPr marL="171450" indent="-171450">
+              <a:buFont typeface="Arial" panose="020B0604020202020204" pitchFamily="34" charset="0"/>
+              <a:buChar char="•"/>
+            </a:pPr>
             <a:r>
               <a:rPr lang="en-US" baseline="0" dirty="0" smtClean="0"/>
-              <a:t>Don’t spend a lot of effort fighting with the tests or the test helper, simplify your application design instead. </a:t>
-            </a:r>
-          </a:p>
-          <a:p>
+              <a:t>Also, when you’re creating objects using those helpers, only specify the values that impact the test outcome; use defaults for everything else. </a:t>
+            </a:r>
+          </a:p>
+          <a:p>
+            <a:pPr marL="171450" indent="-171450">
+              <a:buFont typeface="Arial" panose="020B0604020202020204" pitchFamily="34" charset="0"/>
+              <a:buChar char="•"/>
+            </a:pPr>
             <a:endParaRPr lang="en-US" baseline="0" dirty="0" smtClean="0"/>
           </a:p>
           <a:p>
+            <a:pPr marL="171450" indent="-171450">
+              <a:buFont typeface="Arial" panose="020B0604020202020204" pitchFamily="34" charset="0"/>
+              <a:buChar char="•"/>
+            </a:pPr>
             <a:r>
               <a:rPr lang="en-US" baseline="0" dirty="0" smtClean="0"/>
-              <a:t>And whatever you do, don’t be “clever” in your setup code! Keep it clean and simple; Remember that today’s clever is tomorrow’s throat punch from a co-worker!</a:t>
+              <a:t>If you use a literal value in your test setup, it should be significant.</a:t>
             </a:r>
           </a:p>
           <a:p>
@@ -16110,7 +16840,7 @@
     </p:spTree>
     <p:extLst>
       <p:ext uri="{BB962C8B-B14F-4D97-AF65-F5344CB8AC3E}">
-        <p14:creationId xmlns:p14="http://schemas.microsoft.com/office/powerpoint/2010/main" val="2739959314"/>
+        <p14:creationId xmlns:p14="http://schemas.microsoft.com/office/powerpoint/2010/main" val="2735080675"/>
       </p:ext>
     </p:extLst>
   </p:cSld>
@@ -16166,105 +16896,44 @@
           <a:p>
             <a:r>
               <a:rPr lang="en-US" dirty="0" smtClean="0"/>
-              <a:t>Finally, I recommend that</a:t>
+              <a:t>Third:</a:t>
             </a:r>
             <a:r>
               <a:rPr lang="en-US" baseline="0" dirty="0" smtClean="0"/>
-              <a:t> you consider these techniques for ALL of your projects.</a:t>
-            </a:r>
-          </a:p>
-          <a:p>
-            <a:endParaRPr lang="en-US" b="1" baseline="0" dirty="0" smtClean="0"/>
-          </a:p>
-          <a:p>
-            <a:r>
-              <a:rPr lang="en-US" b="0" baseline="0" dirty="0" smtClean="0"/>
-              <a:t>Small and simple</a:t>
-            </a:r>
-          </a:p>
-          <a:p>
-            <a:pPr marL="171450" indent="-171450">
-              <a:buFont typeface="Arial" panose="020B0604020202020204" pitchFamily="34" charset="0"/>
-              <a:buChar char="•"/>
-            </a:pPr>
-            <a:r>
-              <a:rPr lang="en-US" b="0" baseline="0" dirty="0" smtClean="0"/>
-              <a:t>May not have the problems these techniques are designed to address</a:t>
-            </a:r>
-          </a:p>
-          <a:p>
-            <a:pPr marL="171450" indent="-171450">
-              <a:buFont typeface="Arial" panose="020B0604020202020204" pitchFamily="34" charset="0"/>
-              <a:buChar char="•"/>
-            </a:pPr>
-            <a:r>
-              <a:rPr lang="en-US" b="0" baseline="0" dirty="0" smtClean="0"/>
-              <a:t>Software rarely stays small and simple over time</a:t>
-            </a:r>
-          </a:p>
-          <a:p>
-            <a:pPr marL="171450" indent="-171450">
-              <a:buFont typeface="Arial" panose="020B0604020202020204" pitchFamily="34" charset="0"/>
-              <a:buChar char="•"/>
-            </a:pPr>
-            <a:r>
-              <a:rPr lang="en-US" b="0" baseline="0" dirty="0" smtClean="0"/>
-              <a:t>The cheapest time to introduce these patterns is when things are small and simple; dividends over time</a:t>
-            </a:r>
-          </a:p>
-          <a:p>
-            <a:pPr marL="171450" indent="-171450">
-              <a:buFont typeface="Arial" panose="020B0604020202020204" pitchFamily="34" charset="0"/>
-              <a:buChar char="•"/>
-            </a:pPr>
-            <a:endParaRPr lang="en-US" b="0" baseline="0" dirty="0" smtClean="0"/>
-          </a:p>
-          <a:p>
-            <a:pPr marL="0" indent="0">
-              <a:buFont typeface="Arial" panose="020B0604020202020204" pitchFamily="34" charset="0"/>
-              <a:buNone/>
-            </a:pPr>
-            <a:r>
-              <a:rPr lang="en-US" b="0" baseline="0" dirty="0" smtClean="0"/>
-              <a:t>Adding these helpers to a large existing project is more painful.</a:t>
-            </a:r>
-          </a:p>
-          <a:p>
-            <a:pPr marL="171450" indent="-171450">
-              <a:buFont typeface="Arial" panose="020B0604020202020204" pitchFamily="34" charset="0"/>
-              <a:buChar char="•"/>
-            </a:pPr>
-            <a:r>
-              <a:rPr lang="en-US" b="0" baseline="0" dirty="0" smtClean="0"/>
-              <a:t>I’ve been there, done that, and it is absolutely worth the effort.</a:t>
-            </a:r>
-          </a:p>
-          <a:p>
-            <a:pPr marL="171450" indent="-171450">
-              <a:buFont typeface="Arial" panose="020B0604020202020204" pitchFamily="34" charset="0"/>
-              <a:buChar char="•"/>
-            </a:pPr>
-            <a:r>
-              <a:rPr lang="en-US" b="0" baseline="0" dirty="0" smtClean="0"/>
-              <a:t>The sooner that you introduce these patterns, the sooner they will start giving benefits</a:t>
-            </a:r>
-          </a:p>
-          <a:p>
-            <a:pPr marL="171450" indent="-171450">
-              <a:buFont typeface="Arial" panose="020B0604020202020204" pitchFamily="34" charset="0"/>
-              <a:buChar char="•"/>
-            </a:pPr>
-            <a:r>
-              <a:rPr lang="en-US" b="0" baseline="0" dirty="0" smtClean="0"/>
-              <a:t>It may take a little while until you start picking up momentum from them, but you WILL get there if you stay the course</a:t>
-            </a:r>
-          </a:p>
-          <a:p>
-            <a:pPr marL="171450" indent="-171450">
-              <a:buFont typeface="Arial" panose="020B0604020202020204" pitchFamily="34" charset="0"/>
-              <a:buChar char="•"/>
-            </a:pPr>
-            <a:endParaRPr lang="en-US" b="0" baseline="0" dirty="0" smtClean="0"/>
+              <a:t> if something is hard to test, or it’s hard to write a test helper for something, then it’s probably too complex.</a:t>
+            </a:r>
+          </a:p>
+          <a:p>
+            <a:endParaRPr lang="en-US" baseline="0" dirty="0" smtClean="0"/>
+          </a:p>
+          <a:p>
+            <a:r>
+              <a:rPr lang="en-US" baseline="0" dirty="0" smtClean="0"/>
+              <a:t>Don’t spend a lot of effort fighting with the tests or the test helper, simplify your application design instead. </a:t>
+            </a:r>
+          </a:p>
+          <a:p>
+            <a:endParaRPr lang="en-US" baseline="0" dirty="0" smtClean="0"/>
+          </a:p>
+          <a:p>
+            <a:r>
+              <a:rPr lang="en-US" baseline="0" dirty="0" smtClean="0"/>
+              <a:t>And whatever you do, don’t be “clever” in your setup code! Keep it clean and simple; Remember that today’s clever is tomorrow’s throat punch from a co-worker!</a:t>
+            </a:r>
+          </a:p>
+          <a:p>
+            <a:pPr marL="228600" indent="-228600">
+              <a:buFont typeface="Arial" panose="020B0604020202020204" pitchFamily="34" charset="0"/>
+              <a:buAutoNum type="arabicParenR"/>
+            </a:pPr>
+            <a:endParaRPr lang="en-US" baseline="0" dirty="0" smtClean="0"/>
+          </a:p>
+          <a:p>
+            <a:pPr marL="228600" indent="-228600">
+              <a:buFont typeface="Arial" panose="020B0604020202020204" pitchFamily="34" charset="0"/>
+              <a:buAutoNum type="arabicParenR"/>
+            </a:pPr>
+            <a:endParaRPr lang="en-US" dirty="0" smtClean="0"/>
           </a:p>
         </p:txBody>
       </p:sp>
@@ -16294,7 +16963,7 @@
     </p:spTree>
     <p:extLst>
       <p:ext uri="{BB962C8B-B14F-4D97-AF65-F5344CB8AC3E}">
-        <p14:creationId xmlns:p14="http://schemas.microsoft.com/office/powerpoint/2010/main" val="1932069605"/>
+        <p14:creationId xmlns:p14="http://schemas.microsoft.com/office/powerpoint/2010/main" val="2739959314"/>
       </p:ext>
     </p:extLst>
   </p:cSld>
@@ -16348,86 +17017,107 @@
           <a:bodyPr/>
           <a:lstStyle/>
           <a:p>
+            <a:r>
+              <a:rPr lang="en-US" dirty="0" smtClean="0"/>
+              <a:t>Finally, I recommend that</a:t>
+            </a:r>
+            <a:r>
+              <a:rPr lang="en-US" baseline="0" dirty="0" smtClean="0"/>
+              <a:t> you consider these techniques for ALL of your projects.</a:t>
+            </a:r>
+          </a:p>
+          <a:p>
+            <a:endParaRPr lang="en-US" b="1" baseline="0" dirty="0" smtClean="0"/>
+          </a:p>
+          <a:p>
+            <a:r>
+              <a:rPr lang="en-US" b="0" baseline="0" dirty="0" smtClean="0"/>
+              <a:t>Small and simple</a:t>
+            </a:r>
+          </a:p>
+          <a:p>
+            <a:pPr marL="171450" indent="-171450">
+              <a:buFont typeface="Arial" panose="020B0604020202020204" pitchFamily="34" charset="0"/>
+              <a:buChar char="•"/>
+            </a:pPr>
+            <a:r>
+              <a:rPr lang="en-US" b="0" baseline="0" dirty="0" smtClean="0"/>
+              <a:t>May not have the problems these techniques are designed to address</a:t>
+            </a:r>
+          </a:p>
+          <a:p>
+            <a:pPr marL="171450" indent="-171450">
+              <a:buFont typeface="Arial" panose="020B0604020202020204" pitchFamily="34" charset="0"/>
+              <a:buChar char="•"/>
+            </a:pPr>
+            <a:r>
+              <a:rPr lang="en-US" b="0" baseline="0" dirty="0" smtClean="0"/>
+              <a:t>Software rarely stays small and simple over time</a:t>
+            </a:r>
+          </a:p>
+          <a:p>
+            <a:pPr marL="171450" indent="-171450">
+              <a:buFont typeface="Arial" panose="020B0604020202020204" pitchFamily="34" charset="0"/>
+              <a:buChar char="•"/>
+            </a:pPr>
+            <a:r>
+              <a:rPr lang="en-US" b="0" baseline="0" dirty="0" smtClean="0"/>
+              <a:t>The cheapest time to introduce these patterns is when things are small and simple; dividends over time</a:t>
+            </a:r>
+          </a:p>
+          <a:p>
+            <a:pPr marL="171450" indent="-171450">
+              <a:buFont typeface="Arial" panose="020B0604020202020204" pitchFamily="34" charset="0"/>
+              <a:buChar char="•"/>
+            </a:pPr>
+            <a:endParaRPr lang="en-US" b="0" baseline="0" dirty="0" smtClean="0"/>
+          </a:p>
+          <a:p>
             <a:pPr marL="0" indent="0">
               <a:buFont typeface="Arial" panose="020B0604020202020204" pitchFamily="34" charset="0"/>
               <a:buNone/>
             </a:pPr>
-            <a:endParaRPr lang="en-US" baseline="0" dirty="0" smtClean="0"/>
-          </a:p>
-          <a:p>
-            <a:pPr marL="0" marR="0" indent="0" algn="l" defTabSz="914400" rtl="0" eaLnBrk="1" fontAlgn="auto" latinLnBrk="0" hangingPunct="1">
-              <a:lnSpc>
-                <a:spcPct val="100000"/>
-              </a:lnSpc>
-              <a:spcBef>
-                <a:spcPts val="0"/>
-              </a:spcBef>
-              <a:spcAft>
-                <a:spcPts val="0"/>
-              </a:spcAft>
-              <a:buClrTx/>
-              <a:buSzTx/>
-              <a:buFont typeface="Arial" panose="020B0604020202020204" pitchFamily="34" charset="0"/>
-              <a:buNone/>
-              <a:tabLst/>
-              <a:defRPr/>
-            </a:pPr>
-            <a:r>
-              <a:rPr lang="en-US" baseline="0" dirty="0" smtClean="0"/>
-              <a:t>About an hour ago I made the assertion that your tests suck. I said that they suck up your time, energy and money and leave you frustrated. I promised to lead you out of that place of darkness and into the land of milk, honey and unicorns where testing is fun and tests are easy to write, easy to read, and easy to maintain.</a:t>
-            </a:r>
-          </a:p>
-          <a:p>
-            <a:pPr marL="0" indent="0">
-              <a:buFont typeface="Arial" panose="020B0604020202020204" pitchFamily="34" charset="0"/>
-              <a:buNone/>
-            </a:pPr>
-            <a:endParaRPr lang="en-US" baseline="0" dirty="0" smtClean="0"/>
-          </a:p>
-          <a:p>
-            <a:pPr marL="0" indent="0">
-              <a:buFont typeface="Arial" panose="020B0604020202020204" pitchFamily="34" charset="0"/>
-              <a:buNone/>
-            </a:pPr>
-            <a:r>
-              <a:rPr lang="en-US" baseline="0" dirty="0" smtClean="0"/>
-              <a:t>My new assertion is that your tests aren’t going to suck any longer. I’ve shown you the things to stop doing and the things to do instead. I have given you benefits of over six years of testing complex systems. I have given you everything that you need to keep this assertion green.</a:t>
-            </a:r>
-          </a:p>
-          <a:p>
-            <a:pPr marL="0" indent="0">
-              <a:buFont typeface="Arial" panose="020B0604020202020204" pitchFamily="34" charset="0"/>
-              <a:buNone/>
-            </a:pPr>
-            <a:endParaRPr lang="en-US" baseline="0" dirty="0" smtClean="0"/>
-          </a:p>
-          <a:p>
-            <a:pPr marL="0" indent="0">
-              <a:buFont typeface="Arial" panose="020B0604020202020204" pitchFamily="34" charset="0"/>
-              <a:buNone/>
-            </a:pPr>
-            <a:r>
-              <a:rPr lang="en-US" baseline="0" dirty="0" smtClean="0"/>
-              <a:t>I have brought you to the threshold of the promised land. Whether you take up residence here, or whether you go back to that land of frustration and darkness and confusion, is up to you. Choose wisely.</a:t>
-            </a:r>
-          </a:p>
-          <a:p>
-            <a:pPr marL="0" indent="0">
-              <a:buFont typeface="Arial" panose="020B0604020202020204" pitchFamily="34" charset="0"/>
-              <a:buNone/>
-            </a:pPr>
-            <a:endParaRPr lang="en-US" baseline="0" dirty="0" smtClean="0"/>
-          </a:p>
-          <a:p>
-            <a:pPr marL="0" indent="0">
-              <a:buFont typeface="Arial" panose="020B0604020202020204" pitchFamily="34" charset="0"/>
-              <a:buNone/>
-            </a:pPr>
-            <a:r>
-              <a:rPr lang="en-US" baseline="0" dirty="0" smtClean="0"/>
-              <a:t>THANK YOU!</a:t>
-            </a:r>
-            <a:endParaRPr lang="en-US" dirty="0" smtClean="0"/>
+            <a:r>
+              <a:rPr lang="en-US" b="0" baseline="0" dirty="0" smtClean="0"/>
+              <a:t>Adding these helpers to a large existing project is more painful.</a:t>
+            </a:r>
+          </a:p>
+          <a:p>
+            <a:pPr marL="171450" indent="-171450">
+              <a:buFont typeface="Arial" panose="020B0604020202020204" pitchFamily="34" charset="0"/>
+              <a:buChar char="•"/>
+            </a:pPr>
+            <a:r>
+              <a:rPr lang="en-US" b="0" baseline="0" dirty="0" smtClean="0"/>
+              <a:t>I’ve been there, done that, and it is absolutely worth the effort.</a:t>
+            </a:r>
+          </a:p>
+          <a:p>
+            <a:pPr marL="171450" indent="-171450">
+              <a:buFont typeface="Arial" panose="020B0604020202020204" pitchFamily="34" charset="0"/>
+              <a:buChar char="•"/>
+            </a:pPr>
+            <a:r>
+              <a:rPr lang="en-US" b="0" baseline="0" dirty="0" smtClean="0"/>
+              <a:t>The sooner that you introduce these patterns, the sooner they will start giving benefits</a:t>
+            </a:r>
+          </a:p>
+          <a:p>
+            <a:pPr marL="171450" indent="-171450">
+              <a:buFont typeface="Arial" panose="020B0604020202020204" pitchFamily="34" charset="0"/>
+              <a:buChar char="•"/>
+            </a:pPr>
+            <a:r>
+              <a:rPr lang="en-US" b="0" baseline="0" dirty="0" smtClean="0"/>
+              <a:t>It may take a little while until you start picking up momentum from them, but you WILL get there if you stay the course</a:t>
+            </a:r>
+          </a:p>
+          <a:p>
+            <a:pPr marL="171450" indent="-171450">
+              <a:buFont typeface="Arial" panose="020B0604020202020204" pitchFamily="34" charset="0"/>
+              <a:buChar char="•"/>
+            </a:pPr>
+            <a:endParaRPr lang="en-US" b="0" baseline="0" dirty="0" smtClean="0"/>
           </a:p>
         </p:txBody>
       </p:sp>
@@ -16457,7 +17147,7 @@
     </p:spTree>
     <p:extLst>
       <p:ext uri="{BB962C8B-B14F-4D97-AF65-F5344CB8AC3E}">
-        <p14:creationId xmlns:p14="http://schemas.microsoft.com/office/powerpoint/2010/main" val="280162745"/>
+        <p14:creationId xmlns:p14="http://schemas.microsoft.com/office/powerpoint/2010/main" val="1932069605"/>
       </p:ext>
     </p:extLst>
   </p:cSld>
@@ -16511,24 +17201,188 @@
           <a:bodyPr/>
           <a:lstStyle/>
           <a:p>
+            <a:pPr marL="0" indent="0">
+              <a:buFont typeface="Arial" panose="020B0604020202020204" pitchFamily="34" charset="0"/>
+              <a:buNone/>
+            </a:pPr>
+            <a:endParaRPr lang="en-US" baseline="0" dirty="0" smtClean="0"/>
+          </a:p>
+          <a:p>
+            <a:pPr marL="0" marR="0" indent="0" algn="l" defTabSz="914400" rtl="0" eaLnBrk="1" fontAlgn="auto" latinLnBrk="0" hangingPunct="1">
+              <a:lnSpc>
+                <a:spcPct val="100000"/>
+              </a:lnSpc>
+              <a:spcBef>
+                <a:spcPts val="0"/>
+              </a:spcBef>
+              <a:spcAft>
+                <a:spcPts val="0"/>
+              </a:spcAft>
+              <a:buClrTx/>
+              <a:buSzTx/>
+              <a:buFont typeface="Arial" panose="020B0604020202020204" pitchFamily="34" charset="0"/>
+              <a:buNone/>
+              <a:tabLst/>
+              <a:defRPr/>
+            </a:pPr>
             <a:r>
               <a:rPr lang="en-US" baseline="0" dirty="0" smtClean="0"/>
-              <a:t>You can find these slides on my GitHub account, and if you have any questions or other feedback you can reach me on Twitter or email. </a:t>
-            </a:r>
-          </a:p>
-          <a:p>
-            <a:endParaRPr lang="en-US" b="0" baseline="0" dirty="0" smtClean="0"/>
+              <a:t>About an hour ago I made </a:t>
+            </a:r>
+            <a:r>
+              <a:rPr lang="en-US" baseline="0" dirty="0" smtClean="0"/>
+              <a:t>assertion </a:t>
+            </a:r>
+            <a:r>
+              <a:rPr lang="en-US" baseline="0" dirty="0" smtClean="0"/>
+              <a:t>that your tests suck. </a:t>
+            </a:r>
+            <a:r>
+              <a:rPr lang="en-US" baseline="0" dirty="0" smtClean="0"/>
+              <a:t>Suck up TIME, ENERGY and MONEY and leave </a:t>
+            </a:r>
+            <a:r>
+              <a:rPr lang="en-US" baseline="0" dirty="0" smtClean="0"/>
+              <a:t>you </a:t>
+            </a:r>
+            <a:r>
+              <a:rPr lang="en-US" baseline="0" dirty="0" smtClean="0"/>
+              <a:t>FRUSTRATED. </a:t>
+            </a:r>
+            <a:r>
+              <a:rPr lang="en-US" baseline="0" dirty="0" smtClean="0"/>
+              <a:t>I promised to lead you </a:t>
+            </a:r>
+            <a:r>
+              <a:rPr lang="en-US" baseline="0" dirty="0" smtClean="0"/>
+              <a:t>OUT OF DARKNESS and </a:t>
+            </a:r>
+            <a:r>
+              <a:rPr lang="en-US" baseline="0" dirty="0" smtClean="0"/>
+              <a:t>into the land of milk, honey and </a:t>
+            </a:r>
+            <a:r>
+              <a:rPr lang="en-US" baseline="0" dirty="0" smtClean="0"/>
+              <a:t>unicorns…</a:t>
+            </a:r>
+            <a:endParaRPr lang="en-US" baseline="0" dirty="0" smtClean="0"/>
           </a:p>
           <a:p>
             <a:pPr marL="0" indent="0">
               <a:buFont typeface="Arial" panose="020B0604020202020204" pitchFamily="34" charset="0"/>
               <a:buNone/>
             </a:pPr>
-            <a:r>
-              <a:rPr lang="en-US" b="0" baseline="0" dirty="0" smtClean="0"/>
+            <a:endParaRPr lang="en-US" baseline="0" dirty="0" smtClean="0"/>
+          </a:p>
+          <a:p>
+            <a:pPr marL="0" indent="0">
+              <a:buFont typeface="Arial" panose="020B0604020202020204" pitchFamily="34" charset="0"/>
+              <a:buNone/>
+            </a:pPr>
+            <a:r>
+              <a:rPr lang="en-US" baseline="0" dirty="0" smtClean="0"/>
+              <a:t>New </a:t>
+            </a:r>
+            <a:r>
+              <a:rPr lang="en-US" baseline="0" dirty="0" smtClean="0"/>
+              <a:t>assertion is </a:t>
+            </a:r>
+            <a:r>
+              <a:rPr lang="en-US" baseline="0" dirty="0" smtClean="0"/>
+              <a:t>your </a:t>
+            </a:r>
+            <a:r>
+              <a:rPr lang="en-US" baseline="0" dirty="0" smtClean="0"/>
+              <a:t>tests aren’t going to suck any longer. </a:t>
+            </a:r>
+            <a:endParaRPr lang="en-US" baseline="0" dirty="0" smtClean="0"/>
+          </a:p>
+          <a:p>
+            <a:pPr marL="171450" indent="-171450">
+              <a:buFont typeface="Arial" panose="020B0604020202020204" pitchFamily="34" charset="0"/>
+              <a:buChar char="•"/>
+            </a:pPr>
+            <a:r>
+              <a:rPr lang="en-US" baseline="0" dirty="0" smtClean="0"/>
+              <a:t>Shown you what to stop doing</a:t>
+            </a:r>
+          </a:p>
+          <a:p>
+            <a:pPr marL="171450" indent="-171450">
+              <a:buFont typeface="Arial" panose="020B0604020202020204" pitchFamily="34" charset="0"/>
+              <a:buChar char="•"/>
+            </a:pPr>
+            <a:r>
+              <a:rPr lang="en-US" baseline="0" dirty="0" smtClean="0"/>
+              <a:t>Shown you what to do instead</a:t>
+            </a:r>
+          </a:p>
+          <a:p>
+            <a:pPr marL="171450" indent="-171450">
+              <a:buFont typeface="Arial" panose="020B0604020202020204" pitchFamily="34" charset="0"/>
+              <a:buChar char="•"/>
+            </a:pPr>
+            <a:r>
+              <a:rPr lang="en-US" baseline="0" dirty="0" smtClean="0"/>
+              <a:t>Given you benefits of 6 years of testing complex systems</a:t>
+            </a:r>
+          </a:p>
+          <a:p>
+            <a:pPr marL="171450" indent="-171450">
+              <a:buFont typeface="Arial" panose="020B0604020202020204" pitchFamily="34" charset="0"/>
+              <a:buChar char="•"/>
+            </a:pPr>
+            <a:r>
+              <a:rPr lang="en-US" baseline="0" dirty="0" smtClean="0"/>
+              <a:t>Given everything to </a:t>
+            </a:r>
+            <a:r>
+              <a:rPr lang="en-US" baseline="0" dirty="0" smtClean="0"/>
+              <a:t>keep </a:t>
+            </a:r>
+            <a:r>
+              <a:rPr lang="en-US" baseline="0" dirty="0" smtClean="0"/>
+              <a:t>assertion </a:t>
+            </a:r>
+            <a:r>
+              <a:rPr lang="en-US" baseline="0" dirty="0" smtClean="0"/>
+              <a:t>green.</a:t>
+            </a:r>
+          </a:p>
+          <a:p>
+            <a:pPr marL="0" indent="0">
+              <a:buFont typeface="Arial" panose="020B0604020202020204" pitchFamily="34" charset="0"/>
+              <a:buNone/>
+            </a:pPr>
+            <a:endParaRPr lang="en-US" baseline="0" dirty="0" smtClean="0"/>
+          </a:p>
+          <a:p>
+            <a:pPr marL="0" indent="0">
+              <a:buFont typeface="Arial" panose="020B0604020202020204" pitchFamily="34" charset="0"/>
+              <a:buNone/>
+            </a:pPr>
+            <a:r>
+              <a:rPr lang="en-US" baseline="0" dirty="0" smtClean="0"/>
+              <a:t>I have brought you to the threshold of the promised land. Whether you take up residence here, or whether you go back to that land of frustration and darkness and confusion, is up to you. Choose wisely.</a:t>
+            </a:r>
+          </a:p>
+          <a:p>
+            <a:pPr marL="0" indent="0">
+              <a:buFont typeface="Arial" panose="020B0604020202020204" pitchFamily="34" charset="0"/>
+              <a:buNone/>
+            </a:pPr>
+            <a:endParaRPr lang="en-US" baseline="0" dirty="0" smtClean="0"/>
+          </a:p>
+          <a:p>
+            <a:pPr marL="0" indent="0">
+              <a:buFont typeface="Arial" panose="020B0604020202020204" pitchFamily="34" charset="0"/>
+              <a:buNone/>
+            </a:pPr>
+            <a:r>
+              <a:rPr lang="en-US" baseline="0" dirty="0" smtClean="0"/>
               <a:t>THANK YOU!</a:t>
             </a:r>
-            <a:endParaRPr lang="en-US" b="1" baseline="0" dirty="0" smtClean="0"/>
+            <a:endParaRPr lang="en-US" dirty="0" smtClean="0"/>
           </a:p>
         </p:txBody>
       </p:sp>
@@ -16550,6 +17404,107 @@
             <a:fld id="{89029652-62E7-43D6-83B5-097D7B7AA5D8}" type="slidenum">
               <a:rPr lang="en-US" smtClean="0"/>
               <a:t>96</a:t>
+            </a:fld>
+            <a:endParaRPr lang="en-US"/>
+          </a:p>
+        </p:txBody>
+      </p:sp>
+    </p:spTree>
+    <p:extLst>
+      <p:ext uri="{BB962C8B-B14F-4D97-AF65-F5344CB8AC3E}">
+        <p14:creationId xmlns:p14="http://schemas.microsoft.com/office/powerpoint/2010/main" val="280162745"/>
+      </p:ext>
+    </p:extLst>
+  </p:cSld>
+  <p:clrMapOvr>
+    <a:masterClrMapping/>
+  </p:clrMapOvr>
+</p:notes>
+</file>
+
+<file path=ppt/notesSlides/notesSlide97.xml><?xml version="1.0" encoding="utf-8"?>
+<p:notes xmlns:a="http://schemas.openxmlformats.org/drawingml/2006/main" xmlns:r="http://schemas.openxmlformats.org/officeDocument/2006/relationships" xmlns:p="http://schemas.openxmlformats.org/presentationml/2006/main">
+  <p:cSld>
+    <p:spTree>
+      <p:nvGrpSpPr>
+        <p:cNvPr id="1" name=""/>
+        <p:cNvGrpSpPr/>
+        <p:nvPr/>
+      </p:nvGrpSpPr>
+      <p:grpSpPr>
+        <a:xfrm>
+          <a:off x="0" y="0"/>
+          <a:ext cx="0" cy="0"/>
+          <a:chOff x="0" y="0"/>
+          <a:chExt cx="0" cy="0"/>
+        </a:xfrm>
+      </p:grpSpPr>
+      <p:sp>
+        <p:nvSpPr>
+          <p:cNvPr id="2" name="Slide Image Placeholder 1"/>
+          <p:cNvSpPr>
+            <a:spLocks noGrp="1" noRot="1" noChangeAspect="1"/>
+          </p:cNvSpPr>
+          <p:nvPr>
+            <p:ph type="sldImg"/>
+          </p:nvPr>
+        </p:nvSpPr>
+        <p:spPr/>
+      </p:sp>
+      <p:sp>
+        <p:nvSpPr>
+          <p:cNvPr id="3" name="Notes Placeholder 2"/>
+          <p:cNvSpPr>
+            <a:spLocks noGrp="1"/>
+          </p:cNvSpPr>
+          <p:nvPr>
+            <p:ph type="body" idx="1"/>
+          </p:nvPr>
+        </p:nvSpPr>
+        <p:spPr/>
+        <p:txBody>
+          <a:bodyPr/>
+          <a:lstStyle/>
+          <a:p>
+            <a:r>
+              <a:rPr lang="en-US" baseline="0" dirty="0" smtClean="0"/>
+              <a:t>You can find these slides on my GitHub account, and if you have any questions or other feedback you can reach me on Twitter or email. </a:t>
+            </a:r>
+          </a:p>
+          <a:p>
+            <a:endParaRPr lang="en-US" b="0" baseline="0" dirty="0" smtClean="0"/>
+          </a:p>
+          <a:p>
+            <a:pPr marL="0" indent="0">
+              <a:buFont typeface="Arial" panose="020B0604020202020204" pitchFamily="34" charset="0"/>
+              <a:buNone/>
+            </a:pPr>
+            <a:r>
+              <a:rPr lang="en-US" b="0" baseline="0" dirty="0" smtClean="0"/>
+              <a:t>THANK YOU!</a:t>
+            </a:r>
+            <a:endParaRPr lang="en-US" b="1" baseline="0" dirty="0" smtClean="0"/>
+          </a:p>
+        </p:txBody>
+      </p:sp>
+      <p:sp>
+        <p:nvSpPr>
+          <p:cNvPr id="4" name="Slide Number Placeholder 3"/>
+          <p:cNvSpPr>
+            <a:spLocks noGrp="1"/>
+          </p:cNvSpPr>
+          <p:nvPr>
+            <p:ph type="sldNum" sz="quarter" idx="10"/>
+          </p:nvPr>
+        </p:nvSpPr>
+        <p:spPr/>
+        <p:txBody>
+          <a:bodyPr/>
+          <a:lstStyle/>
+          <a:p>
+            <a:fld id="{89029652-62E7-43D6-83B5-097D7B7AA5D8}" type="slidenum">
+              <a:rPr lang="en-US" smtClean="0"/>
+              <a:t>97</a:t>
             </a:fld>
             <a:endParaRPr lang="en-US"/>
           </a:p>
@@ -24257,11 +25212,11 @@
   <p:clrMapOvr>
     <a:masterClrMapping/>
   </p:clrMapOvr>
-  <mc:AlternateContent xmlns:mc="http://schemas.openxmlformats.org/markup-compatibility/2006">
-    <mc:Choice xmlns:p14="http://schemas.microsoft.com/office/powerpoint/2010/main" Requires="p14">
+  <mc:AlternateContent xmlns:mc="http://schemas.openxmlformats.org/markup-compatibility/2006" xmlns:p14="http://schemas.microsoft.com/office/powerpoint/2010/main">
+    <mc:Choice Requires="p14">
       <p:transition spd="slow" p14:dur="2000"/>
     </mc:Choice>
-    <mc:Fallback>
+    <mc:Fallback xmlns="">
       <p:transition spd="slow"/>
     </mc:Fallback>
   </mc:AlternateContent>
@@ -24606,10 +25561,6 @@
             <a:r>
               <a:rPr lang="en-US" dirty="0" smtClean="0"/>
               <a:t>Named constants to communicate purpose</a:t>
-            </a:r>
-            <a:r>
-              <a:rPr lang="en-US" dirty="0" smtClean="0"/>
-              <a:t/>
             </a:r>
             <a:br>
               <a:rPr lang="en-US" dirty="0" smtClean="0"/>
@@ -27318,6 +28269,149 @@
           <a:p>
             <a:r>
               <a:rPr lang="en-US" dirty="0" smtClean="0"/>
+              <a:t>Avoid modifying test data outside of a helper</a:t>
+            </a:r>
+          </a:p>
+          <a:p>
+            <a:endParaRPr lang="en-US" dirty="0"/>
+          </a:p>
+          <a:p>
+            <a:endParaRPr lang="en-US" dirty="0" smtClean="0"/>
+          </a:p>
+          <a:p>
+            <a:endParaRPr lang="en-US" dirty="0"/>
+          </a:p>
+        </p:txBody>
+      </p:sp>
+      <p:pic>
+        <p:nvPicPr>
+          <p:cNvPr id="5" name="Picture 4"/>
+          <p:cNvPicPr>
+            <a:picLocks noChangeAspect="1"/>
+          </p:cNvPicPr>
+          <p:nvPr/>
+        </p:nvPicPr>
+        <p:blipFill>
+          <a:blip r:embed="rId3"/>
+          <a:stretch>
+            <a:fillRect/>
+          </a:stretch>
+        </p:blipFill>
+        <p:spPr>
+          <a:xfrm>
+            <a:off x="838200" y="3749490"/>
+            <a:ext cx="10656141" cy="1525154"/>
+          </a:xfrm>
+          <a:prstGeom prst="rect">
+            <a:avLst/>
+          </a:prstGeom>
+        </p:spPr>
+      </p:pic>
+      <p:pic>
+        <p:nvPicPr>
+          <p:cNvPr id="4" name="Picture 3"/>
+          <p:cNvPicPr>
+            <a:picLocks noChangeAspect="1"/>
+          </p:cNvPicPr>
+          <p:nvPr/>
+        </p:nvPicPr>
+        <p:blipFill>
+          <a:blip r:embed="rId4"/>
+          <a:stretch>
+            <a:fillRect/>
+          </a:stretch>
+        </p:blipFill>
+        <p:spPr>
+          <a:xfrm>
+            <a:off x="819150" y="3683969"/>
+            <a:ext cx="10534650" cy="1590675"/>
+          </a:xfrm>
+          <a:prstGeom prst="rect">
+            <a:avLst/>
+          </a:prstGeom>
+        </p:spPr>
+      </p:pic>
+    </p:spTree>
+    <p:extLst>
+      <p:ext uri="{BB962C8B-B14F-4D97-AF65-F5344CB8AC3E}">
+        <p14:creationId xmlns:p14="http://schemas.microsoft.com/office/powerpoint/2010/main" val="2147732724"/>
+      </p:ext>
+    </p:extLst>
+  </p:cSld>
+  <p:clrMapOvr>
+    <a:masterClrMapping/>
+  </p:clrMapOvr>
+  <p:timing>
+    <p:tnLst>
+      <p:par>
+        <p:cTn id="1" dur="indefinite" restart="never" nodeType="tmRoot"/>
+      </p:par>
+    </p:tnLst>
+  </p:timing>
+</p:sld>
+</file>
+
+<file path=ppt/slides/slide66.xml><?xml version="1.0" encoding="utf-8"?>
+<p:sld xmlns:a="http://schemas.openxmlformats.org/drawingml/2006/main" xmlns:r="http://schemas.openxmlformats.org/officeDocument/2006/relationships" xmlns:p="http://schemas.openxmlformats.org/presentationml/2006/main">
+  <p:cSld>
+    <p:spTree>
+      <p:nvGrpSpPr>
+        <p:cNvPr id="1" name=""/>
+        <p:cNvGrpSpPr/>
+        <p:nvPr/>
+      </p:nvGrpSpPr>
+      <p:grpSpPr>
+        <a:xfrm>
+          <a:off x="0" y="0"/>
+          <a:ext cx="0" cy="0"/>
+          <a:chOff x="0" y="0"/>
+          <a:chExt cx="0" cy="0"/>
+        </a:xfrm>
+      </p:grpSpPr>
+      <p:sp>
+        <p:nvSpPr>
+          <p:cNvPr id="2" name="Title 1"/>
+          <p:cNvSpPr>
+            <a:spLocks noGrp="1"/>
+          </p:cNvSpPr>
+          <p:nvPr>
+            <p:ph type="title"/>
+          </p:nvPr>
+        </p:nvSpPr>
+        <p:spPr/>
+        <p:txBody>
+          <a:bodyPr/>
+          <a:lstStyle/>
+          <a:p>
+            <a:r>
+              <a:rPr lang="en-US" dirty="0"/>
+              <a:t>Patterns &amp; Practices – </a:t>
+            </a:r>
+            <a:r>
+              <a:rPr lang="en-US" dirty="0" smtClean="0"/>
+              <a:t>Test Helpers</a:t>
+            </a:r>
+            <a:endParaRPr lang="en-US" dirty="0"/>
+          </a:p>
+        </p:txBody>
+      </p:sp>
+      <p:sp>
+        <p:nvSpPr>
+          <p:cNvPr id="3" name="Content Placeholder 2"/>
+          <p:cNvSpPr>
+            <a:spLocks noGrp="1"/>
+          </p:cNvSpPr>
+          <p:nvPr>
+            <p:ph idx="1"/>
+          </p:nvPr>
+        </p:nvSpPr>
+        <p:spPr/>
+        <p:txBody>
+          <a:bodyPr/>
+          <a:lstStyle/>
+          <a:p>
+            <a:r>
+              <a:rPr lang="en-US" dirty="0" smtClean="0"/>
               <a:t>Can act like an Object Mother, too</a:t>
             </a:r>
           </a:p>
@@ -27373,7 +28467,7 @@
 </p:sld>
 </file>
 
-<file path=ppt/slides/slide66.xml><?xml version="1.0" encoding="utf-8"?>
+<file path=ppt/slides/slide67.xml><?xml version="1.0" encoding="utf-8"?>
 <p:sld xmlns:a="http://schemas.openxmlformats.org/drawingml/2006/main" xmlns:r="http://schemas.openxmlformats.org/officeDocument/2006/relationships" xmlns:p="http://schemas.openxmlformats.org/presentationml/2006/main">
   <p:cSld>
     <p:spTree>
@@ -27489,7 +28583,7 @@
 </p:sld>
 </file>
 
-<file path=ppt/slides/slide67.xml><?xml version="1.0" encoding="utf-8"?>
+<file path=ppt/slides/slide68.xml><?xml version="1.0" encoding="utf-8"?>
 <p:sld xmlns:a="http://schemas.openxmlformats.org/drawingml/2006/main" xmlns:r="http://schemas.openxmlformats.org/officeDocument/2006/relationships" xmlns:p="http://schemas.openxmlformats.org/presentationml/2006/main">
   <p:cSld>
     <p:spTree>
@@ -27608,7 +28702,7 @@
 </p:sld>
 </file>
 
-<file path=ppt/slides/slide68.xml><?xml version="1.0" encoding="utf-8"?>
+<file path=ppt/slides/slide69.xml><?xml version="1.0" encoding="utf-8"?>
 <p:sld xmlns:a="http://schemas.openxmlformats.org/drawingml/2006/main" xmlns:r="http://schemas.openxmlformats.org/officeDocument/2006/relationships" xmlns:p="http://schemas.openxmlformats.org/presentationml/2006/main">
   <p:cSld>
     <p:spTree>
@@ -27682,113 +28776,6 @@
     <p:extLst>
       <p:ext uri="{BB962C8B-B14F-4D97-AF65-F5344CB8AC3E}">
         <p14:creationId xmlns:p14="http://schemas.microsoft.com/office/powerpoint/2010/main" val="1489228368"/>
-      </p:ext>
-    </p:extLst>
-  </p:cSld>
-  <p:clrMapOvr>
-    <a:masterClrMapping/>
-  </p:clrMapOvr>
-  <p:timing>
-    <p:tnLst>
-      <p:par>
-        <p:cTn id="1" dur="indefinite" restart="never" nodeType="tmRoot"/>
-      </p:par>
-    </p:tnLst>
-  </p:timing>
-</p:sld>
-</file>
-
-<file path=ppt/slides/slide69.xml><?xml version="1.0" encoding="utf-8"?>
-<p:sld xmlns:a="http://schemas.openxmlformats.org/drawingml/2006/main" xmlns:r="http://schemas.openxmlformats.org/officeDocument/2006/relationships" xmlns:p="http://schemas.openxmlformats.org/presentationml/2006/main">
-  <p:cSld>
-    <p:spTree>
-      <p:nvGrpSpPr>
-        <p:cNvPr id="1" name=""/>
-        <p:cNvGrpSpPr/>
-        <p:nvPr/>
-      </p:nvGrpSpPr>
-      <p:grpSpPr>
-        <a:xfrm>
-          <a:off x="0" y="0"/>
-          <a:ext cx="0" cy="0"/>
-          <a:chOff x="0" y="0"/>
-          <a:chExt cx="0" cy="0"/>
-        </a:xfrm>
-      </p:grpSpPr>
-      <p:sp>
-        <p:nvSpPr>
-          <p:cNvPr id="2" name="Title 1"/>
-          <p:cNvSpPr>
-            <a:spLocks noGrp="1"/>
-          </p:cNvSpPr>
-          <p:nvPr>
-            <p:ph type="title"/>
-          </p:nvPr>
-        </p:nvSpPr>
-        <p:spPr/>
-        <p:txBody>
-          <a:bodyPr/>
-          <a:lstStyle/>
-          <a:p>
-            <a:r>
-              <a:rPr lang="en-US" dirty="0"/>
-              <a:t>Patterns &amp; Practices – </a:t>
-            </a:r>
-            <a:r>
-              <a:rPr lang="en-US" dirty="0" smtClean="0"/>
-              <a:t>Scenarios</a:t>
-            </a:r>
-            <a:endParaRPr lang="en-US" dirty="0"/>
-          </a:p>
-        </p:txBody>
-      </p:sp>
-      <p:sp>
-        <p:nvSpPr>
-          <p:cNvPr id="3" name="Content Placeholder 2"/>
-          <p:cNvSpPr>
-            <a:spLocks noGrp="1"/>
-          </p:cNvSpPr>
-          <p:nvPr>
-            <p:ph idx="1"/>
-          </p:nvPr>
-        </p:nvSpPr>
-        <p:spPr/>
-        <p:txBody>
-          <a:bodyPr>
-            <a:normAutofit/>
-          </a:bodyPr>
-          <a:lstStyle/>
-          <a:p>
-            <a:r>
-              <a:rPr lang="en-US" dirty="0" smtClean="0"/>
-              <a:t>A façade for invoking multiple Test Helpers</a:t>
-            </a:r>
-          </a:p>
-          <a:p>
-            <a:pPr lvl="1"/>
-            <a:r>
-              <a:rPr lang="en-US" dirty="0" smtClean="0"/>
-              <a:t>Use when objects have </a:t>
-            </a:r>
-            <a:r>
-              <a:rPr lang="en-US" i="1" dirty="0" smtClean="0"/>
-              <a:t>relationships </a:t>
-            </a:r>
-            <a:r>
-              <a:rPr lang="en-US" dirty="0" smtClean="0"/>
-              <a:t>you care about</a:t>
-            </a:r>
-            <a:br>
-              <a:rPr lang="en-US" dirty="0" smtClean="0"/>
-            </a:br>
-            <a:endParaRPr lang="en-US" dirty="0" smtClean="0"/>
-          </a:p>
-        </p:txBody>
-      </p:sp>
-    </p:spTree>
-    <p:extLst>
-      <p:ext uri="{BB962C8B-B14F-4D97-AF65-F5344CB8AC3E}">
-        <p14:creationId xmlns:p14="http://schemas.microsoft.com/office/powerpoint/2010/main" val="2600551366"/>
       </p:ext>
     </p:extLst>
   </p:cSld>
@@ -27928,6 +28915,113 @@
           <a:lstStyle/>
           <a:p>
             <a:r>
+              <a:rPr lang="en-US" dirty="0" smtClean="0"/>
+              <a:t>A façade for invoking multiple Test Helpers</a:t>
+            </a:r>
+          </a:p>
+          <a:p>
+            <a:pPr lvl="1"/>
+            <a:r>
+              <a:rPr lang="en-US" dirty="0" smtClean="0"/>
+              <a:t>Use when objects have </a:t>
+            </a:r>
+            <a:r>
+              <a:rPr lang="en-US" i="1" dirty="0" smtClean="0"/>
+              <a:t>relationships </a:t>
+            </a:r>
+            <a:r>
+              <a:rPr lang="en-US" dirty="0" smtClean="0"/>
+              <a:t>you care about</a:t>
+            </a:r>
+            <a:br>
+              <a:rPr lang="en-US" dirty="0" smtClean="0"/>
+            </a:br>
+            <a:endParaRPr lang="en-US" dirty="0" smtClean="0"/>
+          </a:p>
+        </p:txBody>
+      </p:sp>
+    </p:spTree>
+    <p:extLst>
+      <p:ext uri="{BB962C8B-B14F-4D97-AF65-F5344CB8AC3E}">
+        <p14:creationId xmlns:p14="http://schemas.microsoft.com/office/powerpoint/2010/main" val="2600551366"/>
+      </p:ext>
+    </p:extLst>
+  </p:cSld>
+  <p:clrMapOvr>
+    <a:masterClrMapping/>
+  </p:clrMapOvr>
+  <p:timing>
+    <p:tnLst>
+      <p:par>
+        <p:cTn id="1" dur="indefinite" restart="never" nodeType="tmRoot"/>
+      </p:par>
+    </p:tnLst>
+  </p:timing>
+</p:sld>
+</file>
+
+<file path=ppt/slides/slide71.xml><?xml version="1.0" encoding="utf-8"?>
+<p:sld xmlns:a="http://schemas.openxmlformats.org/drawingml/2006/main" xmlns:r="http://schemas.openxmlformats.org/officeDocument/2006/relationships" xmlns:p="http://schemas.openxmlformats.org/presentationml/2006/main">
+  <p:cSld>
+    <p:spTree>
+      <p:nvGrpSpPr>
+        <p:cNvPr id="1" name=""/>
+        <p:cNvGrpSpPr/>
+        <p:nvPr/>
+      </p:nvGrpSpPr>
+      <p:grpSpPr>
+        <a:xfrm>
+          <a:off x="0" y="0"/>
+          <a:ext cx="0" cy="0"/>
+          <a:chOff x="0" y="0"/>
+          <a:chExt cx="0" cy="0"/>
+        </a:xfrm>
+      </p:grpSpPr>
+      <p:sp>
+        <p:nvSpPr>
+          <p:cNvPr id="2" name="Title 1"/>
+          <p:cNvSpPr>
+            <a:spLocks noGrp="1"/>
+          </p:cNvSpPr>
+          <p:nvPr>
+            <p:ph type="title"/>
+          </p:nvPr>
+        </p:nvSpPr>
+        <p:spPr/>
+        <p:txBody>
+          <a:bodyPr/>
+          <a:lstStyle/>
+          <a:p>
+            <a:r>
+              <a:rPr lang="en-US" dirty="0"/>
+              <a:t>Patterns &amp; Practices – </a:t>
+            </a:r>
+            <a:r>
+              <a:rPr lang="en-US" dirty="0" smtClean="0"/>
+              <a:t>Scenarios</a:t>
+            </a:r>
+            <a:endParaRPr lang="en-US" dirty="0"/>
+          </a:p>
+        </p:txBody>
+      </p:sp>
+      <p:sp>
+        <p:nvSpPr>
+          <p:cNvPr id="3" name="Content Placeholder 2"/>
+          <p:cNvSpPr>
+            <a:spLocks noGrp="1"/>
+          </p:cNvSpPr>
+          <p:nvPr>
+            <p:ph idx="1"/>
+          </p:nvPr>
+        </p:nvSpPr>
+        <p:spPr/>
+        <p:txBody>
+          <a:bodyPr>
+            <a:normAutofit/>
+          </a:bodyPr>
+          <a:lstStyle/>
+          <a:p>
+            <a:r>
               <a:rPr lang="en-US" dirty="0" smtClean="0">
                 <a:solidFill>
                   <a:schemeClr val="bg1">
@@ -28029,7 +29123,7 @@
 </p:sld>
 </file>
 
-<file path=ppt/slides/slide71.xml><?xml version="1.0" encoding="utf-8"?>
+<file path=ppt/slides/slide72.xml><?xml version="1.0" encoding="utf-8"?>
 <p:sld xmlns:a="http://schemas.openxmlformats.org/drawingml/2006/main" xmlns:r="http://schemas.openxmlformats.org/officeDocument/2006/relationships" xmlns:p="http://schemas.openxmlformats.org/presentationml/2006/main">
   <p:cSld>
     <p:spTree>
@@ -28145,7 +29239,7 @@
 </p:sld>
 </file>
 
-<file path=ppt/slides/slide72.xml><?xml version="1.0" encoding="utf-8"?>
+<file path=ppt/slides/slide73.xml><?xml version="1.0" encoding="utf-8"?>
 <p:sld xmlns:a="http://schemas.openxmlformats.org/drawingml/2006/main" xmlns:r="http://schemas.openxmlformats.org/officeDocument/2006/relationships" xmlns:p="http://schemas.openxmlformats.org/presentationml/2006/main">
   <p:cSld>
     <p:spTree>
@@ -28257,7 +29351,7 @@
 </p:sld>
 </file>
 
-<file path=ppt/slides/slide73.xml><?xml version="1.0" encoding="utf-8"?>
+<file path=ppt/slides/slide74.xml><?xml version="1.0" encoding="utf-8"?>
 <p:sld xmlns:a="http://schemas.openxmlformats.org/drawingml/2006/main" xmlns:r="http://schemas.openxmlformats.org/officeDocument/2006/relationships" xmlns:p="http://schemas.openxmlformats.org/presentationml/2006/main">
   <p:cSld>
     <p:spTree>
@@ -28373,7 +29467,7 @@
 </p:sld>
 </file>
 
-<file path=ppt/slides/slide74.xml><?xml version="1.0" encoding="utf-8"?>
+<file path=ppt/slides/slide75.xml><?xml version="1.0" encoding="utf-8"?>
 <p:sld xmlns:a="http://schemas.openxmlformats.org/drawingml/2006/main" xmlns:r="http://schemas.openxmlformats.org/officeDocument/2006/relationships" xmlns:p="http://schemas.openxmlformats.org/presentationml/2006/main">
   <p:cSld>
     <p:spTree>
@@ -28489,116 +29583,6 @@
 </p:sld>
 </file>
 
-<file path=ppt/slides/slide75.xml><?xml version="1.0" encoding="utf-8"?>
-<p:sld xmlns:a="http://schemas.openxmlformats.org/drawingml/2006/main" xmlns:r="http://schemas.openxmlformats.org/officeDocument/2006/relationships" xmlns:p="http://schemas.openxmlformats.org/presentationml/2006/main">
-  <p:cSld>
-    <p:spTree>
-      <p:nvGrpSpPr>
-        <p:cNvPr id="1" name=""/>
-        <p:cNvGrpSpPr/>
-        <p:nvPr/>
-      </p:nvGrpSpPr>
-      <p:grpSpPr>
-        <a:xfrm>
-          <a:off x="0" y="0"/>
-          <a:ext cx="0" cy="0"/>
-          <a:chOff x="0" y="0"/>
-          <a:chExt cx="0" cy="0"/>
-        </a:xfrm>
-      </p:grpSpPr>
-      <p:sp>
-        <p:nvSpPr>
-          <p:cNvPr id="2" name="Title 1"/>
-          <p:cNvSpPr>
-            <a:spLocks noGrp="1"/>
-          </p:cNvSpPr>
-          <p:nvPr>
-            <p:ph type="title"/>
-          </p:nvPr>
-        </p:nvSpPr>
-        <p:spPr/>
-        <p:txBody>
-          <a:bodyPr/>
-          <a:lstStyle/>
-          <a:p>
-            <a:r>
-              <a:rPr lang="en-US" dirty="0"/>
-              <a:t>Patterns &amp; Practices – </a:t>
-            </a:r>
-            <a:r>
-              <a:rPr lang="en-US" dirty="0" smtClean="0"/>
-              <a:t>Scenarios</a:t>
-            </a:r>
-            <a:endParaRPr lang="en-US" dirty="0"/>
-          </a:p>
-        </p:txBody>
-      </p:sp>
-      <p:sp>
-        <p:nvSpPr>
-          <p:cNvPr id="3" name="Content Placeholder 2"/>
-          <p:cNvSpPr>
-            <a:spLocks noGrp="1"/>
-          </p:cNvSpPr>
-          <p:nvPr>
-            <p:ph idx="1"/>
-          </p:nvPr>
-        </p:nvSpPr>
-        <p:spPr/>
-        <p:txBody>
-          <a:bodyPr>
-            <a:normAutofit/>
-          </a:bodyPr>
-          <a:lstStyle/>
-          <a:p>
-            <a:r>
-              <a:rPr lang="en-US" dirty="0" smtClean="0"/>
-              <a:t>Same drawbacks as Object Mother</a:t>
-            </a:r>
-          </a:p>
-          <a:p>
-            <a:pPr lvl="1"/>
-            <a:r>
-              <a:rPr lang="en-US" dirty="0" smtClean="0"/>
-              <a:t>Painful when tests need to customize data</a:t>
-            </a:r>
-          </a:p>
-          <a:p>
-            <a:pPr lvl="1"/>
-            <a:r>
-              <a:rPr lang="en-US" dirty="0" smtClean="0"/>
-              <a:t>Hard to change once many tests use it</a:t>
-            </a:r>
-            <a:br>
-              <a:rPr lang="en-US" dirty="0" smtClean="0"/>
-            </a:br>
-            <a:endParaRPr lang="en-US" dirty="0" smtClean="0"/>
-          </a:p>
-          <a:p>
-            <a:pPr lvl="1"/>
-            <a:endParaRPr lang="en-US" dirty="0"/>
-          </a:p>
-        </p:txBody>
-      </p:sp>
-    </p:spTree>
-    <p:extLst>
-      <p:ext uri="{BB962C8B-B14F-4D97-AF65-F5344CB8AC3E}">
-        <p14:creationId xmlns:p14="http://schemas.microsoft.com/office/powerpoint/2010/main" val="1441833453"/>
-      </p:ext>
-    </p:extLst>
-  </p:cSld>
-  <p:clrMapOvr>
-    <a:masterClrMapping/>
-  </p:clrMapOvr>
-  <p:timing>
-    <p:tnLst>
-      <p:par>
-        <p:cTn id="1" dur="indefinite" restart="never" nodeType="tmRoot"/>
-      </p:par>
-    </p:tnLst>
-  </p:timing>
-</p:sld>
-</file>
-
 <file path=ppt/slides/slide76.xml><?xml version="1.0" encoding="utf-8"?>
 <p:sld xmlns:a="http://schemas.openxmlformats.org/drawingml/2006/main" xmlns:r="http://schemas.openxmlformats.org/officeDocument/2006/relationships" xmlns:p="http://schemas.openxmlformats.org/presentationml/2006/main">
   <p:cSld>
@@ -28661,44 +29645,22 @@
           <a:lstStyle/>
           <a:p>
             <a:r>
-              <a:rPr lang="en-US" dirty="0" smtClean="0">
-                <a:solidFill>
-                  <a:schemeClr val="bg1">
-                    <a:lumMod val="65000"/>
-                  </a:schemeClr>
-                </a:solidFill>
-              </a:rPr>
+              <a:rPr lang="en-US" dirty="0" smtClean="0"/>
               <a:t>Same drawbacks as Object Mother</a:t>
             </a:r>
           </a:p>
           <a:p>
             <a:pPr lvl="1"/>
             <a:r>
-              <a:rPr lang="en-US" dirty="0" smtClean="0">
-                <a:solidFill>
-                  <a:schemeClr val="bg1">
-                    <a:lumMod val="65000"/>
-                  </a:schemeClr>
-                </a:solidFill>
-              </a:rPr>
+              <a:rPr lang="en-US" dirty="0" smtClean="0"/>
               <a:t>Painful when tests need to customize data</a:t>
             </a:r>
           </a:p>
           <a:p>
             <a:pPr lvl="1"/>
             <a:r>
-              <a:rPr lang="en-US" dirty="0" smtClean="0">
-                <a:solidFill>
-                  <a:schemeClr val="bg1">
-                    <a:lumMod val="65000"/>
-                  </a:schemeClr>
-                </a:solidFill>
-              </a:rPr>
+              <a:rPr lang="en-US" dirty="0" smtClean="0"/>
               <a:t>Hard to change once many tests use it</a:t>
-            </a:r>
-            <a:r>
-              <a:rPr lang="en-US" dirty="0" smtClean="0"/>
-              <a:t/>
             </a:r>
             <a:br>
               <a:rPr lang="en-US" dirty="0" smtClean="0"/>
@@ -28706,19 +29668,6 @@
             <a:endParaRPr lang="en-US" dirty="0" smtClean="0"/>
           </a:p>
           <a:p>
-            <a:r>
-              <a:rPr lang="en-US" dirty="0" smtClean="0"/>
-              <a:t>Rarely reusable globally</a:t>
-            </a:r>
-          </a:p>
-          <a:p>
-            <a:pPr lvl="1"/>
-            <a:r>
-              <a:rPr lang="en-US" dirty="0" smtClean="0"/>
-              <a:t>Scenarios represent tight coupling between data</a:t>
-            </a:r>
-          </a:p>
-          <a:p>
             <a:pPr lvl="1"/>
             <a:endParaRPr lang="en-US" dirty="0"/>
           </a:p>
@@ -28727,7 +29676,7 @@
     </p:spTree>
     <p:extLst>
       <p:ext uri="{BB962C8B-B14F-4D97-AF65-F5344CB8AC3E}">
-        <p14:creationId xmlns:p14="http://schemas.microsoft.com/office/powerpoint/2010/main" val="3648988400"/>
+        <p14:creationId xmlns:p14="http://schemas.microsoft.com/office/powerpoint/2010/main" val="1441833453"/>
       </p:ext>
     </p:extLst>
   </p:cSld>
@@ -28798,12 +29747,7 @@
             <p:ph idx="1"/>
           </p:nvPr>
         </p:nvSpPr>
-        <p:spPr>
-          <a:xfrm>
-            <a:off x="838200" y="1825625"/>
-            <a:ext cx="10515600" cy="4703512"/>
-          </a:xfrm>
-        </p:spPr>
+        <p:spPr/>
         <p:txBody>
           <a:bodyPr>
             <a:normAutofit/>
@@ -28846,47 +29790,6 @@
               </a:rPr>
               <a:t>Hard to change once many tests use it</a:t>
             </a:r>
-            <a:br>
-              <a:rPr lang="en-US" dirty="0" smtClean="0">
-                <a:solidFill>
-                  <a:schemeClr val="bg1">
-                    <a:lumMod val="65000"/>
-                  </a:schemeClr>
-                </a:solidFill>
-              </a:rPr>
-            </a:br>
-            <a:endParaRPr lang="en-US" dirty="0" smtClean="0">
-              <a:solidFill>
-                <a:schemeClr val="bg1">
-                  <a:lumMod val="65000"/>
-                </a:schemeClr>
-              </a:solidFill>
-            </a:endParaRPr>
-          </a:p>
-          <a:p>
-            <a:r>
-              <a:rPr lang="en-US" dirty="0" smtClean="0">
-                <a:solidFill>
-                  <a:schemeClr val="bg1">
-                    <a:lumMod val="65000"/>
-                  </a:schemeClr>
-                </a:solidFill>
-              </a:rPr>
-              <a:t>Rarely reusable globally</a:t>
-            </a:r>
-          </a:p>
-          <a:p>
-            <a:pPr lvl="1"/>
-            <a:r>
-              <a:rPr lang="en-US" dirty="0" smtClean="0">
-                <a:solidFill>
-                  <a:schemeClr val="bg1">
-                    <a:lumMod val="65000"/>
-                  </a:schemeClr>
-                </a:solidFill>
-              </a:rPr>
-              <a:t>Scenarios represent tight coupling between data</a:t>
-            </a:r>
             <a:r>
               <a:rPr lang="en-US" dirty="0" smtClean="0"/>
               <a:t/>
@@ -28899,22 +29802,18 @@
           <a:p>
             <a:r>
               <a:rPr lang="en-US" dirty="0" smtClean="0"/>
-              <a:t>Use when…</a:t>
+              <a:t>Rarely reusable globally</a:t>
             </a:r>
           </a:p>
           <a:p>
             <a:pPr lvl="1"/>
             <a:r>
               <a:rPr lang="en-US" dirty="0" smtClean="0"/>
-              <a:t>Related tests share complex setup</a:t>
+              <a:t>Scenarios represent tight coupling between data</a:t>
             </a:r>
           </a:p>
           <a:p>
             <a:pPr lvl="1"/>
-            <a:r>
-              <a:rPr lang="en-US" dirty="0" smtClean="0"/>
-              <a:t>Core set of objects must be created; don’t impact outcomes</a:t>
-            </a:r>
             <a:endParaRPr lang="en-US" dirty="0"/>
           </a:p>
         </p:txBody>
@@ -28922,7 +29821,7 @@
     </p:spTree>
     <p:extLst>
       <p:ext uri="{BB962C8B-B14F-4D97-AF65-F5344CB8AC3E}">
-        <p14:creationId xmlns:p14="http://schemas.microsoft.com/office/powerpoint/2010/main" val="3415529313"/>
+        <p14:creationId xmlns:p14="http://schemas.microsoft.com/office/powerpoint/2010/main" val="3648988400"/>
       </p:ext>
     </p:extLst>
   </p:cSld>
@@ -28972,8 +29871,143 @@
           <a:lstStyle/>
           <a:p>
             <a:r>
+              <a:rPr lang="en-US" dirty="0"/>
+              <a:t>Patterns &amp; Practices – </a:t>
+            </a:r>
+            <a:r>
               <a:rPr lang="en-US" dirty="0" smtClean="0"/>
-              <a:t>Advanced Techniques – integration tests</a:t>
+              <a:t>Scenarios</a:t>
+            </a:r>
+            <a:endParaRPr lang="en-US" dirty="0"/>
+          </a:p>
+        </p:txBody>
+      </p:sp>
+      <p:sp>
+        <p:nvSpPr>
+          <p:cNvPr id="3" name="Content Placeholder 2"/>
+          <p:cNvSpPr>
+            <a:spLocks noGrp="1"/>
+          </p:cNvSpPr>
+          <p:nvPr>
+            <p:ph idx="1"/>
+          </p:nvPr>
+        </p:nvSpPr>
+        <p:spPr>
+          <a:xfrm>
+            <a:off x="838200" y="1825625"/>
+            <a:ext cx="10515600" cy="4703512"/>
+          </a:xfrm>
+        </p:spPr>
+        <p:txBody>
+          <a:bodyPr>
+            <a:normAutofit/>
+          </a:bodyPr>
+          <a:lstStyle/>
+          <a:p>
+            <a:r>
+              <a:rPr lang="en-US" dirty="0" smtClean="0">
+                <a:solidFill>
+                  <a:schemeClr val="bg1">
+                    <a:lumMod val="65000"/>
+                  </a:schemeClr>
+                </a:solidFill>
+              </a:rPr>
+              <a:t>Same drawbacks as Object Mother</a:t>
+            </a:r>
+          </a:p>
+          <a:p>
+            <a:pPr lvl="1"/>
+            <a:r>
+              <a:rPr lang="en-US" dirty="0" smtClean="0">
+                <a:solidFill>
+                  <a:schemeClr val="bg1">
+                    <a:lumMod val="65000"/>
+                  </a:schemeClr>
+                </a:solidFill>
+              </a:rPr>
+              <a:t>Painful when tests need to customize data</a:t>
+            </a:r>
+          </a:p>
+          <a:p>
+            <a:pPr lvl="1"/>
+            <a:r>
+              <a:rPr lang="en-US" dirty="0" smtClean="0">
+                <a:solidFill>
+                  <a:schemeClr val="bg1">
+                    <a:lumMod val="65000"/>
+                  </a:schemeClr>
+                </a:solidFill>
+              </a:rPr>
+              <a:t>Hard to change once many tests use it</a:t>
+            </a:r>
+            <a:br>
+              <a:rPr lang="en-US" dirty="0" smtClean="0">
+                <a:solidFill>
+                  <a:schemeClr val="bg1">
+                    <a:lumMod val="65000"/>
+                  </a:schemeClr>
+                </a:solidFill>
+              </a:rPr>
+            </a:br>
+            <a:endParaRPr lang="en-US" dirty="0" smtClean="0">
+              <a:solidFill>
+                <a:schemeClr val="bg1">
+                  <a:lumMod val="65000"/>
+                </a:schemeClr>
+              </a:solidFill>
+            </a:endParaRPr>
+          </a:p>
+          <a:p>
+            <a:r>
+              <a:rPr lang="en-US" dirty="0" smtClean="0">
+                <a:solidFill>
+                  <a:schemeClr val="bg1">
+                    <a:lumMod val="65000"/>
+                  </a:schemeClr>
+                </a:solidFill>
+              </a:rPr>
+              <a:t>Rarely reusable globally</a:t>
+            </a:r>
+          </a:p>
+          <a:p>
+            <a:pPr lvl="1"/>
+            <a:r>
+              <a:rPr lang="en-US" dirty="0" smtClean="0">
+                <a:solidFill>
+                  <a:schemeClr val="bg1">
+                    <a:lumMod val="65000"/>
+                  </a:schemeClr>
+                </a:solidFill>
+              </a:rPr>
+              <a:t>Scenarios represent tight coupling between data</a:t>
+            </a:r>
+            <a:r>
+              <a:rPr lang="en-US" dirty="0" smtClean="0"/>
+              <a:t/>
+            </a:r>
+            <a:br>
+              <a:rPr lang="en-US" dirty="0" smtClean="0"/>
+            </a:br>
+            <a:endParaRPr lang="en-US" dirty="0" smtClean="0"/>
+          </a:p>
+          <a:p>
+            <a:r>
+              <a:rPr lang="en-US" dirty="0" smtClean="0"/>
+              <a:t>Use when…</a:t>
+            </a:r>
+          </a:p>
+          <a:p>
+            <a:pPr lvl="1"/>
+            <a:r>
+              <a:rPr lang="en-US" dirty="0" smtClean="0"/>
+              <a:t>Related tests share complex setup</a:t>
+            </a:r>
+          </a:p>
+          <a:p>
+            <a:pPr lvl="1"/>
+            <a:r>
+              <a:rPr lang="en-US" dirty="0" smtClean="0"/>
+              <a:t>Core set of objects must be created; don’t impact outcomes</a:t>
             </a:r>
             <a:endParaRPr lang="en-US" dirty="0"/>
           </a:p>
@@ -28982,21 +30016,13 @@
     </p:spTree>
     <p:extLst>
       <p:ext uri="{BB962C8B-B14F-4D97-AF65-F5344CB8AC3E}">
-        <p14:creationId xmlns:p14="http://schemas.microsoft.com/office/powerpoint/2010/main" val="2370263034"/>
+        <p14:creationId xmlns:p14="http://schemas.microsoft.com/office/powerpoint/2010/main" val="3415529313"/>
       </p:ext>
     </p:extLst>
   </p:cSld>
   <p:clrMapOvr>
     <a:masterClrMapping/>
   </p:clrMapOvr>
-  <mc:AlternateContent xmlns:mc="http://schemas.openxmlformats.org/markup-compatibility/2006" xmlns:p14="http://schemas.microsoft.com/office/powerpoint/2010/main">
-    <mc:Choice Requires="p14">
-      <p:transition spd="slow" p14:dur="2000"/>
-    </mc:Choice>
-    <mc:Fallback xmlns="">
-      <p:transition spd="slow"/>
-    </mc:Fallback>
-  </mc:AlternateContent>
   <p:timing>
     <p:tnLst>
       <p:par>
@@ -29047,49 +30073,10 @@
           </a:p>
         </p:txBody>
       </p:sp>
-      <p:sp>
-        <p:nvSpPr>
-          <p:cNvPr id="3" name="Content Placeholder 2"/>
-          <p:cNvSpPr>
-            <a:spLocks noGrp="1"/>
-          </p:cNvSpPr>
-          <p:nvPr>
-            <p:ph idx="1"/>
-          </p:nvPr>
-        </p:nvSpPr>
-        <p:spPr/>
-        <p:txBody>
-          <a:bodyPr>
-            <a:normAutofit/>
-          </a:bodyPr>
-          <a:lstStyle/>
-          <a:p>
-            <a:r>
-              <a:rPr lang="en-US" dirty="0" smtClean="0"/>
-              <a:t>Goal: same patterns to create in-memory and in-</a:t>
-            </a:r>
-            <a:r>
-              <a:rPr lang="en-US" dirty="0" err="1" smtClean="0"/>
-              <a:t>db</a:t>
-            </a:r>
-            <a:r>
-              <a:rPr lang="en-US" dirty="0" smtClean="0"/>
-              <a:t> data</a:t>
-            </a:r>
-            <a:br>
-              <a:rPr lang="en-US" dirty="0" smtClean="0"/>
-            </a:br>
-            <a:endParaRPr lang="en-US" dirty="0" smtClean="0"/>
-          </a:p>
-          <a:p>
-            <a:endParaRPr lang="en-US" dirty="0"/>
-          </a:p>
-        </p:txBody>
-      </p:sp>
     </p:spTree>
     <p:extLst>
       <p:ext uri="{BB962C8B-B14F-4D97-AF65-F5344CB8AC3E}">
-        <p14:creationId xmlns:p14="http://schemas.microsoft.com/office/powerpoint/2010/main" val="3349660057"/>
+        <p14:creationId xmlns:p14="http://schemas.microsoft.com/office/powerpoint/2010/main" val="2370263034"/>
       </p:ext>
     </p:extLst>
   </p:cSld>
@@ -29232,9 +30219,10 @@
           <a:lstStyle/>
           <a:p>
             <a:r>
-              <a:rPr lang="en-US" dirty="0"/>
+              <a:rPr lang="en-US" dirty="0" smtClean="0"/>
               <a:t>Advanced Techniques – integration tests</a:t>
             </a:r>
+            <a:endParaRPr lang="en-US" dirty="0"/>
           </a:p>
         </p:txBody>
       </p:sp>
@@ -29248,12 +30236,7 @@
             <p:ph idx="1"/>
           </p:nvPr>
         </p:nvSpPr>
-        <p:spPr>
-          <a:xfrm>
-            <a:off x="838200" y="1825624"/>
-            <a:ext cx="10515600" cy="4894489"/>
-          </a:xfrm>
-        </p:spPr>
+        <p:spPr/>
         <p:txBody>
           <a:bodyPr>
             <a:normAutofit/>
@@ -29261,78 +30244,21 @@
           <a:lstStyle/>
           <a:p>
             <a:r>
-              <a:rPr lang="en-US" dirty="0">
-                <a:solidFill>
-                  <a:schemeClr val="bg1">
-                    <a:lumMod val="65000"/>
-                  </a:schemeClr>
-                </a:solidFill>
-              </a:rPr>
+              <a:rPr lang="en-US" dirty="0" smtClean="0"/>
               <a:t>Goal: same patterns to create in-memory and in-</a:t>
             </a:r>
             <a:r>
-              <a:rPr lang="en-US" dirty="0" err="1">
-                <a:solidFill>
-                  <a:schemeClr val="bg1">
-                    <a:lumMod val="65000"/>
-                  </a:schemeClr>
-                </a:solidFill>
-              </a:rPr>
+              <a:rPr lang="en-US" dirty="0" err="1" smtClean="0"/>
               <a:t>db</a:t>
             </a:r>
             <a:r>
-              <a:rPr lang="en-US" dirty="0">
-                <a:solidFill>
-                  <a:schemeClr val="bg1">
-                    <a:lumMod val="65000"/>
-                  </a:schemeClr>
-                </a:solidFill>
-              </a:rPr>
+              <a:rPr lang="en-US" dirty="0" smtClean="0"/>
               <a:t> data</a:t>
             </a:r>
             <a:br>
-              <a:rPr lang="en-US" dirty="0">
-                <a:solidFill>
-                  <a:schemeClr val="bg1">
-                    <a:lumMod val="65000"/>
-                  </a:schemeClr>
-                </a:solidFill>
-              </a:rPr>
+              <a:rPr lang="en-US" dirty="0" smtClean="0"/>
             </a:br>
-            <a:endParaRPr lang="en-US" dirty="0">
-              <a:solidFill>
-                <a:schemeClr val="bg1">
-                  <a:lumMod val="65000"/>
-                </a:schemeClr>
-              </a:solidFill>
-            </a:endParaRPr>
-          </a:p>
-          <a:p>
-            <a:r>
-              <a:rPr lang="en-US" dirty="0" smtClean="0"/>
-              <a:t>Challenges:</a:t>
-            </a:r>
-          </a:p>
-          <a:p>
-            <a:pPr lvl="1"/>
-            <a:r>
-              <a:rPr lang="en-US" dirty="0" smtClean="0"/>
-              <a:t>Foreign keys</a:t>
-            </a:r>
-          </a:p>
-          <a:p>
-            <a:pPr lvl="1"/>
-            <a:r>
-              <a:rPr lang="en-US" dirty="0" smtClean="0"/>
-              <a:t>Column constraints</a:t>
-            </a:r>
-          </a:p>
-          <a:p>
-            <a:pPr lvl="1"/>
-            <a:r>
-              <a:rPr lang="en-US" dirty="0" smtClean="0"/>
-              <a:t>Don’t litter database with junk data</a:t>
-            </a:r>
+            <a:endParaRPr lang="en-US" dirty="0" smtClean="0"/>
           </a:p>
           <a:p>
             <a:endParaRPr lang="en-US" dirty="0"/>
@@ -29342,7 +30268,7 @@
     </p:spTree>
     <p:extLst>
       <p:ext uri="{BB962C8B-B14F-4D97-AF65-F5344CB8AC3E}">
-        <p14:creationId xmlns:p14="http://schemas.microsoft.com/office/powerpoint/2010/main" val="2688572749"/>
+        <p14:creationId xmlns:p14="http://schemas.microsoft.com/office/powerpoint/2010/main" val="3349660057"/>
       </p:ext>
     </p:extLst>
   </p:cSld>
@@ -29429,6 +30355,174 @@
           <a:lstStyle/>
           <a:p>
             <a:r>
+              <a:rPr lang="en-US" dirty="0">
+                <a:solidFill>
+                  <a:schemeClr val="bg1">
+                    <a:lumMod val="65000"/>
+                  </a:schemeClr>
+                </a:solidFill>
+              </a:rPr>
+              <a:t>Goal: same patterns to create in-memory and in-</a:t>
+            </a:r>
+            <a:r>
+              <a:rPr lang="en-US" dirty="0" err="1">
+                <a:solidFill>
+                  <a:schemeClr val="bg1">
+                    <a:lumMod val="65000"/>
+                  </a:schemeClr>
+                </a:solidFill>
+              </a:rPr>
+              <a:t>db</a:t>
+            </a:r>
+            <a:r>
+              <a:rPr lang="en-US" dirty="0">
+                <a:solidFill>
+                  <a:schemeClr val="bg1">
+                    <a:lumMod val="65000"/>
+                  </a:schemeClr>
+                </a:solidFill>
+              </a:rPr>
+              <a:t> data</a:t>
+            </a:r>
+            <a:br>
+              <a:rPr lang="en-US" dirty="0">
+                <a:solidFill>
+                  <a:schemeClr val="bg1">
+                    <a:lumMod val="65000"/>
+                  </a:schemeClr>
+                </a:solidFill>
+              </a:rPr>
+            </a:br>
+            <a:endParaRPr lang="en-US" dirty="0">
+              <a:solidFill>
+                <a:schemeClr val="bg1">
+                  <a:lumMod val="65000"/>
+                </a:schemeClr>
+              </a:solidFill>
+            </a:endParaRPr>
+          </a:p>
+          <a:p>
+            <a:r>
+              <a:rPr lang="en-US" dirty="0" smtClean="0"/>
+              <a:t>Challenges:</a:t>
+            </a:r>
+          </a:p>
+          <a:p>
+            <a:pPr lvl="1"/>
+            <a:r>
+              <a:rPr lang="en-US" dirty="0" smtClean="0"/>
+              <a:t>Foreign keys</a:t>
+            </a:r>
+          </a:p>
+          <a:p>
+            <a:pPr lvl="1"/>
+            <a:r>
+              <a:rPr lang="en-US" dirty="0" smtClean="0"/>
+              <a:t>Column constraints</a:t>
+            </a:r>
+          </a:p>
+          <a:p>
+            <a:pPr lvl="1"/>
+            <a:r>
+              <a:rPr lang="en-US" dirty="0" smtClean="0"/>
+              <a:t>Don’t litter database with junk data</a:t>
+            </a:r>
+          </a:p>
+          <a:p>
+            <a:endParaRPr lang="en-US" dirty="0"/>
+          </a:p>
+        </p:txBody>
+      </p:sp>
+    </p:spTree>
+    <p:extLst>
+      <p:ext uri="{BB962C8B-B14F-4D97-AF65-F5344CB8AC3E}">
+        <p14:creationId xmlns:p14="http://schemas.microsoft.com/office/powerpoint/2010/main" val="2688572749"/>
+      </p:ext>
+    </p:extLst>
+  </p:cSld>
+  <p:clrMapOvr>
+    <a:masterClrMapping/>
+  </p:clrMapOvr>
+  <mc:AlternateContent xmlns:mc="http://schemas.openxmlformats.org/markup-compatibility/2006" xmlns:p14="http://schemas.microsoft.com/office/powerpoint/2010/main">
+    <mc:Choice Requires="p14">
+      <p:transition spd="slow" p14:dur="2000"/>
+    </mc:Choice>
+    <mc:Fallback xmlns="">
+      <p:transition spd="slow"/>
+    </mc:Fallback>
+  </mc:AlternateContent>
+  <p:timing>
+    <p:tnLst>
+      <p:par>
+        <p:cTn id="1" dur="indefinite" restart="never" nodeType="tmRoot"/>
+      </p:par>
+    </p:tnLst>
+  </p:timing>
+</p:sld>
+</file>
+
+<file path=ppt/slides/slide82.xml><?xml version="1.0" encoding="utf-8"?>
+<p:sld xmlns:a="http://schemas.openxmlformats.org/drawingml/2006/main" xmlns:r="http://schemas.openxmlformats.org/officeDocument/2006/relationships" xmlns:p="http://schemas.openxmlformats.org/presentationml/2006/main">
+  <p:cSld>
+    <p:spTree>
+      <p:nvGrpSpPr>
+        <p:cNvPr id="1" name=""/>
+        <p:cNvGrpSpPr/>
+        <p:nvPr/>
+      </p:nvGrpSpPr>
+      <p:grpSpPr>
+        <a:xfrm>
+          <a:off x="0" y="0"/>
+          <a:ext cx="0" cy="0"/>
+          <a:chOff x="0" y="0"/>
+          <a:chExt cx="0" cy="0"/>
+        </a:xfrm>
+      </p:grpSpPr>
+      <p:sp>
+        <p:nvSpPr>
+          <p:cNvPr id="2" name="Title 1"/>
+          <p:cNvSpPr>
+            <a:spLocks noGrp="1"/>
+          </p:cNvSpPr>
+          <p:nvPr>
+            <p:ph type="title"/>
+          </p:nvPr>
+        </p:nvSpPr>
+        <p:spPr/>
+        <p:txBody>
+          <a:bodyPr/>
+          <a:lstStyle/>
+          <a:p>
+            <a:r>
+              <a:rPr lang="en-US" dirty="0"/>
+              <a:t>Advanced Techniques – integration tests</a:t>
+            </a:r>
+          </a:p>
+        </p:txBody>
+      </p:sp>
+      <p:sp>
+        <p:nvSpPr>
+          <p:cNvPr id="3" name="Content Placeholder 2"/>
+          <p:cNvSpPr>
+            <a:spLocks noGrp="1"/>
+          </p:cNvSpPr>
+          <p:nvPr>
+            <p:ph idx="1"/>
+          </p:nvPr>
+        </p:nvSpPr>
+        <p:spPr>
+          <a:xfrm>
+            <a:off x="838200" y="1825624"/>
+            <a:ext cx="10515600" cy="4894489"/>
+          </a:xfrm>
+        </p:spPr>
+        <p:txBody>
+          <a:bodyPr>
+            <a:normAutofit/>
+          </a:bodyPr>
+          <a:lstStyle/>
+          <a:p>
+            <a:r>
               <a:rPr lang="en-US" dirty="0" smtClean="0">
                 <a:solidFill>
                   <a:schemeClr val="bg1">
@@ -29583,7 +30677,7 @@
 </p:sld>
 </file>
 
-<file path=ppt/slides/slide82.xml><?xml version="1.0" encoding="utf-8"?>
+<file path=ppt/slides/slide83.xml><?xml version="1.0" encoding="utf-8"?>
 <p:sld xmlns:a="http://schemas.openxmlformats.org/drawingml/2006/main" xmlns:r="http://schemas.openxmlformats.org/officeDocument/2006/relationships" xmlns:p="http://schemas.openxmlformats.org/presentationml/2006/main">
   <p:cSld>
     <p:spTree>
@@ -29709,7 +30803,7 @@
 </p:sld>
 </file>
 
-<file path=ppt/slides/slide83.xml><?xml version="1.0" encoding="utf-8"?>
+<file path=ppt/slides/slide84.xml><?xml version="1.0" encoding="utf-8"?>
 <p:sld xmlns:a="http://schemas.openxmlformats.org/drawingml/2006/main" xmlns:r="http://schemas.openxmlformats.org/officeDocument/2006/relationships" xmlns:p="http://schemas.openxmlformats.org/presentationml/2006/main">
   <p:cSld>
     <p:spTree>
@@ -29835,7 +30929,7 @@
 </p:sld>
 </file>
 
-<file path=ppt/slides/slide84.xml><?xml version="1.0" encoding="utf-8"?>
+<file path=ppt/slides/slide85.xml><?xml version="1.0" encoding="utf-8"?>
 <p:sld xmlns:a="http://schemas.openxmlformats.org/drawingml/2006/main" xmlns:r="http://schemas.openxmlformats.org/officeDocument/2006/relationships" xmlns:p="http://schemas.openxmlformats.org/presentationml/2006/main">
   <p:cSld>
     <p:spTree>
@@ -29961,7 +31055,7 @@
 </p:sld>
 </file>
 
-<file path=ppt/slides/slide85.xml><?xml version="1.0" encoding="utf-8"?>
+<file path=ppt/slides/slide86.xml><?xml version="1.0" encoding="utf-8"?>
 <p:sld xmlns:a="http://schemas.openxmlformats.org/drawingml/2006/main" xmlns:r="http://schemas.openxmlformats.org/officeDocument/2006/relationships" xmlns:p="http://schemas.openxmlformats.org/presentationml/2006/main">
   <p:cSld>
     <p:spTree>
@@ -30087,7 +31181,7 @@
 </p:sld>
 </file>
 
-<file path=ppt/slides/slide86.xml><?xml version="1.0" encoding="utf-8"?>
+<file path=ppt/slides/slide87.xml><?xml version="1.0" encoding="utf-8"?>
 <p:sld xmlns:a="http://schemas.openxmlformats.org/drawingml/2006/main" xmlns:r="http://schemas.openxmlformats.org/officeDocument/2006/relationships" xmlns:p="http://schemas.openxmlformats.org/presentationml/2006/main">
   <p:cSld>
     <p:spTree>
@@ -30219,7 +31313,7 @@
 </p:sld>
 </file>
 
-<file path=ppt/slides/slide87.xml><?xml version="1.0" encoding="utf-8"?>
+<file path=ppt/slides/slide88.xml><?xml version="1.0" encoding="utf-8"?>
 <p:sld xmlns:a="http://schemas.openxmlformats.org/drawingml/2006/main" xmlns:r="http://schemas.openxmlformats.org/officeDocument/2006/relationships" xmlns:p="http://schemas.openxmlformats.org/presentationml/2006/main">
   <p:cSld>
     <p:spTree>
@@ -30303,7 +31397,7 @@
 </p:sld>
 </file>
 
-<file path=ppt/slides/slide88.xml><?xml version="1.0" encoding="utf-8"?>
+<file path=ppt/slides/slide89.xml><?xml version="1.0" encoding="utf-8"?>
 <p:sld xmlns:a="http://schemas.openxmlformats.org/drawingml/2006/main" xmlns:r="http://schemas.openxmlformats.org/officeDocument/2006/relationships" xmlns:p="http://schemas.openxmlformats.org/presentationml/2006/main">
   <p:cSld>
     <p:spTree>
@@ -30348,67 +31442,6 @@
     <p:extLst>
       <p:ext uri="{BB962C8B-B14F-4D97-AF65-F5344CB8AC3E}">
         <p14:creationId xmlns:p14="http://schemas.microsoft.com/office/powerpoint/2010/main" val="1062604478"/>
-      </p:ext>
-    </p:extLst>
-  </p:cSld>
-  <p:clrMapOvr>
-    <a:masterClrMapping/>
-  </p:clrMapOvr>
-  <p:timing>
-    <p:tnLst>
-      <p:par>
-        <p:cTn id="1" dur="indefinite" restart="never" nodeType="tmRoot"/>
-      </p:par>
-    </p:tnLst>
-  </p:timing>
-</p:sld>
-</file>
-
-<file path=ppt/slides/slide89.xml><?xml version="1.0" encoding="utf-8"?>
-<p:sld xmlns:a="http://schemas.openxmlformats.org/drawingml/2006/main" xmlns:r="http://schemas.openxmlformats.org/officeDocument/2006/relationships" xmlns:p="http://schemas.openxmlformats.org/presentationml/2006/main">
-  <p:cSld>
-    <p:spTree>
-      <p:nvGrpSpPr>
-        <p:cNvPr id="1" name=""/>
-        <p:cNvGrpSpPr/>
-        <p:nvPr/>
-      </p:nvGrpSpPr>
-      <p:grpSpPr>
-        <a:xfrm>
-          <a:off x="0" y="0"/>
-          <a:ext cx="0" cy="0"/>
-          <a:chOff x="0" y="0"/>
-          <a:chExt cx="0" cy="0"/>
-        </a:xfrm>
-      </p:grpSpPr>
-      <p:pic>
-        <p:nvPicPr>
-          <p:cNvPr id="2" name="Picture 1"/>
-          <p:cNvPicPr>
-            <a:picLocks noChangeAspect="1"/>
-          </p:cNvPicPr>
-          <p:nvPr/>
-        </p:nvPicPr>
-        <p:blipFill>
-          <a:blip r:embed="rId3"/>
-          <a:stretch>
-            <a:fillRect/>
-          </a:stretch>
-        </p:blipFill>
-        <p:spPr>
-          <a:xfrm>
-            <a:off x="827441" y="464960"/>
-            <a:ext cx="6924675" cy="5905500"/>
-          </a:xfrm>
-          <a:prstGeom prst="rect">
-            <a:avLst/>
-          </a:prstGeom>
-        </p:spPr>
-      </p:pic>
-    </p:spTree>
-    <p:extLst>
-      <p:ext uri="{BB962C8B-B14F-4D97-AF65-F5344CB8AC3E}">
-        <p14:creationId xmlns:p14="http://schemas.microsoft.com/office/powerpoint/2010/main" val="3533732570"/>
       </p:ext>
     </p:extLst>
   </p:cSld>
@@ -30551,6 +31584,67 @@
           <a:chExt cx="0" cy="0"/>
         </a:xfrm>
       </p:grpSpPr>
+      <p:pic>
+        <p:nvPicPr>
+          <p:cNvPr id="2" name="Picture 1"/>
+          <p:cNvPicPr>
+            <a:picLocks noChangeAspect="1"/>
+          </p:cNvPicPr>
+          <p:nvPr/>
+        </p:nvPicPr>
+        <p:blipFill>
+          <a:blip r:embed="rId3"/>
+          <a:stretch>
+            <a:fillRect/>
+          </a:stretch>
+        </p:blipFill>
+        <p:spPr>
+          <a:xfrm>
+            <a:off x="827441" y="464960"/>
+            <a:ext cx="6924675" cy="5905500"/>
+          </a:xfrm>
+          <a:prstGeom prst="rect">
+            <a:avLst/>
+          </a:prstGeom>
+        </p:spPr>
+      </p:pic>
+    </p:spTree>
+    <p:extLst>
+      <p:ext uri="{BB962C8B-B14F-4D97-AF65-F5344CB8AC3E}">
+        <p14:creationId xmlns:p14="http://schemas.microsoft.com/office/powerpoint/2010/main" val="3533732570"/>
+      </p:ext>
+    </p:extLst>
+  </p:cSld>
+  <p:clrMapOvr>
+    <a:masterClrMapping/>
+  </p:clrMapOvr>
+  <p:timing>
+    <p:tnLst>
+      <p:par>
+        <p:cTn id="1" dur="indefinite" restart="never" nodeType="tmRoot"/>
+      </p:par>
+    </p:tnLst>
+  </p:timing>
+</p:sld>
+</file>
+
+<file path=ppt/slides/slide91.xml><?xml version="1.0" encoding="utf-8"?>
+<p:sld xmlns:a="http://schemas.openxmlformats.org/drawingml/2006/main" xmlns:r="http://schemas.openxmlformats.org/officeDocument/2006/relationships" xmlns:p="http://schemas.openxmlformats.org/presentationml/2006/main">
+  <p:cSld>
+    <p:spTree>
+      <p:nvGrpSpPr>
+        <p:cNvPr id="1" name=""/>
+        <p:cNvGrpSpPr/>
+        <p:nvPr/>
+      </p:nvGrpSpPr>
+      <p:grpSpPr>
+        <a:xfrm>
+          <a:off x="0" y="0"/>
+          <a:ext cx="0" cy="0"/>
+          <a:chOff x="0" y="0"/>
+          <a:chExt cx="0" cy="0"/>
+        </a:xfrm>
+      </p:grpSpPr>
       <p:sp>
         <p:nvSpPr>
           <p:cNvPr id="2" name="Title 1"/>
@@ -30642,103 +31736,6 @@
 </p:sld>
 </file>
 
-<file path=ppt/slides/slide91.xml><?xml version="1.0" encoding="utf-8"?>
-<p:sld xmlns:a="http://schemas.openxmlformats.org/drawingml/2006/main" xmlns:r="http://schemas.openxmlformats.org/officeDocument/2006/relationships" xmlns:p="http://schemas.openxmlformats.org/presentationml/2006/main">
-  <p:cSld>
-    <p:spTree>
-      <p:nvGrpSpPr>
-        <p:cNvPr id="1" name=""/>
-        <p:cNvGrpSpPr/>
-        <p:nvPr/>
-      </p:nvGrpSpPr>
-      <p:grpSpPr>
-        <a:xfrm>
-          <a:off x="0" y="0"/>
-          <a:ext cx="0" cy="0"/>
-          <a:chOff x="0" y="0"/>
-          <a:chExt cx="0" cy="0"/>
-        </a:xfrm>
-      </p:grpSpPr>
-      <p:sp>
-        <p:nvSpPr>
-          <p:cNvPr id="2" name="Title 1"/>
-          <p:cNvSpPr>
-            <a:spLocks noGrp="1"/>
-          </p:cNvSpPr>
-          <p:nvPr>
-            <p:ph type="title"/>
-          </p:nvPr>
-        </p:nvSpPr>
-        <p:spPr/>
-        <p:txBody>
-          <a:bodyPr/>
-          <a:lstStyle/>
-          <a:p>
-            <a:r>
-              <a:rPr lang="en-US" dirty="0"/>
-              <a:t>Land of milk, honey, and unicorns</a:t>
-            </a:r>
-          </a:p>
-        </p:txBody>
-      </p:sp>
-      <p:sp>
-        <p:nvSpPr>
-          <p:cNvPr id="3" name="Content Placeholder 2"/>
-          <p:cNvSpPr>
-            <a:spLocks noGrp="1"/>
-          </p:cNvSpPr>
-          <p:nvPr>
-            <p:ph idx="1"/>
-          </p:nvPr>
-        </p:nvSpPr>
-        <p:spPr/>
-        <p:txBody>
-          <a:bodyPr>
-            <a:normAutofit/>
-          </a:bodyPr>
-          <a:lstStyle/>
-          <a:p>
-            <a:r>
-              <a:rPr lang="en-US" dirty="0"/>
-              <a:t>Clean, expressive, </a:t>
-            </a:r>
-            <a:r>
-              <a:rPr lang="en-US" dirty="0" smtClean="0"/>
-              <a:t>resilient</a:t>
-            </a:r>
-            <a:endParaRPr lang="en-US" dirty="0"/>
-          </a:p>
-          <a:p>
-            <a:endParaRPr lang="en-US" dirty="0" smtClean="0"/>
-          </a:p>
-          <a:p>
-            <a:endParaRPr lang="en-US" dirty="0"/>
-          </a:p>
-          <a:p>
-            <a:endParaRPr lang="en-US" dirty="0"/>
-          </a:p>
-        </p:txBody>
-      </p:sp>
-    </p:spTree>
-    <p:extLst>
-      <p:ext uri="{BB962C8B-B14F-4D97-AF65-F5344CB8AC3E}">
-        <p14:creationId xmlns:p14="http://schemas.microsoft.com/office/powerpoint/2010/main" val="1102118946"/>
-      </p:ext>
-    </p:extLst>
-  </p:cSld>
-  <p:clrMapOvr>
-    <a:masterClrMapping/>
-  </p:clrMapOvr>
-  <p:timing>
-    <p:tnLst>
-      <p:par>
-        <p:cTn id="1" dur="indefinite" restart="never" nodeType="tmRoot"/>
-      </p:par>
-    </p:tnLst>
-  </p:timing>
-</p:sld>
-</file>
-
 <file path=ppt/slides/slide92.xml><?xml version="1.0" encoding="utf-8"?>
 <p:sld xmlns:a="http://schemas.openxmlformats.org/drawingml/2006/main" xmlns:r="http://schemas.openxmlformats.org/officeDocument/2006/relationships" xmlns:p="http://schemas.openxmlformats.org/presentationml/2006/main">
   <p:cSld>
@@ -30796,24 +31793,20 @@
           <a:lstStyle/>
           <a:p>
             <a:r>
-              <a:rPr lang="en-US" dirty="0" smtClean="0">
-                <a:solidFill>
-                  <a:schemeClr val="bg1">
-                    <a:lumMod val="75000"/>
-                  </a:schemeClr>
-                </a:solidFill>
-              </a:rPr>
-              <a:t>Clean, expressive, resilient</a:t>
-            </a:r>
-          </a:p>
-          <a:p>
+              <a:rPr lang="en-US" dirty="0"/>
+              <a:t>Clean, expressive, </a:t>
+            </a:r>
+            <a:r>
+              <a:rPr lang="en-US" dirty="0" smtClean="0"/>
+              <a:t>resilient</a:t>
+            </a:r>
             <a:endParaRPr lang="en-US" dirty="0"/>
           </a:p>
           <a:p>
-            <a:r>
-              <a:rPr lang="en-US" dirty="0" smtClean="0"/>
-              <a:t>Test helpers + defaults</a:t>
-            </a:r>
+            <a:endParaRPr lang="en-US" dirty="0" smtClean="0"/>
+          </a:p>
+          <a:p>
+            <a:endParaRPr lang="en-US" dirty="0"/>
           </a:p>
           <a:p>
             <a:endParaRPr lang="en-US" dirty="0"/>
@@ -30823,7 +31816,7 @@
     </p:spTree>
     <p:extLst>
       <p:ext uri="{BB962C8B-B14F-4D97-AF65-F5344CB8AC3E}">
-        <p14:creationId xmlns:p14="http://schemas.microsoft.com/office/powerpoint/2010/main" val="1944472626"/>
+        <p14:creationId xmlns:p14="http://schemas.microsoft.com/office/powerpoint/2010/main" val="1102118946"/>
       </p:ext>
     </p:extLst>
   </p:cSld>
@@ -30912,24 +31905,11 @@
           </a:p>
           <a:p>
             <a:r>
-              <a:rPr lang="en-US" dirty="0" smtClean="0">
-                <a:solidFill>
-                  <a:schemeClr val="bg1">
-                    <a:lumMod val="75000"/>
-                  </a:schemeClr>
-                </a:solidFill>
-              </a:rPr>
+              <a:rPr lang="en-US" dirty="0" smtClean="0"/>
               <a:t>Test helpers + defaults</a:t>
             </a:r>
           </a:p>
           <a:p>
-            <a:endParaRPr lang="en-US" dirty="0"/>
-          </a:p>
-          <a:p>
-            <a:r>
-              <a:rPr lang="en-US" dirty="0" smtClean="0"/>
-              <a:t>Hard to test == too complex. Simplify!</a:t>
-            </a:r>
             <a:endParaRPr lang="en-US" dirty="0"/>
           </a:p>
         </p:txBody>
@@ -30937,7 +31917,7 @@
     </p:spTree>
     <p:extLst>
       <p:ext uri="{BB962C8B-B14F-4D97-AF65-F5344CB8AC3E}">
-        <p14:creationId xmlns:p14="http://schemas.microsoft.com/office/powerpoint/2010/main" val="1097022546"/>
+        <p14:creationId xmlns:p14="http://schemas.microsoft.com/office/powerpoint/2010/main" val="1944472626"/>
       </p:ext>
     </p:extLst>
   </p:cSld>
@@ -31041,6 +32021,120 @@
           </a:p>
           <a:p>
             <a:r>
+              <a:rPr lang="en-US" dirty="0" smtClean="0"/>
+              <a:t>Hard to test == too complex. Simplify!</a:t>
+            </a:r>
+            <a:endParaRPr lang="en-US" dirty="0"/>
+          </a:p>
+        </p:txBody>
+      </p:sp>
+    </p:spTree>
+    <p:extLst>
+      <p:ext uri="{BB962C8B-B14F-4D97-AF65-F5344CB8AC3E}">
+        <p14:creationId xmlns:p14="http://schemas.microsoft.com/office/powerpoint/2010/main" val="1097022546"/>
+      </p:ext>
+    </p:extLst>
+  </p:cSld>
+  <p:clrMapOvr>
+    <a:masterClrMapping/>
+  </p:clrMapOvr>
+  <p:timing>
+    <p:tnLst>
+      <p:par>
+        <p:cTn id="1" dur="indefinite" restart="never" nodeType="tmRoot"/>
+      </p:par>
+    </p:tnLst>
+  </p:timing>
+</p:sld>
+</file>
+
+<file path=ppt/slides/slide95.xml><?xml version="1.0" encoding="utf-8"?>
+<p:sld xmlns:a="http://schemas.openxmlformats.org/drawingml/2006/main" xmlns:r="http://schemas.openxmlformats.org/officeDocument/2006/relationships" xmlns:p="http://schemas.openxmlformats.org/presentationml/2006/main">
+  <p:cSld>
+    <p:spTree>
+      <p:nvGrpSpPr>
+        <p:cNvPr id="1" name=""/>
+        <p:cNvGrpSpPr/>
+        <p:nvPr/>
+      </p:nvGrpSpPr>
+      <p:grpSpPr>
+        <a:xfrm>
+          <a:off x="0" y="0"/>
+          <a:ext cx="0" cy="0"/>
+          <a:chOff x="0" y="0"/>
+          <a:chExt cx="0" cy="0"/>
+        </a:xfrm>
+      </p:grpSpPr>
+      <p:sp>
+        <p:nvSpPr>
+          <p:cNvPr id="2" name="Title 1"/>
+          <p:cNvSpPr>
+            <a:spLocks noGrp="1"/>
+          </p:cNvSpPr>
+          <p:nvPr>
+            <p:ph type="title"/>
+          </p:nvPr>
+        </p:nvSpPr>
+        <p:spPr/>
+        <p:txBody>
+          <a:bodyPr/>
+          <a:lstStyle/>
+          <a:p>
+            <a:r>
+              <a:rPr lang="en-US" dirty="0"/>
+              <a:t>Land of milk, honey, and unicorns</a:t>
+            </a:r>
+          </a:p>
+        </p:txBody>
+      </p:sp>
+      <p:sp>
+        <p:nvSpPr>
+          <p:cNvPr id="3" name="Content Placeholder 2"/>
+          <p:cNvSpPr>
+            <a:spLocks noGrp="1"/>
+          </p:cNvSpPr>
+          <p:nvPr>
+            <p:ph idx="1"/>
+          </p:nvPr>
+        </p:nvSpPr>
+        <p:spPr/>
+        <p:txBody>
+          <a:bodyPr>
+            <a:normAutofit/>
+          </a:bodyPr>
+          <a:lstStyle/>
+          <a:p>
+            <a:r>
+              <a:rPr lang="en-US" dirty="0" smtClean="0">
+                <a:solidFill>
+                  <a:schemeClr val="bg1">
+                    <a:lumMod val="75000"/>
+                  </a:schemeClr>
+                </a:solidFill>
+              </a:rPr>
+              <a:t>Clean, expressive, resilient</a:t>
+            </a:r>
+          </a:p>
+          <a:p>
+            <a:endParaRPr lang="en-US" dirty="0"/>
+          </a:p>
+          <a:p>
+            <a:r>
+              <a:rPr lang="en-US" dirty="0" smtClean="0">
+                <a:solidFill>
+                  <a:schemeClr val="bg1">
+                    <a:lumMod val="75000"/>
+                  </a:schemeClr>
+                </a:solidFill>
+              </a:rPr>
+              <a:t>Test helpers + defaults</a:t>
+            </a:r>
+          </a:p>
+          <a:p>
+            <a:endParaRPr lang="en-US" dirty="0"/>
+          </a:p>
+          <a:p>
+            <a:r>
               <a:rPr lang="en-US" dirty="0" smtClean="0">
                 <a:solidFill>
                   <a:schemeClr val="bg1">
@@ -31083,7 +32177,7 @@
 </p:sld>
 </file>
 
-<file path=ppt/slides/slide95.xml><?xml version="1.0" encoding="utf-8"?>
+<file path=ppt/slides/slide96.xml><?xml version="1.0" encoding="utf-8"?>
 <p:sld xmlns:a="http://schemas.openxmlformats.org/drawingml/2006/main" xmlns:r="http://schemas.openxmlformats.org/officeDocument/2006/relationships" xmlns:p="http://schemas.openxmlformats.org/presentationml/2006/main">
   <p:cSld>
     <p:spTree>
@@ -31171,7 +32265,7 @@
 </p:sld>
 </file>
 
-<file path=ppt/slides/slide96.xml><?xml version="1.0" encoding="utf-8"?>
+<file path=ppt/slides/slide97.xml><?xml version="1.0" encoding="utf-8"?>
 <p:sld xmlns:a="http://schemas.openxmlformats.org/drawingml/2006/main" xmlns:r="http://schemas.openxmlformats.org/officeDocument/2006/relationships" xmlns:p="http://schemas.openxmlformats.org/presentationml/2006/main">
   <p:cSld>
     <p:spTree>

--- a/POETS - Code Palousa 2015.pptx
+++ b/POETS - Code Palousa 2015.pptx
@@ -304,7 +304,7 @@
           <a:p>
             <a:fld id="{C54A4886-B4AF-42F7-97BE-95CDF82A73E3}" type="datetimeFigureOut">
               <a:rPr lang="en-US" smtClean="0"/>
-              <a:t>4/29/2015</a:t>
+              <a:t>11/12/2016</a:t>
             </a:fld>
             <a:endParaRPr lang="en-US"/>
           </a:p>
@@ -893,19 +893,7 @@
                 <a:ea typeface="+mn-ea"/>
                 <a:cs typeface="+mn-cs"/>
               </a:rPr>
-              <a:t>the </a:t>
-            </a:r>
-            <a:r>
-              <a:rPr lang="en-US" sz="1200" kern="1200" dirty="0" smtClean="0">
-                <a:solidFill>
-                  <a:schemeClr val="tx1"/>
-                </a:solidFill>
-                <a:effectLst/>
-                <a:latin typeface="+mn-lt"/>
-                <a:ea typeface="+mn-ea"/>
-                <a:cs typeface="+mn-cs"/>
-              </a:rPr>
-              <a:t>techniques that we developed</a:t>
+              <a:t>the techniques that we developed</a:t>
             </a:r>
             <a:r>
               <a:rPr lang="en-US" sz="1200" kern="1200" baseline="0" dirty="0" smtClean="0">
@@ -917,31 +905,7 @@
                 <a:ea typeface="+mn-ea"/>
                 <a:cs typeface="+mn-cs"/>
               </a:rPr>
-              <a:t> on that original team and </a:t>
-            </a:r>
-            <a:r>
-              <a:rPr lang="en-US" sz="1200" kern="1200" baseline="0" dirty="0" smtClean="0">
-                <a:solidFill>
-                  <a:schemeClr val="tx1"/>
-                </a:solidFill>
-                <a:effectLst/>
-                <a:latin typeface="+mn-lt"/>
-                <a:ea typeface="+mn-ea"/>
-                <a:cs typeface="+mn-cs"/>
-              </a:rPr>
-              <a:t>evolved </a:t>
-            </a:r>
-            <a:r>
-              <a:rPr lang="en-US" sz="1200" kern="1200" baseline="0" dirty="0" smtClean="0">
-                <a:solidFill>
-                  <a:schemeClr val="tx1"/>
-                </a:solidFill>
-                <a:effectLst/>
-                <a:latin typeface="+mn-lt"/>
-                <a:ea typeface="+mn-ea"/>
-                <a:cs typeface="+mn-cs"/>
-              </a:rPr>
-              <a:t>since then to make our tests as easy to write and maintain as possible.</a:t>
+              <a:t> on that original team and evolved since then to make our tests as easy to write and maintain as possible.</a:t>
             </a:r>
             <a:r>
               <a:rPr lang="en-US" sz="1200" kern="1200" dirty="0" smtClean="0">
@@ -1323,11 +1287,17 @@
             </a:pPr>
             <a:r>
               <a:rPr lang="en-US" baseline="0" dirty="0" smtClean="0"/>
-              <a:t>Objects </a:t>
-            </a:r>
+              <a:t>Objects in memory</a:t>
+            </a:r>
+          </a:p>
+          <a:p>
+            <a:pPr marL="171450" indent="-171450">
+              <a:buFont typeface="Arial" panose="020B0604020202020204" pitchFamily="34" charset="0"/>
+              <a:buChar char="•"/>
+            </a:pPr>
             <a:r>
               <a:rPr lang="en-US" baseline="0" dirty="0" smtClean="0"/>
-              <a:t>in memory</a:t>
+              <a:t>Data in a database, </a:t>
             </a:r>
           </a:p>
           <a:p>
@@ -1337,25 +1307,7 @@
             </a:pPr>
             <a:r>
               <a:rPr lang="en-US" baseline="0" dirty="0" smtClean="0"/>
-              <a:t>Data </a:t>
-            </a:r>
-            <a:r>
-              <a:rPr lang="en-US" baseline="0" dirty="0" smtClean="0"/>
-              <a:t>in a database, </a:t>
-            </a:r>
-          </a:p>
-          <a:p>
-            <a:pPr marL="171450" indent="-171450">
-              <a:buFont typeface="Arial" panose="020B0604020202020204" pitchFamily="34" charset="0"/>
-              <a:buChar char="•"/>
-            </a:pPr>
-            <a:r>
-              <a:rPr lang="en-US" baseline="0" dirty="0" smtClean="0"/>
-              <a:t>Files </a:t>
-            </a:r>
-            <a:r>
-              <a:rPr lang="en-US" baseline="0" dirty="0" smtClean="0"/>
-              <a:t>on disk. </a:t>
+              <a:t>Files on disk. </a:t>
             </a:r>
           </a:p>
           <a:p>
@@ -1377,7 +1329,6 @@
               <a:rPr lang="en-US" baseline="0" dirty="0" smtClean="0"/>
               <a:t>Setup in a single test</a:t>
             </a:r>
-            <a:endParaRPr lang="en-US" baseline="0" dirty="0" smtClean="0"/>
           </a:p>
           <a:p>
             <a:endParaRPr lang="en-US" baseline="0" dirty="0" smtClean="0"/>
@@ -2025,27 +1976,11 @@
             </a:r>
             <a:r>
               <a:rPr lang="en-US" b="0" baseline="0" dirty="0" smtClean="0"/>
-              <a:t> setup code often suffers from “noise” </a:t>
-            </a:r>
-            <a:r>
-              <a:rPr lang="en-US" b="0" baseline="0" dirty="0" smtClean="0"/>
-              <a:t>values – OBSCURE </a:t>
+              <a:t> setup code often suffers from “noise” values – OBSCURE </a:t>
             </a:r>
             <a:r>
               <a:rPr lang="en-US" b="0" dirty="0" smtClean="0"/>
-              <a:t>the </a:t>
-            </a:r>
-            <a:r>
-              <a:rPr lang="en-US" b="0" dirty="0" smtClean="0"/>
-              <a:t>data that actually </a:t>
-            </a:r>
-            <a:r>
-              <a:rPr lang="en-US" b="0" dirty="0" smtClean="0"/>
-              <a:t>IMPACT test </a:t>
-            </a:r>
-            <a:r>
-              <a:rPr lang="en-US" b="0" dirty="0" smtClean="0"/>
-              <a:t>outcome.</a:t>
+              <a:t>the data that actually IMPACT test outcome.</a:t>
             </a:r>
             <a:br>
               <a:rPr lang="en-US" b="0" dirty="0" smtClean="0"/>
@@ -2095,23 +2030,11 @@
             </a:r>
             <a:r>
               <a:rPr lang="en-US" b="0" baseline="0" dirty="0" smtClean="0"/>
-              <a:t> </a:t>
-            </a:r>
-            <a:r>
-              <a:rPr lang="en-US" b="0" baseline="0" dirty="0" smtClean="0"/>
-              <a:t>email </a:t>
-            </a:r>
-            <a:r>
-              <a:rPr lang="en-US" b="0" baseline="0" dirty="0" smtClean="0"/>
-              <a:t>address</a:t>
+              <a:t> email address</a:t>
             </a:r>
             <a:r>
               <a:rPr lang="en-US" b="0" dirty="0" smtClean="0"/>
-              <a:t>, which DOES NOT impact the test outcome, is hard to distinguish from other values that DO impact the </a:t>
-            </a:r>
-            <a:r>
-              <a:rPr lang="en-US" b="0" dirty="0" smtClean="0"/>
-              <a:t>test</a:t>
+              <a:t>, which DOES NOT impact the test outcome, is hard to distinguish from other values that DO impact the test</a:t>
             </a:r>
           </a:p>
           <a:p>
@@ -2129,11 +2052,7 @@
             </a:r>
             <a:r>
               <a:rPr lang="en-US" b="0" dirty="0" smtClean="0"/>
-              <a:t>work </a:t>
-            </a:r>
-            <a:r>
-              <a:rPr lang="en-US" b="0" dirty="0" smtClean="0"/>
-              <a:t>harder to</a:t>
+              <a:t>work harder to</a:t>
             </a:r>
             <a:r>
               <a:rPr lang="en-US" b="0" baseline="0" dirty="0" smtClean="0"/>
@@ -2172,27 +2091,7 @@
             </a:pPr>
             <a:r>
               <a:rPr lang="en-US" b="0" baseline="0" dirty="0" smtClean="0"/>
-              <a:t>Clearly </a:t>
-            </a:r>
-            <a:r>
-              <a:rPr lang="en-US" b="0" baseline="0" dirty="0" smtClean="0"/>
-              <a:t>communicate </a:t>
-            </a:r>
-            <a:r>
-              <a:rPr lang="en-US" b="0" baseline="0" dirty="0" smtClean="0"/>
-              <a:t>conditions </a:t>
-            </a:r>
-            <a:r>
-              <a:rPr lang="en-US" b="0" baseline="0" dirty="0" smtClean="0"/>
-              <a:t>under which </a:t>
-            </a:r>
-            <a:r>
-              <a:rPr lang="en-US" b="0" baseline="0" dirty="0" smtClean="0"/>
-              <a:t>assertions </a:t>
-            </a:r>
-            <a:r>
-              <a:rPr lang="en-US" b="0" baseline="0" dirty="0" smtClean="0"/>
-              <a:t>hold true</a:t>
+              <a:t>Clearly communicate conditions under which assertions hold true</a:t>
             </a:r>
           </a:p>
           <a:p>
@@ -2203,10 +2102,6 @@
             <a:r>
               <a:rPr lang="en-US" b="0" baseline="0" dirty="0" smtClean="0"/>
               <a:t>Literal values in setup should be significant or removed</a:t>
-            </a:r>
-            <a:r>
-              <a:rPr lang="en-US" b="0" baseline="0" dirty="0" smtClean="0"/>
-              <a:t/>
             </a:r>
             <a:br>
               <a:rPr lang="en-US" b="0" baseline="0" dirty="0" smtClean="0"/>
@@ -2297,13 +2192,8 @@
           <a:p>
             <a:r>
               <a:rPr lang="en-US" b="0" i="0" baseline="0" dirty="0" smtClean="0"/>
-              <a:t>Finally, poor setup code is often full of duplication, OR it </a:t>
-            </a:r>
-            <a:r>
-              <a:rPr lang="en-US" b="0" i="0" baseline="0" dirty="0" smtClean="0"/>
-              <a:t>incorrectly reuses that logic</a:t>
-            </a:r>
-            <a:endParaRPr lang="en-US" b="0" i="0" baseline="0" dirty="0" smtClean="0"/>
+              <a:t>Finally, poor setup code is often full of duplication, OR it incorrectly reuses that logic</a:t>
+            </a:r>
           </a:p>
           <a:p>
             <a:endParaRPr lang="en-US" b="0" i="0" baseline="0" dirty="0" smtClean="0"/>
@@ -2320,15 +2210,7 @@
           <a:p>
             <a:r>
               <a:rPr lang="en-US" b="0" i="0" baseline="0" dirty="0" smtClean="0"/>
-              <a:t>When logic is incorrectly reused, </a:t>
-            </a:r>
-            <a:r>
-              <a:rPr lang="en-US" b="0" i="0" baseline="0" dirty="0" smtClean="0"/>
-              <a:t>it’s </a:t>
-            </a:r>
-            <a:r>
-              <a:rPr lang="en-US" b="0" i="0" baseline="0" dirty="0" smtClean="0"/>
-              <a:t>harder to maintain.</a:t>
+              <a:t>When logic is incorrectly reused, it’s harder to maintain.</a:t>
             </a:r>
             <a:br>
               <a:rPr lang="en-US" b="0" i="0" baseline="0" dirty="0" smtClean="0"/>
@@ -2358,11 +2240,7 @@
           <a:p>
             <a:r>
               <a:rPr lang="en-US" b="1" dirty="0" smtClean="0"/>
-              <a:t>Transition</a:t>
-            </a:r>
-            <a:r>
-              <a:rPr lang="en-US" b="1" dirty="0" smtClean="0"/>
-              <a:t>:</a:t>
+              <a:t>Transition:</a:t>
             </a:r>
             <a:r>
               <a:rPr lang="en-US" b="1" baseline="0" dirty="0" smtClean="0"/>
@@ -2608,8 +2486,14 @@
                 <a:ea typeface="+mn-ea"/>
                 <a:cs typeface="+mn-cs"/>
               </a:rPr>
-              <a:t>Suck up </a:t>
-            </a:r>
+              <a:t>Suck up TIME when too hard to READ or UNDERSTAND</a:t>
+            </a:r>
+          </a:p>
+          <a:p>
+            <a:pPr marL="171450" indent="-171450">
+              <a:buFont typeface="Arial" panose="020B0604020202020204" pitchFamily="34" charset="0"/>
+              <a:buChar char="•"/>
+            </a:pPr>
             <a:r>
               <a:rPr lang="en-US" sz="1200" kern="1200" baseline="0" dirty="0" smtClean="0">
                 <a:solidFill>
@@ -2620,8 +2504,14 @@
                 <a:ea typeface="+mn-ea"/>
                 <a:cs typeface="+mn-cs"/>
               </a:rPr>
-              <a:t>TIME </a:t>
-            </a:r>
+              <a:t>Suck up MONEY, or company’s money, when hard to maintain</a:t>
+            </a:r>
+          </a:p>
+          <a:p>
+            <a:pPr marL="171450" indent="-171450">
+              <a:buFont typeface="Arial" panose="020B0604020202020204" pitchFamily="34" charset="0"/>
+              <a:buChar char="•"/>
+            </a:pPr>
             <a:r>
               <a:rPr lang="en-US" sz="1200" kern="1200" baseline="0" dirty="0" smtClean="0">
                 <a:solidFill>
@@ -2632,184 +2522,7 @@
                 <a:ea typeface="+mn-ea"/>
                 <a:cs typeface="+mn-cs"/>
               </a:rPr>
-              <a:t>when too hard to READ or UNDERSTAND</a:t>
-            </a:r>
-          </a:p>
-          <a:p>
-            <a:pPr marL="171450" indent="-171450">
-              <a:buFont typeface="Arial" panose="020B0604020202020204" pitchFamily="34" charset="0"/>
-              <a:buChar char="•"/>
-            </a:pPr>
-            <a:r>
-              <a:rPr lang="en-US" sz="1200" kern="1200" baseline="0" dirty="0" smtClean="0">
-                <a:solidFill>
-                  <a:schemeClr val="tx1"/>
-                </a:solidFill>
-                <a:effectLst/>
-                <a:latin typeface="+mn-lt"/>
-                <a:ea typeface="+mn-ea"/>
-                <a:cs typeface="+mn-cs"/>
-              </a:rPr>
-              <a:t>Suck up </a:t>
-            </a:r>
-            <a:r>
-              <a:rPr lang="en-US" sz="1200" kern="1200" baseline="0" dirty="0" smtClean="0">
-                <a:solidFill>
-                  <a:schemeClr val="tx1"/>
-                </a:solidFill>
-                <a:effectLst/>
-                <a:latin typeface="+mn-lt"/>
-                <a:ea typeface="+mn-ea"/>
-                <a:cs typeface="+mn-cs"/>
-              </a:rPr>
-              <a:t>MONEY</a:t>
-            </a:r>
-            <a:r>
-              <a:rPr lang="en-US" sz="1200" kern="1200" baseline="0" dirty="0" smtClean="0">
-                <a:solidFill>
-                  <a:schemeClr val="tx1"/>
-                </a:solidFill>
-                <a:effectLst/>
-                <a:latin typeface="+mn-lt"/>
-                <a:ea typeface="+mn-ea"/>
-                <a:cs typeface="+mn-cs"/>
-              </a:rPr>
-              <a:t>, or </a:t>
-            </a:r>
-            <a:r>
-              <a:rPr lang="en-US" sz="1200" kern="1200" baseline="0" dirty="0" smtClean="0">
-                <a:solidFill>
-                  <a:schemeClr val="tx1"/>
-                </a:solidFill>
-                <a:effectLst/>
-                <a:latin typeface="+mn-lt"/>
-                <a:ea typeface="+mn-ea"/>
-                <a:cs typeface="+mn-cs"/>
-              </a:rPr>
-              <a:t>company’s </a:t>
-            </a:r>
-            <a:r>
-              <a:rPr lang="en-US" sz="1200" kern="1200" baseline="0" dirty="0" smtClean="0">
-                <a:solidFill>
-                  <a:schemeClr val="tx1"/>
-                </a:solidFill>
-                <a:effectLst/>
-                <a:latin typeface="+mn-lt"/>
-                <a:ea typeface="+mn-ea"/>
-                <a:cs typeface="+mn-cs"/>
-              </a:rPr>
-              <a:t>money, when </a:t>
-            </a:r>
-            <a:r>
-              <a:rPr lang="en-US" sz="1200" kern="1200" baseline="0" dirty="0" smtClean="0">
-                <a:solidFill>
-                  <a:schemeClr val="tx1"/>
-                </a:solidFill>
-                <a:effectLst/>
-                <a:latin typeface="+mn-lt"/>
-                <a:ea typeface="+mn-ea"/>
-                <a:cs typeface="+mn-cs"/>
-              </a:rPr>
-              <a:t>hard to maintain</a:t>
-            </a:r>
-            <a:endParaRPr lang="en-US" sz="1200" kern="1200" baseline="0" dirty="0" smtClean="0">
-              <a:solidFill>
-                <a:schemeClr val="tx1"/>
-              </a:solidFill>
-              <a:effectLst/>
-              <a:latin typeface="+mn-lt"/>
-              <a:ea typeface="+mn-ea"/>
-              <a:cs typeface="+mn-cs"/>
-            </a:endParaRPr>
-          </a:p>
-          <a:p>
-            <a:pPr marL="171450" indent="-171450">
-              <a:buFont typeface="Arial" panose="020B0604020202020204" pitchFamily="34" charset="0"/>
-              <a:buChar char="•"/>
-            </a:pPr>
-            <a:r>
-              <a:rPr lang="en-US" sz="1200" kern="1200" baseline="0" dirty="0" smtClean="0">
-                <a:solidFill>
-                  <a:schemeClr val="tx1"/>
-                </a:solidFill>
-                <a:effectLst/>
-                <a:latin typeface="+mn-lt"/>
-                <a:ea typeface="+mn-ea"/>
-                <a:cs typeface="+mn-cs"/>
-              </a:rPr>
-              <a:t>Cause </a:t>
-            </a:r>
-            <a:r>
-              <a:rPr lang="en-US" sz="1200" kern="1200" baseline="0" dirty="0" smtClean="0">
-                <a:solidFill>
-                  <a:schemeClr val="tx1"/>
-                </a:solidFill>
-                <a:effectLst/>
-                <a:latin typeface="+mn-lt"/>
-                <a:ea typeface="+mn-ea"/>
-                <a:cs typeface="+mn-cs"/>
-              </a:rPr>
-              <a:t>frustration </a:t>
-            </a:r>
-            <a:r>
-              <a:rPr lang="en-US" sz="1200" kern="1200" baseline="0" dirty="0" smtClean="0">
-                <a:solidFill>
-                  <a:schemeClr val="tx1"/>
-                </a:solidFill>
-                <a:effectLst/>
-                <a:latin typeface="+mn-lt"/>
-                <a:ea typeface="+mn-ea"/>
-                <a:cs typeface="+mn-cs"/>
-              </a:rPr>
-              <a:t>when </a:t>
-            </a:r>
-            <a:r>
-              <a:rPr lang="en-US" sz="1200" kern="1200" baseline="0" dirty="0" smtClean="0">
-                <a:solidFill>
-                  <a:schemeClr val="tx1"/>
-                </a:solidFill>
-                <a:effectLst/>
-                <a:latin typeface="+mn-lt"/>
-                <a:ea typeface="+mn-ea"/>
-                <a:cs typeface="+mn-cs"/>
-              </a:rPr>
-              <a:t>harder </a:t>
-            </a:r>
-            <a:r>
-              <a:rPr lang="en-US" sz="1200" kern="1200" baseline="0" dirty="0" smtClean="0">
-                <a:solidFill>
-                  <a:schemeClr val="tx1"/>
-                </a:solidFill>
-                <a:effectLst/>
-                <a:latin typeface="+mn-lt"/>
-                <a:ea typeface="+mn-ea"/>
-                <a:cs typeface="+mn-cs"/>
-              </a:rPr>
-              <a:t>than </a:t>
-            </a:r>
-            <a:r>
-              <a:rPr lang="en-US" sz="1200" kern="1200" baseline="0" dirty="0" smtClean="0">
-                <a:solidFill>
-                  <a:schemeClr val="tx1"/>
-                </a:solidFill>
-                <a:effectLst/>
-                <a:latin typeface="+mn-lt"/>
-                <a:ea typeface="+mn-ea"/>
-                <a:cs typeface="+mn-cs"/>
-              </a:rPr>
-              <a:t>should </a:t>
-            </a:r>
-            <a:r>
-              <a:rPr lang="en-US" sz="1200" kern="1200" baseline="0" dirty="0" smtClean="0">
-                <a:solidFill>
-                  <a:schemeClr val="tx1"/>
-                </a:solidFill>
-                <a:effectLst/>
-                <a:latin typeface="+mn-lt"/>
-                <a:ea typeface="+mn-ea"/>
-                <a:cs typeface="+mn-cs"/>
-              </a:rPr>
-              <a:t>be to WRITE NEW tests</a:t>
+              <a:t>Cause frustration when harder than should be to WRITE NEW tests</a:t>
             </a:r>
           </a:p>
           <a:p>
@@ -2846,8 +2559,14 @@
                 <a:ea typeface="+mn-ea"/>
                 <a:cs typeface="+mn-cs"/>
               </a:rPr>
-              <a:t> based on years of experience </a:t>
-            </a:r>
+              <a:t> based on years of experience in the trenches</a:t>
+            </a:r>
+          </a:p>
+          <a:p>
+            <a:pPr marL="171450" indent="-171450">
+              <a:buFont typeface="Arial" panose="020B0604020202020204" pitchFamily="34" charset="0"/>
+              <a:buChar char="•"/>
+            </a:pPr>
             <a:r>
               <a:rPr lang="en-US" sz="1200" kern="1200" baseline="0" dirty="0" smtClean="0">
                 <a:solidFill>
@@ -2858,8 +2577,14 @@
                 <a:ea typeface="+mn-ea"/>
                 <a:cs typeface="+mn-cs"/>
               </a:rPr>
-              <a:t>in </a:t>
-            </a:r>
+              <a:t>Gritted my teeth - took longer to WRITE SINGLE TEST than to implement feature. </a:t>
+            </a:r>
+          </a:p>
+          <a:p>
+            <a:pPr marL="171450" indent="-171450">
+              <a:buFont typeface="Arial" panose="020B0604020202020204" pitchFamily="34" charset="0"/>
+              <a:buChar char="•"/>
+            </a:pPr>
             <a:r>
               <a:rPr lang="en-US" sz="1200" kern="1200" baseline="0" dirty="0" smtClean="0">
                 <a:solidFill>
@@ -2870,8 +2595,14 @@
                 <a:ea typeface="+mn-ea"/>
                 <a:cs typeface="+mn-cs"/>
               </a:rPr>
-              <a:t>the </a:t>
-            </a:r>
+              <a:t>Overwhelmed by confusion trying to UNDERSTAND 3 screens of setup logic. </a:t>
+            </a:r>
+          </a:p>
+          <a:p>
+            <a:pPr marL="171450" indent="-171450">
+              <a:buFont typeface="Arial" panose="020B0604020202020204" pitchFamily="34" charset="0"/>
+              <a:buChar char="•"/>
+            </a:pPr>
             <a:r>
               <a:rPr lang="en-US" sz="1200" kern="1200" baseline="0" dirty="0" smtClean="0">
                 <a:solidFill>
@@ -2882,212 +2613,8 @@
                 <a:ea typeface="+mn-ea"/>
                 <a:cs typeface="+mn-cs"/>
               </a:rPr>
-              <a:t>trenches</a:t>
-            </a:r>
-            <a:endParaRPr lang="en-US" sz="1200" kern="1200" baseline="0" dirty="0" smtClean="0">
-              <a:solidFill>
-                <a:schemeClr val="tx1"/>
-              </a:solidFill>
-              <a:effectLst/>
-              <a:latin typeface="+mn-lt"/>
-              <a:ea typeface="+mn-ea"/>
-              <a:cs typeface="+mn-cs"/>
-            </a:endParaRPr>
-          </a:p>
-          <a:p>
-            <a:pPr marL="171450" indent="-171450">
-              <a:buFont typeface="Arial" panose="020B0604020202020204" pitchFamily="34" charset="0"/>
-              <a:buChar char="•"/>
-            </a:pPr>
-            <a:r>
-              <a:rPr lang="en-US" sz="1200" kern="1200" baseline="0" dirty="0" smtClean="0">
-                <a:solidFill>
-                  <a:schemeClr val="tx1"/>
-                </a:solidFill>
-                <a:effectLst/>
-                <a:latin typeface="+mn-lt"/>
-                <a:ea typeface="+mn-ea"/>
-                <a:cs typeface="+mn-cs"/>
-              </a:rPr>
-              <a:t>Gritted my teeth </a:t>
-            </a:r>
-            <a:r>
-              <a:rPr lang="en-US" sz="1200" kern="1200" baseline="0" dirty="0" smtClean="0">
-                <a:solidFill>
-                  <a:schemeClr val="tx1"/>
-                </a:solidFill>
-                <a:effectLst/>
-                <a:latin typeface="+mn-lt"/>
-                <a:ea typeface="+mn-ea"/>
-                <a:cs typeface="+mn-cs"/>
-              </a:rPr>
-              <a:t>- took longer to WRITE SINGLE TEST than to </a:t>
-            </a:r>
-            <a:r>
-              <a:rPr lang="en-US" sz="1200" kern="1200" baseline="0" dirty="0" smtClean="0">
-                <a:solidFill>
-                  <a:schemeClr val="tx1"/>
-                </a:solidFill>
-                <a:effectLst/>
-                <a:latin typeface="+mn-lt"/>
-                <a:ea typeface="+mn-ea"/>
-                <a:cs typeface="+mn-cs"/>
-              </a:rPr>
-              <a:t>implement </a:t>
-            </a:r>
-            <a:r>
-              <a:rPr lang="en-US" sz="1200" kern="1200" baseline="0" dirty="0" smtClean="0">
-                <a:solidFill>
-                  <a:schemeClr val="tx1"/>
-                </a:solidFill>
-                <a:effectLst/>
-                <a:latin typeface="+mn-lt"/>
-                <a:ea typeface="+mn-ea"/>
-                <a:cs typeface="+mn-cs"/>
-              </a:rPr>
-              <a:t>feature</a:t>
-            </a:r>
-            <a:r>
-              <a:rPr lang="en-US" sz="1200" kern="1200" baseline="0" dirty="0" smtClean="0">
-                <a:solidFill>
-                  <a:schemeClr val="tx1"/>
-                </a:solidFill>
-                <a:effectLst/>
-                <a:latin typeface="+mn-lt"/>
-                <a:ea typeface="+mn-ea"/>
-                <a:cs typeface="+mn-cs"/>
-              </a:rPr>
-              <a:t>. </a:t>
-            </a:r>
-          </a:p>
-          <a:p>
-            <a:pPr marL="171450" indent="-171450">
-              <a:buFont typeface="Arial" panose="020B0604020202020204" pitchFamily="34" charset="0"/>
-              <a:buChar char="•"/>
-            </a:pPr>
-            <a:r>
-              <a:rPr lang="en-US" sz="1200" kern="1200" baseline="0" dirty="0" smtClean="0">
-                <a:solidFill>
-                  <a:schemeClr val="tx1"/>
-                </a:solidFill>
-                <a:effectLst/>
-                <a:latin typeface="+mn-lt"/>
-                <a:ea typeface="+mn-ea"/>
-                <a:cs typeface="+mn-cs"/>
-              </a:rPr>
-              <a:t>Overwhelmed </a:t>
-            </a:r>
-            <a:r>
-              <a:rPr lang="en-US" sz="1200" kern="1200" baseline="0" dirty="0" smtClean="0">
-                <a:solidFill>
-                  <a:schemeClr val="tx1"/>
-                </a:solidFill>
-                <a:effectLst/>
-                <a:latin typeface="+mn-lt"/>
-                <a:ea typeface="+mn-ea"/>
-                <a:cs typeface="+mn-cs"/>
-              </a:rPr>
-              <a:t>by confusion </a:t>
-            </a:r>
-            <a:r>
-              <a:rPr lang="en-US" sz="1200" kern="1200" baseline="0" dirty="0" smtClean="0">
-                <a:solidFill>
-                  <a:schemeClr val="tx1"/>
-                </a:solidFill>
-                <a:effectLst/>
-                <a:latin typeface="+mn-lt"/>
-                <a:ea typeface="+mn-ea"/>
-                <a:cs typeface="+mn-cs"/>
-              </a:rPr>
-              <a:t>trying </a:t>
-            </a:r>
-            <a:r>
-              <a:rPr lang="en-US" sz="1200" kern="1200" baseline="0" dirty="0" smtClean="0">
-                <a:solidFill>
-                  <a:schemeClr val="tx1"/>
-                </a:solidFill>
-                <a:effectLst/>
-                <a:latin typeface="+mn-lt"/>
-                <a:ea typeface="+mn-ea"/>
-                <a:cs typeface="+mn-cs"/>
-              </a:rPr>
-              <a:t>to </a:t>
-            </a:r>
-            <a:r>
-              <a:rPr lang="en-US" sz="1200" kern="1200" baseline="0" dirty="0" smtClean="0">
-                <a:solidFill>
-                  <a:schemeClr val="tx1"/>
-                </a:solidFill>
-                <a:effectLst/>
-                <a:latin typeface="+mn-lt"/>
-                <a:ea typeface="+mn-ea"/>
-                <a:cs typeface="+mn-cs"/>
-              </a:rPr>
-              <a:t>UNDERSTAND 3 screens </a:t>
-            </a:r>
-            <a:r>
-              <a:rPr lang="en-US" sz="1200" kern="1200" baseline="0" dirty="0" smtClean="0">
-                <a:solidFill>
-                  <a:schemeClr val="tx1"/>
-                </a:solidFill>
-                <a:effectLst/>
-                <a:latin typeface="+mn-lt"/>
-                <a:ea typeface="+mn-ea"/>
-                <a:cs typeface="+mn-cs"/>
-              </a:rPr>
-              <a:t>of setup logic. </a:t>
-            </a:r>
-          </a:p>
-          <a:p>
-            <a:pPr marL="171450" indent="-171450">
-              <a:buFont typeface="Arial" panose="020B0604020202020204" pitchFamily="34" charset="0"/>
-              <a:buChar char="•"/>
-            </a:pPr>
-            <a:r>
-              <a:rPr lang="en-US" sz="1200" kern="1200" baseline="0" dirty="0" smtClean="0">
-                <a:solidFill>
-                  <a:schemeClr val="tx1"/>
-                </a:solidFill>
-                <a:effectLst/>
-                <a:latin typeface="+mn-lt"/>
-                <a:ea typeface="+mn-ea"/>
-                <a:cs typeface="+mn-cs"/>
-              </a:rPr>
-              <a:t>SKIPPED writing valuable </a:t>
-            </a:r>
-            <a:r>
-              <a:rPr lang="en-US" sz="1200" kern="1200" baseline="0" dirty="0" smtClean="0">
-                <a:solidFill>
-                  <a:schemeClr val="tx1"/>
-                </a:solidFill>
-                <a:effectLst/>
-                <a:latin typeface="+mn-lt"/>
-                <a:ea typeface="+mn-ea"/>
-                <a:cs typeface="+mn-cs"/>
-              </a:rPr>
-              <a:t>test because it would have been too </a:t>
-            </a:r>
-            <a:r>
-              <a:rPr lang="en-US" sz="1200" kern="1200" baseline="0" dirty="0" smtClean="0">
-                <a:solidFill>
-                  <a:schemeClr val="tx1"/>
-                </a:solidFill>
-                <a:effectLst/>
-                <a:latin typeface="+mn-lt"/>
-                <a:ea typeface="+mn-ea"/>
-                <a:cs typeface="+mn-cs"/>
-              </a:rPr>
-              <a:t>costly</a:t>
-            </a:r>
-            <a:endParaRPr lang="en-US" sz="1200" kern="1200" baseline="0" dirty="0" smtClean="0">
-              <a:solidFill>
-                <a:schemeClr val="tx1"/>
-              </a:solidFill>
-              <a:effectLst/>
-              <a:latin typeface="+mn-lt"/>
-              <a:ea typeface="+mn-ea"/>
-              <a:cs typeface="+mn-cs"/>
-            </a:endParaRPr>
+              <a:t>SKIPPED writing valuable test because it would have been too costly</a:t>
+            </a:r>
           </a:p>
           <a:p>
             <a:endParaRPr lang="en-US" sz="1200" kern="1200" baseline="0" dirty="0" smtClean="0">
@@ -4294,15 +3821,7 @@
             </a:pPr>
             <a:r>
               <a:rPr lang="en-US" b="0" i="0" baseline="0" dirty="0" smtClean="0"/>
-              <a:t>Means that other developers should be able to read and understand our setup code with as </a:t>
-            </a:r>
-            <a:r>
-              <a:rPr lang="en-US" b="0" i="0" baseline="0" dirty="0" smtClean="0"/>
-              <a:t>MINIMAL EFFORT as </a:t>
-            </a:r>
-            <a:r>
-              <a:rPr lang="en-US" b="0" i="0" baseline="0" dirty="0" smtClean="0"/>
-              <a:t>possible</a:t>
+              <a:t>Means that other developers should be able to read and understand our setup code with as MINIMAL EFFORT as possible</a:t>
             </a:r>
           </a:p>
           <a:p>
@@ -4430,11 +3949,7 @@
             </a:pPr>
             <a:r>
               <a:rPr lang="en-US" b="0" i="0" baseline="0" dirty="0" smtClean="0"/>
-              <a:t>Removed unnecessary </a:t>
-            </a:r>
-            <a:r>
-              <a:rPr lang="en-US" b="0" i="0" baseline="0" dirty="0" smtClean="0"/>
-              <a:t>code </a:t>
+              <a:t>Removed unnecessary code </a:t>
             </a:r>
           </a:p>
           <a:p>
@@ -4463,40 +3978,18 @@
             </a:pPr>
             <a:r>
               <a:rPr lang="en-US" b="0" i="0" baseline="0" dirty="0" smtClean="0"/>
-              <a:t>Can’t understand </a:t>
-            </a:r>
+              <a:t>Can’t understand assertions unless we understand context</a:t>
+            </a:r>
+          </a:p>
+          <a:p>
+            <a:pPr marL="171450" indent="-171450">
+              <a:buFont typeface="Arial" panose="020B0604020202020204" pitchFamily="34" charset="0"/>
+              <a:buChar char="•"/>
+            </a:pPr>
             <a:r>
               <a:rPr lang="en-US" b="0" i="0" baseline="0" dirty="0" smtClean="0"/>
-              <a:t>assertions </a:t>
-            </a:r>
-            <a:r>
-              <a:rPr lang="en-US" b="0" i="0" baseline="0" dirty="0" smtClean="0"/>
-              <a:t>unless we understand </a:t>
-            </a:r>
-            <a:r>
-              <a:rPr lang="en-US" b="0" i="0" baseline="0" dirty="0" smtClean="0"/>
-              <a:t>context</a:t>
-            </a:r>
-            <a:endParaRPr lang="en-US" b="0" i="0" baseline="0" dirty="0" smtClean="0"/>
-          </a:p>
-          <a:p>
-            <a:pPr marL="171450" indent="-171450">
-              <a:buFont typeface="Arial" panose="020B0604020202020204" pitchFamily="34" charset="0"/>
-              <a:buChar char="•"/>
-            </a:pPr>
-            <a:r>
-              <a:rPr lang="en-US" b="0" i="0" baseline="0" dirty="0" smtClean="0"/>
-              <a:t>Effortless </a:t>
-            </a:r>
-            <a:r>
-              <a:rPr lang="en-US" b="0" i="0" baseline="0" dirty="0" smtClean="0"/>
-              <a:t>as possible </a:t>
-            </a:r>
-            <a:r>
-              <a:rPr lang="en-US" b="0" i="0" baseline="0" dirty="0" smtClean="0"/>
-              <a:t>to digest</a:t>
-            </a:r>
-            <a:endParaRPr lang="en-US" b="0" i="0" baseline="0" dirty="0" smtClean="0"/>
+              <a:t>Effortless as possible to digest</a:t>
+            </a:r>
           </a:p>
           <a:p>
             <a:endParaRPr lang="en-US" b="0" i="0" baseline="0" dirty="0" smtClean="0"/>
@@ -4741,19 +4234,7 @@
                 <a:ea typeface="+mn-ea"/>
                 <a:cs typeface="+mn-cs"/>
               </a:rPr>
-              <a:t>And I don’t like feeling ashamed when I let my team </a:t>
-            </a:r>
-            <a:r>
-              <a:rPr lang="en-US" sz="1200" kern="1200" baseline="0" dirty="0" smtClean="0">
-                <a:solidFill>
-                  <a:schemeClr val="tx1"/>
-                </a:solidFill>
-                <a:effectLst/>
-                <a:latin typeface="+mn-lt"/>
-                <a:ea typeface="+mn-ea"/>
-                <a:cs typeface="+mn-cs"/>
-              </a:rPr>
-              <a:t>down</a:t>
+              <a:t>And I don’t like feeling ashamed when I let my team down</a:t>
             </a:r>
             <a:endParaRPr lang="en-US" sz="1200" kern="1200" dirty="0" smtClean="0">
               <a:solidFill>
@@ -4812,19 +4293,7 @@
                 <a:ea typeface="+mn-ea"/>
                 <a:cs typeface="+mn-cs"/>
               </a:rPr>
-              <a:t>OUT OF THE DARKNESS and </a:t>
-            </a:r>
-            <a:r>
-              <a:rPr lang="en-US" sz="1200" kern="1200" baseline="0" dirty="0" smtClean="0">
-                <a:solidFill>
-                  <a:schemeClr val="tx1"/>
-                </a:solidFill>
-                <a:effectLst/>
-                <a:latin typeface="+mn-lt"/>
-                <a:ea typeface="+mn-ea"/>
-                <a:cs typeface="+mn-cs"/>
-              </a:rPr>
-              <a:t>into the land of milk, honey and unicorns where tests are easy to write, easy to read, and easy to maintain. </a:t>
+              <a:t>OUT OF THE DARKNESS and into the land of milk, honey and unicorns where tests are easy to write, easy to read, and easy to maintain. </a:t>
             </a:r>
           </a:p>
           <a:p>
@@ -5118,56 +4587,24 @@
             </a:pPr>
             <a:r>
               <a:rPr lang="en-US" i="0" baseline="0" dirty="0" smtClean="0"/>
-              <a:t>Software </a:t>
-            </a:r>
+              <a:t>Software gets complex and you add more rules = lot of similar tests that differ in subtle, but important, ways.</a:t>
+            </a:r>
+          </a:p>
+          <a:p>
+            <a:pPr marL="171450" indent="-171450">
+              <a:buFont typeface="Arial" panose="020B0604020202020204" pitchFamily="34" charset="0"/>
+              <a:buChar char="•"/>
+            </a:pPr>
+            <a:endParaRPr lang="en-US" i="0" baseline="0" dirty="0" smtClean="0"/>
+          </a:p>
+          <a:p>
+            <a:pPr marL="171450" indent="-171450">
+              <a:buFont typeface="Arial" panose="020B0604020202020204" pitchFamily="34" charset="0"/>
+              <a:buChar char="•"/>
+            </a:pPr>
             <a:r>
               <a:rPr lang="en-US" i="0" baseline="0" dirty="0" smtClean="0"/>
-              <a:t>gets complex and you add more </a:t>
-            </a:r>
-            <a:r>
-              <a:rPr lang="en-US" i="0" baseline="0" dirty="0" smtClean="0"/>
-              <a:t>rules = lot </a:t>
-            </a:r>
-            <a:r>
-              <a:rPr lang="en-US" i="0" baseline="0" dirty="0" smtClean="0"/>
-              <a:t>of similar tests that differ in subtle, but important, ways.</a:t>
-            </a:r>
-          </a:p>
-          <a:p>
-            <a:pPr marL="171450" indent="-171450">
-              <a:buFont typeface="Arial" panose="020B0604020202020204" pitchFamily="34" charset="0"/>
-              <a:buChar char="•"/>
-            </a:pPr>
-            <a:endParaRPr lang="en-US" i="0" baseline="0" dirty="0" smtClean="0"/>
-          </a:p>
-          <a:p>
-            <a:pPr marL="171450" indent="-171450">
-              <a:buFont typeface="Arial" panose="020B0604020202020204" pitchFamily="34" charset="0"/>
-              <a:buChar char="•"/>
-            </a:pPr>
-            <a:r>
-              <a:rPr lang="en-US" i="0" baseline="0" dirty="0" smtClean="0"/>
-              <a:t>Easier </a:t>
-            </a:r>
-            <a:r>
-              <a:rPr lang="en-US" i="0" baseline="0" dirty="0" smtClean="0"/>
-              <a:t>to </a:t>
-            </a:r>
-            <a:r>
-              <a:rPr lang="en-US" i="0" baseline="0" dirty="0" smtClean="0"/>
-              <a:t>UNDERSTAND AND MAINTAIN when you </a:t>
-            </a:r>
-            <a:r>
-              <a:rPr lang="en-US" i="0" baseline="0" dirty="0" smtClean="0"/>
-              <a:t>can quickly and </a:t>
-            </a:r>
-            <a:r>
-              <a:rPr lang="en-US" i="0" baseline="0" dirty="0" smtClean="0"/>
-              <a:t>VISUALLY COMPARE them </a:t>
-            </a:r>
-            <a:r>
-              <a:rPr lang="en-US" i="0" baseline="0" dirty="0" smtClean="0"/>
-              <a:t>to see what’s different.</a:t>
+              <a:t>Easier to UNDERSTAND AND MAINTAIN when you can quickly and VISUALLY COMPARE them to see what’s different.</a:t>
             </a:r>
           </a:p>
           <a:p>
@@ -5517,11 +4954,7 @@
             </a:pPr>
             <a:r>
               <a:rPr lang="en-US" b="0" baseline="0" dirty="0" smtClean="0"/>
-              <a:t>Purpose </a:t>
-            </a:r>
-            <a:r>
-              <a:rPr lang="en-US" b="0" baseline="0" dirty="0" smtClean="0"/>
-              <a:t>of this constraint - hyper-focused on the clarity of my setup code. </a:t>
+              <a:t>Purpose of this constraint - hyper-focused on the clarity of my setup code. </a:t>
             </a:r>
             <a:br>
               <a:rPr lang="en-US" b="0" baseline="0" dirty="0" smtClean="0"/>
@@ -5556,8 +4989,14 @@
                 <a:ea typeface="+mn-ea"/>
                 <a:cs typeface="+mn-cs"/>
               </a:rPr>
-              <a:t>Not </a:t>
-            </a:r>
+              <a:t>Not a hard and fast rule</a:t>
+            </a:r>
+          </a:p>
+          <a:p>
+            <a:pPr marL="171450" indent="-171450">
+              <a:buFont typeface="Arial" panose="020B0604020202020204" pitchFamily="34" charset="0"/>
+              <a:buChar char="•"/>
+            </a:pPr>
             <a:r>
               <a:rPr lang="en-US" sz="1200" kern="1200" dirty="0" smtClean="0">
                 <a:solidFill>
@@ -5568,73 +5007,7 @@
                 <a:ea typeface="+mn-ea"/>
                 <a:cs typeface="+mn-cs"/>
               </a:rPr>
-              <a:t>a hard and fast </a:t>
-            </a:r>
-            <a:r>
-              <a:rPr lang="en-US" sz="1200" kern="1200" dirty="0" smtClean="0">
-                <a:solidFill>
-                  <a:schemeClr val="tx1"/>
-                </a:solidFill>
-                <a:effectLst/>
-                <a:latin typeface="+mn-lt"/>
-                <a:ea typeface="+mn-ea"/>
-                <a:cs typeface="+mn-cs"/>
-              </a:rPr>
-              <a:t>rule</a:t>
-            </a:r>
-          </a:p>
-          <a:p>
-            <a:pPr marL="171450" indent="-171450">
-              <a:buFont typeface="Arial" panose="020B0604020202020204" pitchFamily="34" charset="0"/>
-              <a:buChar char="•"/>
-            </a:pPr>
-            <a:r>
-              <a:rPr lang="en-US" sz="1200" kern="1200" dirty="0" smtClean="0">
-                <a:solidFill>
-                  <a:schemeClr val="tx1"/>
-                </a:solidFill>
-                <a:effectLst/>
-                <a:latin typeface="+mn-lt"/>
-                <a:ea typeface="+mn-ea"/>
-                <a:cs typeface="+mn-cs"/>
-              </a:rPr>
-              <a:t>Meet this </a:t>
-            </a:r>
-            <a:r>
-              <a:rPr lang="en-US" sz="1200" kern="1200" dirty="0" smtClean="0">
-                <a:solidFill>
-                  <a:schemeClr val="tx1"/>
-                </a:solidFill>
-                <a:effectLst/>
-                <a:latin typeface="+mn-lt"/>
-                <a:ea typeface="+mn-ea"/>
-                <a:cs typeface="+mn-cs"/>
-              </a:rPr>
-              <a:t>goal </a:t>
-            </a:r>
-            <a:r>
-              <a:rPr lang="en-US" sz="1200" kern="1200" dirty="0" smtClean="0">
-                <a:solidFill>
-                  <a:schemeClr val="tx1"/>
-                </a:solidFill>
-                <a:effectLst/>
-                <a:latin typeface="+mn-lt"/>
-                <a:ea typeface="+mn-ea"/>
-                <a:cs typeface="+mn-cs"/>
-              </a:rPr>
-              <a:t>majority </a:t>
-            </a:r>
-            <a:r>
-              <a:rPr lang="en-US" sz="1200" kern="1200" dirty="0" smtClean="0">
-                <a:solidFill>
-                  <a:schemeClr val="tx1"/>
-                </a:solidFill>
-                <a:effectLst/>
-                <a:latin typeface="+mn-lt"/>
-                <a:ea typeface="+mn-ea"/>
-                <a:cs typeface="+mn-cs"/>
-              </a:rPr>
-              <a:t>of the time.</a:t>
+              <a:t>Meet this goal majority of the time.</a:t>
             </a:r>
           </a:p>
           <a:p>
@@ -7574,40 +6947,24 @@
             </a:r>
             <a:r>
               <a:rPr lang="en-US" baseline="0" dirty="0" smtClean="0"/>
-              <a:t> </a:t>
-            </a:r>
+              <a:t> identify the values or objects in the setup code that ACTUALLY IMPACT the test outcome</a:t>
+            </a:r>
+          </a:p>
+          <a:p>
+            <a:pPr marL="171450" indent="-171450">
+              <a:buFont typeface="Arial" panose="020B0604020202020204" pitchFamily="34" charset="0"/>
+              <a:buChar char="•"/>
+            </a:pPr>
+            <a:endParaRPr lang="en-US" baseline="0" dirty="0" smtClean="0"/>
+          </a:p>
+          <a:p>
+            <a:pPr marL="171450" indent="-171450">
+              <a:buFont typeface="Arial" panose="020B0604020202020204" pitchFamily="34" charset="0"/>
+              <a:buChar char="•"/>
+            </a:pPr>
             <a:r>
               <a:rPr lang="en-US" baseline="0" dirty="0" smtClean="0"/>
-              <a:t>identify the values or objects in the setup code that </a:t>
-            </a:r>
-            <a:r>
-              <a:rPr lang="en-US" baseline="0" dirty="0" smtClean="0"/>
-              <a:t>ACTUALLY IMPACT the </a:t>
-            </a:r>
-            <a:r>
-              <a:rPr lang="en-US" baseline="0" dirty="0" smtClean="0"/>
-              <a:t>test outcome</a:t>
-            </a:r>
-          </a:p>
-          <a:p>
-            <a:pPr marL="171450" indent="-171450">
-              <a:buFont typeface="Arial" panose="020B0604020202020204" pitchFamily="34" charset="0"/>
-              <a:buChar char="•"/>
-            </a:pPr>
-            <a:endParaRPr lang="en-US" baseline="0" dirty="0" smtClean="0"/>
-          </a:p>
-          <a:p>
-            <a:pPr marL="171450" indent="-171450">
-              <a:buFont typeface="Arial" panose="020B0604020202020204" pitchFamily="34" charset="0"/>
-              <a:buChar char="•"/>
-            </a:pPr>
-            <a:r>
-              <a:rPr lang="en-US" baseline="0" dirty="0" smtClean="0"/>
-              <a:t>Clearly </a:t>
-            </a:r>
-            <a:r>
-              <a:rPr lang="en-US" baseline="0" dirty="0" smtClean="0"/>
-              <a:t>communicate HOW and WHY those values impact the test outcome</a:t>
+              <a:t>Clearly communicate HOW and WHY those values impact the test outcome</a:t>
             </a:r>
             <a:br>
               <a:rPr lang="en-US" baseline="0" dirty="0" smtClean="0"/>
@@ -7715,15 +7072,7 @@
             </a:pPr>
             <a:r>
               <a:rPr lang="en-US" b="0" baseline="0" dirty="0" smtClean="0"/>
-              <a:t>The first way to do this is to remove </a:t>
-            </a:r>
-            <a:r>
-              <a:rPr lang="en-US" b="0" baseline="0" dirty="0" smtClean="0"/>
-              <a:t>intermediate </a:t>
-            </a:r>
-            <a:r>
-              <a:rPr lang="en-US" b="0" baseline="0" dirty="0" smtClean="0"/>
-              <a:t>objects and values that don’t impact the test outcome.</a:t>
+              <a:t>The first way to do this is to remove intermediate objects and values that don’t impact the test outcome.</a:t>
             </a:r>
           </a:p>
           <a:p>
@@ -7875,31 +7224,18 @@
             </a:pPr>
             <a:r>
               <a:rPr lang="en-US" b="0" baseline="0" dirty="0" smtClean="0"/>
-              <a:t>Hard to understand </a:t>
-            </a:r>
+              <a:t>Hard to understand when not familiar with those details</a:t>
+            </a:r>
+          </a:p>
+          <a:p>
+            <a:pPr marL="628650" lvl="1" indent="-171450">
+              <a:buFont typeface="Arial" panose="020B0604020202020204" pitchFamily="34" charset="0"/>
+              <a:buChar char="•"/>
+            </a:pPr>
             <a:r>
               <a:rPr lang="en-US" b="0" baseline="0" dirty="0" smtClean="0"/>
-              <a:t>when not familiar </a:t>
-            </a:r>
-            <a:r>
-              <a:rPr lang="en-US" b="0" baseline="0" dirty="0" smtClean="0"/>
-              <a:t>with those details</a:t>
-            </a:r>
-          </a:p>
-          <a:p>
-            <a:pPr marL="628650" lvl="1" indent="-171450">
-              <a:buFont typeface="Arial" panose="020B0604020202020204" pitchFamily="34" charset="0"/>
-              <a:buChar char="•"/>
-            </a:pPr>
-            <a:r>
-              <a:rPr lang="en-US" b="0" baseline="0" dirty="0" smtClean="0"/>
-              <a:t>Hard to figure out </a:t>
-            </a:r>
-            <a:r>
-              <a:rPr lang="en-US" b="0" baseline="0" dirty="0" smtClean="0"/>
-              <a:t>why test started breaking</a:t>
-            </a:r>
-            <a:endParaRPr lang="en-US" b="0" baseline="0" dirty="0" smtClean="0"/>
+              <a:t>Hard to figure out why test started breaking</a:t>
+            </a:r>
           </a:p>
           <a:p>
             <a:pPr marL="171450" lvl="0" indent="-171450">
@@ -8560,113 +7896,70 @@
             </a:r>
             <a:r>
               <a:rPr lang="en-US" baseline="0" dirty="0" smtClean="0"/>
-              <a:t> for </a:t>
-            </a:r>
+              <a:t> for highlighting significant data is to use common naming patterns</a:t>
+            </a:r>
+          </a:p>
+          <a:p>
+            <a:pPr marL="171450" indent="-171450">
+              <a:buFont typeface="Arial" panose="020B0604020202020204" pitchFamily="34" charset="0"/>
+              <a:buChar char="•"/>
+            </a:pPr>
+            <a:endParaRPr lang="en-US" baseline="0" dirty="0" smtClean="0"/>
+          </a:p>
+          <a:p>
+            <a:pPr marL="171450" indent="-171450">
+              <a:buFont typeface="Arial" panose="020B0604020202020204" pitchFamily="34" charset="0"/>
+              <a:buChar char="•"/>
+            </a:pPr>
             <a:r>
               <a:rPr lang="en-US" baseline="0" dirty="0" smtClean="0"/>
-              <a:t>highlighting significant data is to use common naming </a:t>
-            </a:r>
+              <a:t>EX: Tests for search or filter, important to do positive AND negative test</a:t>
+            </a:r>
+          </a:p>
+          <a:p>
+            <a:pPr marL="628650" lvl="1" indent="-171450">
+              <a:buFont typeface="Arial" panose="020B0604020202020204" pitchFamily="34" charset="0"/>
+              <a:buChar char="•"/>
+            </a:pPr>
             <a:r>
               <a:rPr lang="en-US" baseline="0" dirty="0" smtClean="0"/>
-              <a:t>patterns</a:t>
-            </a:r>
-            <a:endParaRPr lang="en-US" baseline="0" dirty="0" smtClean="0"/>
+              <a:t>Just as important code returns the things it should as does NOT return what it shouldn’t</a:t>
+            </a:r>
+            <a:endParaRPr lang="en-US" dirty="0" smtClean="0"/>
+          </a:p>
+          <a:p>
+            <a:endParaRPr lang="en-US" dirty="0" smtClean="0"/>
           </a:p>
           <a:p>
             <a:pPr marL="171450" indent="-171450">
               <a:buFont typeface="Arial" panose="020B0604020202020204" pitchFamily="34" charset="0"/>
               <a:buChar char="•"/>
             </a:pPr>
-            <a:endParaRPr lang="en-US" baseline="0" dirty="0" smtClean="0"/>
-          </a:p>
-          <a:p>
-            <a:pPr marL="171450" indent="-171450">
-              <a:buFont typeface="Arial" panose="020B0604020202020204" pitchFamily="34" charset="0"/>
-              <a:buChar char="•"/>
-            </a:pPr>
             <a:r>
               <a:rPr lang="en-US" baseline="0" dirty="0" smtClean="0"/>
-              <a:t>EX: </a:t>
-            </a:r>
+              <a:t>Convention is to use the term “distractor”</a:t>
+            </a:r>
+            <a:endParaRPr lang="en-US" i="0" baseline="0" dirty="0" smtClean="0"/>
+          </a:p>
+          <a:p>
+            <a:pPr marL="628650" lvl="1" indent="-171450">
+              <a:buFont typeface="Arial" panose="020B0604020202020204" pitchFamily="34" charset="0"/>
+              <a:buChar char="•"/>
+            </a:pPr>
             <a:r>
               <a:rPr lang="en-US" baseline="0" dirty="0" smtClean="0"/>
-              <a:t>Tests </a:t>
-            </a:r>
+              <a:t>Communicates object is not important</a:t>
+            </a:r>
+          </a:p>
+          <a:p>
+            <a:pPr marL="628650" lvl="1" indent="-171450">
+              <a:buFont typeface="Arial" panose="020B0604020202020204" pitchFamily="34" charset="0"/>
+              <a:buChar char="•"/>
+            </a:pPr>
             <a:r>
               <a:rPr lang="en-US" baseline="0" dirty="0" smtClean="0"/>
-              <a:t>for search or filter, important to do positive AND negative test</a:t>
-            </a:r>
-          </a:p>
-          <a:p>
-            <a:pPr marL="628650" lvl="1" indent="-171450">
-              <a:buFont typeface="Arial" panose="020B0604020202020204" pitchFamily="34" charset="0"/>
-              <a:buChar char="•"/>
-            </a:pPr>
-            <a:r>
-              <a:rPr lang="en-US" baseline="0" dirty="0" smtClean="0"/>
-              <a:t>Just as important </a:t>
-            </a:r>
-            <a:r>
-              <a:rPr lang="en-US" baseline="0" dirty="0" smtClean="0"/>
-              <a:t>code </a:t>
-            </a:r>
-            <a:r>
-              <a:rPr lang="en-US" baseline="0" dirty="0" smtClean="0"/>
-              <a:t>returns the things it should as does NOT return what it shouldn’t</a:t>
-            </a:r>
-            <a:endParaRPr lang="en-US" dirty="0" smtClean="0"/>
-          </a:p>
-          <a:p>
-            <a:endParaRPr lang="en-US" dirty="0" smtClean="0"/>
-          </a:p>
-          <a:p>
-            <a:pPr marL="171450" indent="-171450">
-              <a:buFont typeface="Arial" panose="020B0604020202020204" pitchFamily="34" charset="0"/>
-              <a:buChar char="•"/>
-            </a:pPr>
-            <a:r>
-              <a:rPr lang="en-US" baseline="0" dirty="0" smtClean="0"/>
-              <a:t>Convention </a:t>
-            </a:r>
-            <a:r>
-              <a:rPr lang="en-US" baseline="0" dirty="0" smtClean="0"/>
-              <a:t>is to use the term “distractor</a:t>
-            </a:r>
-            <a:r>
-              <a:rPr lang="en-US" baseline="0" dirty="0" smtClean="0"/>
-              <a:t>”</a:t>
-            </a:r>
-            <a:endParaRPr lang="en-US" i="0" baseline="0" dirty="0" smtClean="0"/>
-          </a:p>
-          <a:p>
-            <a:pPr marL="628650" lvl="1" indent="-171450">
-              <a:buFont typeface="Arial" panose="020B0604020202020204" pitchFamily="34" charset="0"/>
-              <a:buChar char="•"/>
-            </a:pPr>
-            <a:r>
-              <a:rPr lang="en-US" baseline="0" dirty="0" smtClean="0"/>
-              <a:t>Communicates object is not </a:t>
-            </a:r>
-            <a:r>
-              <a:rPr lang="en-US" baseline="0" dirty="0" smtClean="0"/>
-              <a:t>important</a:t>
-            </a:r>
-            <a:endParaRPr lang="en-US" baseline="0" dirty="0" smtClean="0"/>
-          </a:p>
-          <a:p>
-            <a:pPr marL="628650" lvl="1" indent="-171450">
-              <a:buFont typeface="Arial" panose="020B0604020202020204" pitchFamily="34" charset="0"/>
-              <a:buChar char="•"/>
-            </a:pPr>
-            <a:r>
-              <a:rPr lang="en-US" baseline="0" dirty="0" smtClean="0"/>
-              <a:t>Use that name consistently, co-workers immediately </a:t>
-            </a:r>
-            <a:r>
-              <a:rPr lang="en-US" baseline="0" dirty="0" smtClean="0"/>
-              <a:t>recognize</a:t>
-            </a:r>
-            <a:endParaRPr lang="en-US" baseline="0" dirty="0" smtClean="0"/>
+              <a:t>Use that name consistently, co-workers immediately recognize</a:t>
+            </a:r>
           </a:p>
           <a:p>
             <a:endParaRPr lang="en-US" baseline="0" dirty="0" smtClean="0"/>
@@ -10012,15 +9305,6 @@
               </a:rPr>
               <a:t> </a:t>
             </a:r>
-            <a:endParaRPr lang="en-US" sz="1200" kern="1200" baseline="0" dirty="0" smtClean="0">
-              <a:solidFill>
-                <a:schemeClr val="tx1"/>
-              </a:solidFill>
-              <a:effectLst/>
-              <a:latin typeface="+mn-lt"/>
-              <a:ea typeface="+mn-ea"/>
-              <a:cs typeface="+mn-cs"/>
-            </a:endParaRPr>
           </a:p>
           <a:p>
             <a:endParaRPr lang="en-US" sz="1200" kern="1200" dirty="0" smtClean="0">
@@ -10286,43 +9570,7 @@
                 <a:ea typeface="+mn-ea"/>
                 <a:cs typeface="+mn-cs"/>
               </a:rPr>
-              <a:t>Not </a:t>
-            </a:r>
-            <a:r>
-              <a:rPr lang="en-US" sz="1200" kern="1200" dirty="0" smtClean="0">
-                <a:solidFill>
-                  <a:schemeClr val="tx1"/>
-                </a:solidFill>
-                <a:effectLst/>
-                <a:latin typeface="+mn-lt"/>
-                <a:ea typeface="+mn-ea"/>
-                <a:cs typeface="+mn-cs"/>
-              </a:rPr>
-              <a:t>a </a:t>
-            </a:r>
-            <a:r>
-              <a:rPr lang="en-US" sz="1200" kern="1200" dirty="0" smtClean="0">
-                <a:solidFill>
-                  <a:schemeClr val="tx1"/>
-                </a:solidFill>
-                <a:effectLst/>
-                <a:latin typeface="+mn-lt"/>
-                <a:ea typeface="+mn-ea"/>
-                <a:cs typeface="+mn-cs"/>
-              </a:rPr>
-              <a:t>fan </a:t>
-            </a:r>
-            <a:r>
-              <a:rPr lang="en-US" sz="1200" kern="1200" dirty="0" smtClean="0">
-                <a:solidFill>
-                  <a:schemeClr val="tx1"/>
-                </a:solidFill>
-                <a:effectLst/>
-                <a:latin typeface="+mn-lt"/>
-                <a:ea typeface="+mn-ea"/>
-                <a:cs typeface="+mn-cs"/>
-              </a:rPr>
-              <a:t>of the Fluent API because it’s very verbose. </a:t>
+              <a:t>Not a fan of the Fluent API because it’s very verbose. </a:t>
             </a:r>
           </a:p>
           <a:p>
@@ -10401,7 +9649,6 @@
               <a:rPr lang="en-US" b="0" baseline="0" dirty="0" smtClean="0"/>
               <a:t>Not happy with results</a:t>
             </a:r>
-            <a:endParaRPr lang="en-US" b="0" baseline="0" dirty="0" smtClean="0"/>
           </a:p>
           <a:p>
             <a:pPr marL="0" lvl="0" indent="0">
@@ -10434,51 +9681,11 @@
             </a:r>
             <a:r>
               <a:rPr lang="en-US" b="0" dirty="0" smtClean="0"/>
-              <a:t> </a:t>
-            </a:r>
-            <a:r>
-              <a:rPr lang="en-US" b="0" dirty="0" smtClean="0"/>
-              <a:t>We </a:t>
-            </a:r>
-            <a:r>
-              <a:rPr lang="en-US" b="0" dirty="0" smtClean="0"/>
-              <a:t>decided </a:t>
-            </a:r>
-            <a:r>
-              <a:rPr lang="en-US" b="0" dirty="0" smtClean="0"/>
-              <a:t>we </a:t>
-            </a:r>
-            <a:r>
-              <a:rPr lang="en-US" b="0" dirty="0" smtClean="0"/>
-              <a:t>wanted something </a:t>
-            </a:r>
-            <a:r>
-              <a:rPr lang="en-US" b="0" dirty="0" smtClean="0"/>
-              <a:t>CONCISE </a:t>
+              <a:t> We decided we wanted something CONCISE </a:t>
             </a:r>
             <a:r>
               <a:rPr lang="en-US" b="0" baseline="0" dirty="0" smtClean="0"/>
-              <a:t>like </a:t>
-            </a:r>
-            <a:r>
-              <a:rPr lang="en-US" b="0" baseline="0" dirty="0" smtClean="0"/>
-              <a:t>Object Mother but </a:t>
-            </a:r>
-            <a:r>
-              <a:rPr lang="en-US" b="0" baseline="0" dirty="0" smtClean="0"/>
-              <a:t>FLEXIBLE like </a:t>
-            </a:r>
-            <a:r>
-              <a:rPr lang="en-US" b="0" baseline="0" dirty="0" smtClean="0"/>
-              <a:t>Data Builder. </a:t>
-            </a:r>
-            <a:r>
-              <a:rPr lang="en-US" b="0" baseline="0" dirty="0" smtClean="0"/>
-              <a:t>Created </a:t>
-            </a:r>
-            <a:r>
-              <a:rPr lang="en-US" b="0" baseline="0" dirty="0" smtClean="0"/>
-              <a:t>a hybrid pattern that takes the best aspects of each.</a:t>
+              <a:t>like Object Mother but FLEXIBLE like Data Builder. Created a hybrid pattern that takes the best aspects of each.</a:t>
             </a:r>
             <a:endParaRPr lang="en-US" b="1" dirty="0" smtClean="0"/>
           </a:p>
@@ -10492,11 +9699,7 @@
           <a:p>
             <a:r>
               <a:rPr lang="en-US" baseline="0" dirty="0" smtClean="0"/>
-              <a:t>We have internally referred to this pattern as “Test Helper”. </a:t>
-            </a:r>
-            <a:r>
-              <a:rPr lang="en-US" baseline="0" dirty="0" smtClean="0"/>
-              <a:t>Name sucks – focus on details of the pattern itself</a:t>
+              <a:t>We have internally referred to this pattern as “Test Helper”. Name sucks – focus on details of the pattern itself</a:t>
             </a:r>
             <a:endParaRPr lang="en-US" b="0" dirty="0" smtClean="0"/>
           </a:p>
@@ -10584,53 +9787,20 @@
           <a:p>
             <a:r>
               <a:rPr lang="en-US" baseline="0" dirty="0" smtClean="0"/>
-              <a:t>“</a:t>
-            </a:r>
+              <a:t>“Test Helper” combines static factory class of Object Mother w/ customizable nature of Data Builder </a:t>
+            </a:r>
+          </a:p>
+          <a:p>
+            <a:endParaRPr lang="en-US" baseline="0" dirty="0" smtClean="0"/>
+          </a:p>
+          <a:p>
+            <a:pPr marL="171450" indent="-171450">
+              <a:buFont typeface="Arial" panose="020B0604020202020204" pitchFamily="34" charset="0"/>
+              <a:buChar char="•"/>
+            </a:pPr>
             <a:r>
               <a:rPr lang="en-US" baseline="0" dirty="0" smtClean="0"/>
-              <a:t>Test Helper” combines </a:t>
-            </a:r>
-            <a:r>
-              <a:rPr lang="en-US" baseline="0" dirty="0" smtClean="0"/>
-              <a:t>static </a:t>
-            </a:r>
-            <a:r>
-              <a:rPr lang="en-US" baseline="0" dirty="0" smtClean="0"/>
-              <a:t>factory class of Object Mother </a:t>
-            </a:r>
-            <a:r>
-              <a:rPr lang="en-US" baseline="0" dirty="0" smtClean="0"/>
-              <a:t>w/ customizable </a:t>
-            </a:r>
-            <a:r>
-              <a:rPr lang="en-US" baseline="0" dirty="0" smtClean="0"/>
-              <a:t>nature of </a:t>
-            </a:r>
-            <a:r>
-              <a:rPr lang="en-US" baseline="0" dirty="0" smtClean="0"/>
-              <a:t>Data Builder </a:t>
-            </a:r>
-            <a:endParaRPr lang="en-US" baseline="0" dirty="0" smtClean="0"/>
-          </a:p>
-          <a:p>
-            <a:endParaRPr lang="en-US" baseline="0" dirty="0" smtClean="0"/>
-          </a:p>
-          <a:p>
-            <a:pPr marL="171450" indent="-171450">
-              <a:buFont typeface="Arial" panose="020B0604020202020204" pitchFamily="34" charset="0"/>
-              <a:buChar char="•"/>
-            </a:pPr>
-            <a:r>
-              <a:rPr lang="en-US" baseline="0" dirty="0" smtClean="0"/>
-              <a:t>Static classes </a:t>
-            </a:r>
-            <a:r>
-              <a:rPr lang="en-US" baseline="0" dirty="0" smtClean="0"/>
-              <a:t>expose </a:t>
-            </a:r>
-            <a:r>
-              <a:rPr lang="en-US" baseline="0" dirty="0" smtClean="0"/>
-              <a:t>SMALL number of GENERIC factory methods.</a:t>
+              <a:t>Static classes expose SMALL number of GENERIC factory methods.</a:t>
             </a:r>
           </a:p>
           <a:p>
@@ -10658,17 +9828,8 @@
             </a:pPr>
             <a:r>
               <a:rPr lang="en-US" b="0" baseline="0" dirty="0" smtClean="0"/>
-              <a:t>Create static </a:t>
-            </a:r>
-            <a:r>
-              <a:rPr lang="en-US" b="0" baseline="0" dirty="0" smtClean="0"/>
-              <a:t>class, one for each </a:t>
-            </a:r>
-            <a:r>
-              <a:rPr lang="en-US" b="0" baseline="0" dirty="0" smtClean="0"/>
-              <a:t>type</a:t>
-            </a:r>
-            <a:endParaRPr lang="en-US" b="0" baseline="0" dirty="0" smtClean="0"/>
+              <a:t>Create static class, one for each type</a:t>
+            </a:r>
           </a:p>
           <a:p>
             <a:pPr marL="628650" lvl="1" indent="-171450">
@@ -10685,25 +9846,8 @@
             </a:r>
             <a:r>
               <a:rPr lang="en-US" b="0" baseline="0" dirty="0" smtClean="0"/>
-              <a:t> </a:t>
-            </a:r>
-            <a:r>
-              <a:rPr lang="en-US" b="0" baseline="0" dirty="0" smtClean="0"/>
-              <a:t>method called Create and </a:t>
-            </a:r>
-            <a:r>
-              <a:rPr lang="en-US" b="0" baseline="0" dirty="0" smtClean="0"/>
-              <a:t>expose </a:t>
-            </a:r>
-            <a:r>
-              <a:rPr lang="en-US" b="0" baseline="0" dirty="0" smtClean="0"/>
-              <a:t>each customizable property as </a:t>
-            </a:r>
-            <a:r>
-              <a:rPr lang="en-US" b="0" baseline="0" dirty="0" smtClean="0"/>
-              <a:t>method parameter</a:t>
-            </a:r>
-            <a:endParaRPr lang="en-US" b="0" baseline="0" dirty="0" smtClean="0"/>
+              <a:t> method called Create and expose each customizable property as method parameter</a:t>
+            </a:r>
           </a:p>
           <a:p>
             <a:pPr marL="171450" lvl="0" indent="-171450">
@@ -11967,45 +11111,17 @@
             </a:r>
             <a:r>
               <a:rPr lang="en-US" baseline="0" dirty="0" smtClean="0"/>
-              <a:t> </a:t>
-            </a:r>
+              <a:t> need to customize object in a way helper wasn’t built to support</a:t>
+            </a:r>
+          </a:p>
+          <a:p>
+            <a:pPr marL="628650" lvl="1" indent="-171450">
+              <a:buFont typeface="Arial" panose="020B0604020202020204" pitchFamily="34" charset="0"/>
+              <a:buChar char="•"/>
+            </a:pPr>
             <a:r>
               <a:rPr lang="en-US" baseline="0" dirty="0" smtClean="0"/>
-              <a:t>need </a:t>
-            </a:r>
-            <a:r>
-              <a:rPr lang="en-US" baseline="0" dirty="0" smtClean="0"/>
-              <a:t>to customize </a:t>
-            </a:r>
-            <a:r>
-              <a:rPr lang="en-US" baseline="0" dirty="0" smtClean="0"/>
-              <a:t>object </a:t>
-            </a:r>
-            <a:r>
-              <a:rPr lang="en-US" baseline="0" dirty="0" smtClean="0"/>
-              <a:t>in a way </a:t>
-            </a:r>
-            <a:r>
-              <a:rPr lang="en-US" baseline="0" dirty="0" smtClean="0"/>
-              <a:t>helper </a:t>
-            </a:r>
-            <a:r>
-              <a:rPr lang="en-US" baseline="0" dirty="0" smtClean="0"/>
-              <a:t>wasn’t built to support</a:t>
-            </a:r>
-          </a:p>
-          <a:p>
-            <a:pPr marL="628650" lvl="1" indent="-171450">
-              <a:buFont typeface="Arial" panose="020B0604020202020204" pitchFamily="34" charset="0"/>
-              <a:buChar char="•"/>
-            </a:pPr>
-            <a:r>
-              <a:rPr lang="en-US" baseline="0" dirty="0" smtClean="0"/>
-              <a:t>Modify properties not exposed </a:t>
-            </a:r>
-            <a:r>
-              <a:rPr lang="en-US" baseline="0" dirty="0" smtClean="0"/>
-              <a:t>as </a:t>
+              <a:t>Modify properties not exposed as </a:t>
             </a:r>
             <a:r>
               <a:rPr lang="en-US" baseline="0" dirty="0" err="1" smtClean="0"/>
@@ -12022,7 +11138,6 @@
               <a:rPr lang="en-US" baseline="0" dirty="0" smtClean="0"/>
               <a:t>Something more complex</a:t>
             </a:r>
-            <a:endParaRPr lang="en-US" baseline="0" dirty="0" smtClean="0"/>
           </a:p>
           <a:p>
             <a:pPr marL="628650" lvl="1" indent="-171450">
@@ -12135,11 +11250,7 @@
             </a:pPr>
             <a:r>
               <a:rPr lang="en-US" baseline="0" dirty="0" smtClean="0"/>
-              <a:t>AVOID </a:t>
-            </a:r>
-            <a:r>
-              <a:rPr lang="en-US" baseline="0" dirty="0" smtClean="0"/>
-              <a:t>this if you can</a:t>
+              <a:t>AVOID this if you can</a:t>
             </a:r>
           </a:p>
           <a:p>
@@ -12345,7 +11456,6 @@
               <a:rPr lang="en-US" baseline="0" dirty="0" smtClean="0"/>
               <a:t>(explain)</a:t>
             </a:r>
-            <a:endParaRPr lang="en-US" baseline="0" dirty="0" smtClean="0"/>
           </a:p>
           <a:p>
             <a:pPr marL="628650" lvl="1" indent="-171450">
@@ -12364,30 +11474,17 @@
             </a:pPr>
             <a:r>
               <a:rPr lang="en-US" baseline="0" dirty="0" smtClean="0"/>
-              <a:t>1) </a:t>
-            </a:r>
+              <a:t>1) Gets messy or complicated if you have lots of logic</a:t>
+            </a:r>
+          </a:p>
+          <a:p>
+            <a:pPr marL="1085850" lvl="2" indent="-171450">
+              <a:buFont typeface="Arial" panose="020B0604020202020204" pitchFamily="34" charset="0"/>
+              <a:buChar char="•"/>
+            </a:pPr>
             <a:r>
               <a:rPr lang="en-US" baseline="0" dirty="0" smtClean="0"/>
-              <a:t>Gets messy or complicated if you have lots of logic</a:t>
-            </a:r>
-            <a:endParaRPr lang="en-US" baseline="0" dirty="0" smtClean="0"/>
-          </a:p>
-          <a:p>
-            <a:pPr marL="1085850" lvl="2" indent="-171450">
-              <a:buFont typeface="Arial" panose="020B0604020202020204" pitchFamily="34" charset="0"/>
-              <a:buChar char="•"/>
-            </a:pPr>
-            <a:r>
-              <a:rPr lang="en-US" baseline="0" dirty="0" smtClean="0"/>
-              <a:t>2) </a:t>
-            </a:r>
-            <a:r>
-              <a:rPr lang="en-US" baseline="0" dirty="0" smtClean="0"/>
-              <a:t>No </a:t>
-            </a:r>
-            <a:r>
-              <a:rPr lang="en-US" baseline="0" dirty="0" smtClean="0"/>
-              <a:t>easy way to search your test code for all places that are creating a Shipped order</a:t>
+              <a:t>2) No easy way to search your test code for all places that are creating a Shipped order</a:t>
             </a:r>
           </a:p>
           <a:p>
@@ -12499,15 +11596,21 @@
           <a:p>
             <a:r>
               <a:rPr lang="en-US" b="0" baseline="0" dirty="0" smtClean="0"/>
-              <a:t>This helper method is </a:t>
-            </a:r>
+              <a:t>This helper method is purpose built for creating shipped orders.</a:t>
+            </a:r>
+          </a:p>
+          <a:p>
+            <a:endParaRPr lang="en-US" b="0" baseline="0" dirty="0" smtClean="0"/>
+          </a:p>
+          <a:p>
+            <a:pPr marL="171450" indent="-171450">
+              <a:buFont typeface="Arial" panose="020B0604020202020204" pitchFamily="34" charset="0"/>
+              <a:buChar char="•"/>
+            </a:pPr>
             <a:r>
               <a:rPr lang="en-US" b="0" baseline="0" dirty="0" smtClean="0"/>
-              <a:t>purpose built for creating shipped orders.</a:t>
-            </a:r>
-          </a:p>
-          <a:p>
-            <a:endParaRPr lang="en-US" b="0" baseline="0" dirty="0" smtClean="0"/>
+              <a:t>no longer need to expose the shipping status as a parameter</a:t>
+            </a:r>
           </a:p>
           <a:p>
             <a:pPr marL="171450" indent="-171450">
@@ -12516,37 +11619,7 @@
             </a:pPr>
             <a:r>
               <a:rPr lang="en-US" b="0" baseline="0" dirty="0" smtClean="0"/>
-              <a:t>no </a:t>
-            </a:r>
-            <a:r>
-              <a:rPr lang="en-US" b="0" baseline="0" dirty="0" smtClean="0"/>
-              <a:t>longer need to expose the shipping status as a </a:t>
-            </a:r>
-            <a:r>
-              <a:rPr lang="en-US" b="0" baseline="0" dirty="0" smtClean="0"/>
-              <a:t>parameter</a:t>
-            </a:r>
-          </a:p>
-          <a:p>
-            <a:pPr marL="171450" indent="-171450">
-              <a:buFont typeface="Arial" panose="020B0604020202020204" pitchFamily="34" charset="0"/>
-              <a:buChar char="•"/>
-            </a:pPr>
-            <a:r>
-              <a:rPr lang="en-US" b="0" baseline="0" dirty="0" smtClean="0"/>
-              <a:t>no </a:t>
-            </a:r>
-            <a:r>
-              <a:rPr lang="en-US" b="0" baseline="0" dirty="0" smtClean="0"/>
-              <a:t>longer need </a:t>
-            </a:r>
-            <a:r>
-              <a:rPr lang="en-US" b="0" baseline="0" dirty="0" smtClean="0"/>
-              <a:t>shipping </a:t>
-            </a:r>
-            <a:r>
-              <a:rPr lang="en-US" b="0" baseline="0" dirty="0" smtClean="0"/>
-              <a:t>method and ship date to default to null. </a:t>
+              <a:t>no longer need shipping method and ship date to default to null. </a:t>
             </a:r>
           </a:p>
           <a:p>
@@ -12578,31 +11651,7 @@
             </a:r>
             <a:r>
               <a:rPr lang="en-US" b="0" baseline="0" dirty="0" smtClean="0"/>
-              <a:t> </a:t>
-            </a:r>
-            <a:r>
-              <a:rPr lang="en-US" b="0" baseline="0" dirty="0" smtClean="0"/>
-              <a:t>Do sparingly </a:t>
-            </a:r>
-            <a:r>
-              <a:rPr lang="en-US" b="0" baseline="0" dirty="0" smtClean="0"/>
-              <a:t>because </a:t>
-            </a:r>
-            <a:r>
-              <a:rPr lang="en-US" b="0" baseline="0" dirty="0" smtClean="0"/>
-              <a:t>same </a:t>
-            </a:r>
-            <a:r>
-              <a:rPr lang="en-US" b="0" baseline="0" dirty="0" smtClean="0"/>
-              <a:t>drawbacks as </a:t>
-            </a:r>
-            <a:r>
-              <a:rPr lang="en-US" b="0" baseline="0" dirty="0" smtClean="0"/>
-              <a:t>Object Mother. I </a:t>
-            </a:r>
-            <a:r>
-              <a:rPr lang="en-US" b="0" baseline="0" dirty="0" smtClean="0"/>
-              <a:t>tend to have a small number of factory methods for very common and coarse grained specification, and then rely on parameters to specialize the data further.</a:t>
+              <a:t> Do sparingly because same drawbacks as Object Mother. I tend to have a small number of factory methods for very common and coarse grained specification, and then rely on parameters to specialize the data further.</a:t>
             </a:r>
             <a:endParaRPr lang="en-US" b="1" baseline="0" dirty="0" smtClean="0"/>
           </a:p>
@@ -12690,23 +11739,7 @@
           <a:p>
             <a:r>
               <a:rPr lang="en-US" baseline="0" dirty="0" smtClean="0"/>
-              <a:t>Another key point </a:t>
-            </a:r>
-            <a:r>
-              <a:rPr lang="en-US" baseline="0" dirty="0" smtClean="0"/>
-              <a:t>is </a:t>
-            </a:r>
-            <a:r>
-              <a:rPr lang="en-US" baseline="0" dirty="0" smtClean="0"/>
-              <a:t>that </a:t>
-            </a:r>
-            <a:r>
-              <a:rPr lang="en-US" baseline="0" dirty="0" smtClean="0"/>
-              <a:t>helpers </a:t>
-            </a:r>
-            <a:r>
-              <a:rPr lang="en-US" baseline="0" dirty="0" smtClean="0"/>
-              <a:t>should be declarative in nature. </a:t>
+              <a:t>Another key point is that helpers should be declarative in nature. </a:t>
             </a:r>
           </a:p>
           <a:p>
@@ -12723,11 +11756,7 @@
             </a:r>
             <a:r>
               <a:rPr lang="en-US" i="0" baseline="0" dirty="0" smtClean="0"/>
-              <a:t>is being created </a:t>
-            </a:r>
-            <a:r>
-              <a:rPr lang="en-US" i="0" baseline="0" dirty="0" smtClean="0"/>
-              <a:t>not </a:t>
+              <a:t>is being created not </a:t>
             </a:r>
             <a:r>
               <a:rPr lang="en-US" i="1" baseline="0" dirty="0" smtClean="0"/>
@@ -12742,7 +11771,6 @@
               <a:rPr lang="en-US" i="0" baseline="0" dirty="0" smtClean="0"/>
               <a:t>Let the helper deal with the ACTUAL domain model – keep tests clean and expressive</a:t>
             </a:r>
-            <a:endParaRPr lang="en-US" i="0" baseline="0" dirty="0" smtClean="0"/>
           </a:p>
           <a:p>
             <a:pPr marL="628650" lvl="1" indent="-171450">
@@ -12760,7 +11788,6 @@
               <a:rPr lang="en-US" baseline="0" dirty="0" smtClean="0"/>
               <a:t>Example: multiple payments</a:t>
             </a:r>
-            <a:endParaRPr lang="en-US" baseline="0" dirty="0" smtClean="0"/>
           </a:p>
           <a:p>
             <a:pPr marL="628650" lvl="1" indent="-171450">
@@ -12771,7 +11798,6 @@
               <a:rPr lang="en-US" baseline="0" dirty="0" smtClean="0"/>
               <a:t>Order has Payments collection – multiple statements to add multiple pays</a:t>
             </a:r>
-            <a:endParaRPr lang="en-US" baseline="0" dirty="0" smtClean="0"/>
           </a:p>
           <a:p>
             <a:pPr marL="628650" lvl="1" indent="-171450">
@@ -12799,7 +11825,6 @@
               <a:rPr lang="en-US" baseline="0" dirty="0" smtClean="0"/>
               <a:t>Resilient – domain model can change, tests may not</a:t>
             </a:r>
-            <a:endParaRPr lang="en-US" baseline="0" dirty="0" smtClean="0"/>
           </a:p>
         </p:txBody>
       </p:sp>
@@ -14815,32 +13840,18 @@
             </a:pPr>
             <a:r>
               <a:rPr lang="en-US" baseline="0" dirty="0" smtClean="0"/>
-              <a:t>Can’t just new up </a:t>
-            </a:r>
+              <a:t>Can’t just new up things and save them</a:t>
+            </a:r>
+          </a:p>
+          <a:p>
+            <a:pPr marL="628650" lvl="1" indent="-171450">
+              <a:buFont typeface="Arial" panose="020B0604020202020204" pitchFamily="34" charset="0"/>
+              <a:buChar char="•"/>
+            </a:pPr>
             <a:r>
               <a:rPr lang="en-US" baseline="0" dirty="0" smtClean="0"/>
-              <a:t>things and save them</a:t>
-            </a:r>
-            <a:endParaRPr lang="en-US" baseline="0" dirty="0" smtClean="0"/>
-          </a:p>
-          <a:p>
-            <a:pPr marL="628650" lvl="1" indent="-171450">
-              <a:buFont typeface="Arial" panose="020B0604020202020204" pitchFamily="34" charset="0"/>
-              <a:buChar char="•"/>
-            </a:pPr>
-            <a:r>
-              <a:rPr lang="en-US" baseline="0" dirty="0" smtClean="0"/>
-              <a:t>New </a:t>
-            </a:r>
-            <a:r>
-              <a:rPr lang="en-US" baseline="0" dirty="0" smtClean="0"/>
-              <a:t>up entire object </a:t>
-            </a:r>
-            <a:r>
-              <a:rPr lang="en-US" baseline="0" dirty="0" smtClean="0"/>
-              <a:t>graph – save in correct sequence – update all ids</a:t>
-            </a:r>
-            <a:endParaRPr lang="en-US" baseline="0" dirty="0" smtClean="0"/>
+              <a:t>New up entire object graph – save in correct sequence – update all ids</a:t>
+            </a:r>
           </a:p>
           <a:p>
             <a:endParaRPr lang="en-US" baseline="0" dirty="0" smtClean="0"/>
@@ -15821,52 +14832,24 @@
             </a:r>
             <a:r>
               <a:rPr lang="en-US" dirty="0" smtClean="0"/>
-              <a:t>Finally</a:t>
-            </a:r>
+              <a:t>Finally, prevent test data from lingering around when our test run is over</a:t>
+            </a:r>
+          </a:p>
+          <a:p>
+            <a:pPr marL="171450" indent="-171450">
+              <a:buFont typeface="Arial" panose="020B0604020202020204" pitchFamily="34" charset="0"/>
+              <a:buChar char="•"/>
+            </a:pPr>
+            <a:endParaRPr lang="en-US" dirty="0" smtClean="0"/>
+          </a:p>
+          <a:p>
+            <a:pPr marL="171450" indent="-171450">
+              <a:buFont typeface="Arial" panose="020B0604020202020204" pitchFamily="34" charset="0"/>
+              <a:buChar char="•"/>
+            </a:pPr>
             <a:r>
               <a:rPr lang="en-US" dirty="0" smtClean="0"/>
-              <a:t>, </a:t>
-            </a:r>
-            <a:r>
-              <a:rPr lang="en-US" dirty="0" smtClean="0"/>
-              <a:t>prevent test </a:t>
-            </a:r>
-            <a:r>
-              <a:rPr lang="en-US" dirty="0" smtClean="0"/>
-              <a:t>data from lingering around when our test run is over</a:t>
-            </a:r>
-          </a:p>
-          <a:p>
-            <a:pPr marL="171450" indent="-171450">
-              <a:buFont typeface="Arial" panose="020B0604020202020204" pitchFamily="34" charset="0"/>
-              <a:buChar char="•"/>
-            </a:pPr>
-            <a:endParaRPr lang="en-US" dirty="0" smtClean="0"/>
-          </a:p>
-          <a:p>
-            <a:pPr marL="171450" indent="-171450">
-              <a:buFont typeface="Arial" panose="020B0604020202020204" pitchFamily="34" charset="0"/>
-              <a:buChar char="•"/>
-            </a:pPr>
-            <a:r>
-              <a:rPr lang="en-US" dirty="0" smtClean="0"/>
-              <a:t>Could reset database </a:t>
-            </a:r>
-            <a:r>
-              <a:rPr lang="en-US" dirty="0" smtClean="0"/>
-              <a:t>to </a:t>
-            </a:r>
-            <a:r>
-              <a:rPr lang="en-US" dirty="0" smtClean="0"/>
-              <a:t>known </a:t>
-            </a:r>
-            <a:r>
-              <a:rPr lang="en-US" dirty="0" smtClean="0"/>
-              <a:t>state </a:t>
-            </a:r>
-            <a:r>
-              <a:rPr lang="en-US" dirty="0" smtClean="0"/>
-              <a:t>– blows away</a:t>
+              <a:t>Could reset database to known state – blows away</a:t>
             </a:r>
             <a:r>
               <a:rPr lang="en-US" baseline="0" dirty="0" smtClean="0"/>
@@ -17227,75 +16210,25 @@
             </a:pPr>
             <a:r>
               <a:rPr lang="en-US" baseline="0" dirty="0" smtClean="0"/>
-              <a:t>About an hour ago I made </a:t>
-            </a:r>
+              <a:t>About an hour ago I made assertion that your tests suck. Suck up TIME, ENERGY and MONEY and leave you FRUSTRATED. I promised to lead you OUT OF DARKNESS and into the land of milk, honey and unicorns…</a:t>
+            </a:r>
+          </a:p>
+          <a:p>
+            <a:pPr marL="0" indent="0">
+              <a:buFont typeface="Arial" panose="020B0604020202020204" pitchFamily="34" charset="0"/>
+              <a:buNone/>
+            </a:pPr>
+            <a:endParaRPr lang="en-US" baseline="0" dirty="0" smtClean="0"/>
+          </a:p>
+          <a:p>
+            <a:pPr marL="0" indent="0">
+              <a:buFont typeface="Arial" panose="020B0604020202020204" pitchFamily="34" charset="0"/>
+              <a:buNone/>
+            </a:pPr>
             <a:r>
               <a:rPr lang="en-US" baseline="0" dirty="0" smtClean="0"/>
-              <a:t>assertion </a:t>
-            </a:r>
-            <a:r>
-              <a:rPr lang="en-US" baseline="0" dirty="0" smtClean="0"/>
-              <a:t>that your tests suck. </a:t>
-            </a:r>
-            <a:r>
-              <a:rPr lang="en-US" baseline="0" dirty="0" smtClean="0"/>
-              <a:t>Suck up TIME, ENERGY and MONEY and leave </a:t>
-            </a:r>
-            <a:r>
-              <a:rPr lang="en-US" baseline="0" dirty="0" smtClean="0"/>
-              <a:t>you </a:t>
-            </a:r>
-            <a:r>
-              <a:rPr lang="en-US" baseline="0" dirty="0" smtClean="0"/>
-              <a:t>FRUSTRATED. </a:t>
-            </a:r>
-            <a:r>
-              <a:rPr lang="en-US" baseline="0" dirty="0" smtClean="0"/>
-              <a:t>I promised to lead you </a:t>
-            </a:r>
-            <a:r>
-              <a:rPr lang="en-US" baseline="0" dirty="0" smtClean="0"/>
-              <a:t>OUT OF DARKNESS and </a:t>
-            </a:r>
-            <a:r>
-              <a:rPr lang="en-US" baseline="0" dirty="0" smtClean="0"/>
-              <a:t>into the land of milk, honey and </a:t>
-            </a:r>
-            <a:r>
-              <a:rPr lang="en-US" baseline="0" dirty="0" smtClean="0"/>
-              <a:t>unicorns…</a:t>
-            </a:r>
-            <a:endParaRPr lang="en-US" baseline="0" dirty="0" smtClean="0"/>
-          </a:p>
-          <a:p>
-            <a:pPr marL="0" indent="0">
-              <a:buFont typeface="Arial" panose="020B0604020202020204" pitchFamily="34" charset="0"/>
-              <a:buNone/>
-            </a:pPr>
-            <a:endParaRPr lang="en-US" baseline="0" dirty="0" smtClean="0"/>
-          </a:p>
-          <a:p>
-            <a:pPr marL="0" indent="0">
-              <a:buFont typeface="Arial" panose="020B0604020202020204" pitchFamily="34" charset="0"/>
-              <a:buNone/>
-            </a:pPr>
-            <a:r>
-              <a:rPr lang="en-US" baseline="0" dirty="0" smtClean="0"/>
-              <a:t>New </a:t>
-            </a:r>
-            <a:r>
-              <a:rPr lang="en-US" baseline="0" dirty="0" smtClean="0"/>
-              <a:t>assertion is </a:t>
-            </a:r>
-            <a:r>
-              <a:rPr lang="en-US" baseline="0" dirty="0" smtClean="0"/>
-              <a:t>your </a:t>
-            </a:r>
-            <a:r>
-              <a:rPr lang="en-US" baseline="0" dirty="0" smtClean="0"/>
-              <a:t>tests aren’t going to suck any longer. </a:t>
-            </a:r>
-            <a:endParaRPr lang="en-US" baseline="0" dirty="0" smtClean="0"/>
+              <a:t>New assertion is your tests aren’t going to suck any longer. </a:t>
+            </a:r>
           </a:p>
           <a:p>
             <a:pPr marL="171450" indent="-171450">
@@ -17334,19 +16267,7 @@
             </a:pPr>
             <a:r>
               <a:rPr lang="en-US" baseline="0" dirty="0" smtClean="0"/>
-              <a:t>Given everything to </a:t>
-            </a:r>
-            <a:r>
-              <a:rPr lang="en-US" baseline="0" dirty="0" smtClean="0"/>
-              <a:t>keep </a:t>
-            </a:r>
-            <a:r>
-              <a:rPr lang="en-US" baseline="0" dirty="0" smtClean="0"/>
-              <a:t>assertion </a:t>
-            </a:r>
-            <a:r>
-              <a:rPr lang="en-US" baseline="0" dirty="0" smtClean="0"/>
-              <a:t>green.</a:t>
+              <a:t>Given everything to keep assertion green.</a:t>
             </a:r>
           </a:p>
           <a:p>
@@ -17654,7 +16575,7 @@
           <a:p>
             <a:fld id="{75AA6396-395E-4ADA-8EE5-F328BC863A04}" type="datetimeFigureOut">
               <a:rPr lang="en-US" smtClean="0"/>
-              <a:t>4/29/2015</a:t>
+              <a:t>11/12/2016</a:t>
             </a:fld>
             <a:endParaRPr lang="en-US"/>
           </a:p>
@@ -17831,7 +16752,7 @@
           <a:p>
             <a:fld id="{75AA6396-395E-4ADA-8EE5-F328BC863A04}" type="datetimeFigureOut">
               <a:rPr lang="en-US" smtClean="0"/>
-              <a:t>4/29/2015</a:t>
+              <a:t>11/12/2016</a:t>
             </a:fld>
             <a:endParaRPr lang="en-US"/>
           </a:p>
@@ -18011,7 +16932,7 @@
           <a:p>
             <a:fld id="{75AA6396-395E-4ADA-8EE5-F328BC863A04}" type="datetimeFigureOut">
               <a:rPr lang="en-US" smtClean="0"/>
-              <a:t>4/29/2015</a:t>
+              <a:t>11/12/2016</a:t>
             </a:fld>
             <a:endParaRPr lang="en-US"/>
           </a:p>
@@ -18231,7 +17152,7 @@
           <a:p>
             <a:fld id="{75AA6396-395E-4ADA-8EE5-F328BC863A04}" type="datetimeFigureOut">
               <a:rPr lang="en-US" smtClean="0"/>
-              <a:t>4/29/2015</a:t>
+              <a:t>11/12/2016</a:t>
             </a:fld>
             <a:endParaRPr lang="en-US"/>
           </a:p>
@@ -18484,7 +17405,7 @@
           <a:p>
             <a:fld id="{75AA6396-395E-4ADA-8EE5-F328BC863A04}" type="datetimeFigureOut">
               <a:rPr lang="en-US" smtClean="0"/>
-              <a:t>4/29/2015</a:t>
+              <a:t>11/12/2016</a:t>
             </a:fld>
             <a:endParaRPr lang="en-US"/>
           </a:p>
@@ -18723,7 +17644,7 @@
           <a:p>
             <a:fld id="{75AA6396-395E-4ADA-8EE5-F328BC863A04}" type="datetimeFigureOut">
               <a:rPr lang="en-US" smtClean="0"/>
-              <a:t>4/29/2015</a:t>
+              <a:t>11/12/2016</a:t>
             </a:fld>
             <a:endParaRPr lang="en-US"/>
           </a:p>
@@ -19097,7 +18018,7 @@
           <a:p>
             <a:fld id="{75AA6396-395E-4ADA-8EE5-F328BC863A04}" type="datetimeFigureOut">
               <a:rPr lang="en-US" smtClean="0"/>
-              <a:t>4/29/2015</a:t>
+              <a:t>11/12/2016</a:t>
             </a:fld>
             <a:endParaRPr lang="en-US"/>
           </a:p>
@@ -19215,7 +18136,7 @@
           <a:p>
             <a:fld id="{75AA6396-395E-4ADA-8EE5-F328BC863A04}" type="datetimeFigureOut">
               <a:rPr lang="en-US" smtClean="0"/>
-              <a:t>4/29/2015</a:t>
+              <a:t>11/12/2016</a:t>
             </a:fld>
             <a:endParaRPr lang="en-US"/>
           </a:p>
@@ -19310,7 +18231,7 @@
           <a:p>
             <a:fld id="{75AA6396-395E-4ADA-8EE5-F328BC863A04}" type="datetimeFigureOut">
               <a:rPr lang="en-US" smtClean="0"/>
-              <a:t>4/29/2015</a:t>
+              <a:t>11/12/2016</a:t>
             </a:fld>
             <a:endParaRPr lang="en-US"/>
           </a:p>
@@ -19587,7 +18508,7 @@
           <a:p>
             <a:fld id="{75AA6396-395E-4ADA-8EE5-F328BC863A04}" type="datetimeFigureOut">
               <a:rPr lang="en-US" smtClean="0"/>
-              <a:t>4/29/2015</a:t>
+              <a:t>11/12/2016</a:t>
             </a:fld>
             <a:endParaRPr lang="en-US"/>
           </a:p>
@@ -19840,7 +18761,7 @@
           <a:p>
             <a:fld id="{75AA6396-395E-4ADA-8EE5-F328BC863A04}" type="datetimeFigureOut">
               <a:rPr lang="en-US" smtClean="0"/>
-              <a:t>4/29/2015</a:t>
+              <a:t>11/12/2016</a:t>
             </a:fld>
             <a:endParaRPr lang="en-US"/>
           </a:p>
@@ -20053,7 +18974,7 @@
           <a:p>
             <a:fld id="{75AA6396-395E-4ADA-8EE5-F328BC863A04}" type="datetimeFigureOut">
               <a:rPr lang="en-US" smtClean="0"/>
-              <a:t>4/29/2015</a:t>
+              <a:t>11/12/2016</a:t>
             </a:fld>
             <a:endParaRPr lang="en-US"/>
           </a:p>
